--- a/SE489/Lectures/6-Configuration Management/Configuration Management 2.pptx
+++ b/SE489/Lectures/6-Configuration Management/Configuration Management 2.pptx
@@ -5,7 +5,7 @@
     <p:sldMasterId id="2147483648" r:id="rId1"/>
   </p:sldMasterIdLst>
   <p:notesMasterIdLst>
-    <p:notesMasterId r:id="rId22"/>
+    <p:notesMasterId r:id="rId30"/>
   </p:notesMasterIdLst>
   <p:sldIdLst>
     <p:sldId id="256" r:id="rId2"/>
@@ -17,17 +17,25 @@
     <p:sldId id="357" r:id="rId8"/>
     <p:sldId id="360" r:id="rId9"/>
     <p:sldId id="358" r:id="rId10"/>
-    <p:sldId id="361" r:id="rId11"/>
-    <p:sldId id="362" r:id="rId12"/>
-    <p:sldId id="364" r:id="rId13"/>
-    <p:sldId id="363" r:id="rId14"/>
-    <p:sldId id="365" r:id="rId15"/>
-    <p:sldId id="366" r:id="rId16"/>
-    <p:sldId id="367" r:id="rId17"/>
-    <p:sldId id="368" r:id="rId18"/>
-    <p:sldId id="369" r:id="rId19"/>
-    <p:sldId id="370" r:id="rId20"/>
-    <p:sldId id="371" r:id="rId21"/>
+    <p:sldId id="372" r:id="rId11"/>
+    <p:sldId id="374" r:id="rId12"/>
+    <p:sldId id="373" r:id="rId13"/>
+    <p:sldId id="361" r:id="rId14"/>
+    <p:sldId id="362" r:id="rId15"/>
+    <p:sldId id="364" r:id="rId16"/>
+    <p:sldId id="363" r:id="rId17"/>
+    <p:sldId id="375" r:id="rId18"/>
+    <p:sldId id="376" r:id="rId19"/>
+    <p:sldId id="378" r:id="rId20"/>
+    <p:sldId id="379" r:id="rId21"/>
+    <p:sldId id="365" r:id="rId22"/>
+    <p:sldId id="366" r:id="rId23"/>
+    <p:sldId id="377" r:id="rId24"/>
+    <p:sldId id="367" r:id="rId25"/>
+    <p:sldId id="368" r:id="rId26"/>
+    <p:sldId id="369" r:id="rId27"/>
+    <p:sldId id="370" r:id="rId28"/>
+    <p:sldId id="371" r:id="rId29"/>
   </p:sldIdLst>
   <p:sldSz cx="12192000" cy="6858000"/>
   <p:notesSz cx="6858000" cy="9144000"/>
@@ -2688,7 +2696,7 @@
           <a:p>
             <a:fld id="{41DA9887-9249-49FD-809A-BACB264048C3}" type="datetimeFigureOut">
               <a:rPr lang="en-US" smtClean="0"/>
-              <a:t>3/28/2022</a:t>
+              <a:t>10/16/2022</a:t>
             </a:fld>
             <a:endParaRPr lang="en-US"/>
           </a:p>
@@ -3093,7 +3101,7 @@
           <a:p>
             <a:fld id="{08A707AD-71EE-4F71-BFB0-5CFFA7745367}" type="datetime1">
               <a:rPr lang="en-US" smtClean="0"/>
-              <a:t>3/28/2022</a:t>
+              <a:t>10/16/2022</a:t>
             </a:fld>
             <a:endParaRPr lang="en-US"/>
           </a:p>
@@ -3385,7 +3393,7 @@
           <a:p>
             <a:fld id="{CF6F9948-F8FC-4163-B3EE-CE0CD0EF91F9}" type="datetime1">
               <a:rPr lang="en-US" smtClean="0"/>
-              <a:t>3/28/2022</a:t>
+              <a:t>10/16/2022</a:t>
             </a:fld>
             <a:endParaRPr lang="en-US"/>
           </a:p>
@@ -3565,7 +3573,7 @@
           <a:p>
             <a:fld id="{090C3B62-4C74-4EE9-93F0-BE51AE88912F}" type="datetime1">
               <a:rPr lang="en-US" smtClean="0"/>
-              <a:t>3/28/2022</a:t>
+              <a:t>10/16/2022</a:t>
             </a:fld>
             <a:endParaRPr lang="en-US"/>
           </a:p>
@@ -3821,7 +3829,7 @@
           <a:p>
             <a:fld id="{D63A470F-AE83-4D43-9CAA-74593F94EAD0}" type="datetime1">
               <a:rPr lang="en-US" smtClean="0"/>
-              <a:t>3/28/2022</a:t>
+              <a:t>10/16/2022</a:t>
             </a:fld>
             <a:endParaRPr lang="en-US"/>
           </a:p>
@@ -4166,7 +4174,7 @@
           <a:p>
             <a:fld id="{E5B8C5BE-3403-4496-9B81-C40FD99BCC4A}" type="datetime1">
               <a:rPr lang="en-US" smtClean="0"/>
-              <a:t>3/28/2022</a:t>
+              <a:t>10/16/2022</a:t>
             </a:fld>
             <a:endParaRPr lang="en-US"/>
           </a:p>
@@ -4398,7 +4406,7 @@
           <a:p>
             <a:fld id="{B78E11C0-1713-41FC-9E65-ABB713C18815}" type="datetime1">
               <a:rPr lang="en-US" smtClean="0"/>
-              <a:t>3/28/2022</a:t>
+              <a:t>10/16/2022</a:t>
             </a:fld>
             <a:endParaRPr lang="en-US"/>
           </a:p>
@@ -4765,7 +4773,7 @@
           <a:p>
             <a:fld id="{555C483D-0DA7-48F4-B572-48ADE24F3969}" type="datetime1">
               <a:rPr lang="en-US" smtClean="0"/>
-              <a:t>3/28/2022</a:t>
+              <a:t>10/16/2022</a:t>
             </a:fld>
             <a:endParaRPr lang="en-US"/>
           </a:p>
@@ -4860,7 +4868,7 @@
           <a:p>
             <a:fld id="{4C06054D-416E-4D32-B207-3C4728F29C83}" type="datetime1">
               <a:rPr lang="en-US" smtClean="0"/>
-              <a:t>3/28/2022</a:t>
+              <a:t>10/16/2022</a:t>
             </a:fld>
             <a:endParaRPr lang="en-US"/>
           </a:p>
@@ -5083,7 +5091,7 @@
             <a:fld id="{B2F5E2FA-C428-4CE7-95B0-168D3259A5BB}" type="datetimeFigureOut">
               <a:rPr lang="en-US" smtClean="0"/>
               <a:pPr/>
-              <a:t>3/28/2022</a:t>
+              <a:t>10/16/2022</a:t>
             </a:fld>
             <a:endParaRPr lang="en-US"/>
           </a:p>
@@ -5254,7 +5262,7 @@
           <a:p>
             <a:fld id="{B34CF2DF-EBB2-4927-9B4B-28D12CAF900C}" type="datetime1">
               <a:rPr lang="en-US" smtClean="0"/>
-              <a:t>3/28/2022</a:t>
+              <a:t>10/16/2022</a:t>
             </a:fld>
             <a:endParaRPr lang="en-US"/>
           </a:p>
@@ -5531,7 +5539,7 @@
           <a:p>
             <a:fld id="{287D8537-E29A-46E3-9242-0E7B32B09241}" type="datetime1">
               <a:rPr lang="en-US" smtClean="0"/>
-              <a:t>3/28/2022</a:t>
+              <a:t>10/16/2022</a:t>
             </a:fld>
             <a:endParaRPr lang="en-US"/>
           </a:p>
@@ -5784,7 +5792,7 @@
           <a:p>
             <a:fld id="{0B8D9EDF-63DE-4DED-A3C4-232814F0B4D7}" type="datetime1">
               <a:rPr lang="en-US" smtClean="0"/>
-              <a:t>3/28/2022</a:t>
+              <a:t>10/16/2022</a:t>
             </a:fld>
             <a:endParaRPr lang="en-US"/>
           </a:p>
@@ -5997,7 +6005,7 @@
           <a:p>
             <a:fld id="{1DC34F13-F0A8-4E10-9ECC-0BA9AAA5E3EB}" type="datetime1">
               <a:rPr lang="en-US" smtClean="0"/>
-              <a:t>3/28/2022</a:t>
+              <a:t>10/16/2022</a:t>
             </a:fld>
             <a:endParaRPr lang="en-US"/>
           </a:p>
@@ -6526,13 +6534,34 @@
           <a:p>
             <a:r>
               <a:rPr lang="en-US" dirty="0"/>
+              <a:t>What is Configuration Management?</a:t>
+            </a:r>
+          </a:p>
+        </p:txBody>
+      </p:sp>
+      <p:sp>
+        <p:nvSpPr>
+          <p:cNvPr id="3" name="Content Placeholder 2"/>
+          <p:cNvSpPr>
+            <a:spLocks noGrp="1"/>
+          </p:cNvSpPr>
+          <p:nvPr>
+            <p:ph idx="1"/>
+          </p:nvPr>
+        </p:nvSpPr>
+        <p:spPr/>
+        <p:txBody>
+          <a:bodyPr/>
+          <a:lstStyle/>
+          <a:p>
+            <a:r>
+              <a:rPr lang="en-US" dirty="0" smtClean="0"/>
               <a:t>Configuration </a:t>
             </a:r>
             <a:r>
-              <a:rPr lang="en-US" dirty="0" smtClean="0"/>
-              <a:t>Management Components</a:t>
-            </a:r>
-            <a:endParaRPr lang="en-US" dirty="0"/>
+              <a:rPr lang="en-US" dirty="0"/>
+              <a:t>management is a process that helps organizations configure, maintain, correct, and ensure that computer systems and hardware remain in a desired state — without needing to track every change manually.</a:t>
+            </a:r>
           </a:p>
         </p:txBody>
       </p:sp>
@@ -6568,21 +6597,472 @@
           </p:cNvPicPr>
           <p:nvPr/>
         </p:nvPicPr>
-        <p:blipFill rotWithShape="1">
+        <p:blipFill>
           <a:blip r:embed="rId2"/>
-          <a:srcRect l="16496" t="39304" r="41649" b="26609"/>
-          <a:stretch/>
+          <a:stretch>
+            <a:fillRect/>
+          </a:stretch>
         </p:blipFill>
         <p:spPr>
           <a:xfrm>
-            <a:off x="1604252" y="2348877"/>
-            <a:ext cx="7905507" cy="3621504"/>
+            <a:off x="1558058" y="3451716"/>
+            <a:ext cx="8783276" cy="2057687"/>
           </a:xfrm>
           <a:prstGeom prst="rect">
             <a:avLst/>
           </a:prstGeom>
         </p:spPr>
       </p:pic>
+    </p:spTree>
+    <p:extLst>
+      <p:ext uri="{BB962C8B-B14F-4D97-AF65-F5344CB8AC3E}">
+        <p14:creationId xmlns:p14="http://schemas.microsoft.com/office/powerpoint/2010/main" val="592986744"/>
+      </p:ext>
+    </p:extLst>
+  </p:cSld>
+  <p:clrMapOvr>
+    <a:masterClrMapping/>
+  </p:clrMapOvr>
+</p:sld>
+</file>
+
+<file path=ppt/slides/slide11.xml><?xml version="1.0" encoding="utf-8"?>
+<p:sld xmlns:a="http://schemas.openxmlformats.org/drawingml/2006/main" xmlns:r="http://schemas.openxmlformats.org/officeDocument/2006/relationships" xmlns:p="http://schemas.openxmlformats.org/presentationml/2006/main">
+  <p:cSld>
+    <p:spTree>
+      <p:nvGrpSpPr>
+        <p:cNvPr id="1" name=""/>
+        <p:cNvGrpSpPr/>
+        <p:nvPr/>
+      </p:nvGrpSpPr>
+      <p:grpSpPr>
+        <a:xfrm>
+          <a:off x="0" y="0"/>
+          <a:ext cx="0" cy="0"/>
+          <a:chOff x="0" y="0"/>
+          <a:chExt cx="0" cy="0"/>
+        </a:xfrm>
+      </p:grpSpPr>
+      <p:sp>
+        <p:nvSpPr>
+          <p:cNvPr id="2" name="Title 1"/>
+          <p:cNvSpPr>
+            <a:spLocks noGrp="1"/>
+          </p:cNvSpPr>
+          <p:nvPr>
+            <p:ph type="title"/>
+          </p:nvPr>
+        </p:nvSpPr>
+        <p:spPr/>
+        <p:txBody>
+          <a:bodyPr/>
+          <a:lstStyle/>
+          <a:p>
+            <a:r>
+              <a:rPr lang="en-US" dirty="0"/>
+              <a:t>Why is configuration management important?</a:t>
+            </a:r>
+          </a:p>
+        </p:txBody>
+      </p:sp>
+      <p:sp>
+        <p:nvSpPr>
+          <p:cNvPr id="3" name="Content Placeholder 2"/>
+          <p:cNvSpPr>
+            <a:spLocks noGrp="1"/>
+          </p:cNvSpPr>
+          <p:nvPr>
+            <p:ph idx="1"/>
+          </p:nvPr>
+        </p:nvSpPr>
+        <p:spPr/>
+        <p:txBody>
+          <a:bodyPr>
+            <a:normAutofit/>
+          </a:bodyPr>
+          <a:lstStyle/>
+          <a:p>
+            <a:r>
+              <a:rPr lang="en-US" dirty="0" smtClean="0"/>
+              <a:t>It is essential because </a:t>
+            </a:r>
+            <a:r>
+              <a:rPr lang="en-US" dirty="0"/>
+              <a:t>it creates a consistent and predictable development environment. </a:t>
+            </a:r>
+            <a:endParaRPr lang="en-US" dirty="0" smtClean="0"/>
+          </a:p>
+          <a:p>
+            <a:r>
+              <a:rPr lang="en-US" dirty="0" smtClean="0"/>
+              <a:t>It </a:t>
+            </a:r>
+            <a:r>
+              <a:rPr lang="en-US" dirty="0"/>
+              <a:t>ensures that </a:t>
+            </a:r>
+            <a:r>
+              <a:rPr lang="en-US" dirty="0" smtClean="0"/>
+              <a:t>infrastructure development and deployment </a:t>
+            </a:r>
+            <a:r>
+              <a:rPr lang="en-US" dirty="0"/>
+              <a:t>control processes </a:t>
+            </a:r>
+            <a:endParaRPr lang="en-US" dirty="0" smtClean="0"/>
+          </a:p>
+          <a:p>
+            <a:pPr lvl="1"/>
+            <a:r>
+              <a:rPr lang="en-US" dirty="0" smtClean="0"/>
+              <a:t>follow </a:t>
+            </a:r>
+            <a:r>
+              <a:rPr lang="en-US" dirty="0"/>
+              <a:t>required compliance </a:t>
+            </a:r>
+            <a:r>
+              <a:rPr lang="en-US" dirty="0" smtClean="0"/>
+              <a:t>frameworks</a:t>
+            </a:r>
+          </a:p>
+          <a:p>
+            <a:pPr lvl="1"/>
+            <a:r>
+              <a:rPr lang="en-US" dirty="0" smtClean="0"/>
+              <a:t>enforce </a:t>
+            </a:r>
+            <a:r>
+              <a:rPr lang="en-US" dirty="0"/>
+              <a:t>consistency and stability throughout </a:t>
+            </a:r>
+            <a:r>
+              <a:rPr lang="en-US" dirty="0" err="1"/>
+              <a:t>on-premise</a:t>
+            </a:r>
+            <a:r>
+              <a:rPr lang="en-US" dirty="0"/>
+              <a:t> and cloud-native </a:t>
+            </a:r>
+            <a:r>
+              <a:rPr lang="en-US" dirty="0" smtClean="0"/>
+              <a:t>environments</a:t>
+            </a:r>
+          </a:p>
+          <a:p>
+            <a:pPr lvl="1"/>
+            <a:r>
+              <a:rPr lang="en-US" dirty="0" smtClean="0"/>
+              <a:t>and </a:t>
+            </a:r>
+            <a:r>
+              <a:rPr lang="en-US" dirty="0"/>
+              <a:t>reinforce security through application of self-healing infrastructure as code</a:t>
+            </a:r>
+            <a:r>
+              <a:rPr lang="en-US" dirty="0" smtClean="0"/>
+              <a:t>.</a:t>
+            </a:r>
+            <a:endParaRPr lang="en-US" dirty="0"/>
+          </a:p>
+        </p:txBody>
+      </p:sp>
+      <p:sp>
+        <p:nvSpPr>
+          <p:cNvPr id="4" name="Slide Number Placeholder 3"/>
+          <p:cNvSpPr>
+            <a:spLocks noGrp="1"/>
+          </p:cNvSpPr>
+          <p:nvPr>
+            <p:ph type="sldNum" sz="quarter" idx="12"/>
+          </p:nvPr>
+        </p:nvSpPr>
+        <p:spPr/>
+        <p:txBody>
+          <a:bodyPr/>
+          <a:lstStyle/>
+          <a:p>
+            <a:fld id="{B8DACC02-A2BD-4578-8E03-6D891060A695}" type="slidenum">
+              <a:rPr lang="en-US" smtClean="0"/>
+              <a:pPr/>
+              <a:t>11</a:t>
+            </a:fld>
+            <a:endParaRPr lang="en-US" dirty="0"/>
+          </a:p>
+        </p:txBody>
+      </p:sp>
+    </p:spTree>
+    <p:extLst>
+      <p:ext uri="{BB962C8B-B14F-4D97-AF65-F5344CB8AC3E}">
+        <p14:creationId xmlns:p14="http://schemas.microsoft.com/office/powerpoint/2010/main" val="1593188058"/>
+      </p:ext>
+    </p:extLst>
+  </p:cSld>
+  <p:clrMapOvr>
+    <a:masterClrMapping/>
+  </p:clrMapOvr>
+</p:sld>
+</file>
+
+<file path=ppt/slides/slide12.xml><?xml version="1.0" encoding="utf-8"?>
+<p:sld xmlns:a="http://schemas.openxmlformats.org/drawingml/2006/main" xmlns:r="http://schemas.openxmlformats.org/officeDocument/2006/relationships" xmlns:p="http://schemas.openxmlformats.org/presentationml/2006/main">
+  <p:cSld>
+    <p:spTree>
+      <p:nvGrpSpPr>
+        <p:cNvPr id="1" name=""/>
+        <p:cNvGrpSpPr/>
+        <p:nvPr/>
+      </p:nvGrpSpPr>
+      <p:grpSpPr>
+        <a:xfrm>
+          <a:off x="0" y="0"/>
+          <a:ext cx="0" cy="0"/>
+          <a:chOff x="0" y="0"/>
+          <a:chExt cx="0" cy="0"/>
+        </a:xfrm>
+      </p:grpSpPr>
+      <p:sp>
+        <p:nvSpPr>
+          <p:cNvPr id="2" name="Title 1"/>
+          <p:cNvSpPr>
+            <a:spLocks noGrp="1"/>
+          </p:cNvSpPr>
+          <p:nvPr>
+            <p:ph type="title"/>
+          </p:nvPr>
+        </p:nvSpPr>
+        <p:spPr/>
+        <p:txBody>
+          <a:bodyPr/>
+          <a:lstStyle/>
+          <a:p>
+            <a:r>
+              <a:rPr lang="en-US" dirty="0"/>
+              <a:t>Why is configuration management important?</a:t>
+            </a:r>
+          </a:p>
+        </p:txBody>
+      </p:sp>
+      <p:sp>
+        <p:nvSpPr>
+          <p:cNvPr id="3" name="Content Placeholder 2"/>
+          <p:cNvSpPr>
+            <a:spLocks noGrp="1"/>
+          </p:cNvSpPr>
+          <p:nvPr>
+            <p:ph idx="1"/>
+          </p:nvPr>
+        </p:nvSpPr>
+        <p:spPr/>
+        <p:txBody>
+          <a:bodyPr>
+            <a:normAutofit/>
+          </a:bodyPr>
+          <a:lstStyle/>
+          <a:p>
+            <a:r>
+              <a:rPr lang="en-US" dirty="0" smtClean="0"/>
+              <a:t>Configuration </a:t>
+            </a:r>
+            <a:r>
+              <a:rPr lang="en-US" dirty="0"/>
+              <a:t>management ensures that misconfigurations don’t go unnoticed and prevents them from creating problems across the environment</a:t>
+            </a:r>
+            <a:r>
+              <a:rPr lang="en-US" dirty="0" smtClean="0"/>
+              <a:t>.</a:t>
+            </a:r>
+            <a:endParaRPr lang="en-US" dirty="0"/>
+          </a:p>
+          <a:p>
+            <a:r>
+              <a:rPr lang="en-US" dirty="0" smtClean="0"/>
+              <a:t>It </a:t>
+            </a:r>
+            <a:r>
+              <a:rPr lang="en-US" dirty="0"/>
+              <a:t>enables automation that supports continuous compliance. </a:t>
+            </a:r>
+            <a:endParaRPr lang="en-US" dirty="0" smtClean="0"/>
+          </a:p>
+          <a:p>
+            <a:r>
+              <a:rPr lang="en-US" dirty="0" smtClean="0"/>
+              <a:t>It </a:t>
+            </a:r>
+            <a:r>
+              <a:rPr lang="en-US" dirty="0"/>
+              <a:t>empowers IT teams to </a:t>
+            </a:r>
+            <a:endParaRPr lang="en-US" dirty="0" smtClean="0"/>
+          </a:p>
+          <a:p>
+            <a:pPr lvl="1"/>
+            <a:r>
+              <a:rPr lang="en-US" dirty="0" smtClean="0"/>
+              <a:t>determine </a:t>
+            </a:r>
+            <a:r>
+              <a:rPr lang="en-US" dirty="0"/>
+              <a:t>the ideal configuration across the </a:t>
+            </a:r>
+            <a:r>
+              <a:rPr lang="en-US" dirty="0" smtClean="0"/>
+              <a:t>environment</a:t>
+            </a:r>
+          </a:p>
+          <a:p>
+            <a:pPr lvl="1"/>
+            <a:r>
+              <a:rPr lang="en-US" dirty="0" smtClean="0"/>
+              <a:t>prevents </a:t>
+            </a:r>
+            <a:r>
+              <a:rPr lang="en-US" dirty="0"/>
+              <a:t>unauthorized </a:t>
+            </a:r>
+            <a:r>
+              <a:rPr lang="en-US" dirty="0" smtClean="0"/>
+              <a:t>changes</a:t>
+            </a:r>
+          </a:p>
+          <a:p>
+            <a:pPr lvl="1"/>
+            <a:r>
+              <a:rPr lang="en-US" dirty="0" smtClean="0"/>
+              <a:t>catches deviations</a:t>
+            </a:r>
+          </a:p>
+          <a:p>
+            <a:pPr lvl="1"/>
+            <a:r>
+              <a:rPr lang="en-US" dirty="0" smtClean="0"/>
+              <a:t>and </a:t>
+            </a:r>
+            <a:r>
+              <a:rPr lang="en-US" dirty="0"/>
+              <a:t>corrects the system back to desired </a:t>
+            </a:r>
+            <a:r>
+              <a:rPr lang="en-US" dirty="0" smtClean="0"/>
+              <a:t>state</a:t>
+            </a:r>
+            <a:endParaRPr lang="en-US" dirty="0"/>
+          </a:p>
+        </p:txBody>
+      </p:sp>
+      <p:sp>
+        <p:nvSpPr>
+          <p:cNvPr id="4" name="Slide Number Placeholder 3"/>
+          <p:cNvSpPr>
+            <a:spLocks noGrp="1"/>
+          </p:cNvSpPr>
+          <p:nvPr>
+            <p:ph type="sldNum" sz="quarter" idx="12"/>
+          </p:nvPr>
+        </p:nvSpPr>
+        <p:spPr/>
+        <p:txBody>
+          <a:bodyPr/>
+          <a:lstStyle/>
+          <a:p>
+            <a:fld id="{B8DACC02-A2BD-4578-8E03-6D891060A695}" type="slidenum">
+              <a:rPr lang="en-US" smtClean="0"/>
+              <a:pPr/>
+              <a:t>12</a:t>
+            </a:fld>
+            <a:endParaRPr lang="en-US" dirty="0"/>
+          </a:p>
+        </p:txBody>
+      </p:sp>
+    </p:spTree>
+    <p:extLst>
+      <p:ext uri="{BB962C8B-B14F-4D97-AF65-F5344CB8AC3E}">
+        <p14:creationId xmlns:p14="http://schemas.microsoft.com/office/powerpoint/2010/main" val="2840764635"/>
+      </p:ext>
+    </p:extLst>
+  </p:cSld>
+  <p:clrMapOvr>
+    <a:masterClrMapping/>
+  </p:clrMapOvr>
+  <p:timing>
+    <p:tnLst>
+      <p:par>
+        <p:cTn id="1" dur="indefinite" restart="never" nodeType="tmRoot"/>
+      </p:par>
+    </p:tnLst>
+  </p:timing>
+</p:sld>
+</file>
+
+<file path=ppt/slides/slide13.xml><?xml version="1.0" encoding="utf-8"?>
+<p:sld xmlns:a="http://schemas.openxmlformats.org/drawingml/2006/main" xmlns:r="http://schemas.openxmlformats.org/officeDocument/2006/relationships" xmlns:p="http://schemas.openxmlformats.org/presentationml/2006/main">
+  <p:cSld>
+    <p:spTree>
+      <p:nvGrpSpPr>
+        <p:cNvPr id="1" name=""/>
+        <p:cNvGrpSpPr/>
+        <p:nvPr/>
+      </p:nvGrpSpPr>
+      <p:grpSpPr>
+        <a:xfrm>
+          <a:off x="0" y="0"/>
+          <a:ext cx="0" cy="0"/>
+          <a:chOff x="0" y="0"/>
+          <a:chExt cx="0" cy="0"/>
+        </a:xfrm>
+      </p:grpSpPr>
+      <p:sp>
+        <p:nvSpPr>
+          <p:cNvPr id="2" name="Title 1"/>
+          <p:cNvSpPr>
+            <a:spLocks noGrp="1"/>
+          </p:cNvSpPr>
+          <p:nvPr>
+            <p:ph type="title"/>
+          </p:nvPr>
+        </p:nvSpPr>
+        <p:spPr/>
+        <p:txBody>
+          <a:bodyPr/>
+          <a:lstStyle/>
+          <a:p>
+            <a:r>
+              <a:rPr lang="en-US" dirty="0"/>
+              <a:t>Configuration </a:t>
+            </a:r>
+            <a:r>
+              <a:rPr lang="en-US" dirty="0" smtClean="0"/>
+              <a:t>Management Components</a:t>
+            </a:r>
+            <a:endParaRPr lang="en-US" dirty="0"/>
+          </a:p>
+        </p:txBody>
+      </p:sp>
+      <p:sp>
+        <p:nvSpPr>
+          <p:cNvPr id="4" name="Slide Number Placeholder 3"/>
+          <p:cNvSpPr>
+            <a:spLocks noGrp="1"/>
+          </p:cNvSpPr>
+          <p:nvPr>
+            <p:ph type="sldNum" sz="quarter" idx="12"/>
+          </p:nvPr>
+        </p:nvSpPr>
+        <p:spPr/>
+        <p:txBody>
+          <a:bodyPr/>
+          <a:lstStyle/>
+          <a:p>
+            <a:fld id="{B8DACC02-A2BD-4578-8E03-6D891060A695}" type="slidenum">
+              <a:rPr lang="en-US" smtClean="0"/>
+              <a:pPr/>
+              <a:t>13</a:t>
+            </a:fld>
+            <a:endParaRPr lang="en-US" dirty="0"/>
+          </a:p>
+        </p:txBody>
+      </p:sp>
       <p:sp>
         <p:nvSpPr>
           <p:cNvPr id="7" name="Round Single Corner Rectangle 6"/>
@@ -6654,6 +7134,84 @@
               </a:solidFill>
               <a:latin typeface="Candara" panose="020E0502030303020204" pitchFamily="34" charset="0"/>
             </a:endParaRPr>
+          </a:p>
+        </p:txBody>
+      </p:sp>
+      <p:pic>
+        <p:nvPicPr>
+          <p:cNvPr id="3" name="Picture 2"/>
+          <p:cNvPicPr>
+            <a:picLocks noChangeAspect="1"/>
+          </p:cNvPicPr>
+          <p:nvPr/>
+        </p:nvPicPr>
+        <p:blipFill>
+          <a:blip r:embed="rId2">
+            <a:extLst>
+              <a:ext uri="{28A0092B-C50C-407E-A947-70E740481C1C}">
+                <a14:useLocalDpi xmlns:a14="http://schemas.microsoft.com/office/drawing/2010/main" val="0"/>
+              </a:ext>
+            </a:extLst>
+          </a:blip>
+          <a:stretch>
+            <a:fillRect/>
+          </a:stretch>
+        </p:blipFill>
+        <p:spPr>
+          <a:xfrm>
+            <a:off x="1723834" y="2328672"/>
+            <a:ext cx="7762875" cy="3810000"/>
+          </a:xfrm>
+          <a:prstGeom prst="rect">
+            <a:avLst/>
+          </a:prstGeom>
+        </p:spPr>
+      </p:pic>
+      <p:sp>
+        <p:nvSpPr>
+          <p:cNvPr id="6" name="Rectangle 5"/>
+          <p:cNvSpPr/>
+          <p:nvPr/>
+        </p:nvSpPr>
+        <p:spPr>
+          <a:xfrm>
+            <a:off x="8595360" y="2194560"/>
+            <a:ext cx="1024128" cy="557784"/>
+          </a:xfrm>
+          <a:prstGeom prst="rect">
+            <a:avLst/>
+          </a:prstGeom>
+          <a:solidFill>
+            <a:schemeClr val="bg1"/>
+          </a:solidFill>
+          <a:ln>
+            <a:solidFill>
+              <a:schemeClr val="bg1"/>
+            </a:solidFill>
+          </a:ln>
+        </p:spPr>
+        <p:style>
+          <a:lnRef idx="2">
+            <a:schemeClr val="accent1">
+              <a:shade val="50000"/>
+            </a:schemeClr>
+          </a:lnRef>
+          <a:fillRef idx="1">
+            <a:schemeClr val="accent1"/>
+          </a:fillRef>
+          <a:effectRef idx="0">
+            <a:schemeClr val="accent1"/>
+          </a:effectRef>
+          <a:fontRef idx="minor">
+            <a:schemeClr val="lt1"/>
+          </a:fontRef>
+        </p:style>
+        <p:txBody>
+          <a:bodyPr rtlCol="0" anchor="ctr"/>
+          <a:lstStyle/>
+          <a:p>
+            <a:pPr algn="ctr"/>
+            <a:endParaRPr lang="en-US"/>
           </a:p>
         </p:txBody>
       </p:sp>
@@ -6677,7 +7235,7 @@
 </p:sld>
 </file>
 
-<file path=ppt/slides/slide11.xml><?xml version="1.0" encoding="utf-8"?>
+<file path=ppt/slides/slide14.xml><?xml version="1.0" encoding="utf-8"?>
 <p:sld xmlns:a="http://schemas.openxmlformats.org/drawingml/2006/main" xmlns:r="http://schemas.openxmlformats.org/officeDocument/2006/relationships" xmlns:p="http://schemas.openxmlformats.org/presentationml/2006/main">
   <p:cSld>
     <p:spTree>
@@ -6739,7 +7297,7 @@
             <a:fld id="{B8DACC02-A2BD-4578-8E03-6D891060A695}" type="slidenum">
               <a:rPr lang="en-US" smtClean="0"/>
               <a:pPr/>
-              <a:t>11</a:t>
+              <a:t>14</a:t>
             </a:fld>
             <a:endParaRPr lang="en-US" dirty="0"/>
           </a:p>
@@ -7094,508 +7652,6 @@
 </p:sld>
 </file>
 
-<file path=ppt/slides/slide12.xml><?xml version="1.0" encoding="utf-8"?>
-<p:sld xmlns:a="http://schemas.openxmlformats.org/drawingml/2006/main" xmlns:r="http://schemas.openxmlformats.org/officeDocument/2006/relationships" xmlns:p="http://schemas.openxmlformats.org/presentationml/2006/main">
-  <p:cSld>
-    <p:spTree>
-      <p:nvGrpSpPr>
-        <p:cNvPr id="1" name=""/>
-        <p:cNvGrpSpPr/>
-        <p:nvPr/>
-      </p:nvGrpSpPr>
-      <p:grpSpPr>
-        <a:xfrm>
-          <a:off x="0" y="0"/>
-          <a:ext cx="0" cy="0"/>
-          <a:chOff x="0" y="0"/>
-          <a:chExt cx="0" cy="0"/>
-        </a:xfrm>
-      </p:grpSpPr>
-      <p:sp>
-        <p:nvSpPr>
-          <p:cNvPr id="5" name="Title 4"/>
-          <p:cNvSpPr>
-            <a:spLocks noGrp="1"/>
-          </p:cNvSpPr>
-          <p:nvPr>
-            <p:ph type="title"/>
-          </p:nvPr>
-        </p:nvSpPr>
-        <p:spPr/>
-        <p:txBody>
-          <a:bodyPr/>
-          <a:lstStyle/>
-          <a:p>
-            <a:r>
-              <a:rPr lang="en-US" dirty="0"/>
-              <a:t>What is Puppet?</a:t>
-            </a:r>
-          </a:p>
-        </p:txBody>
-      </p:sp>
-      <p:sp>
-        <p:nvSpPr>
-          <p:cNvPr id="6" name="Text Placeholder 5"/>
-          <p:cNvSpPr>
-            <a:spLocks noGrp="1"/>
-          </p:cNvSpPr>
-          <p:nvPr>
-            <p:ph type="body" idx="1"/>
-          </p:nvPr>
-        </p:nvSpPr>
-        <p:spPr/>
-        <p:txBody>
-          <a:bodyPr/>
-          <a:lstStyle/>
-          <a:p>
-            <a:endParaRPr lang="en-US"/>
-          </a:p>
-        </p:txBody>
-      </p:sp>
-      <p:sp>
-        <p:nvSpPr>
-          <p:cNvPr id="4" name="Slide Number Placeholder 3"/>
-          <p:cNvSpPr>
-            <a:spLocks noGrp="1"/>
-          </p:cNvSpPr>
-          <p:nvPr>
-            <p:ph type="sldNum" sz="quarter" idx="12"/>
-          </p:nvPr>
-        </p:nvSpPr>
-        <p:spPr/>
-        <p:txBody>
-          <a:bodyPr/>
-          <a:lstStyle/>
-          <a:p>
-            <a:fld id="{B8DACC02-A2BD-4578-8E03-6D891060A695}" type="slidenum">
-              <a:rPr lang="en-US" smtClean="0"/>
-              <a:pPr/>
-              <a:t>12</a:t>
-            </a:fld>
-            <a:endParaRPr lang="en-US" dirty="0"/>
-          </a:p>
-        </p:txBody>
-      </p:sp>
-    </p:spTree>
-    <p:extLst>
-      <p:ext uri="{BB962C8B-B14F-4D97-AF65-F5344CB8AC3E}">
-        <p14:creationId xmlns:p14="http://schemas.microsoft.com/office/powerpoint/2010/main" val="884744801"/>
-      </p:ext>
-    </p:extLst>
-  </p:cSld>
-  <p:clrMapOvr>
-    <a:masterClrMapping/>
-  </p:clrMapOvr>
-</p:sld>
-</file>
-
-<file path=ppt/slides/slide13.xml><?xml version="1.0" encoding="utf-8"?>
-<p:sld xmlns:a="http://schemas.openxmlformats.org/drawingml/2006/main" xmlns:r="http://schemas.openxmlformats.org/officeDocument/2006/relationships" xmlns:p="http://schemas.openxmlformats.org/presentationml/2006/main">
-  <p:cSld>
-    <p:spTree>
-      <p:nvGrpSpPr>
-        <p:cNvPr id="1" name=""/>
-        <p:cNvGrpSpPr/>
-        <p:nvPr/>
-      </p:nvGrpSpPr>
-      <p:grpSpPr>
-        <a:xfrm>
-          <a:off x="0" y="0"/>
-          <a:ext cx="0" cy="0"/>
-          <a:chOff x="0" y="0"/>
-          <a:chExt cx="0" cy="0"/>
-        </a:xfrm>
-      </p:grpSpPr>
-      <p:sp>
-        <p:nvSpPr>
-          <p:cNvPr id="2" name="Title 1"/>
-          <p:cNvSpPr>
-            <a:spLocks noGrp="1"/>
-          </p:cNvSpPr>
-          <p:nvPr>
-            <p:ph type="title"/>
-          </p:nvPr>
-        </p:nvSpPr>
-        <p:spPr/>
-        <p:txBody>
-          <a:bodyPr/>
-          <a:lstStyle/>
-          <a:p>
-            <a:r>
-              <a:rPr lang="en-US" dirty="0"/>
-              <a:t>What is Puppet?</a:t>
-            </a:r>
-          </a:p>
-        </p:txBody>
-      </p:sp>
-      <p:sp>
-        <p:nvSpPr>
-          <p:cNvPr id="3" name="Content Placeholder 2"/>
-          <p:cNvSpPr>
-            <a:spLocks noGrp="1"/>
-          </p:cNvSpPr>
-          <p:nvPr>
-            <p:ph idx="1"/>
-          </p:nvPr>
-        </p:nvSpPr>
-        <p:spPr>
-          <a:xfrm>
-            <a:off x="347527" y="1406880"/>
-            <a:ext cx="6958530" cy="4746091"/>
-          </a:xfrm>
-        </p:spPr>
-        <p:txBody>
-          <a:bodyPr/>
-          <a:lstStyle/>
-          <a:p>
-            <a:r>
-              <a:rPr lang="en-US" dirty="0" smtClean="0"/>
-              <a:t>Puppet is a configuration Management tool used for:</a:t>
-            </a:r>
-          </a:p>
-          <a:p>
-            <a:pPr lvl="1"/>
-            <a:r>
-              <a:rPr lang="en-US" dirty="0" smtClean="0"/>
-              <a:t>Deploying,</a:t>
-            </a:r>
-          </a:p>
-          <a:p>
-            <a:pPr lvl="1"/>
-            <a:r>
-              <a:rPr lang="en-US" dirty="0" smtClean="0"/>
-              <a:t>Configuring and</a:t>
-            </a:r>
-          </a:p>
-          <a:p>
-            <a:pPr lvl="1"/>
-            <a:r>
-              <a:rPr lang="en-US" dirty="0" smtClean="0"/>
-              <a:t>Managing servers</a:t>
-            </a:r>
-          </a:p>
-          <a:p>
-            <a:r>
-              <a:rPr lang="en-US" dirty="0" smtClean="0"/>
-              <a:t>It uses a Master-slave architecture</a:t>
-            </a:r>
-            <a:endParaRPr lang="en-US" dirty="0"/>
-          </a:p>
-        </p:txBody>
-      </p:sp>
-      <p:sp>
-        <p:nvSpPr>
-          <p:cNvPr id="4" name="Slide Number Placeholder 3"/>
-          <p:cNvSpPr>
-            <a:spLocks noGrp="1"/>
-          </p:cNvSpPr>
-          <p:nvPr>
-            <p:ph type="sldNum" sz="quarter" idx="12"/>
-          </p:nvPr>
-        </p:nvSpPr>
-        <p:spPr/>
-        <p:txBody>
-          <a:bodyPr/>
-          <a:lstStyle/>
-          <a:p>
-            <a:fld id="{B8DACC02-A2BD-4578-8E03-6D891060A695}" type="slidenum">
-              <a:rPr lang="en-US" smtClean="0"/>
-              <a:pPr/>
-              <a:t>13</a:t>
-            </a:fld>
-            <a:endParaRPr lang="en-US" dirty="0"/>
-          </a:p>
-        </p:txBody>
-      </p:sp>
-      <p:pic>
-        <p:nvPicPr>
-          <p:cNvPr id="8196" name="Picture 4" descr="Puppet Enterprise Reviews 2022: Details, Pricing, &amp; Features | G2"/>
-          <p:cNvPicPr>
-            <a:picLocks noChangeAspect="1" noChangeArrowheads="1"/>
-          </p:cNvPicPr>
-          <p:nvPr/>
-        </p:nvPicPr>
-        <p:blipFill>
-          <a:blip r:embed="rId2">
-            <a:extLst>
-              <a:ext uri="{28A0092B-C50C-407E-A947-70E740481C1C}">
-                <a14:useLocalDpi xmlns:a14="http://schemas.microsoft.com/office/drawing/2010/main" val="0"/>
-              </a:ext>
-            </a:extLst>
-          </a:blip>
-          <a:srcRect/>
-          <a:stretch>
-            <a:fillRect/>
-          </a:stretch>
-        </p:blipFill>
-        <p:spPr bwMode="auto">
-          <a:xfrm>
-            <a:off x="8605241" y="1178059"/>
-            <a:ext cx="3393050" cy="1781352"/>
-          </a:xfrm>
-          <a:prstGeom prst="rect">
-            <a:avLst/>
-          </a:prstGeom>
-          <a:noFill/>
-          <a:extLst>
-            <a:ext uri="{909E8E84-426E-40DD-AFC4-6F175D3DCCD1}">
-              <a14:hiddenFill xmlns:a14="http://schemas.microsoft.com/office/drawing/2010/main">
-                <a:solidFill>
-                  <a:srgbClr val="FFFFFF"/>
-                </a:solidFill>
-              </a14:hiddenFill>
-            </a:ext>
-          </a:extLst>
-        </p:spPr>
-      </p:pic>
-      <p:pic>
-        <p:nvPicPr>
-          <p:cNvPr id="8198" name="Picture 6" descr="Puppet Use Cases: How to Troubleshoot - Applied Information Sciences"/>
-          <p:cNvPicPr>
-            <a:picLocks noChangeAspect="1" noChangeArrowheads="1"/>
-          </p:cNvPicPr>
-          <p:nvPr/>
-        </p:nvPicPr>
-        <p:blipFill rotWithShape="1">
-          <a:blip r:embed="rId3" cstate="print">
-            <a:extLst>
-              <a:ext uri="{28A0092B-C50C-407E-A947-70E740481C1C}">
-                <a14:useLocalDpi xmlns:a14="http://schemas.microsoft.com/office/drawing/2010/main" val="0"/>
-              </a:ext>
-            </a:extLst>
-          </a:blip>
-          <a:srcRect l="1830" t="3445" r="1436" b="5539"/>
-          <a:stretch/>
-        </p:blipFill>
-        <p:spPr bwMode="auto">
-          <a:xfrm>
-            <a:off x="6377516" y="2959411"/>
-            <a:ext cx="5542961" cy="3161790"/>
-          </a:xfrm>
-          <a:prstGeom prst="rect">
-            <a:avLst/>
-          </a:prstGeom>
-          <a:noFill/>
-          <a:extLst>
-            <a:ext uri="{909E8E84-426E-40DD-AFC4-6F175D3DCCD1}">
-              <a14:hiddenFill xmlns:a14="http://schemas.microsoft.com/office/drawing/2010/main">
-                <a:solidFill>
-                  <a:srgbClr val="FFFFFF"/>
-                </a:solidFill>
-              </a14:hiddenFill>
-            </a:ext>
-          </a:extLst>
-        </p:spPr>
-      </p:pic>
-    </p:spTree>
-    <p:extLst>
-      <p:ext uri="{BB962C8B-B14F-4D97-AF65-F5344CB8AC3E}">
-        <p14:creationId xmlns:p14="http://schemas.microsoft.com/office/powerpoint/2010/main" val="49616484"/>
-      </p:ext>
-    </p:extLst>
-  </p:cSld>
-  <p:clrMapOvr>
-    <a:masterClrMapping/>
-  </p:clrMapOvr>
-  <p:timing>
-    <p:tnLst>
-      <p:par>
-        <p:cTn id="1" dur="indefinite" restart="never" nodeType="tmRoot"/>
-      </p:par>
-    </p:tnLst>
-  </p:timing>
-</p:sld>
-</file>
-
-<file path=ppt/slides/slide14.xml><?xml version="1.0" encoding="utf-8"?>
-<p:sld xmlns:a="http://schemas.openxmlformats.org/drawingml/2006/main" xmlns:r="http://schemas.openxmlformats.org/officeDocument/2006/relationships" xmlns:p="http://schemas.openxmlformats.org/presentationml/2006/main">
-  <p:cSld>
-    <p:spTree>
-      <p:nvGrpSpPr>
-        <p:cNvPr id="1" name=""/>
-        <p:cNvGrpSpPr/>
-        <p:nvPr/>
-      </p:nvGrpSpPr>
-      <p:grpSpPr>
-        <a:xfrm>
-          <a:off x="0" y="0"/>
-          <a:ext cx="0" cy="0"/>
-          <a:chOff x="0" y="0"/>
-          <a:chExt cx="0" cy="0"/>
-        </a:xfrm>
-      </p:grpSpPr>
-      <p:sp>
-        <p:nvSpPr>
-          <p:cNvPr id="2" name="Title 1"/>
-          <p:cNvSpPr>
-            <a:spLocks noGrp="1"/>
-          </p:cNvSpPr>
-          <p:nvPr>
-            <p:ph type="title"/>
-          </p:nvPr>
-        </p:nvSpPr>
-        <p:spPr/>
-        <p:txBody>
-          <a:bodyPr/>
-          <a:lstStyle/>
-          <a:p>
-            <a:r>
-              <a:rPr lang="en-US" dirty="0"/>
-              <a:t>Puppet Master-Slave Architecture</a:t>
-            </a:r>
-          </a:p>
-        </p:txBody>
-      </p:sp>
-      <p:sp>
-        <p:nvSpPr>
-          <p:cNvPr id="3" name="Content Placeholder 2"/>
-          <p:cNvSpPr>
-            <a:spLocks noGrp="1"/>
-          </p:cNvSpPr>
-          <p:nvPr>
-            <p:ph idx="1"/>
-          </p:nvPr>
-        </p:nvSpPr>
-        <p:spPr/>
-        <p:txBody>
-          <a:bodyPr/>
-          <a:lstStyle/>
-          <a:p>
-            <a:endParaRPr lang="en-US"/>
-          </a:p>
-        </p:txBody>
-      </p:sp>
-      <p:sp>
-        <p:nvSpPr>
-          <p:cNvPr id="4" name="Slide Number Placeholder 3"/>
-          <p:cNvSpPr>
-            <a:spLocks noGrp="1"/>
-          </p:cNvSpPr>
-          <p:nvPr>
-            <p:ph type="sldNum" sz="quarter" idx="12"/>
-          </p:nvPr>
-        </p:nvSpPr>
-        <p:spPr/>
-        <p:txBody>
-          <a:bodyPr/>
-          <a:lstStyle/>
-          <a:p>
-            <a:fld id="{B8DACC02-A2BD-4578-8E03-6D891060A695}" type="slidenum">
-              <a:rPr lang="en-US" smtClean="0"/>
-              <a:pPr/>
-              <a:t>14</a:t>
-            </a:fld>
-            <a:endParaRPr lang="en-US" dirty="0"/>
-          </a:p>
-        </p:txBody>
-      </p:sp>
-      <p:pic>
-        <p:nvPicPr>
-          <p:cNvPr id="9218" name="Picture 2" descr="Puppet Tutorial | Puppet For Configuration Management | Edureka"/>
-          <p:cNvPicPr>
-            <a:picLocks noChangeAspect="1" noChangeArrowheads="1"/>
-          </p:cNvPicPr>
-          <p:nvPr/>
-        </p:nvPicPr>
-        <p:blipFill>
-          <a:blip r:embed="rId2">
-            <a:extLst>
-              <a:ext uri="{28A0092B-C50C-407E-A947-70E740481C1C}">
-                <a14:useLocalDpi xmlns:a14="http://schemas.microsoft.com/office/drawing/2010/main" val="0"/>
-              </a:ext>
-            </a:extLst>
-          </a:blip>
-          <a:srcRect/>
-          <a:stretch>
-            <a:fillRect/>
-          </a:stretch>
-        </p:blipFill>
-        <p:spPr bwMode="auto">
-          <a:xfrm>
-            <a:off x="1801495" y="1832062"/>
-            <a:ext cx="7762875" cy="3895725"/>
-          </a:xfrm>
-          <a:prstGeom prst="rect">
-            <a:avLst/>
-          </a:prstGeom>
-          <a:noFill/>
-          <a:extLst>
-            <a:ext uri="{909E8E84-426E-40DD-AFC4-6F175D3DCCD1}">
-              <a14:hiddenFill xmlns:a14="http://schemas.microsoft.com/office/drawing/2010/main">
-                <a:solidFill>
-                  <a:srgbClr val="FFFFFF"/>
-                </a:solidFill>
-              </a14:hiddenFill>
-            </a:ext>
-          </a:extLst>
-        </p:spPr>
-      </p:pic>
-      <p:sp>
-        <p:nvSpPr>
-          <p:cNvPr id="5" name="Round Diagonal Corner Rectangle 4"/>
-          <p:cNvSpPr/>
-          <p:nvPr/>
-        </p:nvSpPr>
-        <p:spPr>
-          <a:xfrm>
-            <a:off x="8202168" y="1832062"/>
-            <a:ext cx="1901952" cy="572810"/>
-          </a:xfrm>
-          <a:prstGeom prst="round2DiagRect">
-            <a:avLst/>
-          </a:prstGeom>
-          <a:solidFill>
-            <a:schemeClr val="bg1"/>
-          </a:solidFill>
-          <a:ln>
-            <a:noFill/>
-          </a:ln>
-        </p:spPr>
-        <p:style>
-          <a:lnRef idx="2">
-            <a:schemeClr val="accent1">
-              <a:shade val="50000"/>
-            </a:schemeClr>
-          </a:lnRef>
-          <a:fillRef idx="1">
-            <a:schemeClr val="accent1"/>
-          </a:fillRef>
-          <a:effectRef idx="0">
-            <a:schemeClr val="accent1"/>
-          </a:effectRef>
-          <a:fontRef idx="minor">
-            <a:schemeClr val="lt1"/>
-          </a:fontRef>
-        </p:style>
-        <p:txBody>
-          <a:bodyPr rtlCol="0" anchor="ctr"/>
-          <a:lstStyle/>
-          <a:p>
-            <a:pPr algn="ctr"/>
-            <a:endParaRPr lang="en-US"/>
-          </a:p>
-        </p:txBody>
-      </p:sp>
-    </p:spTree>
-    <p:extLst>
-      <p:ext uri="{BB962C8B-B14F-4D97-AF65-F5344CB8AC3E}">
-        <p14:creationId xmlns:p14="http://schemas.microsoft.com/office/powerpoint/2010/main" val="931899304"/>
-      </p:ext>
-    </p:extLst>
-  </p:cSld>
-  <p:clrMapOvr>
-    <a:masterClrMapping/>
-  </p:clrMapOvr>
-  <p:timing>
-    <p:tnLst>
-      <p:par>
-        <p:cTn id="1" dur="indefinite" restart="never" nodeType="tmRoot"/>
-      </p:par>
-    </p:tnLst>
-  </p:timing>
-</p:sld>
-</file>
-
 <file path=ppt/slides/slide15.xml><?xml version="1.0" encoding="utf-8"?>
 <p:sld xmlns:a="http://schemas.openxmlformats.org/drawingml/2006/main" xmlns:r="http://schemas.openxmlformats.org/officeDocument/2006/relationships" xmlns:p="http://schemas.openxmlformats.org/presentationml/2006/main">
   <p:cSld>
@@ -7615,7 +7671,7 @@
       </p:grpSpPr>
       <p:sp>
         <p:nvSpPr>
-          <p:cNvPr id="2" name="Title 1"/>
+          <p:cNvPr id="5" name="Title 4"/>
           <p:cNvSpPr>
             <a:spLocks noGrp="1"/>
           </p:cNvSpPr>
@@ -7630,8 +7686,27 @@
           <a:p>
             <a:r>
               <a:rPr lang="en-US" dirty="0"/>
-              <a:t>Puppet Master Slave Connection</a:t>
-            </a:r>
+              <a:t>What is Puppet?</a:t>
+            </a:r>
+          </a:p>
+        </p:txBody>
+      </p:sp>
+      <p:sp>
+        <p:nvSpPr>
+          <p:cNvPr id="6" name="Text Placeholder 5"/>
+          <p:cNvSpPr>
+            <a:spLocks noGrp="1"/>
+          </p:cNvSpPr>
+          <p:nvPr>
+            <p:ph type="body" idx="1"/>
+          </p:nvPr>
+        </p:nvSpPr>
+        <p:spPr/>
+        <p:txBody>
+          <a:bodyPr/>
+          <a:lstStyle/>
+          <a:p>
+            <a:endParaRPr lang="en-US"/>
           </a:p>
         </p:txBody>
       </p:sp>
@@ -7659,107 +7734,10 @@
           </a:p>
         </p:txBody>
       </p:sp>
-      <p:pic>
-        <p:nvPicPr>
-          <p:cNvPr id="10244" name="Picture 4" descr="https://intellipaat.com/mediaFiles/2018/12/How-the-Puppet-connections-are-getting-established-between-puppet-master-server-and-Puppet-agent-nodes.png"/>
-          <p:cNvPicPr>
-            <a:picLocks noChangeAspect="1" noChangeArrowheads="1"/>
-          </p:cNvPicPr>
-          <p:nvPr/>
-        </p:nvPicPr>
-        <p:blipFill>
-          <a:blip r:embed="rId2">
-            <a:extLst>
-              <a:ext uri="{28A0092B-C50C-407E-A947-70E740481C1C}">
-                <a14:useLocalDpi xmlns:a14="http://schemas.microsoft.com/office/drawing/2010/main" val="0"/>
-              </a:ext>
-            </a:extLst>
-          </a:blip>
-          <a:srcRect/>
-          <a:stretch>
-            <a:fillRect/>
-          </a:stretch>
-        </p:blipFill>
-        <p:spPr bwMode="auto">
-          <a:xfrm>
-            <a:off x="2457886" y="2444507"/>
-            <a:ext cx="6870843" cy="3873056"/>
-          </a:xfrm>
-          <a:prstGeom prst="rect">
-            <a:avLst/>
-          </a:prstGeom>
-          <a:noFill/>
-          <a:extLst>
-            <a:ext uri="{909E8E84-426E-40DD-AFC4-6F175D3DCCD1}">
-              <a14:hiddenFill xmlns:a14="http://schemas.microsoft.com/office/drawing/2010/main">
-                <a:solidFill>
-                  <a:srgbClr val="FFFFFF"/>
-                </a:solidFill>
-              </a14:hiddenFill>
-            </a:ext>
-          </a:extLst>
-        </p:spPr>
-      </p:pic>
-      <p:sp>
-        <p:nvSpPr>
-          <p:cNvPr id="7" name="Round Single Corner Rectangle 6"/>
-          <p:cNvSpPr/>
-          <p:nvPr/>
-        </p:nvSpPr>
-        <p:spPr>
-          <a:xfrm>
-            <a:off x="1243584" y="1406880"/>
-            <a:ext cx="9299448" cy="623088"/>
-          </a:xfrm>
-          <a:prstGeom prst="round1Rect">
-            <a:avLst/>
-          </a:prstGeom>
-          <a:noFill/>
-          <a:ln w="38100"/>
-        </p:spPr>
-        <p:style>
-          <a:lnRef idx="2">
-            <a:schemeClr val="accent1">
-              <a:shade val="50000"/>
-            </a:schemeClr>
-          </a:lnRef>
-          <a:fillRef idx="1">
-            <a:schemeClr val="accent1"/>
-          </a:fillRef>
-          <a:effectRef idx="0">
-            <a:schemeClr val="accent1"/>
-          </a:effectRef>
-          <a:fontRef idx="minor">
-            <a:schemeClr val="lt1"/>
-          </a:fontRef>
-        </p:style>
-        <p:txBody>
-          <a:bodyPr rtlCol="0" anchor="ctr"/>
-          <a:lstStyle/>
-          <a:p>
-            <a:pPr algn="ctr"/>
-            <a:r>
-              <a:rPr lang="en-US" sz="2500" dirty="0" smtClean="0">
-                <a:solidFill>
-                  <a:schemeClr val="tx1"/>
-                </a:solidFill>
-                <a:latin typeface="Candara" panose="020E0502030303020204" pitchFamily="34" charset="0"/>
-              </a:rPr>
-              <a:t>SSL (Secure Sockets Layer) connection between Master and Slave</a:t>
-            </a:r>
-            <a:endParaRPr lang="en-US" sz="2500" dirty="0">
-              <a:solidFill>
-                <a:schemeClr val="tx1"/>
-              </a:solidFill>
-              <a:latin typeface="Candara" panose="020E0502030303020204" pitchFamily="34" charset="0"/>
-            </a:endParaRPr>
-          </a:p>
-        </p:txBody>
-      </p:sp>
     </p:spTree>
     <p:extLst>
       <p:ext uri="{BB962C8B-B14F-4D97-AF65-F5344CB8AC3E}">
-        <p14:creationId xmlns:p14="http://schemas.microsoft.com/office/powerpoint/2010/main" val="2686047227"/>
+        <p14:creationId xmlns:p14="http://schemas.microsoft.com/office/powerpoint/2010/main" val="884744801"/>
       </p:ext>
     </p:extLst>
   </p:cSld>
@@ -7802,10 +7780,9 @@
           <a:lstStyle/>
           <a:p>
             <a:r>
-              <a:rPr lang="en-US" dirty="0" smtClean="0"/>
-              <a:t>Puppet Case Study (MySQL and PHP)</a:t>
-            </a:r>
-            <a:endParaRPr lang="en-US" dirty="0"/>
+              <a:rPr lang="en-US" dirty="0"/>
+              <a:t>What is Puppet?</a:t>
+            </a:r>
           </a:p>
         </p:txBody>
       </p:sp>
@@ -7819,28 +7796,53 @@
             <p:ph idx="1"/>
           </p:nvPr>
         </p:nvSpPr>
-        <p:spPr/>
-        <p:txBody>
-          <a:bodyPr/>
+        <p:spPr>
+          <a:xfrm>
+            <a:off x="347527" y="1406880"/>
+            <a:ext cx="6249445" cy="4746091"/>
+          </a:xfrm>
+        </p:spPr>
+        <p:txBody>
+          <a:bodyPr>
+            <a:normAutofit/>
+          </a:bodyPr>
           <a:lstStyle/>
           <a:p>
             <a:r>
               <a:rPr lang="en-US" dirty="0" smtClean="0"/>
-              <a:t>Using predefined modules, download modules for PHP and MySQL</a:t>
-            </a:r>
-          </a:p>
-          <a:p>
+              <a:t>Puppet is a configuration Management tool used for:</a:t>
+            </a:r>
+          </a:p>
+          <a:p>
+            <a:pPr lvl="1"/>
             <a:r>
               <a:rPr lang="en-US" dirty="0" smtClean="0"/>
-              <a:t>Declare these two classes in the Puppet manifests</a:t>
-            </a:r>
-          </a:p>
-          <a:p>
+              <a:t>Deploying,</a:t>
+            </a:r>
+          </a:p>
+          <a:p>
+            <a:pPr lvl="1"/>
             <a:r>
               <a:rPr lang="en-US" dirty="0" smtClean="0"/>
-              <a:t>Puppet agents will pull these configurations and both will be installed in Agents</a:t>
-            </a:r>
-            <a:endParaRPr lang="en-US" dirty="0"/>
+              <a:t>Configuring and</a:t>
+            </a:r>
+          </a:p>
+          <a:p>
+            <a:pPr lvl="1"/>
+            <a:r>
+              <a:rPr lang="en-US" dirty="0" smtClean="0"/>
+              <a:t>Managing servers</a:t>
+            </a:r>
+          </a:p>
+          <a:p>
+            <a:r>
+              <a:rPr lang="en-US" dirty="0" smtClean="0"/>
+              <a:t>It uses a Master-slave </a:t>
+            </a:r>
+            <a:r>
+              <a:rPr lang="en-US" dirty="0" smtClean="0"/>
+              <a:t>architecture</a:t>
+            </a:r>
           </a:p>
         </p:txBody>
       </p:sp>
@@ -7863,6 +7865,2112 @@
               <a:rPr lang="en-US" smtClean="0"/>
               <a:pPr/>
               <a:t>16</a:t>
+            </a:fld>
+            <a:endParaRPr lang="en-US" dirty="0"/>
+          </a:p>
+        </p:txBody>
+      </p:sp>
+      <p:pic>
+        <p:nvPicPr>
+          <p:cNvPr id="8196" name="Picture 4" descr="Puppet Enterprise Reviews 2022: Details, Pricing, &amp; Features | G2"/>
+          <p:cNvPicPr>
+            <a:picLocks noChangeAspect="1" noChangeArrowheads="1"/>
+          </p:cNvPicPr>
+          <p:nvPr/>
+        </p:nvPicPr>
+        <p:blipFill>
+          <a:blip r:embed="rId2">
+            <a:extLst>
+              <a:ext uri="{28A0092B-C50C-407E-A947-70E740481C1C}">
+                <a14:useLocalDpi xmlns:a14="http://schemas.microsoft.com/office/drawing/2010/main" val="0"/>
+              </a:ext>
+            </a:extLst>
+          </a:blip>
+          <a:srcRect/>
+          <a:stretch>
+            <a:fillRect/>
+          </a:stretch>
+        </p:blipFill>
+        <p:spPr bwMode="auto">
+          <a:xfrm>
+            <a:off x="8605241" y="1178059"/>
+            <a:ext cx="3393050" cy="1781352"/>
+          </a:xfrm>
+          <a:prstGeom prst="rect">
+            <a:avLst/>
+          </a:prstGeom>
+          <a:noFill/>
+          <a:extLst>
+            <a:ext uri="{909E8E84-426E-40DD-AFC4-6F175D3DCCD1}">
+              <a14:hiddenFill xmlns:a14="http://schemas.microsoft.com/office/drawing/2010/main">
+                <a:solidFill>
+                  <a:srgbClr val="FFFFFF"/>
+                </a:solidFill>
+              </a14:hiddenFill>
+            </a:ext>
+          </a:extLst>
+        </p:spPr>
+      </p:pic>
+      <p:pic>
+        <p:nvPicPr>
+          <p:cNvPr id="8198" name="Picture 6" descr="Puppet Use Cases: How to Troubleshoot - Applied Information Sciences"/>
+          <p:cNvPicPr>
+            <a:picLocks noChangeAspect="1" noChangeArrowheads="1"/>
+          </p:cNvPicPr>
+          <p:nvPr/>
+        </p:nvPicPr>
+        <p:blipFill rotWithShape="1">
+          <a:blip r:embed="rId3" cstate="print">
+            <a:extLst>
+              <a:ext uri="{28A0092B-C50C-407E-A947-70E740481C1C}">
+                <a14:useLocalDpi xmlns:a14="http://schemas.microsoft.com/office/drawing/2010/main" val="0"/>
+              </a:ext>
+            </a:extLst>
+          </a:blip>
+          <a:srcRect l="1830" t="3445" r="1436" b="5539"/>
+          <a:stretch/>
+        </p:blipFill>
+        <p:spPr bwMode="auto">
+          <a:xfrm>
+            <a:off x="6596972" y="2959411"/>
+            <a:ext cx="5542961" cy="3161790"/>
+          </a:xfrm>
+          <a:prstGeom prst="rect">
+            <a:avLst/>
+          </a:prstGeom>
+          <a:noFill/>
+          <a:extLst>
+            <a:ext uri="{909E8E84-426E-40DD-AFC4-6F175D3DCCD1}">
+              <a14:hiddenFill xmlns:a14="http://schemas.microsoft.com/office/drawing/2010/main">
+                <a:solidFill>
+                  <a:srgbClr val="FFFFFF"/>
+                </a:solidFill>
+              </a14:hiddenFill>
+            </a:ext>
+          </a:extLst>
+        </p:spPr>
+      </p:pic>
+    </p:spTree>
+    <p:extLst>
+      <p:ext uri="{BB962C8B-B14F-4D97-AF65-F5344CB8AC3E}">
+        <p14:creationId xmlns:p14="http://schemas.microsoft.com/office/powerpoint/2010/main" val="49616484"/>
+      </p:ext>
+    </p:extLst>
+  </p:cSld>
+  <p:clrMapOvr>
+    <a:masterClrMapping/>
+  </p:clrMapOvr>
+  <p:timing>
+    <p:tnLst>
+      <p:par>
+        <p:cTn id="1" dur="indefinite" restart="never" nodeType="tmRoot"/>
+      </p:par>
+    </p:tnLst>
+  </p:timing>
+</p:sld>
+</file>
+
+<file path=ppt/slides/slide17.xml><?xml version="1.0" encoding="utf-8"?>
+<p:sld xmlns:a="http://schemas.openxmlformats.org/drawingml/2006/main" xmlns:r="http://schemas.openxmlformats.org/officeDocument/2006/relationships" xmlns:p="http://schemas.openxmlformats.org/presentationml/2006/main">
+  <p:cSld>
+    <p:spTree>
+      <p:nvGrpSpPr>
+        <p:cNvPr id="1" name=""/>
+        <p:cNvGrpSpPr/>
+        <p:nvPr/>
+      </p:nvGrpSpPr>
+      <p:grpSpPr>
+        <a:xfrm>
+          <a:off x="0" y="0"/>
+          <a:ext cx="0" cy="0"/>
+          <a:chOff x="0" y="0"/>
+          <a:chExt cx="0" cy="0"/>
+        </a:xfrm>
+      </p:grpSpPr>
+      <p:sp>
+        <p:nvSpPr>
+          <p:cNvPr id="2" name="Title 1"/>
+          <p:cNvSpPr>
+            <a:spLocks noGrp="1"/>
+          </p:cNvSpPr>
+          <p:nvPr>
+            <p:ph type="title"/>
+          </p:nvPr>
+        </p:nvSpPr>
+        <p:spPr/>
+        <p:txBody>
+          <a:bodyPr/>
+          <a:lstStyle/>
+          <a:p>
+            <a:r>
+              <a:rPr lang="en-US" dirty="0"/>
+              <a:t>What is Puppet?</a:t>
+            </a:r>
+          </a:p>
+        </p:txBody>
+      </p:sp>
+      <p:sp>
+        <p:nvSpPr>
+          <p:cNvPr id="3" name="Content Placeholder 2"/>
+          <p:cNvSpPr>
+            <a:spLocks noGrp="1"/>
+          </p:cNvSpPr>
+          <p:nvPr>
+            <p:ph idx="1"/>
+          </p:nvPr>
+        </p:nvSpPr>
+        <p:spPr>
+          <a:xfrm>
+            <a:off x="347527" y="1406880"/>
+            <a:ext cx="6249445" cy="4746091"/>
+          </a:xfrm>
+        </p:spPr>
+        <p:txBody>
+          <a:bodyPr>
+            <a:normAutofit/>
+          </a:bodyPr>
+          <a:lstStyle/>
+          <a:p>
+            <a:r>
+              <a:rPr lang="en-US" dirty="0"/>
+              <a:t>It performs the following functions:</a:t>
+            </a:r>
+          </a:p>
+          <a:p>
+            <a:pPr lvl="1"/>
+            <a:r>
+              <a:rPr lang="en-US" dirty="0"/>
+              <a:t>Defining distinct configurations for each and every host, and continuously checking and confirming whether the required configuration is in place and is not altered</a:t>
+            </a:r>
+          </a:p>
+          <a:p>
+            <a:pPr lvl="1"/>
+            <a:r>
+              <a:rPr lang="en-US" dirty="0"/>
+              <a:t>Dynamic scaling-up and scaling-down of machines</a:t>
+            </a:r>
+          </a:p>
+          <a:p>
+            <a:pPr lvl="1"/>
+            <a:r>
+              <a:rPr lang="en-US" dirty="0"/>
+              <a:t>Providing </a:t>
+            </a:r>
+            <a:r>
+              <a:rPr lang="en-US" dirty="0" smtClean="0"/>
+              <a:t>automatic control </a:t>
+            </a:r>
+            <a:r>
+              <a:rPr lang="en-US" dirty="0"/>
+              <a:t>over all your configured machines</a:t>
+            </a:r>
+            <a:endParaRPr lang="en-US" dirty="0"/>
+          </a:p>
+        </p:txBody>
+      </p:sp>
+      <p:sp>
+        <p:nvSpPr>
+          <p:cNvPr id="4" name="Slide Number Placeholder 3"/>
+          <p:cNvSpPr>
+            <a:spLocks noGrp="1"/>
+          </p:cNvSpPr>
+          <p:nvPr>
+            <p:ph type="sldNum" sz="quarter" idx="12"/>
+          </p:nvPr>
+        </p:nvSpPr>
+        <p:spPr/>
+        <p:txBody>
+          <a:bodyPr/>
+          <a:lstStyle/>
+          <a:p>
+            <a:fld id="{B8DACC02-A2BD-4578-8E03-6D891060A695}" type="slidenum">
+              <a:rPr lang="en-US" smtClean="0"/>
+              <a:pPr/>
+              <a:t>17</a:t>
+            </a:fld>
+            <a:endParaRPr lang="en-US" dirty="0"/>
+          </a:p>
+        </p:txBody>
+      </p:sp>
+      <p:pic>
+        <p:nvPicPr>
+          <p:cNvPr id="8196" name="Picture 4" descr="Puppet Enterprise Reviews 2022: Details, Pricing, &amp; Features | G2"/>
+          <p:cNvPicPr>
+            <a:picLocks noChangeAspect="1" noChangeArrowheads="1"/>
+          </p:cNvPicPr>
+          <p:nvPr/>
+        </p:nvPicPr>
+        <p:blipFill>
+          <a:blip r:embed="rId2">
+            <a:extLst>
+              <a:ext uri="{28A0092B-C50C-407E-A947-70E740481C1C}">
+                <a14:useLocalDpi xmlns:a14="http://schemas.microsoft.com/office/drawing/2010/main" val="0"/>
+              </a:ext>
+            </a:extLst>
+          </a:blip>
+          <a:srcRect/>
+          <a:stretch>
+            <a:fillRect/>
+          </a:stretch>
+        </p:blipFill>
+        <p:spPr bwMode="auto">
+          <a:xfrm>
+            <a:off x="8605241" y="1178059"/>
+            <a:ext cx="3393050" cy="1781352"/>
+          </a:xfrm>
+          <a:prstGeom prst="rect">
+            <a:avLst/>
+          </a:prstGeom>
+          <a:noFill/>
+          <a:extLst>
+            <a:ext uri="{909E8E84-426E-40DD-AFC4-6F175D3DCCD1}">
+              <a14:hiddenFill xmlns:a14="http://schemas.microsoft.com/office/drawing/2010/main">
+                <a:solidFill>
+                  <a:srgbClr val="FFFFFF"/>
+                </a:solidFill>
+              </a14:hiddenFill>
+            </a:ext>
+          </a:extLst>
+        </p:spPr>
+      </p:pic>
+      <p:pic>
+        <p:nvPicPr>
+          <p:cNvPr id="8198" name="Picture 6" descr="Puppet Use Cases: How to Troubleshoot - Applied Information Sciences"/>
+          <p:cNvPicPr>
+            <a:picLocks noChangeAspect="1" noChangeArrowheads="1"/>
+          </p:cNvPicPr>
+          <p:nvPr/>
+        </p:nvPicPr>
+        <p:blipFill rotWithShape="1">
+          <a:blip r:embed="rId3" cstate="print">
+            <a:extLst>
+              <a:ext uri="{28A0092B-C50C-407E-A947-70E740481C1C}">
+                <a14:useLocalDpi xmlns:a14="http://schemas.microsoft.com/office/drawing/2010/main" val="0"/>
+              </a:ext>
+            </a:extLst>
+          </a:blip>
+          <a:srcRect l="1830" t="3445" r="1436" b="5539"/>
+          <a:stretch/>
+        </p:blipFill>
+        <p:spPr bwMode="auto">
+          <a:xfrm>
+            <a:off x="6596972" y="2959411"/>
+            <a:ext cx="5542961" cy="3161790"/>
+          </a:xfrm>
+          <a:prstGeom prst="rect">
+            <a:avLst/>
+          </a:prstGeom>
+          <a:noFill/>
+          <a:extLst>
+            <a:ext uri="{909E8E84-426E-40DD-AFC4-6F175D3DCCD1}">
+              <a14:hiddenFill xmlns:a14="http://schemas.microsoft.com/office/drawing/2010/main">
+                <a:solidFill>
+                  <a:srgbClr val="FFFFFF"/>
+                </a:solidFill>
+              </a14:hiddenFill>
+            </a:ext>
+          </a:extLst>
+        </p:spPr>
+      </p:pic>
+    </p:spTree>
+    <p:extLst>
+      <p:ext uri="{BB962C8B-B14F-4D97-AF65-F5344CB8AC3E}">
+        <p14:creationId xmlns:p14="http://schemas.microsoft.com/office/powerpoint/2010/main" val="1199106315"/>
+      </p:ext>
+    </p:extLst>
+  </p:cSld>
+  <p:clrMapOvr>
+    <a:masterClrMapping/>
+  </p:clrMapOvr>
+  <p:timing>
+    <p:tnLst>
+      <p:par>
+        <p:cTn id="1" dur="indefinite" restart="never" nodeType="tmRoot"/>
+      </p:par>
+    </p:tnLst>
+  </p:timing>
+</p:sld>
+</file>
+
+<file path=ppt/slides/slide18.xml><?xml version="1.0" encoding="utf-8"?>
+<p:sld xmlns:a="http://schemas.openxmlformats.org/drawingml/2006/main" xmlns:r="http://schemas.openxmlformats.org/officeDocument/2006/relationships" xmlns:p="http://schemas.openxmlformats.org/presentationml/2006/main">
+  <p:cSld>
+    <p:spTree>
+      <p:nvGrpSpPr>
+        <p:cNvPr id="1" name=""/>
+        <p:cNvGrpSpPr/>
+        <p:nvPr/>
+      </p:nvGrpSpPr>
+      <p:grpSpPr>
+        <a:xfrm>
+          <a:off x="0" y="0"/>
+          <a:ext cx="0" cy="0"/>
+          <a:chOff x="0" y="0"/>
+          <a:chExt cx="0" cy="0"/>
+        </a:xfrm>
+      </p:grpSpPr>
+      <p:sp>
+        <p:nvSpPr>
+          <p:cNvPr id="2" name="Title 1"/>
+          <p:cNvSpPr>
+            <a:spLocks noGrp="1"/>
+          </p:cNvSpPr>
+          <p:nvPr>
+            <p:ph type="title"/>
+          </p:nvPr>
+        </p:nvSpPr>
+        <p:spPr/>
+        <p:txBody>
+          <a:bodyPr/>
+          <a:lstStyle/>
+          <a:p>
+            <a:r>
+              <a:rPr lang="en-US" dirty="0"/>
+              <a:t>Comparing Chef and Puppet</a:t>
+            </a:r>
+          </a:p>
+        </p:txBody>
+      </p:sp>
+      <p:graphicFrame>
+        <p:nvGraphicFramePr>
+          <p:cNvPr id="6" name="Content Placeholder 5"/>
+          <p:cNvGraphicFramePr>
+            <a:graphicFrameLocks noGrp="1"/>
+          </p:cNvGraphicFramePr>
+          <p:nvPr>
+            <p:ph idx="1"/>
+            <p:extLst>
+              <p:ext uri="{D42A27DB-BD31-4B8C-83A1-F6EECF244321}">
+                <p14:modId xmlns:p14="http://schemas.microsoft.com/office/powerpoint/2010/main" val="2525981409"/>
+              </p:ext>
+            </p:extLst>
+          </p:nvPr>
+        </p:nvGraphicFramePr>
+        <p:xfrm>
+          <a:off x="722377" y="1408174"/>
+          <a:ext cx="10296143" cy="4718307"/>
+        </p:xfrm>
+        <a:graphic>
+          <a:graphicData uri="http://schemas.openxmlformats.org/drawingml/2006/table">
+            <a:tbl>
+              <a:tblPr>
+                <a:tableStyleId>{616DA210-FB5B-4158-B5E0-FEB733F419BA}</a:tableStyleId>
+              </a:tblPr>
+              <a:tblGrid>
+                <a:gridCol w="2615183">
+                  <a:extLst>
+                    <a:ext uri="{9D8B030D-6E8A-4147-A177-3AD203B41FA5}">
+                      <a16:colId xmlns:a16="http://schemas.microsoft.com/office/drawing/2014/main" val="948397741"/>
+                    </a:ext>
+                  </a:extLst>
+                </a:gridCol>
+                <a:gridCol w="3840480">
+                  <a:extLst>
+                    <a:ext uri="{9D8B030D-6E8A-4147-A177-3AD203B41FA5}">
+                      <a16:colId xmlns:a16="http://schemas.microsoft.com/office/drawing/2014/main" val="3373588"/>
+                    </a:ext>
+                  </a:extLst>
+                </a:gridCol>
+                <a:gridCol w="3840480">
+                  <a:extLst>
+                    <a:ext uri="{9D8B030D-6E8A-4147-A177-3AD203B41FA5}">
+                      <a16:colId xmlns:a16="http://schemas.microsoft.com/office/drawing/2014/main" val="3396674907"/>
+                    </a:ext>
+                  </a:extLst>
+                </a:gridCol>
+              </a:tblGrid>
+              <a:tr h="450010">
+                <a:tc>
+                  <a:txBody>
+                    <a:bodyPr/>
+                    <a:lstStyle/>
+                    <a:p>
+                      <a:endParaRPr lang="en-US"/>
+                    </a:p>
+                  </a:txBody>
+                  <a:tcPr marL="41637" marR="41637" marT="20819" marB="20819"/>
+                </a:tc>
+                <a:tc>
+                  <a:txBody>
+                    <a:bodyPr/>
+                    <a:lstStyle/>
+                    <a:p>
+                      <a:pPr algn="ctr" fontAlgn="t"/>
+                      <a:r>
+                        <a:rPr lang="en-US" sz="1800" b="1" dirty="0" smtClean="0">
+                          <a:effectLst/>
+                          <a:latin typeface="Candara" panose="020E0502030303020204" pitchFamily="34" charset="0"/>
+                        </a:rPr>
+                        <a:t>Puppet</a:t>
+                      </a:r>
+                      <a:endParaRPr lang="en-US" sz="1800" b="1" dirty="0">
+                        <a:effectLst/>
+                        <a:latin typeface="Candara" panose="020E0502030303020204" pitchFamily="34" charset="0"/>
+                      </a:endParaRPr>
+                    </a:p>
+                  </a:txBody>
+                  <a:tcPr marL="41637" marR="41637" marT="20819" marB="20819"/>
+                </a:tc>
+                <a:tc>
+                  <a:txBody>
+                    <a:bodyPr/>
+                    <a:lstStyle/>
+                    <a:p>
+                      <a:pPr algn="ctr" fontAlgn="t"/>
+                      <a:r>
+                        <a:rPr lang="en-US" sz="1800" b="1" dirty="0">
+                          <a:effectLst/>
+                          <a:latin typeface="Candara" panose="020E0502030303020204" pitchFamily="34" charset="0"/>
+                        </a:rPr>
+                        <a:t>Chef</a:t>
+                      </a:r>
+                    </a:p>
+                  </a:txBody>
+                  <a:tcPr marL="41637" marR="41637" marT="20819" marB="20819"/>
+                </a:tc>
+                <a:extLst>
+                  <a:ext uri="{0D108BD9-81ED-4DB2-BD59-A6C34878D82A}">
+                    <a16:rowId xmlns:a16="http://schemas.microsoft.com/office/drawing/2014/main" val="635780840"/>
+                  </a:ext>
+                </a:extLst>
+              </a:tr>
+              <a:tr h="414973">
+                <a:tc>
+                  <a:txBody>
+                    <a:bodyPr/>
+                    <a:lstStyle/>
+                    <a:p>
+                      <a:pPr fontAlgn="t"/>
+                      <a:r>
+                        <a:rPr lang="en-US" sz="1200" dirty="0">
+                          <a:effectLst/>
+                          <a:latin typeface="Candara" panose="020E0502030303020204" pitchFamily="34" charset="0"/>
+                        </a:rPr>
+                        <a:t>Company</a:t>
+                      </a:r>
+                    </a:p>
+                  </a:txBody>
+                  <a:tcPr marL="41637" marR="41637" marT="20819" marB="20819"/>
+                </a:tc>
+                <a:tc>
+                  <a:txBody>
+                    <a:bodyPr/>
+                    <a:lstStyle/>
+                    <a:p>
+                      <a:pPr fontAlgn="t"/>
+                      <a:r>
+                        <a:rPr lang="en-US" sz="1600" dirty="0">
+                          <a:effectLst/>
+                          <a:latin typeface="Candara" panose="020E0502030303020204" pitchFamily="34" charset="0"/>
+                        </a:rPr>
+                        <a:t>Developed by Puppet Labs</a:t>
+                      </a:r>
+                    </a:p>
+                  </a:txBody>
+                  <a:tcPr marL="41637" marR="41637" marT="20819" marB="20819"/>
+                </a:tc>
+                <a:tc>
+                  <a:txBody>
+                    <a:bodyPr/>
+                    <a:lstStyle/>
+                    <a:p>
+                      <a:pPr fontAlgn="t"/>
+                      <a:r>
+                        <a:rPr lang="en-US" sz="1600" dirty="0" err="1">
+                          <a:effectLst/>
+                          <a:latin typeface="Candara" panose="020E0502030303020204" pitchFamily="34" charset="0"/>
+                        </a:rPr>
+                        <a:t>Opscode</a:t>
+                      </a:r>
+                      <a:endParaRPr lang="en-US" sz="1600" dirty="0">
+                        <a:effectLst/>
+                        <a:latin typeface="Candara" panose="020E0502030303020204" pitchFamily="34" charset="0"/>
+                      </a:endParaRPr>
+                    </a:p>
+                  </a:txBody>
+                  <a:tcPr marL="41637" marR="41637" marT="20819" marB="20819"/>
+                </a:tc>
+                <a:extLst>
+                  <a:ext uri="{0D108BD9-81ED-4DB2-BD59-A6C34878D82A}">
+                    <a16:rowId xmlns:a16="http://schemas.microsoft.com/office/drawing/2014/main" val="49059913"/>
+                  </a:ext>
+                </a:extLst>
+              </a:tr>
+              <a:tr h="414973">
+                <a:tc>
+                  <a:txBody>
+                    <a:bodyPr/>
+                    <a:lstStyle/>
+                    <a:p>
+                      <a:pPr fontAlgn="t"/>
+                      <a:r>
+                        <a:rPr lang="en-US" sz="1200" dirty="0">
+                          <a:effectLst/>
+                          <a:latin typeface="Candara" panose="020E0502030303020204" pitchFamily="34" charset="0"/>
+                        </a:rPr>
+                        <a:t>Friendliness</a:t>
+                      </a:r>
+                    </a:p>
+                  </a:txBody>
+                  <a:tcPr marL="41637" marR="41637" marT="20819" marB="20819"/>
+                </a:tc>
+                <a:tc>
+                  <a:txBody>
+                    <a:bodyPr/>
+                    <a:lstStyle/>
+                    <a:p>
+                      <a:pPr fontAlgn="t"/>
+                      <a:r>
+                        <a:rPr lang="en-US" sz="1600" dirty="0">
+                          <a:effectLst/>
+                          <a:latin typeface="Candara" panose="020E0502030303020204" pitchFamily="34" charset="0"/>
+                        </a:rPr>
+                        <a:t>It is more system friendly</a:t>
+                      </a:r>
+                    </a:p>
+                  </a:txBody>
+                  <a:tcPr marL="41637" marR="41637" marT="20819" marB="20819"/>
+                </a:tc>
+                <a:tc>
+                  <a:txBody>
+                    <a:bodyPr/>
+                    <a:lstStyle/>
+                    <a:p>
+                      <a:pPr fontAlgn="t"/>
+                      <a:r>
+                        <a:rPr lang="en-US" sz="1600" dirty="0">
+                          <a:effectLst/>
+                          <a:latin typeface="Candara" panose="020E0502030303020204" pitchFamily="34" charset="0"/>
+                        </a:rPr>
+                        <a:t>It is more program friendly</a:t>
+                      </a:r>
+                    </a:p>
+                  </a:txBody>
+                  <a:tcPr marL="41637" marR="41637" marT="20819" marB="20819"/>
+                </a:tc>
+                <a:extLst>
+                  <a:ext uri="{0D108BD9-81ED-4DB2-BD59-A6C34878D82A}">
+                    <a16:rowId xmlns:a16="http://schemas.microsoft.com/office/drawing/2014/main" val="3151954238"/>
+                  </a:ext>
+                </a:extLst>
+              </a:tr>
+              <a:tr h="414973">
+                <a:tc>
+                  <a:txBody>
+                    <a:bodyPr/>
+                    <a:lstStyle/>
+                    <a:p>
+                      <a:pPr fontAlgn="t"/>
+                      <a:r>
+                        <a:rPr lang="en-US" sz="1200">
+                          <a:effectLst/>
+                          <a:latin typeface="Candara" panose="020E0502030303020204" pitchFamily="34" charset="0"/>
+                        </a:rPr>
+                        <a:t>API integration</a:t>
+                      </a:r>
+                    </a:p>
+                  </a:txBody>
+                  <a:tcPr marL="41637" marR="41637" marT="20819" marB="20819"/>
+                </a:tc>
+                <a:tc>
+                  <a:txBody>
+                    <a:bodyPr/>
+                    <a:lstStyle/>
+                    <a:p>
+                      <a:pPr fontAlgn="t"/>
+                      <a:r>
+                        <a:rPr lang="en-US" sz="1600" dirty="0">
+                          <a:effectLst/>
+                          <a:latin typeface="Candara" panose="020E0502030303020204" pitchFamily="34" charset="0"/>
+                        </a:rPr>
+                        <a:t>There is no extended API</a:t>
+                      </a:r>
+                    </a:p>
+                  </a:txBody>
+                  <a:tcPr marL="41637" marR="41637" marT="20819" marB="20819"/>
+                </a:tc>
+                <a:tc>
+                  <a:txBody>
+                    <a:bodyPr/>
+                    <a:lstStyle/>
+                    <a:p>
+                      <a:pPr fontAlgn="t"/>
+                      <a:r>
+                        <a:rPr lang="en-US" sz="1600" dirty="0">
+                          <a:effectLst/>
+                          <a:latin typeface="Candara" panose="020E0502030303020204" pitchFamily="34" charset="0"/>
+                        </a:rPr>
+                        <a:t>It has an extended API</a:t>
+                      </a:r>
+                    </a:p>
+                  </a:txBody>
+                  <a:tcPr marL="41637" marR="41637" marT="20819" marB="20819"/>
+                </a:tc>
+                <a:extLst>
+                  <a:ext uri="{0D108BD9-81ED-4DB2-BD59-A6C34878D82A}">
+                    <a16:rowId xmlns:a16="http://schemas.microsoft.com/office/drawing/2014/main" val="731566133"/>
+                  </a:ext>
+                </a:extLst>
+              </a:tr>
+              <a:tr h="414973">
+                <a:tc>
+                  <a:txBody>
+                    <a:bodyPr/>
+                    <a:lstStyle/>
+                    <a:p>
+                      <a:pPr fontAlgn="t"/>
+                      <a:r>
+                        <a:rPr lang="en-US" sz="1200" dirty="0">
+                          <a:effectLst/>
+                          <a:latin typeface="Candara" panose="020E0502030303020204" pitchFamily="34" charset="0"/>
+                        </a:rPr>
+                        <a:t>Community</a:t>
+                      </a:r>
+                    </a:p>
+                  </a:txBody>
+                  <a:tcPr marL="41637" marR="41637" marT="20819" marB="20819"/>
+                </a:tc>
+                <a:tc>
+                  <a:txBody>
+                    <a:bodyPr/>
+                    <a:lstStyle/>
+                    <a:p>
+                      <a:pPr fontAlgn="t"/>
+                      <a:r>
+                        <a:rPr lang="en-US" sz="1600" dirty="0">
+                          <a:effectLst/>
+                          <a:latin typeface="Candara" panose="020E0502030303020204" pitchFamily="34" charset="0"/>
+                        </a:rPr>
+                        <a:t>Wide user base</a:t>
+                      </a:r>
+                    </a:p>
+                  </a:txBody>
+                  <a:tcPr marL="41637" marR="41637" marT="20819" marB="20819"/>
+                </a:tc>
+                <a:tc>
+                  <a:txBody>
+                    <a:bodyPr/>
+                    <a:lstStyle/>
+                    <a:p>
+                      <a:pPr fontAlgn="t"/>
+                      <a:r>
+                        <a:rPr lang="en-US" sz="1600" dirty="0">
+                          <a:effectLst/>
+                          <a:latin typeface="Candara" panose="020E0502030303020204" pitchFamily="34" charset="0"/>
+                        </a:rPr>
+                        <a:t>The relatively small user base</a:t>
+                      </a:r>
+                    </a:p>
+                  </a:txBody>
+                  <a:tcPr marL="41637" marR="41637" marT="20819" marB="20819"/>
+                </a:tc>
+                <a:extLst>
+                  <a:ext uri="{0D108BD9-81ED-4DB2-BD59-A6C34878D82A}">
+                    <a16:rowId xmlns:a16="http://schemas.microsoft.com/office/drawing/2014/main" val="3875241429"/>
+                  </a:ext>
+                </a:extLst>
+              </a:tr>
+              <a:tr h="2015585">
+                <a:tc>
+                  <a:txBody>
+                    <a:bodyPr/>
+                    <a:lstStyle/>
+                    <a:p>
+                      <a:pPr fontAlgn="t"/>
+                      <a:r>
+                        <a:rPr lang="en-US" sz="1200">
+                          <a:effectLst/>
+                          <a:latin typeface="Candara" panose="020E0502030303020204" pitchFamily="34" charset="0"/>
+                        </a:rPr>
+                        <a:t>Supported platforms</a:t>
+                      </a:r>
+                    </a:p>
+                  </a:txBody>
+                  <a:tcPr marL="41637" marR="41637" marT="20819" marB="20819"/>
+                </a:tc>
+                <a:tc>
+                  <a:txBody>
+                    <a:bodyPr/>
+                    <a:lstStyle/>
+                    <a:p>
+                      <a:pPr fontAlgn="t"/>
+                      <a:r>
+                        <a:rPr lang="en-US" sz="1600" dirty="0">
+                          <a:effectLst/>
+                          <a:latin typeface="Candara" panose="020E0502030303020204" pitchFamily="34" charset="0"/>
+                        </a:rPr>
+                        <a:t>A wide range of operating systems supports this tool. This feature was enhanced in 0.22.x – 0.25.x puppet versions. Puppet is also supported in Linux and Windows.</a:t>
+                      </a:r>
+                    </a:p>
+                  </a:txBody>
+                  <a:tcPr marL="41637" marR="41637" marT="20819" marB="20819"/>
+                </a:tc>
+                <a:tc>
+                  <a:txBody>
+                    <a:bodyPr/>
+                    <a:lstStyle/>
+                    <a:p>
+                      <a:pPr fontAlgn="t"/>
+                      <a:r>
+                        <a:rPr lang="en-US" sz="1600" dirty="0">
+                          <a:effectLst/>
+                          <a:latin typeface="Candara" panose="020E0502030303020204" pitchFamily="34" charset="0"/>
+                        </a:rPr>
+                        <a:t>Relatively small Oss support this tool</a:t>
+                      </a:r>
+                    </a:p>
+                  </a:txBody>
+                  <a:tcPr marL="41637" marR="41637" marT="20819" marB="20819"/>
+                </a:tc>
+                <a:extLst>
+                  <a:ext uri="{0D108BD9-81ED-4DB2-BD59-A6C34878D82A}">
+                    <a16:rowId xmlns:a16="http://schemas.microsoft.com/office/drawing/2014/main" val="1074570570"/>
+                  </a:ext>
+                </a:extLst>
+              </a:tr>
+              <a:tr h="592820">
+                <a:tc>
+                  <a:txBody>
+                    <a:bodyPr/>
+                    <a:lstStyle/>
+                    <a:p>
+                      <a:pPr fontAlgn="t"/>
+                      <a:r>
+                        <a:rPr lang="en-US" sz="1200" dirty="0">
+                          <a:effectLst/>
+                          <a:latin typeface="Candara" panose="020E0502030303020204" pitchFamily="34" charset="0"/>
+                        </a:rPr>
+                        <a:t>Configuring the configuration server</a:t>
+                      </a:r>
+                    </a:p>
+                  </a:txBody>
+                  <a:tcPr marL="41637" marR="41637" marT="20819" marB="20819"/>
+                </a:tc>
+                <a:tc>
+                  <a:txBody>
+                    <a:bodyPr/>
+                    <a:lstStyle/>
+                    <a:p>
+                      <a:pPr fontAlgn="t"/>
+                      <a:r>
+                        <a:rPr lang="en-US" sz="1600" dirty="0">
+                          <a:effectLst/>
+                          <a:latin typeface="Candara" panose="020E0502030303020204" pitchFamily="34" charset="0"/>
+                        </a:rPr>
+                        <a:t>Relatively Difficult</a:t>
+                      </a:r>
+                    </a:p>
+                  </a:txBody>
+                  <a:tcPr marL="41637" marR="41637" marT="20819" marB="20819"/>
+                </a:tc>
+                <a:tc>
+                  <a:txBody>
+                    <a:bodyPr/>
+                    <a:lstStyle/>
+                    <a:p>
+                      <a:pPr fontAlgn="t"/>
+                      <a:r>
+                        <a:rPr lang="en-US" sz="1600" dirty="0">
+                          <a:effectLst/>
+                          <a:latin typeface="Candara" panose="020E0502030303020204" pitchFamily="34" charset="0"/>
+                        </a:rPr>
+                        <a:t>Relatively easy</a:t>
+                      </a:r>
+                    </a:p>
+                  </a:txBody>
+                  <a:tcPr marL="41637" marR="41637" marT="20819" marB="20819"/>
+                </a:tc>
+                <a:extLst>
+                  <a:ext uri="{0D108BD9-81ED-4DB2-BD59-A6C34878D82A}">
+                    <a16:rowId xmlns:a16="http://schemas.microsoft.com/office/drawing/2014/main" val="1807403014"/>
+                  </a:ext>
+                </a:extLst>
+              </a:tr>
+            </a:tbl>
+          </a:graphicData>
+        </a:graphic>
+      </p:graphicFrame>
+      <p:sp>
+        <p:nvSpPr>
+          <p:cNvPr id="4" name="Slide Number Placeholder 3"/>
+          <p:cNvSpPr>
+            <a:spLocks noGrp="1"/>
+          </p:cNvSpPr>
+          <p:nvPr>
+            <p:ph type="sldNum" sz="quarter" idx="12"/>
+          </p:nvPr>
+        </p:nvSpPr>
+        <p:spPr/>
+        <p:txBody>
+          <a:bodyPr/>
+          <a:lstStyle/>
+          <a:p>
+            <a:fld id="{B8DACC02-A2BD-4578-8E03-6D891060A695}" type="slidenum">
+              <a:rPr lang="en-US" smtClean="0"/>
+              <a:pPr/>
+              <a:t>18</a:t>
+            </a:fld>
+            <a:endParaRPr lang="en-US" dirty="0"/>
+          </a:p>
+        </p:txBody>
+      </p:sp>
+    </p:spTree>
+    <p:extLst>
+      <p:ext uri="{BB962C8B-B14F-4D97-AF65-F5344CB8AC3E}">
+        <p14:creationId xmlns:p14="http://schemas.microsoft.com/office/powerpoint/2010/main" val="1898678008"/>
+      </p:ext>
+    </p:extLst>
+  </p:cSld>
+  <p:clrMapOvr>
+    <a:masterClrMapping/>
+  </p:clrMapOvr>
+</p:sld>
+</file>
+
+<file path=ppt/slides/slide19.xml><?xml version="1.0" encoding="utf-8"?>
+<p:sld xmlns:a="http://schemas.openxmlformats.org/drawingml/2006/main" xmlns:r="http://schemas.openxmlformats.org/officeDocument/2006/relationships" xmlns:p="http://schemas.openxmlformats.org/presentationml/2006/main">
+  <p:cSld>
+    <p:spTree>
+      <p:nvGrpSpPr>
+        <p:cNvPr id="1" name=""/>
+        <p:cNvGrpSpPr/>
+        <p:nvPr/>
+      </p:nvGrpSpPr>
+      <p:grpSpPr>
+        <a:xfrm>
+          <a:off x="0" y="0"/>
+          <a:ext cx="0" cy="0"/>
+          <a:chOff x="0" y="0"/>
+          <a:chExt cx="0" cy="0"/>
+        </a:xfrm>
+      </p:grpSpPr>
+      <p:sp>
+        <p:nvSpPr>
+          <p:cNvPr id="2" name="Title 1"/>
+          <p:cNvSpPr>
+            <a:spLocks noGrp="1"/>
+          </p:cNvSpPr>
+          <p:nvPr>
+            <p:ph type="title"/>
+          </p:nvPr>
+        </p:nvSpPr>
+        <p:spPr/>
+        <p:txBody>
+          <a:bodyPr/>
+          <a:lstStyle/>
+          <a:p>
+            <a:r>
+              <a:rPr lang="en-US" dirty="0"/>
+              <a:t>Why should use Puppet?</a:t>
+            </a:r>
+          </a:p>
+        </p:txBody>
+      </p:sp>
+      <p:sp>
+        <p:nvSpPr>
+          <p:cNvPr id="3" name="Content Placeholder 2"/>
+          <p:cNvSpPr>
+            <a:spLocks noGrp="1"/>
+          </p:cNvSpPr>
+          <p:nvPr>
+            <p:ph idx="1"/>
+          </p:nvPr>
+        </p:nvSpPr>
+        <p:spPr/>
+        <p:txBody>
+          <a:bodyPr>
+            <a:normAutofit fontScale="85000" lnSpcReduction="20000"/>
+          </a:bodyPr>
+          <a:lstStyle/>
+          <a:p>
+            <a:r>
+              <a:rPr lang="en-US" dirty="0" smtClean="0"/>
+              <a:t>Consistency</a:t>
+            </a:r>
+          </a:p>
+          <a:p>
+            <a:pPr lvl="1"/>
+            <a:r>
+              <a:rPr lang="en-US" dirty="0" smtClean="0"/>
+              <a:t>Troubleshooting </a:t>
+            </a:r>
+            <a:r>
+              <a:rPr lang="en-US" dirty="0"/>
+              <a:t>problems is a time-consuming and tedious process that is to be done manually. Without configuration-management, it gets more complex to assume the infrastructure, like what version of the software is installed and the software installation process if followed on the node. </a:t>
+            </a:r>
+          </a:p>
+          <a:p>
+            <a:r>
+              <a:rPr lang="en-US" dirty="0" smtClean="0"/>
+              <a:t>Automation</a:t>
+            </a:r>
+          </a:p>
+          <a:p>
+            <a:pPr lvl="1"/>
+            <a:r>
+              <a:rPr lang="en-US" dirty="0" smtClean="0"/>
+              <a:t>When </a:t>
+            </a:r>
+            <a:r>
+              <a:rPr lang="en-US" dirty="0"/>
+              <a:t>it comes to managing 10s, 100s or more servers at a larger scale with mixed environment configuration and scaling of the infrastructure, it gets complex while ensuring the process to be efficient and secure. </a:t>
+            </a:r>
+          </a:p>
+          <a:p>
+            <a:r>
+              <a:rPr lang="en-US" dirty="0" err="1" smtClean="0"/>
+              <a:t>IaC</a:t>
+            </a:r>
+            <a:endParaRPr lang="en-US" dirty="0" smtClean="0"/>
+          </a:p>
+          <a:p>
+            <a:pPr lvl="1"/>
+            <a:r>
+              <a:rPr lang="en-US" dirty="0" smtClean="0"/>
+              <a:t>Puppet </a:t>
+            </a:r>
+            <a:r>
+              <a:rPr lang="en-US" dirty="0"/>
+              <a:t>treats infrastructure as code &amp; implements all practices done by the software developer such as version control system(VCS), automated testing &amp; continuous delivery.</a:t>
+            </a:r>
+          </a:p>
+          <a:p>
+            <a:r>
+              <a:rPr lang="en-US" dirty="0" err="1" smtClean="0"/>
+              <a:t>Idempotency</a:t>
+            </a:r>
+            <a:endParaRPr lang="en-US" dirty="0" smtClean="0"/>
+          </a:p>
+          <a:p>
+            <a:pPr lvl="1"/>
+            <a:r>
+              <a:rPr lang="en-US" dirty="0" smtClean="0"/>
+              <a:t>Its </a:t>
+            </a:r>
+            <a:r>
+              <a:rPr lang="en-US" dirty="0"/>
+              <a:t>ability to apply the code repeatedly and get a guaranteed desired state with the assurance of the same results.</a:t>
+            </a:r>
+          </a:p>
+          <a:p>
+            <a:r>
+              <a:rPr lang="en-US" dirty="0" smtClean="0"/>
+              <a:t>Agile</a:t>
+            </a:r>
+          </a:p>
+          <a:p>
+            <a:pPr lvl="1"/>
+            <a:r>
+              <a:rPr lang="en-US" dirty="0" smtClean="0"/>
+              <a:t>It's </a:t>
+            </a:r>
+            <a:r>
+              <a:rPr lang="en-US" dirty="0"/>
+              <a:t>based on the principle of using the agile process of working incrementally &amp; reusability of code.</a:t>
+            </a:r>
+          </a:p>
+        </p:txBody>
+      </p:sp>
+      <p:sp>
+        <p:nvSpPr>
+          <p:cNvPr id="4" name="Slide Number Placeholder 3"/>
+          <p:cNvSpPr>
+            <a:spLocks noGrp="1"/>
+          </p:cNvSpPr>
+          <p:nvPr>
+            <p:ph type="sldNum" sz="quarter" idx="12"/>
+          </p:nvPr>
+        </p:nvSpPr>
+        <p:spPr/>
+        <p:txBody>
+          <a:bodyPr/>
+          <a:lstStyle/>
+          <a:p>
+            <a:fld id="{B8DACC02-A2BD-4578-8E03-6D891060A695}" type="slidenum">
+              <a:rPr lang="en-US" smtClean="0"/>
+              <a:pPr/>
+              <a:t>19</a:t>
+            </a:fld>
+            <a:endParaRPr lang="en-US" dirty="0"/>
+          </a:p>
+        </p:txBody>
+      </p:sp>
+    </p:spTree>
+    <p:extLst>
+      <p:ext uri="{BB962C8B-B14F-4D97-AF65-F5344CB8AC3E}">
+        <p14:creationId xmlns:p14="http://schemas.microsoft.com/office/powerpoint/2010/main" val="3572686217"/>
+      </p:ext>
+    </p:extLst>
+  </p:cSld>
+  <p:clrMapOvr>
+    <a:masterClrMapping/>
+  </p:clrMapOvr>
+</p:sld>
+</file>
+
+<file path=ppt/slides/slide2.xml><?xml version="1.0" encoding="utf-8"?>
+<p:sld xmlns:a="http://schemas.openxmlformats.org/drawingml/2006/main" xmlns:r="http://schemas.openxmlformats.org/officeDocument/2006/relationships" xmlns:p="http://schemas.openxmlformats.org/presentationml/2006/main">
+  <p:cSld>
+    <p:spTree>
+      <p:nvGrpSpPr>
+        <p:cNvPr id="1" name=""/>
+        <p:cNvGrpSpPr/>
+        <p:nvPr/>
+      </p:nvGrpSpPr>
+      <p:grpSpPr>
+        <a:xfrm>
+          <a:off x="0" y="0"/>
+          <a:ext cx="0" cy="0"/>
+          <a:chOff x="0" y="0"/>
+          <a:chExt cx="0" cy="0"/>
+        </a:xfrm>
+      </p:grpSpPr>
+      <p:sp>
+        <p:nvSpPr>
+          <p:cNvPr id="2" name="Title 1"/>
+          <p:cNvSpPr>
+            <a:spLocks noGrp="1"/>
+          </p:cNvSpPr>
+          <p:nvPr>
+            <p:ph type="title"/>
+          </p:nvPr>
+        </p:nvSpPr>
+        <p:spPr/>
+        <p:txBody>
+          <a:bodyPr/>
+          <a:lstStyle/>
+          <a:p>
+            <a:r>
+              <a:rPr lang="en-US" dirty="0" smtClean="0"/>
+              <a:t>Outline</a:t>
+            </a:r>
+            <a:endParaRPr lang="en-US" dirty="0"/>
+          </a:p>
+        </p:txBody>
+      </p:sp>
+      <p:sp>
+        <p:nvSpPr>
+          <p:cNvPr id="3" name="Content Placeholder 2"/>
+          <p:cNvSpPr>
+            <a:spLocks noGrp="1"/>
+          </p:cNvSpPr>
+          <p:nvPr>
+            <p:ph idx="1"/>
+          </p:nvPr>
+        </p:nvSpPr>
+        <p:spPr/>
+        <p:txBody>
+          <a:bodyPr>
+            <a:normAutofit/>
+          </a:bodyPr>
+          <a:lstStyle/>
+          <a:p>
+            <a:pPr>
+              <a:lnSpc>
+                <a:spcPct val="150000"/>
+              </a:lnSpc>
+            </a:pPr>
+            <a:r>
+              <a:rPr lang="en-US" dirty="0" smtClean="0"/>
+              <a:t>Why Configuration Management</a:t>
+            </a:r>
+          </a:p>
+          <a:p>
+            <a:pPr>
+              <a:lnSpc>
+                <a:spcPct val="150000"/>
+              </a:lnSpc>
+            </a:pPr>
+            <a:r>
+              <a:rPr lang="en-US" dirty="0" smtClean="0"/>
+              <a:t>What is </a:t>
+            </a:r>
+            <a:r>
+              <a:rPr lang="en-US" dirty="0"/>
+              <a:t>Configuration Management</a:t>
+            </a:r>
+            <a:endParaRPr lang="en-US" dirty="0" smtClean="0"/>
+          </a:p>
+          <a:p>
+            <a:pPr>
+              <a:lnSpc>
+                <a:spcPct val="150000"/>
+              </a:lnSpc>
+            </a:pPr>
+            <a:r>
+              <a:rPr lang="en-US" dirty="0" smtClean="0"/>
+              <a:t>What is Puppet?</a:t>
+            </a:r>
+          </a:p>
+          <a:p>
+            <a:pPr>
+              <a:lnSpc>
+                <a:spcPct val="150000"/>
+              </a:lnSpc>
+            </a:pPr>
+            <a:r>
+              <a:rPr lang="en-US" dirty="0" smtClean="0"/>
+              <a:t>Puppet Components and Architecture</a:t>
+            </a:r>
+          </a:p>
+          <a:p>
+            <a:pPr>
+              <a:lnSpc>
+                <a:spcPct val="150000"/>
+              </a:lnSpc>
+            </a:pPr>
+            <a:endParaRPr lang="en-US" dirty="0"/>
+          </a:p>
+          <a:p>
+            <a:pPr>
+              <a:lnSpc>
+                <a:spcPct val="150000"/>
+              </a:lnSpc>
+            </a:pPr>
+            <a:endParaRPr lang="en-US" dirty="0" smtClean="0"/>
+          </a:p>
+          <a:p>
+            <a:pPr>
+              <a:lnSpc>
+                <a:spcPct val="150000"/>
+              </a:lnSpc>
+            </a:pPr>
+            <a:endParaRPr lang="en-US" dirty="0" smtClean="0"/>
+          </a:p>
+          <a:p>
+            <a:pPr>
+              <a:lnSpc>
+                <a:spcPct val="150000"/>
+              </a:lnSpc>
+            </a:pPr>
+            <a:endParaRPr lang="en-US" dirty="0"/>
+          </a:p>
+        </p:txBody>
+      </p:sp>
+      <p:sp>
+        <p:nvSpPr>
+          <p:cNvPr id="4" name="Slide Number Placeholder 3"/>
+          <p:cNvSpPr>
+            <a:spLocks noGrp="1"/>
+          </p:cNvSpPr>
+          <p:nvPr>
+            <p:ph type="sldNum" sz="quarter" idx="12"/>
+          </p:nvPr>
+        </p:nvSpPr>
+        <p:spPr/>
+        <p:txBody>
+          <a:bodyPr/>
+          <a:lstStyle/>
+          <a:p>
+            <a:fld id="{B8DACC02-A2BD-4578-8E03-6D891060A695}" type="slidenum">
+              <a:rPr lang="en-US" smtClean="0"/>
+              <a:pPr/>
+              <a:t>2</a:t>
+            </a:fld>
+            <a:endParaRPr lang="en-US" dirty="0"/>
+          </a:p>
+        </p:txBody>
+      </p:sp>
+    </p:spTree>
+    <p:extLst>
+      <p:ext uri="{BB962C8B-B14F-4D97-AF65-F5344CB8AC3E}">
+        <p14:creationId xmlns:p14="http://schemas.microsoft.com/office/powerpoint/2010/main" val="792989616"/>
+      </p:ext>
+    </p:extLst>
+  </p:cSld>
+  <p:clrMapOvr>
+    <a:masterClrMapping/>
+  </p:clrMapOvr>
+</p:sld>
+</file>
+
+<file path=ppt/slides/slide20.xml><?xml version="1.0" encoding="utf-8"?>
+<p:sld xmlns:a="http://schemas.openxmlformats.org/drawingml/2006/main" xmlns:r="http://schemas.openxmlformats.org/officeDocument/2006/relationships" xmlns:p="http://schemas.openxmlformats.org/presentationml/2006/main">
+  <p:cSld>
+    <p:spTree>
+      <p:nvGrpSpPr>
+        <p:cNvPr id="1" name=""/>
+        <p:cNvGrpSpPr/>
+        <p:nvPr/>
+      </p:nvGrpSpPr>
+      <p:grpSpPr>
+        <a:xfrm>
+          <a:off x="0" y="0"/>
+          <a:ext cx="0" cy="0"/>
+          <a:chOff x="0" y="0"/>
+          <a:chExt cx="0" cy="0"/>
+        </a:xfrm>
+      </p:grpSpPr>
+      <p:sp>
+        <p:nvSpPr>
+          <p:cNvPr id="2" name="Title 1"/>
+          <p:cNvSpPr>
+            <a:spLocks noGrp="1"/>
+          </p:cNvSpPr>
+          <p:nvPr>
+            <p:ph type="title"/>
+          </p:nvPr>
+        </p:nvSpPr>
+        <p:spPr/>
+        <p:txBody>
+          <a:bodyPr/>
+          <a:lstStyle/>
+          <a:p>
+            <a:r>
+              <a:rPr lang="en-US" dirty="0"/>
+              <a:t>What are the Benefits of Puppet?</a:t>
+            </a:r>
+          </a:p>
+        </p:txBody>
+      </p:sp>
+      <p:sp>
+        <p:nvSpPr>
+          <p:cNvPr id="3" name="Content Placeholder 2"/>
+          <p:cNvSpPr>
+            <a:spLocks noGrp="1"/>
+          </p:cNvSpPr>
+          <p:nvPr>
+            <p:ph idx="1"/>
+          </p:nvPr>
+        </p:nvSpPr>
+        <p:spPr/>
+        <p:txBody>
+          <a:bodyPr>
+            <a:normAutofit/>
+          </a:bodyPr>
+          <a:lstStyle/>
+          <a:p>
+            <a:r>
+              <a:rPr lang="en-US" dirty="0"/>
+              <a:t>Puppet can benefit you in your infrastructure configuration &amp; management for your glance:</a:t>
+            </a:r>
+          </a:p>
+          <a:p>
+            <a:pPr lvl="1"/>
+            <a:r>
+              <a:rPr lang="en-US" dirty="0" smtClean="0"/>
+              <a:t>Infrastructure </a:t>
+            </a:r>
+            <a:r>
+              <a:rPr lang="en-US" dirty="0"/>
+              <a:t>as code(</a:t>
+            </a:r>
+            <a:r>
+              <a:rPr lang="en-US" dirty="0" err="1"/>
+              <a:t>IaC</a:t>
+            </a:r>
+            <a:r>
+              <a:rPr lang="en-US" dirty="0" smtClean="0"/>
+              <a:t>)</a:t>
+            </a:r>
+          </a:p>
+          <a:p>
+            <a:pPr lvl="2"/>
+            <a:r>
+              <a:rPr lang="en-US" dirty="0" smtClean="0"/>
+              <a:t>It </a:t>
+            </a:r>
+            <a:r>
+              <a:rPr lang="en-US" dirty="0"/>
+              <a:t>enables you to define infrastructure as code (</a:t>
+            </a:r>
+            <a:r>
+              <a:rPr lang="en-US" dirty="0" err="1"/>
+              <a:t>IaC</a:t>
+            </a:r>
+            <a:r>
+              <a:rPr lang="en-US" dirty="0"/>
+              <a:t>) with ease of </a:t>
+            </a:r>
+            <a:r>
+              <a:rPr lang="en-US" dirty="0" smtClean="0"/>
+              <a:t>coding</a:t>
+            </a:r>
+            <a:endParaRPr lang="en-US" dirty="0"/>
+          </a:p>
+          <a:p>
+            <a:pPr lvl="1"/>
+            <a:r>
+              <a:rPr lang="en-US" dirty="0"/>
+              <a:t>Disaster </a:t>
+            </a:r>
+            <a:r>
+              <a:rPr lang="en-US" dirty="0" smtClean="0"/>
+              <a:t>Recovery</a:t>
+            </a:r>
+          </a:p>
+          <a:p>
+            <a:pPr lvl="2"/>
+            <a:r>
+              <a:rPr lang="en-US" dirty="0" smtClean="0"/>
+              <a:t>Downtime </a:t>
+            </a:r>
+            <a:r>
+              <a:rPr lang="en-US" dirty="0"/>
+              <a:t>due to misconfiguration issues can be reduced </a:t>
+            </a:r>
+            <a:r>
+              <a:rPr lang="en-US" dirty="0" smtClean="0"/>
+              <a:t>significantly</a:t>
+            </a:r>
+            <a:endParaRPr lang="en-US" dirty="0"/>
+          </a:p>
+          <a:p>
+            <a:pPr lvl="1"/>
+            <a:r>
+              <a:rPr lang="en-US" dirty="0" smtClean="0"/>
+              <a:t>Speed Development</a:t>
+            </a:r>
+          </a:p>
+          <a:p>
+            <a:pPr lvl="2"/>
+            <a:r>
+              <a:rPr lang="en-US" dirty="0" smtClean="0"/>
+              <a:t>It </a:t>
+            </a:r>
+            <a:r>
+              <a:rPr lang="en-US" dirty="0"/>
+              <a:t>allows a significant time saving </a:t>
+            </a:r>
+          </a:p>
+          <a:p>
+            <a:pPr lvl="1"/>
+            <a:r>
+              <a:rPr lang="en-US" dirty="0" smtClean="0"/>
+              <a:t>Constant Output</a:t>
+            </a:r>
+          </a:p>
+          <a:p>
+            <a:pPr lvl="2"/>
+            <a:r>
+              <a:rPr lang="en-US" dirty="0" smtClean="0"/>
+              <a:t>Works on </a:t>
+            </a:r>
+            <a:r>
+              <a:rPr lang="en-US" dirty="0"/>
+              <a:t>an extensive infrastructure by automating repetitive </a:t>
+            </a:r>
+            <a:r>
+              <a:rPr lang="en-US" dirty="0" smtClean="0"/>
+              <a:t>tasks</a:t>
+            </a:r>
+            <a:endParaRPr lang="en-US" dirty="0"/>
+          </a:p>
+          <a:p>
+            <a:pPr lvl="1"/>
+            <a:r>
+              <a:rPr lang="en-US" dirty="0"/>
+              <a:t>It supports a vast variety of Mac OS, Microsoft Windows, </a:t>
+            </a:r>
+            <a:r>
+              <a:rPr lang="en-US" dirty="0" err="1"/>
+              <a:t>Debian</a:t>
+            </a:r>
+            <a:r>
+              <a:rPr lang="en-US" dirty="0"/>
+              <a:t> &amp; many more. The best part is, it uses easy-to-learn language to define the </a:t>
+            </a:r>
+            <a:r>
+              <a:rPr lang="en-US" dirty="0" smtClean="0"/>
+              <a:t>configurations</a:t>
+            </a:r>
+            <a:endParaRPr lang="en-US" dirty="0"/>
+          </a:p>
+        </p:txBody>
+      </p:sp>
+      <p:sp>
+        <p:nvSpPr>
+          <p:cNvPr id="4" name="Slide Number Placeholder 3"/>
+          <p:cNvSpPr>
+            <a:spLocks noGrp="1"/>
+          </p:cNvSpPr>
+          <p:nvPr>
+            <p:ph type="sldNum" sz="quarter" idx="12"/>
+          </p:nvPr>
+        </p:nvSpPr>
+        <p:spPr/>
+        <p:txBody>
+          <a:bodyPr/>
+          <a:lstStyle/>
+          <a:p>
+            <a:fld id="{B8DACC02-A2BD-4578-8E03-6D891060A695}" type="slidenum">
+              <a:rPr lang="en-US" smtClean="0"/>
+              <a:pPr/>
+              <a:t>20</a:t>
+            </a:fld>
+            <a:endParaRPr lang="en-US" dirty="0"/>
+          </a:p>
+        </p:txBody>
+      </p:sp>
+    </p:spTree>
+    <p:extLst>
+      <p:ext uri="{BB962C8B-B14F-4D97-AF65-F5344CB8AC3E}">
+        <p14:creationId xmlns:p14="http://schemas.microsoft.com/office/powerpoint/2010/main" val="919702735"/>
+      </p:ext>
+    </p:extLst>
+  </p:cSld>
+  <p:clrMapOvr>
+    <a:masterClrMapping/>
+  </p:clrMapOvr>
+</p:sld>
+</file>
+
+<file path=ppt/slides/slide21.xml><?xml version="1.0" encoding="utf-8"?>
+<p:sld xmlns:a="http://schemas.openxmlformats.org/drawingml/2006/main" xmlns:r="http://schemas.openxmlformats.org/officeDocument/2006/relationships" xmlns:p="http://schemas.openxmlformats.org/presentationml/2006/main">
+  <p:cSld>
+    <p:spTree>
+      <p:nvGrpSpPr>
+        <p:cNvPr id="1" name=""/>
+        <p:cNvGrpSpPr/>
+        <p:nvPr/>
+      </p:nvGrpSpPr>
+      <p:grpSpPr>
+        <a:xfrm>
+          <a:off x="0" y="0"/>
+          <a:ext cx="0" cy="0"/>
+          <a:chOff x="0" y="0"/>
+          <a:chExt cx="0" cy="0"/>
+        </a:xfrm>
+      </p:grpSpPr>
+      <p:sp>
+        <p:nvSpPr>
+          <p:cNvPr id="2" name="Title 1"/>
+          <p:cNvSpPr>
+            <a:spLocks noGrp="1"/>
+          </p:cNvSpPr>
+          <p:nvPr>
+            <p:ph type="title"/>
+          </p:nvPr>
+        </p:nvSpPr>
+        <p:spPr/>
+        <p:txBody>
+          <a:bodyPr/>
+          <a:lstStyle/>
+          <a:p>
+            <a:r>
+              <a:rPr lang="en-US" dirty="0"/>
+              <a:t>Puppet Master-Slave Architecture</a:t>
+            </a:r>
+          </a:p>
+        </p:txBody>
+      </p:sp>
+      <p:sp>
+        <p:nvSpPr>
+          <p:cNvPr id="3" name="Content Placeholder 2"/>
+          <p:cNvSpPr>
+            <a:spLocks noGrp="1"/>
+          </p:cNvSpPr>
+          <p:nvPr>
+            <p:ph idx="1"/>
+          </p:nvPr>
+        </p:nvSpPr>
+        <p:spPr/>
+        <p:txBody>
+          <a:bodyPr/>
+          <a:lstStyle/>
+          <a:p>
+            <a:endParaRPr lang="en-US"/>
+          </a:p>
+        </p:txBody>
+      </p:sp>
+      <p:sp>
+        <p:nvSpPr>
+          <p:cNvPr id="4" name="Slide Number Placeholder 3"/>
+          <p:cNvSpPr>
+            <a:spLocks noGrp="1"/>
+          </p:cNvSpPr>
+          <p:nvPr>
+            <p:ph type="sldNum" sz="quarter" idx="12"/>
+          </p:nvPr>
+        </p:nvSpPr>
+        <p:spPr/>
+        <p:txBody>
+          <a:bodyPr/>
+          <a:lstStyle/>
+          <a:p>
+            <a:fld id="{B8DACC02-A2BD-4578-8E03-6D891060A695}" type="slidenum">
+              <a:rPr lang="en-US" smtClean="0"/>
+              <a:pPr/>
+              <a:t>21</a:t>
+            </a:fld>
+            <a:endParaRPr lang="en-US" dirty="0"/>
+          </a:p>
+        </p:txBody>
+      </p:sp>
+      <p:pic>
+        <p:nvPicPr>
+          <p:cNvPr id="9218" name="Picture 2" descr="Puppet Tutorial | Puppet For Configuration Management | Edureka"/>
+          <p:cNvPicPr>
+            <a:picLocks noChangeAspect="1" noChangeArrowheads="1"/>
+          </p:cNvPicPr>
+          <p:nvPr/>
+        </p:nvPicPr>
+        <p:blipFill>
+          <a:blip r:embed="rId2">
+            <a:extLst>
+              <a:ext uri="{28A0092B-C50C-407E-A947-70E740481C1C}">
+                <a14:useLocalDpi xmlns:a14="http://schemas.microsoft.com/office/drawing/2010/main" val="0"/>
+              </a:ext>
+            </a:extLst>
+          </a:blip>
+          <a:srcRect/>
+          <a:stretch>
+            <a:fillRect/>
+          </a:stretch>
+        </p:blipFill>
+        <p:spPr bwMode="auto">
+          <a:xfrm>
+            <a:off x="1801495" y="1832062"/>
+            <a:ext cx="7762875" cy="3895725"/>
+          </a:xfrm>
+          <a:prstGeom prst="rect">
+            <a:avLst/>
+          </a:prstGeom>
+          <a:noFill/>
+          <a:extLst>
+            <a:ext uri="{909E8E84-426E-40DD-AFC4-6F175D3DCCD1}">
+              <a14:hiddenFill xmlns:a14="http://schemas.microsoft.com/office/drawing/2010/main">
+                <a:solidFill>
+                  <a:srgbClr val="FFFFFF"/>
+                </a:solidFill>
+              </a14:hiddenFill>
+            </a:ext>
+          </a:extLst>
+        </p:spPr>
+      </p:pic>
+      <p:sp>
+        <p:nvSpPr>
+          <p:cNvPr id="5" name="Round Diagonal Corner Rectangle 4"/>
+          <p:cNvSpPr/>
+          <p:nvPr/>
+        </p:nvSpPr>
+        <p:spPr>
+          <a:xfrm>
+            <a:off x="8202168" y="1832062"/>
+            <a:ext cx="1901952" cy="572810"/>
+          </a:xfrm>
+          <a:prstGeom prst="round2DiagRect">
+            <a:avLst/>
+          </a:prstGeom>
+          <a:solidFill>
+            <a:schemeClr val="bg1"/>
+          </a:solidFill>
+          <a:ln>
+            <a:noFill/>
+          </a:ln>
+        </p:spPr>
+        <p:style>
+          <a:lnRef idx="2">
+            <a:schemeClr val="accent1">
+              <a:shade val="50000"/>
+            </a:schemeClr>
+          </a:lnRef>
+          <a:fillRef idx="1">
+            <a:schemeClr val="accent1"/>
+          </a:fillRef>
+          <a:effectRef idx="0">
+            <a:schemeClr val="accent1"/>
+          </a:effectRef>
+          <a:fontRef idx="minor">
+            <a:schemeClr val="lt1"/>
+          </a:fontRef>
+        </p:style>
+        <p:txBody>
+          <a:bodyPr rtlCol="0" anchor="ctr"/>
+          <a:lstStyle/>
+          <a:p>
+            <a:pPr algn="ctr"/>
+            <a:endParaRPr lang="en-US"/>
+          </a:p>
+        </p:txBody>
+      </p:sp>
+    </p:spTree>
+    <p:extLst>
+      <p:ext uri="{BB962C8B-B14F-4D97-AF65-F5344CB8AC3E}">
+        <p14:creationId xmlns:p14="http://schemas.microsoft.com/office/powerpoint/2010/main" val="931899304"/>
+      </p:ext>
+    </p:extLst>
+  </p:cSld>
+  <p:clrMapOvr>
+    <a:masterClrMapping/>
+  </p:clrMapOvr>
+  <p:timing>
+    <p:tnLst>
+      <p:par>
+        <p:cTn id="1" dur="indefinite" restart="never" nodeType="tmRoot"/>
+      </p:par>
+    </p:tnLst>
+  </p:timing>
+</p:sld>
+</file>
+
+<file path=ppt/slides/slide22.xml><?xml version="1.0" encoding="utf-8"?>
+<p:sld xmlns:a="http://schemas.openxmlformats.org/drawingml/2006/main" xmlns:r="http://schemas.openxmlformats.org/officeDocument/2006/relationships" xmlns:p="http://schemas.openxmlformats.org/presentationml/2006/main">
+  <p:cSld>
+    <p:spTree>
+      <p:nvGrpSpPr>
+        <p:cNvPr id="1" name=""/>
+        <p:cNvGrpSpPr/>
+        <p:nvPr/>
+      </p:nvGrpSpPr>
+      <p:grpSpPr>
+        <a:xfrm>
+          <a:off x="0" y="0"/>
+          <a:ext cx="0" cy="0"/>
+          <a:chOff x="0" y="0"/>
+          <a:chExt cx="0" cy="0"/>
+        </a:xfrm>
+      </p:grpSpPr>
+      <p:sp>
+        <p:nvSpPr>
+          <p:cNvPr id="2" name="Title 1"/>
+          <p:cNvSpPr>
+            <a:spLocks noGrp="1"/>
+          </p:cNvSpPr>
+          <p:nvPr>
+            <p:ph type="title"/>
+          </p:nvPr>
+        </p:nvSpPr>
+        <p:spPr/>
+        <p:txBody>
+          <a:bodyPr/>
+          <a:lstStyle/>
+          <a:p>
+            <a:r>
+              <a:rPr lang="en-US" dirty="0"/>
+              <a:t>Puppet Master Slave Connection</a:t>
+            </a:r>
+          </a:p>
+        </p:txBody>
+      </p:sp>
+      <p:sp>
+        <p:nvSpPr>
+          <p:cNvPr id="4" name="Slide Number Placeholder 3"/>
+          <p:cNvSpPr>
+            <a:spLocks noGrp="1"/>
+          </p:cNvSpPr>
+          <p:nvPr>
+            <p:ph type="sldNum" sz="quarter" idx="12"/>
+          </p:nvPr>
+        </p:nvSpPr>
+        <p:spPr/>
+        <p:txBody>
+          <a:bodyPr/>
+          <a:lstStyle/>
+          <a:p>
+            <a:fld id="{B8DACC02-A2BD-4578-8E03-6D891060A695}" type="slidenum">
+              <a:rPr lang="en-US" smtClean="0"/>
+              <a:pPr/>
+              <a:t>22</a:t>
+            </a:fld>
+            <a:endParaRPr lang="en-US" dirty="0"/>
+          </a:p>
+        </p:txBody>
+      </p:sp>
+      <p:pic>
+        <p:nvPicPr>
+          <p:cNvPr id="10244" name="Picture 4" descr="https://intellipaat.com/mediaFiles/2018/12/How-the-Puppet-connections-are-getting-established-between-puppet-master-server-and-Puppet-agent-nodes.png"/>
+          <p:cNvPicPr>
+            <a:picLocks noChangeAspect="1" noChangeArrowheads="1"/>
+          </p:cNvPicPr>
+          <p:nvPr/>
+        </p:nvPicPr>
+        <p:blipFill>
+          <a:blip r:embed="rId2">
+            <a:extLst>
+              <a:ext uri="{28A0092B-C50C-407E-A947-70E740481C1C}">
+                <a14:useLocalDpi xmlns:a14="http://schemas.microsoft.com/office/drawing/2010/main" val="0"/>
+              </a:ext>
+            </a:extLst>
+          </a:blip>
+          <a:srcRect/>
+          <a:stretch>
+            <a:fillRect/>
+          </a:stretch>
+        </p:blipFill>
+        <p:spPr bwMode="auto">
+          <a:xfrm>
+            <a:off x="2457886" y="2444507"/>
+            <a:ext cx="6870843" cy="3873056"/>
+          </a:xfrm>
+          <a:prstGeom prst="rect">
+            <a:avLst/>
+          </a:prstGeom>
+          <a:noFill/>
+          <a:extLst>
+            <a:ext uri="{909E8E84-426E-40DD-AFC4-6F175D3DCCD1}">
+              <a14:hiddenFill xmlns:a14="http://schemas.microsoft.com/office/drawing/2010/main">
+                <a:solidFill>
+                  <a:srgbClr val="FFFFFF"/>
+                </a:solidFill>
+              </a14:hiddenFill>
+            </a:ext>
+          </a:extLst>
+        </p:spPr>
+      </p:pic>
+      <p:sp>
+        <p:nvSpPr>
+          <p:cNvPr id="7" name="Round Single Corner Rectangle 6"/>
+          <p:cNvSpPr/>
+          <p:nvPr/>
+        </p:nvSpPr>
+        <p:spPr>
+          <a:xfrm>
+            <a:off x="1243584" y="1406880"/>
+            <a:ext cx="9299448" cy="623088"/>
+          </a:xfrm>
+          <a:prstGeom prst="round1Rect">
+            <a:avLst/>
+          </a:prstGeom>
+          <a:noFill/>
+          <a:ln w="38100"/>
+        </p:spPr>
+        <p:style>
+          <a:lnRef idx="2">
+            <a:schemeClr val="accent1">
+              <a:shade val="50000"/>
+            </a:schemeClr>
+          </a:lnRef>
+          <a:fillRef idx="1">
+            <a:schemeClr val="accent1"/>
+          </a:fillRef>
+          <a:effectRef idx="0">
+            <a:schemeClr val="accent1"/>
+          </a:effectRef>
+          <a:fontRef idx="minor">
+            <a:schemeClr val="lt1"/>
+          </a:fontRef>
+        </p:style>
+        <p:txBody>
+          <a:bodyPr rtlCol="0" anchor="ctr"/>
+          <a:lstStyle/>
+          <a:p>
+            <a:pPr algn="ctr"/>
+            <a:r>
+              <a:rPr lang="en-US" sz="2500" dirty="0" smtClean="0">
+                <a:solidFill>
+                  <a:schemeClr val="tx1"/>
+                </a:solidFill>
+                <a:latin typeface="Candara" panose="020E0502030303020204" pitchFamily="34" charset="0"/>
+              </a:rPr>
+              <a:t>SSL (Secure Sockets Layer) connection between Master and Slave</a:t>
+            </a:r>
+            <a:endParaRPr lang="en-US" sz="2500" dirty="0">
+              <a:solidFill>
+                <a:schemeClr val="tx1"/>
+              </a:solidFill>
+              <a:latin typeface="Candara" panose="020E0502030303020204" pitchFamily="34" charset="0"/>
+            </a:endParaRPr>
+          </a:p>
+        </p:txBody>
+      </p:sp>
+    </p:spTree>
+    <p:extLst>
+      <p:ext uri="{BB962C8B-B14F-4D97-AF65-F5344CB8AC3E}">
+        <p14:creationId xmlns:p14="http://schemas.microsoft.com/office/powerpoint/2010/main" val="2686047227"/>
+      </p:ext>
+    </p:extLst>
+  </p:cSld>
+  <p:clrMapOvr>
+    <a:masterClrMapping/>
+  </p:clrMapOvr>
+</p:sld>
+</file>
+
+<file path=ppt/slides/slide23.xml><?xml version="1.0" encoding="utf-8"?>
+<p:sld xmlns:a="http://schemas.openxmlformats.org/drawingml/2006/main" xmlns:r="http://schemas.openxmlformats.org/officeDocument/2006/relationships" xmlns:p="http://schemas.openxmlformats.org/presentationml/2006/main">
+  <p:cSld>
+    <p:spTree>
+      <p:nvGrpSpPr>
+        <p:cNvPr id="1" name=""/>
+        <p:cNvGrpSpPr/>
+        <p:nvPr/>
+      </p:nvGrpSpPr>
+      <p:grpSpPr>
+        <a:xfrm>
+          <a:off x="0" y="0"/>
+          <a:ext cx="0" cy="0"/>
+          <a:chOff x="0" y="0"/>
+          <a:chExt cx="0" cy="0"/>
+        </a:xfrm>
+      </p:grpSpPr>
+      <p:sp>
+        <p:nvSpPr>
+          <p:cNvPr id="2" name="Title 1"/>
+          <p:cNvSpPr>
+            <a:spLocks noGrp="1"/>
+          </p:cNvSpPr>
+          <p:nvPr>
+            <p:ph type="title"/>
+          </p:nvPr>
+        </p:nvSpPr>
+        <p:spPr/>
+        <p:txBody>
+          <a:bodyPr/>
+          <a:lstStyle/>
+          <a:p>
+            <a:r>
+              <a:rPr lang="en-US" dirty="0"/>
+              <a:t>Key Puppet </a:t>
+            </a:r>
+            <a:r>
+              <a:rPr lang="en-US" dirty="0" smtClean="0"/>
+              <a:t>Concepts</a:t>
+            </a:r>
+            <a:endParaRPr lang="en-US" dirty="0"/>
+          </a:p>
+        </p:txBody>
+      </p:sp>
+      <p:sp>
+        <p:nvSpPr>
+          <p:cNvPr id="3" name="Content Placeholder 2"/>
+          <p:cNvSpPr>
+            <a:spLocks noGrp="1"/>
+          </p:cNvSpPr>
+          <p:nvPr>
+            <p:ph idx="1"/>
+          </p:nvPr>
+        </p:nvSpPr>
+        <p:spPr/>
+        <p:txBody>
+          <a:bodyPr>
+            <a:normAutofit fontScale="92500" lnSpcReduction="10000"/>
+          </a:bodyPr>
+          <a:lstStyle/>
+          <a:p>
+            <a:r>
+              <a:rPr lang="en-US" dirty="0"/>
+              <a:t>Modules</a:t>
+            </a:r>
+          </a:p>
+          <a:p>
+            <a:pPr lvl="1"/>
+            <a:r>
+              <a:rPr lang="en-US" dirty="0" smtClean="0"/>
+              <a:t>To differentiate the </a:t>
+            </a:r>
+            <a:r>
+              <a:rPr lang="en-US" dirty="0"/>
+              <a:t>differences between various platforms Puppet modules are used. </a:t>
+            </a:r>
+            <a:endParaRPr lang="en-US" dirty="0" smtClean="0"/>
+          </a:p>
+          <a:p>
+            <a:pPr lvl="1"/>
+            <a:r>
+              <a:rPr lang="en-US" dirty="0" smtClean="0"/>
+              <a:t>A </a:t>
+            </a:r>
+            <a:r>
+              <a:rPr lang="en-US" dirty="0"/>
+              <a:t>good module should therefore give an API so that the software can be used on various platforms without having to know the details of the platform. </a:t>
+            </a:r>
+            <a:endParaRPr lang="en-US" dirty="0" smtClean="0"/>
+          </a:p>
+          <a:p>
+            <a:pPr lvl="1"/>
+            <a:r>
+              <a:rPr lang="en-US" dirty="0" smtClean="0"/>
+              <a:t>One </a:t>
+            </a:r>
+            <a:r>
+              <a:rPr lang="en-US" dirty="0"/>
+              <a:t>of the main advantages of reusable modules is that other people can easily understand them.</a:t>
+            </a:r>
+          </a:p>
+          <a:p>
+            <a:r>
+              <a:rPr lang="en-US" dirty="0" smtClean="0"/>
+              <a:t>Classes</a:t>
+            </a:r>
+            <a:endParaRPr lang="en-US" dirty="0"/>
+          </a:p>
+          <a:p>
+            <a:pPr lvl="1"/>
+            <a:r>
+              <a:rPr lang="en-US" dirty="0" smtClean="0"/>
+              <a:t>A collection </a:t>
+            </a:r>
+            <a:r>
+              <a:rPr lang="en-US" dirty="0"/>
+              <a:t>of resources that are grouped together to get a target machine or machine in the desired state. </a:t>
+            </a:r>
+            <a:endParaRPr lang="en-US" dirty="0" smtClean="0"/>
+          </a:p>
+          <a:p>
+            <a:pPr lvl="1"/>
+            <a:r>
+              <a:rPr lang="en-US" dirty="0" smtClean="0"/>
+              <a:t>They </a:t>
+            </a:r>
+            <a:r>
+              <a:rPr lang="en-US" dirty="0"/>
+              <a:t>have defined inside Puppet manifest files which are found in Puppet modules.</a:t>
+            </a:r>
+          </a:p>
+          <a:p>
+            <a:r>
+              <a:rPr lang="en-US" dirty="0" smtClean="0"/>
+              <a:t>Manifests</a:t>
+            </a:r>
+            <a:endParaRPr lang="en-US" dirty="0"/>
+          </a:p>
+          <a:p>
+            <a:pPr lvl="1"/>
+            <a:r>
+              <a:rPr lang="en-US" dirty="0" smtClean="0"/>
+              <a:t>Manifests </a:t>
+            </a:r>
+            <a:r>
+              <a:rPr lang="en-US" dirty="0"/>
+              <a:t>are those programs written in Ruby and saved with the .pp extension. </a:t>
+            </a:r>
+            <a:endParaRPr lang="en-US" dirty="0" smtClean="0"/>
+          </a:p>
+          <a:p>
+            <a:pPr lvl="1"/>
+            <a:r>
+              <a:rPr lang="en-US" dirty="0" smtClean="0"/>
+              <a:t>All Puppet </a:t>
+            </a:r>
+            <a:r>
+              <a:rPr lang="en-US" dirty="0"/>
+              <a:t>programs are manifests that are built with the idea of creating and managing any target host machine.</a:t>
+            </a:r>
+          </a:p>
+        </p:txBody>
+      </p:sp>
+      <p:sp>
+        <p:nvSpPr>
+          <p:cNvPr id="4" name="Slide Number Placeholder 3"/>
+          <p:cNvSpPr>
+            <a:spLocks noGrp="1"/>
+          </p:cNvSpPr>
+          <p:nvPr>
+            <p:ph type="sldNum" sz="quarter" idx="12"/>
+          </p:nvPr>
+        </p:nvSpPr>
+        <p:spPr/>
+        <p:txBody>
+          <a:bodyPr/>
+          <a:lstStyle/>
+          <a:p>
+            <a:fld id="{B8DACC02-A2BD-4578-8E03-6D891060A695}" type="slidenum">
+              <a:rPr lang="en-US" smtClean="0"/>
+              <a:pPr/>
+              <a:t>23</a:t>
+            </a:fld>
+            <a:endParaRPr lang="en-US" dirty="0"/>
+          </a:p>
+        </p:txBody>
+      </p:sp>
+    </p:spTree>
+    <p:extLst>
+      <p:ext uri="{BB962C8B-B14F-4D97-AF65-F5344CB8AC3E}">
+        <p14:creationId xmlns:p14="http://schemas.microsoft.com/office/powerpoint/2010/main" val="1672250573"/>
+      </p:ext>
+    </p:extLst>
+  </p:cSld>
+  <p:clrMapOvr>
+    <a:masterClrMapping/>
+  </p:clrMapOvr>
+</p:sld>
+</file>
+
+<file path=ppt/slides/slide24.xml><?xml version="1.0" encoding="utf-8"?>
+<p:sld xmlns:a="http://schemas.openxmlformats.org/drawingml/2006/main" xmlns:r="http://schemas.openxmlformats.org/officeDocument/2006/relationships" xmlns:p="http://schemas.openxmlformats.org/presentationml/2006/main">
+  <p:cSld>
+    <p:spTree>
+      <p:nvGrpSpPr>
+        <p:cNvPr id="1" name=""/>
+        <p:cNvGrpSpPr/>
+        <p:nvPr/>
+      </p:nvGrpSpPr>
+      <p:grpSpPr>
+        <a:xfrm>
+          <a:off x="0" y="0"/>
+          <a:ext cx="0" cy="0"/>
+          <a:chOff x="0" y="0"/>
+          <a:chExt cx="0" cy="0"/>
+        </a:xfrm>
+      </p:grpSpPr>
+      <p:sp>
+        <p:nvSpPr>
+          <p:cNvPr id="2" name="Title 1"/>
+          <p:cNvSpPr>
+            <a:spLocks noGrp="1"/>
+          </p:cNvSpPr>
+          <p:nvPr>
+            <p:ph type="title"/>
+          </p:nvPr>
+        </p:nvSpPr>
+        <p:spPr/>
+        <p:txBody>
+          <a:bodyPr/>
+          <a:lstStyle/>
+          <a:p>
+            <a:r>
+              <a:rPr lang="en-US" dirty="0" smtClean="0"/>
+              <a:t>Puppet Case Study (MySQL and PHP)</a:t>
+            </a:r>
+            <a:endParaRPr lang="en-US" dirty="0"/>
+          </a:p>
+        </p:txBody>
+      </p:sp>
+      <p:sp>
+        <p:nvSpPr>
+          <p:cNvPr id="3" name="Content Placeholder 2"/>
+          <p:cNvSpPr>
+            <a:spLocks noGrp="1"/>
+          </p:cNvSpPr>
+          <p:nvPr>
+            <p:ph idx="1"/>
+          </p:nvPr>
+        </p:nvSpPr>
+        <p:spPr/>
+        <p:txBody>
+          <a:bodyPr/>
+          <a:lstStyle/>
+          <a:p>
+            <a:r>
+              <a:rPr lang="en-US" dirty="0" smtClean="0"/>
+              <a:t>Using predefined modules, download modules for PHP and MySQL</a:t>
+            </a:r>
+          </a:p>
+          <a:p>
+            <a:r>
+              <a:rPr lang="en-US" dirty="0" smtClean="0"/>
+              <a:t>Declare these two classes in the Puppet manifests</a:t>
+            </a:r>
+          </a:p>
+          <a:p>
+            <a:r>
+              <a:rPr lang="en-US" dirty="0" smtClean="0"/>
+              <a:t>Puppet agents will pull these configurations and both will be installed in Agents</a:t>
+            </a:r>
+            <a:endParaRPr lang="en-US" dirty="0"/>
+          </a:p>
+        </p:txBody>
+      </p:sp>
+      <p:sp>
+        <p:nvSpPr>
+          <p:cNvPr id="4" name="Slide Number Placeholder 3"/>
+          <p:cNvSpPr>
+            <a:spLocks noGrp="1"/>
+          </p:cNvSpPr>
+          <p:nvPr>
+            <p:ph type="sldNum" sz="quarter" idx="12"/>
+          </p:nvPr>
+        </p:nvSpPr>
+        <p:spPr/>
+        <p:txBody>
+          <a:bodyPr/>
+          <a:lstStyle/>
+          <a:p>
+            <a:fld id="{B8DACC02-A2BD-4578-8E03-6D891060A695}" type="slidenum">
+              <a:rPr lang="en-US" smtClean="0"/>
+              <a:pPr/>
+              <a:t>24</a:t>
             </a:fld>
             <a:endParaRPr lang="en-US" dirty="0"/>
           </a:p>
@@ -8292,7 +10400,7 @@
 </p:sld>
 </file>
 
-<file path=ppt/slides/slide17.xml><?xml version="1.0" encoding="utf-8"?>
+<file path=ppt/slides/slide25.xml><?xml version="1.0" encoding="utf-8"?>
 <p:sld xmlns:a="http://schemas.openxmlformats.org/drawingml/2006/main" xmlns:r="http://schemas.openxmlformats.org/officeDocument/2006/relationships" xmlns:p="http://schemas.openxmlformats.org/presentationml/2006/main">
   <p:cSld>
     <p:spTree>
@@ -8379,7 +10487,7 @@
             <a:fld id="{B8DACC02-A2BD-4578-8E03-6D891060A695}" type="slidenum">
               <a:rPr lang="en-US" smtClean="0"/>
               <a:pPr/>
-              <a:t>17</a:t>
+              <a:t>25</a:t>
             </a:fld>
             <a:endParaRPr lang="en-US" dirty="0"/>
           </a:p>
@@ -8439,7 +10547,7 @@
 </p:sld>
 </file>
 
-<file path=ppt/slides/slide18.xml><?xml version="1.0" encoding="utf-8"?>
+<file path=ppt/slides/slide26.xml><?xml version="1.0" encoding="utf-8"?>
 <p:sld xmlns:a="http://schemas.openxmlformats.org/drawingml/2006/main" xmlns:r="http://schemas.openxmlformats.org/officeDocument/2006/relationships" xmlns:p="http://schemas.openxmlformats.org/presentationml/2006/main">
   <p:cSld>
     <p:spTree>
@@ -8496,7 +10604,7 @@
             <a:fld id="{B8DACC02-A2BD-4578-8E03-6D891060A695}" type="slidenum">
               <a:rPr lang="en-US" smtClean="0"/>
               <a:pPr/>
-              <a:t>18</a:t>
+              <a:t>26</a:t>
             </a:fld>
             <a:endParaRPr lang="en-US" dirty="0"/>
           </a:p>
@@ -9369,7 +11477,7 @@
 </p:sld>
 </file>
 
-<file path=ppt/slides/slide19.xml><?xml version="1.0" encoding="utf-8"?>
+<file path=ppt/slides/slide27.xml><?xml version="1.0" encoding="utf-8"?>
 <p:sld xmlns:a="http://schemas.openxmlformats.org/drawingml/2006/main" xmlns:r="http://schemas.openxmlformats.org/officeDocument/2006/relationships" xmlns:p="http://schemas.openxmlformats.org/presentationml/2006/main">
   <p:cSld>
     <p:spTree>
@@ -9430,7 +11538,7 @@
             <a:fld id="{B8DACC02-A2BD-4578-8E03-6D891060A695}" type="slidenum">
               <a:rPr lang="en-US" smtClean="0"/>
               <a:pPr/>
-              <a:t>19</a:t>
+              <a:t>27</a:t>
             </a:fld>
             <a:endParaRPr lang="en-US" dirty="0"/>
           </a:p>
@@ -9674,7 +11782,7 @@
 </p:sld>
 </file>
 
-<file path=ppt/slides/slide2.xml><?xml version="1.0" encoding="utf-8"?>
+<file path=ppt/slides/slide28.xml><?xml version="1.0" encoding="utf-8"?>
 <p:sld xmlns:a="http://schemas.openxmlformats.org/drawingml/2006/main" xmlns:r="http://schemas.openxmlformats.org/officeDocument/2006/relationships" xmlns:p="http://schemas.openxmlformats.org/presentationml/2006/main">
   <p:cSld>
     <p:spTree>
@@ -9708,107 +11816,8 @@
           <a:p>
             <a:r>
               <a:rPr lang="en-US" dirty="0" smtClean="0"/>
-              <a:t>Outline</a:t>
-            </a:r>
-            <a:endParaRPr lang="en-US" dirty="0"/>
-          </a:p>
-        </p:txBody>
-      </p:sp>
-      <p:sp>
-        <p:nvSpPr>
-          <p:cNvPr id="3" name="Content Placeholder 2"/>
-          <p:cNvSpPr>
-            <a:spLocks noGrp="1"/>
-          </p:cNvSpPr>
-          <p:nvPr>
-            <p:ph idx="1"/>
-          </p:nvPr>
-        </p:nvSpPr>
-        <p:spPr/>
-        <p:txBody>
-          <a:bodyPr>
-            <a:normAutofit/>
-          </a:bodyPr>
-          <a:lstStyle/>
-          <a:p>
-            <a:pPr>
-              <a:lnSpc>
-                <a:spcPct val="150000"/>
-              </a:lnSpc>
-            </a:pPr>
-            <a:r>
-              <a:rPr lang="en-US" dirty="0" smtClean="0"/>
-              <a:t>Why Configuration Management</a:t>
-            </a:r>
-          </a:p>
-          <a:p>
-            <a:pPr>
-              <a:lnSpc>
-                <a:spcPct val="150000"/>
-              </a:lnSpc>
-            </a:pPr>
-            <a:r>
-              <a:rPr lang="en-US" dirty="0" smtClean="0"/>
-              <a:t>What is </a:t>
-            </a:r>
-            <a:r>
-              <a:rPr lang="en-US" dirty="0"/>
-              <a:t>Configuration Management</a:t>
-            </a:r>
-            <a:endParaRPr lang="en-US" dirty="0" smtClean="0"/>
-          </a:p>
-          <a:p>
-            <a:pPr>
-              <a:lnSpc>
-                <a:spcPct val="150000"/>
-              </a:lnSpc>
-            </a:pPr>
-            <a:r>
-              <a:rPr lang="en-US" dirty="0" smtClean="0"/>
-              <a:t>What is Puppet?</a:t>
-            </a:r>
-          </a:p>
-          <a:p>
-            <a:pPr>
-              <a:lnSpc>
-                <a:spcPct val="150000"/>
-              </a:lnSpc>
-            </a:pPr>
-            <a:r>
-              <a:rPr lang="en-US" dirty="0" smtClean="0"/>
-              <a:t>Puppet Components and Architecture</a:t>
-            </a:r>
-          </a:p>
-          <a:p>
-            <a:pPr>
-              <a:lnSpc>
-                <a:spcPct val="150000"/>
-              </a:lnSpc>
-            </a:pPr>
-            <a:endParaRPr lang="en-US" dirty="0"/>
-          </a:p>
-          <a:p>
-            <a:pPr>
-              <a:lnSpc>
-                <a:spcPct val="150000"/>
-              </a:lnSpc>
-            </a:pPr>
-            <a:endParaRPr lang="en-US" dirty="0" smtClean="0"/>
-          </a:p>
-          <a:p>
-            <a:pPr>
-              <a:lnSpc>
-                <a:spcPct val="150000"/>
-              </a:lnSpc>
-            </a:pPr>
-            <a:endParaRPr lang="en-US" dirty="0" smtClean="0"/>
-          </a:p>
-          <a:p>
-            <a:pPr>
-              <a:lnSpc>
-                <a:spcPct val="150000"/>
-              </a:lnSpc>
-            </a:pPr>
+              <a:t>Puppet Modules</a:t>
+            </a:r>
             <a:endParaRPr lang="en-US" dirty="0"/>
           </a:p>
         </p:txBody>
@@ -9831,84 +11840,7 @@
             <a:fld id="{B8DACC02-A2BD-4578-8E03-6D891060A695}" type="slidenum">
               <a:rPr lang="en-US" smtClean="0"/>
               <a:pPr/>
-              <a:t>2</a:t>
-            </a:fld>
-            <a:endParaRPr lang="en-US" dirty="0"/>
-          </a:p>
-        </p:txBody>
-      </p:sp>
-    </p:spTree>
-    <p:extLst>
-      <p:ext uri="{BB962C8B-B14F-4D97-AF65-F5344CB8AC3E}">
-        <p14:creationId xmlns:p14="http://schemas.microsoft.com/office/powerpoint/2010/main" val="792989616"/>
-      </p:ext>
-    </p:extLst>
-  </p:cSld>
-  <p:clrMapOvr>
-    <a:masterClrMapping/>
-  </p:clrMapOvr>
-</p:sld>
-</file>
-
-<file path=ppt/slides/slide20.xml><?xml version="1.0" encoding="utf-8"?>
-<p:sld xmlns:a="http://schemas.openxmlformats.org/drawingml/2006/main" xmlns:r="http://schemas.openxmlformats.org/officeDocument/2006/relationships" xmlns:p="http://schemas.openxmlformats.org/presentationml/2006/main">
-  <p:cSld>
-    <p:spTree>
-      <p:nvGrpSpPr>
-        <p:cNvPr id="1" name=""/>
-        <p:cNvGrpSpPr/>
-        <p:nvPr/>
-      </p:nvGrpSpPr>
-      <p:grpSpPr>
-        <a:xfrm>
-          <a:off x="0" y="0"/>
-          <a:ext cx="0" cy="0"/>
-          <a:chOff x="0" y="0"/>
-          <a:chExt cx="0" cy="0"/>
-        </a:xfrm>
-      </p:grpSpPr>
-      <p:sp>
-        <p:nvSpPr>
-          <p:cNvPr id="2" name="Title 1"/>
-          <p:cNvSpPr>
-            <a:spLocks noGrp="1"/>
-          </p:cNvSpPr>
-          <p:nvPr>
-            <p:ph type="title"/>
-          </p:nvPr>
-        </p:nvSpPr>
-        <p:spPr/>
-        <p:txBody>
-          <a:bodyPr/>
-          <a:lstStyle/>
-          <a:p>
-            <a:r>
-              <a:rPr lang="en-US" dirty="0" smtClean="0"/>
-              <a:t>Puppet Modules</a:t>
-            </a:r>
-            <a:endParaRPr lang="en-US" dirty="0"/>
-          </a:p>
-        </p:txBody>
-      </p:sp>
-      <p:sp>
-        <p:nvSpPr>
-          <p:cNvPr id="4" name="Slide Number Placeholder 3"/>
-          <p:cNvSpPr>
-            <a:spLocks noGrp="1"/>
-          </p:cNvSpPr>
-          <p:nvPr>
-            <p:ph type="sldNum" sz="quarter" idx="12"/>
-          </p:nvPr>
-        </p:nvSpPr>
-        <p:spPr/>
-        <p:txBody>
-          <a:bodyPr/>
-          <a:lstStyle/>
-          <a:p>
-            <a:fld id="{B8DACC02-A2BD-4578-8E03-6D891060A695}" type="slidenum">
-              <a:rPr lang="en-US" smtClean="0"/>
-              <a:pPr/>
-              <a:t>20</a:t>
+              <a:t>28</a:t>
             </a:fld>
             <a:endParaRPr lang="en-US" dirty="0"/>
           </a:p>

--- a/SE489/Lectures/6-Configuration Management/Configuration Management 2.pptx
+++ b/SE489/Lectures/6-Configuration Management/Configuration Management 2.pptx
@@ -5,7 +5,7 @@
     <p:sldMasterId id="2147483648" r:id="rId1"/>
   </p:sldMasterIdLst>
   <p:notesMasterIdLst>
-    <p:notesMasterId r:id="rId30"/>
+    <p:notesMasterId r:id="rId37"/>
   </p:notesMasterIdLst>
   <p:sldIdLst>
     <p:sldId id="256" r:id="rId2"/>
@@ -24,18 +24,25 @@
     <p:sldId id="362" r:id="rId15"/>
     <p:sldId id="364" r:id="rId16"/>
     <p:sldId id="363" r:id="rId17"/>
-    <p:sldId id="375" r:id="rId18"/>
-    <p:sldId id="376" r:id="rId19"/>
-    <p:sldId id="378" r:id="rId20"/>
-    <p:sldId id="379" r:id="rId21"/>
-    <p:sldId id="365" r:id="rId22"/>
-    <p:sldId id="366" r:id="rId23"/>
-    <p:sldId id="377" r:id="rId24"/>
-    <p:sldId id="367" r:id="rId25"/>
-    <p:sldId id="368" r:id="rId26"/>
-    <p:sldId id="369" r:id="rId27"/>
-    <p:sldId id="370" r:id="rId28"/>
-    <p:sldId id="371" r:id="rId29"/>
+    <p:sldId id="380" r:id="rId18"/>
+    <p:sldId id="375" r:id="rId19"/>
+    <p:sldId id="381" r:id="rId20"/>
+    <p:sldId id="382" r:id="rId21"/>
+    <p:sldId id="376" r:id="rId22"/>
+    <p:sldId id="378" r:id="rId23"/>
+    <p:sldId id="379" r:id="rId24"/>
+    <p:sldId id="365" r:id="rId25"/>
+    <p:sldId id="366" r:id="rId26"/>
+    <p:sldId id="377" r:id="rId27"/>
+    <p:sldId id="367" r:id="rId28"/>
+    <p:sldId id="368" r:id="rId29"/>
+    <p:sldId id="369" r:id="rId30"/>
+    <p:sldId id="370" r:id="rId31"/>
+    <p:sldId id="371" r:id="rId32"/>
+    <p:sldId id="383" r:id="rId33"/>
+    <p:sldId id="384" r:id="rId34"/>
+    <p:sldId id="385" r:id="rId35"/>
+    <p:sldId id="386" r:id="rId36"/>
   </p:sldIdLst>
   <p:sldSz cx="12192000" cy="6858000"/>
   <p:notesSz cx="6858000" cy="9144000"/>
@@ -2696,7 +2703,7 @@
           <a:p>
             <a:fld id="{41DA9887-9249-49FD-809A-BACB264048C3}" type="datetimeFigureOut">
               <a:rPr lang="en-US" smtClean="0"/>
-              <a:t>10/16/2022</a:t>
+              <a:t>10/29/2022</a:t>
             </a:fld>
             <a:endParaRPr lang="en-US"/>
           </a:p>
@@ -3101,7 +3108,7 @@
           <a:p>
             <a:fld id="{08A707AD-71EE-4F71-BFB0-5CFFA7745367}" type="datetime1">
               <a:rPr lang="en-US" smtClean="0"/>
-              <a:t>10/16/2022</a:t>
+              <a:t>10/29/2022</a:t>
             </a:fld>
             <a:endParaRPr lang="en-US"/>
           </a:p>
@@ -3393,7 +3400,7 @@
           <a:p>
             <a:fld id="{CF6F9948-F8FC-4163-B3EE-CE0CD0EF91F9}" type="datetime1">
               <a:rPr lang="en-US" smtClean="0"/>
-              <a:t>10/16/2022</a:t>
+              <a:t>10/29/2022</a:t>
             </a:fld>
             <a:endParaRPr lang="en-US"/>
           </a:p>
@@ -3573,7 +3580,7 @@
           <a:p>
             <a:fld id="{090C3B62-4C74-4EE9-93F0-BE51AE88912F}" type="datetime1">
               <a:rPr lang="en-US" smtClean="0"/>
-              <a:t>10/16/2022</a:t>
+              <a:t>10/29/2022</a:t>
             </a:fld>
             <a:endParaRPr lang="en-US"/>
           </a:p>
@@ -3829,7 +3836,7 @@
           <a:p>
             <a:fld id="{D63A470F-AE83-4D43-9CAA-74593F94EAD0}" type="datetime1">
               <a:rPr lang="en-US" smtClean="0"/>
-              <a:t>10/16/2022</a:t>
+              <a:t>10/29/2022</a:t>
             </a:fld>
             <a:endParaRPr lang="en-US"/>
           </a:p>
@@ -4174,7 +4181,7 @@
           <a:p>
             <a:fld id="{E5B8C5BE-3403-4496-9B81-C40FD99BCC4A}" type="datetime1">
               <a:rPr lang="en-US" smtClean="0"/>
-              <a:t>10/16/2022</a:t>
+              <a:t>10/29/2022</a:t>
             </a:fld>
             <a:endParaRPr lang="en-US"/>
           </a:p>
@@ -4406,7 +4413,7 @@
           <a:p>
             <a:fld id="{B78E11C0-1713-41FC-9E65-ABB713C18815}" type="datetime1">
               <a:rPr lang="en-US" smtClean="0"/>
-              <a:t>10/16/2022</a:t>
+              <a:t>10/29/2022</a:t>
             </a:fld>
             <a:endParaRPr lang="en-US"/>
           </a:p>
@@ -4773,7 +4780,7 @@
           <a:p>
             <a:fld id="{555C483D-0DA7-48F4-B572-48ADE24F3969}" type="datetime1">
               <a:rPr lang="en-US" smtClean="0"/>
-              <a:t>10/16/2022</a:t>
+              <a:t>10/29/2022</a:t>
             </a:fld>
             <a:endParaRPr lang="en-US"/>
           </a:p>
@@ -4868,7 +4875,7 @@
           <a:p>
             <a:fld id="{4C06054D-416E-4D32-B207-3C4728F29C83}" type="datetime1">
               <a:rPr lang="en-US" smtClean="0"/>
-              <a:t>10/16/2022</a:t>
+              <a:t>10/29/2022</a:t>
             </a:fld>
             <a:endParaRPr lang="en-US"/>
           </a:p>
@@ -5091,7 +5098,7 @@
             <a:fld id="{B2F5E2FA-C428-4CE7-95B0-168D3259A5BB}" type="datetimeFigureOut">
               <a:rPr lang="en-US" smtClean="0"/>
               <a:pPr/>
-              <a:t>10/16/2022</a:t>
+              <a:t>10/29/2022</a:t>
             </a:fld>
             <a:endParaRPr lang="en-US"/>
           </a:p>
@@ -5262,7 +5269,7 @@
           <a:p>
             <a:fld id="{B34CF2DF-EBB2-4927-9B4B-28D12CAF900C}" type="datetime1">
               <a:rPr lang="en-US" smtClean="0"/>
-              <a:t>10/16/2022</a:t>
+              <a:t>10/29/2022</a:t>
             </a:fld>
             <a:endParaRPr lang="en-US"/>
           </a:p>
@@ -5539,7 +5546,7 @@
           <a:p>
             <a:fld id="{287D8537-E29A-46E3-9242-0E7B32B09241}" type="datetime1">
               <a:rPr lang="en-US" smtClean="0"/>
-              <a:t>10/16/2022</a:t>
+              <a:t>10/29/2022</a:t>
             </a:fld>
             <a:endParaRPr lang="en-US"/>
           </a:p>
@@ -5792,7 +5799,7 @@
           <a:p>
             <a:fld id="{0B8D9EDF-63DE-4DED-A3C4-232814F0B4D7}" type="datetime1">
               <a:rPr lang="en-US" smtClean="0"/>
-              <a:t>10/16/2022</a:t>
+              <a:t>10/29/2022</a:t>
             </a:fld>
             <a:endParaRPr lang="en-US"/>
           </a:p>
@@ -6005,7 +6012,7 @@
           <a:p>
             <a:fld id="{1DC34F13-F0A8-4E10-9ECC-0BA9AAA5E3EB}" type="datetime1">
               <a:rPr lang="en-US" smtClean="0"/>
-              <a:t>10/16/2022</a:t>
+              <a:t>10/29/2022</a:t>
             </a:fld>
             <a:endParaRPr lang="en-US"/>
           </a:p>
@@ -7837,11 +7844,7 @@
           <a:p>
             <a:r>
               <a:rPr lang="en-US" dirty="0" smtClean="0"/>
-              <a:t>It uses a Master-slave </a:t>
-            </a:r>
-            <a:r>
-              <a:rPr lang="en-US" dirty="0" smtClean="0"/>
-              <a:t>architecture</a:t>
+              <a:t>It uses a Master-slave architecture</a:t>
             </a:r>
           </a:p>
         </p:txBody>
@@ -8032,39 +8035,40 @@
           <a:lstStyle/>
           <a:p>
             <a:r>
+              <a:rPr lang="en-US" dirty="0" smtClean="0"/>
+              <a:t>For centralizing </a:t>
+            </a:r>
+            <a:r>
               <a:rPr lang="en-US" dirty="0"/>
-              <a:t>It performs the following functions:</a:t>
-            </a:r>
-          </a:p>
-          <a:p>
-            <a:pPr lvl="1"/>
+              <a:t>and automating the configuration management process. </a:t>
+            </a:r>
+            <a:endParaRPr lang="en-US" dirty="0" smtClean="0"/>
+          </a:p>
+          <a:p>
+            <a:r>
+              <a:rPr lang="en-US" dirty="0" smtClean="0"/>
+              <a:t>Widely </a:t>
+            </a:r>
             <a:r>
               <a:rPr lang="en-US" dirty="0"/>
-              <a:t>Defining distinct configurations for each and every host, and continuously checking and confirming whether the required configuration is in place and is not altered</a:t>
-            </a:r>
-          </a:p>
-          <a:p>
-            <a:pPr lvl="1"/>
+              <a:t>used for server configuration, management, deployment, and orchestration of various applications and services across the whole infrastructure of an organization</a:t>
+            </a:r>
+            <a:r>
+              <a:rPr lang="en-US" dirty="0" smtClean="0"/>
+              <a:t>.</a:t>
+            </a:r>
+            <a:endParaRPr lang="en-US" dirty="0"/>
+          </a:p>
+          <a:p>
+            <a:r>
+              <a:rPr lang="en-US" dirty="0" smtClean="0"/>
+              <a:t>It </a:t>
+            </a:r>
             <a:r>
               <a:rPr lang="en-US" dirty="0"/>
-              <a:t>Dynamic scaling-up and scaling-down of machines</a:t>
-            </a:r>
-          </a:p>
-          <a:p>
-            <a:pPr lvl="1"/>
-            <a:r>
-              <a:rPr lang="en-US" dirty="0"/>
-              <a:t>Providing </a:t>
-            </a:r>
-            <a:r>
-              <a:rPr lang="en-US" dirty="0" smtClean="0"/>
-              <a:t>automatic control </a:t>
-            </a:r>
-            <a:r>
-              <a:rPr lang="en-US" dirty="0"/>
-              <a:t>over all your configured machines</a:t>
-            </a:r>
-            <a:endParaRPr lang="en-US" dirty="0"/>
+              <a:t>is written in Ruby and uses its unique Domain Specific Language (DSL) to describe system configuration.</a:t>
+            </a:r>
+            <a:endParaRPr lang="en-US" dirty="0" smtClean="0"/>
           </a:p>
         </p:txBody>
       </p:sp>
@@ -8175,6 +8179,227 @@
     </p:spTree>
     <p:extLst>
       <p:ext uri="{BB962C8B-B14F-4D97-AF65-F5344CB8AC3E}">
+        <p14:creationId xmlns:p14="http://schemas.microsoft.com/office/powerpoint/2010/main" val="408048476"/>
+      </p:ext>
+    </p:extLst>
+  </p:cSld>
+  <p:clrMapOvr>
+    <a:masterClrMapping/>
+  </p:clrMapOvr>
+  <p:timing>
+    <p:tnLst>
+      <p:par>
+        <p:cTn id="1" dur="indefinite" restart="never" nodeType="tmRoot"/>
+      </p:par>
+    </p:tnLst>
+  </p:timing>
+</p:sld>
+</file>
+
+<file path=ppt/slides/slide18.xml><?xml version="1.0" encoding="utf-8"?>
+<p:sld xmlns:a="http://schemas.openxmlformats.org/drawingml/2006/main" xmlns:r="http://schemas.openxmlformats.org/officeDocument/2006/relationships" xmlns:p="http://schemas.openxmlformats.org/presentationml/2006/main">
+  <p:cSld>
+    <p:spTree>
+      <p:nvGrpSpPr>
+        <p:cNvPr id="1" name=""/>
+        <p:cNvGrpSpPr/>
+        <p:nvPr/>
+      </p:nvGrpSpPr>
+      <p:grpSpPr>
+        <a:xfrm>
+          <a:off x="0" y="0"/>
+          <a:ext cx="0" cy="0"/>
+          <a:chOff x="0" y="0"/>
+          <a:chExt cx="0" cy="0"/>
+        </a:xfrm>
+      </p:grpSpPr>
+      <p:sp>
+        <p:nvSpPr>
+          <p:cNvPr id="2" name="Title 1"/>
+          <p:cNvSpPr>
+            <a:spLocks noGrp="1"/>
+          </p:cNvSpPr>
+          <p:nvPr>
+            <p:ph type="title"/>
+          </p:nvPr>
+        </p:nvSpPr>
+        <p:spPr/>
+        <p:txBody>
+          <a:bodyPr/>
+          <a:lstStyle/>
+          <a:p>
+            <a:r>
+              <a:rPr lang="en-US" dirty="0"/>
+              <a:t>What is Puppet?</a:t>
+            </a:r>
+          </a:p>
+        </p:txBody>
+      </p:sp>
+      <p:sp>
+        <p:nvSpPr>
+          <p:cNvPr id="3" name="Content Placeholder 2"/>
+          <p:cNvSpPr>
+            <a:spLocks noGrp="1"/>
+          </p:cNvSpPr>
+          <p:nvPr>
+            <p:ph idx="1"/>
+          </p:nvPr>
+        </p:nvSpPr>
+        <p:spPr>
+          <a:xfrm>
+            <a:off x="347527" y="1406880"/>
+            <a:ext cx="6249445" cy="4746091"/>
+          </a:xfrm>
+        </p:spPr>
+        <p:txBody>
+          <a:bodyPr>
+            <a:normAutofit/>
+          </a:bodyPr>
+          <a:lstStyle/>
+          <a:p>
+            <a:r>
+              <a:rPr lang="en-US" dirty="0"/>
+              <a:t>It performs the following functions:</a:t>
+            </a:r>
+          </a:p>
+          <a:p>
+            <a:pPr lvl="1"/>
+            <a:r>
+              <a:rPr lang="en-US" dirty="0"/>
+              <a:t>Defining distinct configurations for each and every host, and continuously checking and confirming whether the required configuration is in place and is not altered</a:t>
+            </a:r>
+          </a:p>
+          <a:p>
+            <a:pPr lvl="1"/>
+            <a:r>
+              <a:rPr lang="en-US" dirty="0"/>
+              <a:t>Dynamic scaling-up and scaling-down of machines</a:t>
+            </a:r>
+          </a:p>
+          <a:p>
+            <a:pPr lvl="1"/>
+            <a:r>
+              <a:rPr lang="en-US" dirty="0"/>
+              <a:t>Providing </a:t>
+            </a:r>
+            <a:r>
+              <a:rPr lang="en-US" dirty="0" smtClean="0"/>
+              <a:t>automatic control </a:t>
+            </a:r>
+            <a:r>
+              <a:rPr lang="en-US" dirty="0"/>
+              <a:t>over all your configured machines</a:t>
+            </a:r>
+          </a:p>
+        </p:txBody>
+      </p:sp>
+      <p:sp>
+        <p:nvSpPr>
+          <p:cNvPr id="4" name="Slide Number Placeholder 3"/>
+          <p:cNvSpPr>
+            <a:spLocks noGrp="1"/>
+          </p:cNvSpPr>
+          <p:nvPr>
+            <p:ph type="sldNum" sz="quarter" idx="12"/>
+          </p:nvPr>
+        </p:nvSpPr>
+        <p:spPr/>
+        <p:txBody>
+          <a:bodyPr/>
+          <a:lstStyle/>
+          <a:p>
+            <a:fld id="{B8DACC02-A2BD-4578-8E03-6D891060A695}" type="slidenum">
+              <a:rPr lang="en-US" smtClean="0"/>
+              <a:pPr/>
+              <a:t>18</a:t>
+            </a:fld>
+            <a:endParaRPr lang="en-US" dirty="0"/>
+          </a:p>
+        </p:txBody>
+      </p:sp>
+      <p:pic>
+        <p:nvPicPr>
+          <p:cNvPr id="8196" name="Picture 4" descr="Puppet Enterprise Reviews 2022: Details, Pricing, &amp; Features | G2"/>
+          <p:cNvPicPr>
+            <a:picLocks noChangeAspect="1" noChangeArrowheads="1"/>
+          </p:cNvPicPr>
+          <p:nvPr/>
+        </p:nvPicPr>
+        <p:blipFill>
+          <a:blip r:embed="rId2">
+            <a:extLst>
+              <a:ext uri="{28A0092B-C50C-407E-A947-70E740481C1C}">
+                <a14:useLocalDpi xmlns:a14="http://schemas.microsoft.com/office/drawing/2010/main" val="0"/>
+              </a:ext>
+            </a:extLst>
+          </a:blip>
+          <a:srcRect/>
+          <a:stretch>
+            <a:fillRect/>
+          </a:stretch>
+        </p:blipFill>
+        <p:spPr bwMode="auto">
+          <a:xfrm>
+            <a:off x="8605241" y="1178059"/>
+            <a:ext cx="3393050" cy="1781352"/>
+          </a:xfrm>
+          <a:prstGeom prst="rect">
+            <a:avLst/>
+          </a:prstGeom>
+          <a:noFill/>
+          <a:extLst>
+            <a:ext uri="{909E8E84-426E-40DD-AFC4-6F175D3DCCD1}">
+              <a14:hiddenFill xmlns:a14="http://schemas.microsoft.com/office/drawing/2010/main">
+                <a:solidFill>
+                  <a:srgbClr val="FFFFFF"/>
+                </a:solidFill>
+              </a14:hiddenFill>
+            </a:ext>
+          </a:extLst>
+        </p:spPr>
+      </p:pic>
+      <p:pic>
+        <p:nvPicPr>
+          <p:cNvPr id="8198" name="Picture 6" descr="Puppet Use Cases: How to Troubleshoot - Applied Information Sciences"/>
+          <p:cNvPicPr>
+            <a:picLocks noChangeAspect="1" noChangeArrowheads="1"/>
+          </p:cNvPicPr>
+          <p:nvPr/>
+        </p:nvPicPr>
+        <p:blipFill rotWithShape="1">
+          <a:blip r:embed="rId3" cstate="print">
+            <a:extLst>
+              <a:ext uri="{28A0092B-C50C-407E-A947-70E740481C1C}">
+                <a14:useLocalDpi xmlns:a14="http://schemas.microsoft.com/office/drawing/2010/main" val="0"/>
+              </a:ext>
+            </a:extLst>
+          </a:blip>
+          <a:srcRect l="1830" t="3445" r="1436" b="5539"/>
+          <a:stretch/>
+        </p:blipFill>
+        <p:spPr bwMode="auto">
+          <a:xfrm>
+            <a:off x="6596972" y="2959411"/>
+            <a:ext cx="5542961" cy="3161790"/>
+          </a:xfrm>
+          <a:prstGeom prst="rect">
+            <a:avLst/>
+          </a:prstGeom>
+          <a:noFill/>
+          <a:extLst>
+            <a:ext uri="{909E8E84-426E-40DD-AFC4-6F175D3DCCD1}">
+              <a14:hiddenFill xmlns:a14="http://schemas.microsoft.com/office/drawing/2010/main">
+                <a:solidFill>
+                  <a:srgbClr val="FFFFFF"/>
+                </a:solidFill>
+              </a14:hiddenFill>
+            </a:ext>
+          </a:extLst>
+        </p:spPr>
+      </p:pic>
+    </p:spTree>
+    <p:extLst>
+      <p:ext uri="{BB962C8B-B14F-4D97-AF65-F5344CB8AC3E}">
         <p14:creationId xmlns:p14="http://schemas.microsoft.com/office/powerpoint/2010/main" val="1199106315"/>
       </p:ext>
     </p:extLst>
@@ -8192,7 +8417,555 @@
 </p:sld>
 </file>
 
-<file path=ppt/slides/slide18.xml><?xml version="1.0" encoding="utf-8"?>
+<file path=ppt/slides/slide19.xml><?xml version="1.0" encoding="utf-8"?>
+<p:sld xmlns:a="http://schemas.openxmlformats.org/drawingml/2006/main" xmlns:r="http://schemas.openxmlformats.org/officeDocument/2006/relationships" xmlns:p="http://schemas.openxmlformats.org/presentationml/2006/main">
+  <p:cSld>
+    <p:spTree>
+      <p:nvGrpSpPr>
+        <p:cNvPr id="1" name=""/>
+        <p:cNvGrpSpPr/>
+        <p:nvPr/>
+      </p:nvGrpSpPr>
+      <p:grpSpPr>
+        <a:xfrm>
+          <a:off x="0" y="0"/>
+          <a:ext cx="0" cy="0"/>
+          <a:chOff x="0" y="0"/>
+          <a:chExt cx="0" cy="0"/>
+        </a:xfrm>
+      </p:grpSpPr>
+      <p:sp>
+        <p:nvSpPr>
+          <p:cNvPr id="2" name="Title 1"/>
+          <p:cNvSpPr>
+            <a:spLocks noGrp="1"/>
+          </p:cNvSpPr>
+          <p:nvPr>
+            <p:ph type="title"/>
+          </p:nvPr>
+        </p:nvSpPr>
+        <p:spPr/>
+        <p:txBody>
+          <a:bodyPr/>
+          <a:lstStyle/>
+          <a:p>
+            <a:r>
+              <a:rPr lang="en-US" dirty="0"/>
+              <a:t>What Puppet can do?</a:t>
+            </a:r>
+          </a:p>
+        </p:txBody>
+      </p:sp>
+      <p:sp>
+        <p:nvSpPr>
+          <p:cNvPr id="3" name="Content Placeholder 2"/>
+          <p:cNvSpPr>
+            <a:spLocks noGrp="1"/>
+          </p:cNvSpPr>
+          <p:nvPr>
+            <p:ph idx="1"/>
+          </p:nvPr>
+        </p:nvSpPr>
+        <p:spPr/>
+        <p:txBody>
+          <a:bodyPr/>
+          <a:lstStyle/>
+          <a:p>
+            <a:r>
+              <a:rPr lang="en-US" dirty="0"/>
+              <a:t>For example, you have an infrastructure with about 100 servers. As a system admin, it’s your role to ensure that all these servers are always up to date and running with full functionality.</a:t>
+            </a:r>
+          </a:p>
+        </p:txBody>
+      </p:sp>
+      <p:sp>
+        <p:nvSpPr>
+          <p:cNvPr id="4" name="Slide Number Placeholder 3"/>
+          <p:cNvSpPr>
+            <a:spLocks noGrp="1"/>
+          </p:cNvSpPr>
+          <p:nvPr>
+            <p:ph type="sldNum" sz="quarter" idx="12"/>
+          </p:nvPr>
+        </p:nvSpPr>
+        <p:spPr/>
+        <p:txBody>
+          <a:bodyPr/>
+          <a:lstStyle/>
+          <a:p>
+            <a:fld id="{B8DACC02-A2BD-4578-8E03-6D891060A695}" type="slidenum">
+              <a:rPr lang="en-US" smtClean="0"/>
+              <a:pPr/>
+              <a:t>19</a:t>
+            </a:fld>
+            <a:endParaRPr lang="en-US" dirty="0"/>
+          </a:p>
+        </p:txBody>
+      </p:sp>
+      <p:pic>
+        <p:nvPicPr>
+          <p:cNvPr id="1026" name="Picture 2" descr="System Admin working manually"/>
+          <p:cNvPicPr>
+            <a:picLocks noChangeAspect="1" noChangeArrowheads="1"/>
+          </p:cNvPicPr>
+          <p:nvPr/>
+        </p:nvPicPr>
+        <p:blipFill>
+          <a:blip r:embed="rId2">
+            <a:extLst>
+              <a:ext uri="{28A0092B-C50C-407E-A947-70E740481C1C}">
+                <a14:useLocalDpi xmlns:a14="http://schemas.microsoft.com/office/drawing/2010/main" val="0"/>
+              </a:ext>
+            </a:extLst>
+          </a:blip>
+          <a:srcRect/>
+          <a:stretch>
+            <a:fillRect/>
+          </a:stretch>
+        </p:blipFill>
+        <p:spPr bwMode="auto">
+          <a:xfrm>
+            <a:off x="3233113" y="2757868"/>
+            <a:ext cx="5715000" cy="3295651"/>
+          </a:xfrm>
+          <a:prstGeom prst="rect">
+            <a:avLst/>
+          </a:prstGeom>
+          <a:noFill/>
+          <a:extLst>
+            <a:ext uri="{909E8E84-426E-40DD-AFC4-6F175D3DCCD1}">
+              <a14:hiddenFill xmlns:a14="http://schemas.microsoft.com/office/drawing/2010/main">
+                <a:solidFill>
+                  <a:srgbClr val="FFFFFF"/>
+                </a:solidFill>
+              </a14:hiddenFill>
+            </a:ext>
+          </a:extLst>
+        </p:spPr>
+      </p:pic>
+      <p:sp>
+        <p:nvSpPr>
+          <p:cNvPr id="5" name="Rectangle 4"/>
+          <p:cNvSpPr/>
+          <p:nvPr/>
+        </p:nvSpPr>
+        <p:spPr>
+          <a:xfrm>
+            <a:off x="3635440" y="6003774"/>
+            <a:ext cx="5312673" cy="400110"/>
+          </a:xfrm>
+          <a:prstGeom prst="rect">
+            <a:avLst/>
+          </a:prstGeom>
+        </p:spPr>
+        <p:txBody>
+          <a:bodyPr wrap="none">
+            <a:spAutoFit/>
+          </a:bodyPr>
+          <a:lstStyle/>
+          <a:p>
+            <a:r>
+              <a:rPr lang="en-US" sz="2000" dirty="0">
+                <a:solidFill>
+                  <a:srgbClr val="222222"/>
+                </a:solidFill>
+                <a:latin typeface="Candara" panose="020E0502030303020204" pitchFamily="34" charset="0"/>
+              </a:rPr>
+              <a:t>System Admin working manually on the servers</a:t>
+            </a:r>
+            <a:endParaRPr lang="en-US" sz="2000" dirty="0">
+              <a:latin typeface="Candara" panose="020E0502030303020204" pitchFamily="34" charset="0"/>
+            </a:endParaRPr>
+          </a:p>
+        </p:txBody>
+      </p:sp>
+    </p:spTree>
+    <p:extLst>
+      <p:ext uri="{BB962C8B-B14F-4D97-AF65-F5344CB8AC3E}">
+        <p14:creationId xmlns:p14="http://schemas.microsoft.com/office/powerpoint/2010/main" val="4249392816"/>
+      </p:ext>
+    </p:extLst>
+  </p:cSld>
+  <p:clrMapOvr>
+    <a:masterClrMapping/>
+  </p:clrMapOvr>
+</p:sld>
+</file>
+
+<file path=ppt/slides/slide2.xml><?xml version="1.0" encoding="utf-8"?>
+<p:sld xmlns:a="http://schemas.openxmlformats.org/drawingml/2006/main" xmlns:r="http://schemas.openxmlformats.org/officeDocument/2006/relationships" xmlns:p="http://schemas.openxmlformats.org/presentationml/2006/main">
+  <p:cSld>
+    <p:spTree>
+      <p:nvGrpSpPr>
+        <p:cNvPr id="1" name=""/>
+        <p:cNvGrpSpPr/>
+        <p:nvPr/>
+      </p:nvGrpSpPr>
+      <p:grpSpPr>
+        <a:xfrm>
+          <a:off x="0" y="0"/>
+          <a:ext cx="0" cy="0"/>
+          <a:chOff x="0" y="0"/>
+          <a:chExt cx="0" cy="0"/>
+        </a:xfrm>
+      </p:grpSpPr>
+      <p:sp>
+        <p:nvSpPr>
+          <p:cNvPr id="2" name="Title 1"/>
+          <p:cNvSpPr>
+            <a:spLocks noGrp="1"/>
+          </p:cNvSpPr>
+          <p:nvPr>
+            <p:ph type="title"/>
+          </p:nvPr>
+        </p:nvSpPr>
+        <p:spPr/>
+        <p:txBody>
+          <a:bodyPr/>
+          <a:lstStyle/>
+          <a:p>
+            <a:r>
+              <a:rPr lang="en-US" dirty="0" smtClean="0"/>
+              <a:t>Outline</a:t>
+            </a:r>
+            <a:endParaRPr lang="en-US" dirty="0"/>
+          </a:p>
+        </p:txBody>
+      </p:sp>
+      <p:sp>
+        <p:nvSpPr>
+          <p:cNvPr id="3" name="Content Placeholder 2"/>
+          <p:cNvSpPr>
+            <a:spLocks noGrp="1"/>
+          </p:cNvSpPr>
+          <p:nvPr>
+            <p:ph idx="1"/>
+          </p:nvPr>
+        </p:nvSpPr>
+        <p:spPr/>
+        <p:txBody>
+          <a:bodyPr>
+            <a:normAutofit/>
+          </a:bodyPr>
+          <a:lstStyle/>
+          <a:p>
+            <a:pPr>
+              <a:lnSpc>
+                <a:spcPct val="150000"/>
+              </a:lnSpc>
+            </a:pPr>
+            <a:r>
+              <a:rPr lang="en-US" dirty="0" smtClean="0"/>
+              <a:t>Why Configuration Management</a:t>
+            </a:r>
+          </a:p>
+          <a:p>
+            <a:pPr>
+              <a:lnSpc>
+                <a:spcPct val="150000"/>
+              </a:lnSpc>
+            </a:pPr>
+            <a:r>
+              <a:rPr lang="en-US" dirty="0" smtClean="0"/>
+              <a:t>What is </a:t>
+            </a:r>
+            <a:r>
+              <a:rPr lang="en-US" dirty="0"/>
+              <a:t>Configuration Management</a:t>
+            </a:r>
+            <a:endParaRPr lang="en-US" dirty="0" smtClean="0"/>
+          </a:p>
+          <a:p>
+            <a:pPr>
+              <a:lnSpc>
+                <a:spcPct val="150000"/>
+              </a:lnSpc>
+            </a:pPr>
+            <a:r>
+              <a:rPr lang="en-US" dirty="0" smtClean="0"/>
+              <a:t>What is Puppet?</a:t>
+            </a:r>
+          </a:p>
+          <a:p>
+            <a:pPr>
+              <a:lnSpc>
+                <a:spcPct val="150000"/>
+              </a:lnSpc>
+            </a:pPr>
+            <a:r>
+              <a:rPr lang="en-US" dirty="0" smtClean="0"/>
+              <a:t>Puppet Components and </a:t>
+            </a:r>
+            <a:r>
+              <a:rPr lang="en-US" dirty="0" smtClean="0"/>
+              <a:t>Architecture</a:t>
+            </a:r>
+          </a:p>
+          <a:p>
+            <a:pPr>
+              <a:lnSpc>
+                <a:spcPct val="150000"/>
+              </a:lnSpc>
+            </a:pPr>
+            <a:r>
+              <a:rPr lang="en-US" dirty="0" smtClean="0"/>
+              <a:t>Puppet Case Study</a:t>
+            </a:r>
+            <a:endParaRPr lang="en-US" dirty="0" smtClean="0"/>
+          </a:p>
+          <a:p>
+            <a:pPr>
+              <a:lnSpc>
+                <a:spcPct val="150000"/>
+              </a:lnSpc>
+            </a:pPr>
+            <a:endParaRPr lang="en-US" dirty="0"/>
+          </a:p>
+          <a:p>
+            <a:pPr>
+              <a:lnSpc>
+                <a:spcPct val="150000"/>
+              </a:lnSpc>
+            </a:pPr>
+            <a:endParaRPr lang="en-US" dirty="0" smtClean="0"/>
+          </a:p>
+          <a:p>
+            <a:pPr>
+              <a:lnSpc>
+                <a:spcPct val="150000"/>
+              </a:lnSpc>
+            </a:pPr>
+            <a:endParaRPr lang="en-US" dirty="0" smtClean="0"/>
+          </a:p>
+          <a:p>
+            <a:pPr>
+              <a:lnSpc>
+                <a:spcPct val="150000"/>
+              </a:lnSpc>
+            </a:pPr>
+            <a:endParaRPr lang="en-US" dirty="0"/>
+          </a:p>
+        </p:txBody>
+      </p:sp>
+      <p:sp>
+        <p:nvSpPr>
+          <p:cNvPr id="4" name="Slide Number Placeholder 3"/>
+          <p:cNvSpPr>
+            <a:spLocks noGrp="1"/>
+          </p:cNvSpPr>
+          <p:nvPr>
+            <p:ph type="sldNum" sz="quarter" idx="12"/>
+          </p:nvPr>
+        </p:nvSpPr>
+        <p:spPr/>
+        <p:txBody>
+          <a:bodyPr/>
+          <a:lstStyle/>
+          <a:p>
+            <a:fld id="{B8DACC02-A2BD-4578-8E03-6D891060A695}" type="slidenum">
+              <a:rPr lang="en-US" smtClean="0"/>
+              <a:pPr/>
+              <a:t>2</a:t>
+            </a:fld>
+            <a:endParaRPr lang="en-US" dirty="0"/>
+          </a:p>
+        </p:txBody>
+      </p:sp>
+    </p:spTree>
+    <p:extLst>
+      <p:ext uri="{BB962C8B-B14F-4D97-AF65-F5344CB8AC3E}">
+        <p14:creationId xmlns:p14="http://schemas.microsoft.com/office/powerpoint/2010/main" val="792989616"/>
+      </p:ext>
+    </p:extLst>
+  </p:cSld>
+  <p:clrMapOvr>
+    <a:masterClrMapping/>
+  </p:clrMapOvr>
+</p:sld>
+</file>
+
+<file path=ppt/slides/slide20.xml><?xml version="1.0" encoding="utf-8"?>
+<p:sld xmlns:a="http://schemas.openxmlformats.org/drawingml/2006/main" xmlns:r="http://schemas.openxmlformats.org/officeDocument/2006/relationships" xmlns:p="http://schemas.openxmlformats.org/presentationml/2006/main">
+  <p:cSld>
+    <p:spTree>
+      <p:nvGrpSpPr>
+        <p:cNvPr id="1" name=""/>
+        <p:cNvGrpSpPr/>
+        <p:nvPr/>
+      </p:nvGrpSpPr>
+      <p:grpSpPr>
+        <a:xfrm>
+          <a:off x="0" y="0"/>
+          <a:ext cx="0" cy="0"/>
+          <a:chOff x="0" y="0"/>
+          <a:chExt cx="0" cy="0"/>
+        </a:xfrm>
+      </p:grpSpPr>
+      <p:sp>
+        <p:nvSpPr>
+          <p:cNvPr id="2" name="Title 1"/>
+          <p:cNvSpPr>
+            <a:spLocks noGrp="1"/>
+          </p:cNvSpPr>
+          <p:nvPr>
+            <p:ph type="title"/>
+          </p:nvPr>
+        </p:nvSpPr>
+        <p:spPr/>
+        <p:txBody>
+          <a:bodyPr/>
+          <a:lstStyle/>
+          <a:p>
+            <a:r>
+              <a:rPr lang="en-US" dirty="0"/>
+              <a:t>What Puppet can do?</a:t>
+            </a:r>
+          </a:p>
+        </p:txBody>
+      </p:sp>
+      <p:sp>
+        <p:nvSpPr>
+          <p:cNvPr id="3" name="Content Placeholder 2"/>
+          <p:cNvSpPr>
+            <a:spLocks noGrp="1"/>
+          </p:cNvSpPr>
+          <p:nvPr>
+            <p:ph idx="1"/>
+          </p:nvPr>
+        </p:nvSpPr>
+        <p:spPr/>
+        <p:txBody>
+          <a:bodyPr/>
+          <a:lstStyle/>
+          <a:p>
+            <a:r>
+              <a:rPr lang="en-US" dirty="0"/>
+              <a:t>To do this, you can use Puppet, which allows you to write a simple code which can be deployed automatically on these servers. This reduces the human effort and makes the development process fast and effective</a:t>
+            </a:r>
+            <a:r>
+              <a:rPr lang="en-US" dirty="0" smtClean="0"/>
+              <a:t>.</a:t>
+            </a:r>
+            <a:endParaRPr lang="en-US" dirty="0"/>
+          </a:p>
+        </p:txBody>
+      </p:sp>
+      <p:sp>
+        <p:nvSpPr>
+          <p:cNvPr id="4" name="Slide Number Placeholder 3"/>
+          <p:cNvSpPr>
+            <a:spLocks noGrp="1"/>
+          </p:cNvSpPr>
+          <p:nvPr>
+            <p:ph type="sldNum" sz="quarter" idx="12"/>
+          </p:nvPr>
+        </p:nvSpPr>
+        <p:spPr/>
+        <p:txBody>
+          <a:bodyPr/>
+          <a:lstStyle/>
+          <a:p>
+            <a:fld id="{B8DACC02-A2BD-4578-8E03-6D891060A695}" type="slidenum">
+              <a:rPr lang="en-US" smtClean="0"/>
+              <a:pPr/>
+              <a:t>20</a:t>
+            </a:fld>
+            <a:endParaRPr lang="en-US" dirty="0"/>
+          </a:p>
+        </p:txBody>
+      </p:sp>
+      <p:pic>
+        <p:nvPicPr>
+          <p:cNvPr id="2050" name="Picture 2" descr="Puppet automates Server Management"/>
+          <p:cNvPicPr>
+            <a:picLocks noChangeAspect="1" noChangeArrowheads="1"/>
+          </p:cNvPicPr>
+          <p:nvPr/>
+        </p:nvPicPr>
+        <p:blipFill>
+          <a:blip r:embed="rId2">
+            <a:extLst>
+              <a:ext uri="{28A0092B-C50C-407E-A947-70E740481C1C}">
+                <a14:useLocalDpi xmlns:a14="http://schemas.microsoft.com/office/drawing/2010/main" val="0"/>
+              </a:ext>
+            </a:extLst>
+          </a:blip>
+          <a:srcRect/>
+          <a:stretch>
+            <a:fillRect/>
+          </a:stretch>
+        </p:blipFill>
+        <p:spPr bwMode="auto">
+          <a:xfrm>
+            <a:off x="3315409" y="2827337"/>
+            <a:ext cx="5715000" cy="3162301"/>
+          </a:xfrm>
+          <a:prstGeom prst="rect">
+            <a:avLst/>
+          </a:prstGeom>
+          <a:noFill/>
+          <a:extLst>
+            <a:ext uri="{909E8E84-426E-40DD-AFC4-6F175D3DCCD1}">
+              <a14:hiddenFill xmlns:a14="http://schemas.microsoft.com/office/drawing/2010/main">
+                <a:solidFill>
+                  <a:srgbClr val="FFFFFF"/>
+                </a:solidFill>
+              </a14:hiddenFill>
+            </a:ext>
+          </a:extLst>
+        </p:spPr>
+      </p:pic>
+      <p:sp>
+        <p:nvSpPr>
+          <p:cNvPr id="6" name="Rectangle 5"/>
+          <p:cNvSpPr/>
+          <p:nvPr/>
+        </p:nvSpPr>
+        <p:spPr>
+          <a:xfrm>
+            <a:off x="3635440" y="6003774"/>
+            <a:ext cx="5289104" cy="400110"/>
+          </a:xfrm>
+          <a:prstGeom prst="rect">
+            <a:avLst/>
+          </a:prstGeom>
+        </p:spPr>
+        <p:txBody>
+          <a:bodyPr wrap="square">
+            <a:spAutoFit/>
+          </a:bodyPr>
+          <a:lstStyle/>
+          <a:p>
+            <a:pPr algn="ctr"/>
+            <a:r>
+              <a:rPr lang="en-US" sz="2000" dirty="0">
+                <a:solidFill>
+                  <a:srgbClr val="222222"/>
+                </a:solidFill>
+                <a:latin typeface="Candara" panose="020E0502030303020204" pitchFamily="34" charset="0"/>
+              </a:rPr>
+              <a:t>Puppet automates Server Management</a:t>
+            </a:r>
+            <a:endParaRPr lang="en-US" sz="2000" dirty="0">
+              <a:latin typeface="Candara" panose="020E0502030303020204" pitchFamily="34" charset="0"/>
+            </a:endParaRPr>
+          </a:p>
+        </p:txBody>
+      </p:sp>
+    </p:spTree>
+    <p:extLst>
+      <p:ext uri="{BB962C8B-B14F-4D97-AF65-F5344CB8AC3E}">
+        <p14:creationId xmlns:p14="http://schemas.microsoft.com/office/powerpoint/2010/main" val="2433925221"/>
+      </p:ext>
+    </p:extLst>
+  </p:cSld>
+  <p:clrMapOvr>
+    <a:masterClrMapping/>
+  </p:clrMapOvr>
+</p:sld>
+</file>
+
+<file path=ppt/slides/slide21.xml><?xml version="1.0" encoding="utf-8"?>
 <p:sld xmlns:a="http://schemas.openxmlformats.org/drawingml/2006/main" xmlns:r="http://schemas.openxmlformats.org/officeDocument/2006/relationships" xmlns:p="http://schemas.openxmlformats.org/presentationml/2006/main">
   <p:cSld>
     <p:spTree>
@@ -8708,7 +9481,7 @@
             <a:fld id="{B8DACC02-A2BD-4578-8E03-6D891060A695}" type="slidenum">
               <a:rPr lang="en-US" smtClean="0"/>
               <a:pPr/>
-              <a:t>18</a:t>
+              <a:t>21</a:t>
             </a:fld>
             <a:endParaRPr lang="en-US" dirty="0"/>
           </a:p>
@@ -8724,783 +9497,6 @@
   <p:clrMapOvr>
     <a:masterClrMapping/>
   </p:clrMapOvr>
-</p:sld>
-</file>
-
-<file path=ppt/slides/slide19.xml><?xml version="1.0" encoding="utf-8"?>
-<p:sld xmlns:a="http://schemas.openxmlformats.org/drawingml/2006/main" xmlns:r="http://schemas.openxmlformats.org/officeDocument/2006/relationships" xmlns:p="http://schemas.openxmlformats.org/presentationml/2006/main">
-  <p:cSld>
-    <p:spTree>
-      <p:nvGrpSpPr>
-        <p:cNvPr id="1" name=""/>
-        <p:cNvGrpSpPr/>
-        <p:nvPr/>
-      </p:nvGrpSpPr>
-      <p:grpSpPr>
-        <a:xfrm>
-          <a:off x="0" y="0"/>
-          <a:ext cx="0" cy="0"/>
-          <a:chOff x="0" y="0"/>
-          <a:chExt cx="0" cy="0"/>
-        </a:xfrm>
-      </p:grpSpPr>
-      <p:sp>
-        <p:nvSpPr>
-          <p:cNvPr id="2" name="Title 1"/>
-          <p:cNvSpPr>
-            <a:spLocks noGrp="1"/>
-          </p:cNvSpPr>
-          <p:nvPr>
-            <p:ph type="title"/>
-          </p:nvPr>
-        </p:nvSpPr>
-        <p:spPr/>
-        <p:txBody>
-          <a:bodyPr/>
-          <a:lstStyle/>
-          <a:p>
-            <a:r>
-              <a:rPr lang="en-US" dirty="0"/>
-              <a:t>Why should use Puppet?</a:t>
-            </a:r>
-          </a:p>
-        </p:txBody>
-      </p:sp>
-      <p:sp>
-        <p:nvSpPr>
-          <p:cNvPr id="3" name="Content Placeholder 2"/>
-          <p:cNvSpPr>
-            <a:spLocks noGrp="1"/>
-          </p:cNvSpPr>
-          <p:nvPr>
-            <p:ph idx="1"/>
-          </p:nvPr>
-        </p:nvSpPr>
-        <p:spPr/>
-        <p:txBody>
-          <a:bodyPr>
-            <a:normAutofit fontScale="85000" lnSpcReduction="20000"/>
-          </a:bodyPr>
-          <a:lstStyle/>
-          <a:p>
-            <a:r>
-              <a:rPr lang="en-US" dirty="0" smtClean="0"/>
-              <a:t>Consistency</a:t>
-            </a:r>
-          </a:p>
-          <a:p>
-            <a:pPr lvl="1"/>
-            <a:r>
-              <a:rPr lang="en-US" dirty="0" smtClean="0"/>
-              <a:t>Troubleshooting </a:t>
-            </a:r>
-            <a:r>
-              <a:rPr lang="en-US" dirty="0"/>
-              <a:t>problems is a time-consuming and tedious process that is to be done manually. Without configuration-management, it gets more complex to assume the infrastructure, like what version of the software is installed and the software installation process if followed on the node. </a:t>
-            </a:r>
-          </a:p>
-          <a:p>
-            <a:r>
-              <a:rPr lang="en-US" dirty="0" smtClean="0"/>
-              <a:t>Automation</a:t>
-            </a:r>
-          </a:p>
-          <a:p>
-            <a:pPr lvl="1"/>
-            <a:r>
-              <a:rPr lang="en-US" dirty="0" smtClean="0"/>
-              <a:t>When </a:t>
-            </a:r>
-            <a:r>
-              <a:rPr lang="en-US" dirty="0"/>
-              <a:t>it comes to managing 10s, 100s or more servers at a larger scale with mixed environment configuration and scaling of the infrastructure, it gets complex while ensuring the process to be efficient and secure. </a:t>
-            </a:r>
-          </a:p>
-          <a:p>
-            <a:r>
-              <a:rPr lang="en-US" dirty="0" err="1" smtClean="0"/>
-              <a:t>IaC</a:t>
-            </a:r>
-            <a:endParaRPr lang="en-US" dirty="0" smtClean="0"/>
-          </a:p>
-          <a:p>
-            <a:pPr lvl="1"/>
-            <a:r>
-              <a:rPr lang="en-US" dirty="0" smtClean="0"/>
-              <a:t>Puppet </a:t>
-            </a:r>
-            <a:r>
-              <a:rPr lang="en-US" dirty="0"/>
-              <a:t>treats infrastructure as code &amp; implements all practices done by the software developer such as version control system(VCS), automated testing &amp; continuous delivery.</a:t>
-            </a:r>
-          </a:p>
-          <a:p>
-            <a:r>
-              <a:rPr lang="en-US" dirty="0" err="1" smtClean="0"/>
-              <a:t>Idempotency</a:t>
-            </a:r>
-            <a:endParaRPr lang="en-US" dirty="0" smtClean="0"/>
-          </a:p>
-          <a:p>
-            <a:pPr lvl="1"/>
-            <a:r>
-              <a:rPr lang="en-US" dirty="0" smtClean="0"/>
-              <a:t>Its </a:t>
-            </a:r>
-            <a:r>
-              <a:rPr lang="en-US" dirty="0"/>
-              <a:t>ability to apply the code repeatedly and get a guaranteed desired state with the assurance of the same results.</a:t>
-            </a:r>
-          </a:p>
-          <a:p>
-            <a:r>
-              <a:rPr lang="en-US" dirty="0" smtClean="0"/>
-              <a:t>Agile</a:t>
-            </a:r>
-          </a:p>
-          <a:p>
-            <a:pPr lvl="1"/>
-            <a:r>
-              <a:rPr lang="en-US" dirty="0" smtClean="0"/>
-              <a:t>It's </a:t>
-            </a:r>
-            <a:r>
-              <a:rPr lang="en-US" dirty="0"/>
-              <a:t>based on the principle of using the agile process of working incrementally &amp; reusability of code.</a:t>
-            </a:r>
-          </a:p>
-        </p:txBody>
-      </p:sp>
-      <p:sp>
-        <p:nvSpPr>
-          <p:cNvPr id="4" name="Slide Number Placeholder 3"/>
-          <p:cNvSpPr>
-            <a:spLocks noGrp="1"/>
-          </p:cNvSpPr>
-          <p:nvPr>
-            <p:ph type="sldNum" sz="quarter" idx="12"/>
-          </p:nvPr>
-        </p:nvSpPr>
-        <p:spPr/>
-        <p:txBody>
-          <a:bodyPr/>
-          <a:lstStyle/>
-          <a:p>
-            <a:fld id="{B8DACC02-A2BD-4578-8E03-6D891060A695}" type="slidenum">
-              <a:rPr lang="en-US" smtClean="0"/>
-              <a:pPr/>
-              <a:t>19</a:t>
-            </a:fld>
-            <a:endParaRPr lang="en-US" dirty="0"/>
-          </a:p>
-        </p:txBody>
-      </p:sp>
-    </p:spTree>
-    <p:extLst>
-      <p:ext uri="{BB962C8B-B14F-4D97-AF65-F5344CB8AC3E}">
-        <p14:creationId xmlns:p14="http://schemas.microsoft.com/office/powerpoint/2010/main" val="3572686217"/>
-      </p:ext>
-    </p:extLst>
-  </p:cSld>
-  <p:clrMapOvr>
-    <a:masterClrMapping/>
-  </p:clrMapOvr>
-</p:sld>
-</file>
-
-<file path=ppt/slides/slide2.xml><?xml version="1.0" encoding="utf-8"?>
-<p:sld xmlns:a="http://schemas.openxmlformats.org/drawingml/2006/main" xmlns:r="http://schemas.openxmlformats.org/officeDocument/2006/relationships" xmlns:p="http://schemas.openxmlformats.org/presentationml/2006/main">
-  <p:cSld>
-    <p:spTree>
-      <p:nvGrpSpPr>
-        <p:cNvPr id="1" name=""/>
-        <p:cNvGrpSpPr/>
-        <p:nvPr/>
-      </p:nvGrpSpPr>
-      <p:grpSpPr>
-        <a:xfrm>
-          <a:off x="0" y="0"/>
-          <a:ext cx="0" cy="0"/>
-          <a:chOff x="0" y="0"/>
-          <a:chExt cx="0" cy="0"/>
-        </a:xfrm>
-      </p:grpSpPr>
-      <p:sp>
-        <p:nvSpPr>
-          <p:cNvPr id="2" name="Title 1"/>
-          <p:cNvSpPr>
-            <a:spLocks noGrp="1"/>
-          </p:cNvSpPr>
-          <p:nvPr>
-            <p:ph type="title"/>
-          </p:nvPr>
-        </p:nvSpPr>
-        <p:spPr/>
-        <p:txBody>
-          <a:bodyPr/>
-          <a:lstStyle/>
-          <a:p>
-            <a:r>
-              <a:rPr lang="en-US" dirty="0" smtClean="0"/>
-              <a:t>Outline</a:t>
-            </a:r>
-            <a:endParaRPr lang="en-US" dirty="0"/>
-          </a:p>
-        </p:txBody>
-      </p:sp>
-      <p:sp>
-        <p:nvSpPr>
-          <p:cNvPr id="3" name="Content Placeholder 2"/>
-          <p:cNvSpPr>
-            <a:spLocks noGrp="1"/>
-          </p:cNvSpPr>
-          <p:nvPr>
-            <p:ph idx="1"/>
-          </p:nvPr>
-        </p:nvSpPr>
-        <p:spPr/>
-        <p:txBody>
-          <a:bodyPr>
-            <a:normAutofit/>
-          </a:bodyPr>
-          <a:lstStyle/>
-          <a:p>
-            <a:pPr>
-              <a:lnSpc>
-                <a:spcPct val="150000"/>
-              </a:lnSpc>
-            </a:pPr>
-            <a:r>
-              <a:rPr lang="en-US" dirty="0" smtClean="0"/>
-              <a:t>Why Configuration Management</a:t>
-            </a:r>
-          </a:p>
-          <a:p>
-            <a:pPr>
-              <a:lnSpc>
-                <a:spcPct val="150000"/>
-              </a:lnSpc>
-            </a:pPr>
-            <a:r>
-              <a:rPr lang="en-US" dirty="0" smtClean="0"/>
-              <a:t>What is </a:t>
-            </a:r>
-            <a:r>
-              <a:rPr lang="en-US" dirty="0"/>
-              <a:t>Configuration Management</a:t>
-            </a:r>
-            <a:endParaRPr lang="en-US" dirty="0" smtClean="0"/>
-          </a:p>
-          <a:p>
-            <a:pPr>
-              <a:lnSpc>
-                <a:spcPct val="150000"/>
-              </a:lnSpc>
-            </a:pPr>
-            <a:r>
-              <a:rPr lang="en-US" dirty="0" smtClean="0"/>
-              <a:t>What is Puppet?</a:t>
-            </a:r>
-          </a:p>
-          <a:p>
-            <a:pPr>
-              <a:lnSpc>
-                <a:spcPct val="150000"/>
-              </a:lnSpc>
-            </a:pPr>
-            <a:r>
-              <a:rPr lang="en-US" dirty="0" smtClean="0"/>
-              <a:t>Puppet Components and Architecture</a:t>
-            </a:r>
-          </a:p>
-          <a:p>
-            <a:pPr>
-              <a:lnSpc>
-                <a:spcPct val="150000"/>
-              </a:lnSpc>
-            </a:pPr>
-            <a:endParaRPr lang="en-US" dirty="0"/>
-          </a:p>
-          <a:p>
-            <a:pPr>
-              <a:lnSpc>
-                <a:spcPct val="150000"/>
-              </a:lnSpc>
-            </a:pPr>
-            <a:endParaRPr lang="en-US" dirty="0" smtClean="0"/>
-          </a:p>
-          <a:p>
-            <a:pPr>
-              <a:lnSpc>
-                <a:spcPct val="150000"/>
-              </a:lnSpc>
-            </a:pPr>
-            <a:endParaRPr lang="en-US" dirty="0" smtClean="0"/>
-          </a:p>
-          <a:p>
-            <a:pPr>
-              <a:lnSpc>
-                <a:spcPct val="150000"/>
-              </a:lnSpc>
-            </a:pPr>
-            <a:endParaRPr lang="en-US" dirty="0"/>
-          </a:p>
-        </p:txBody>
-      </p:sp>
-      <p:sp>
-        <p:nvSpPr>
-          <p:cNvPr id="4" name="Slide Number Placeholder 3"/>
-          <p:cNvSpPr>
-            <a:spLocks noGrp="1"/>
-          </p:cNvSpPr>
-          <p:nvPr>
-            <p:ph type="sldNum" sz="quarter" idx="12"/>
-          </p:nvPr>
-        </p:nvSpPr>
-        <p:spPr/>
-        <p:txBody>
-          <a:bodyPr/>
-          <a:lstStyle/>
-          <a:p>
-            <a:fld id="{B8DACC02-A2BD-4578-8E03-6D891060A695}" type="slidenum">
-              <a:rPr lang="en-US" smtClean="0"/>
-              <a:pPr/>
-              <a:t>2</a:t>
-            </a:fld>
-            <a:endParaRPr lang="en-US" dirty="0"/>
-          </a:p>
-        </p:txBody>
-      </p:sp>
-    </p:spTree>
-    <p:extLst>
-      <p:ext uri="{BB962C8B-B14F-4D97-AF65-F5344CB8AC3E}">
-        <p14:creationId xmlns:p14="http://schemas.microsoft.com/office/powerpoint/2010/main" val="792989616"/>
-      </p:ext>
-    </p:extLst>
-  </p:cSld>
-  <p:clrMapOvr>
-    <a:masterClrMapping/>
-  </p:clrMapOvr>
-</p:sld>
-</file>
-
-<file path=ppt/slides/slide20.xml><?xml version="1.0" encoding="utf-8"?>
-<p:sld xmlns:a="http://schemas.openxmlformats.org/drawingml/2006/main" xmlns:r="http://schemas.openxmlformats.org/officeDocument/2006/relationships" xmlns:p="http://schemas.openxmlformats.org/presentationml/2006/main">
-  <p:cSld>
-    <p:spTree>
-      <p:nvGrpSpPr>
-        <p:cNvPr id="1" name=""/>
-        <p:cNvGrpSpPr/>
-        <p:nvPr/>
-      </p:nvGrpSpPr>
-      <p:grpSpPr>
-        <a:xfrm>
-          <a:off x="0" y="0"/>
-          <a:ext cx="0" cy="0"/>
-          <a:chOff x="0" y="0"/>
-          <a:chExt cx="0" cy="0"/>
-        </a:xfrm>
-      </p:grpSpPr>
-      <p:sp>
-        <p:nvSpPr>
-          <p:cNvPr id="2" name="Title 1"/>
-          <p:cNvSpPr>
-            <a:spLocks noGrp="1"/>
-          </p:cNvSpPr>
-          <p:nvPr>
-            <p:ph type="title"/>
-          </p:nvPr>
-        </p:nvSpPr>
-        <p:spPr/>
-        <p:txBody>
-          <a:bodyPr/>
-          <a:lstStyle/>
-          <a:p>
-            <a:r>
-              <a:rPr lang="en-US" dirty="0"/>
-              <a:t>What are the Benefits of Puppet?</a:t>
-            </a:r>
-          </a:p>
-        </p:txBody>
-      </p:sp>
-      <p:sp>
-        <p:nvSpPr>
-          <p:cNvPr id="3" name="Content Placeholder 2"/>
-          <p:cNvSpPr>
-            <a:spLocks noGrp="1"/>
-          </p:cNvSpPr>
-          <p:nvPr>
-            <p:ph idx="1"/>
-          </p:nvPr>
-        </p:nvSpPr>
-        <p:spPr/>
-        <p:txBody>
-          <a:bodyPr>
-            <a:normAutofit/>
-          </a:bodyPr>
-          <a:lstStyle/>
-          <a:p>
-            <a:r>
-              <a:rPr lang="en-US" dirty="0"/>
-              <a:t>Puppet can benefit you in your infrastructure configuration &amp; management for your glance:</a:t>
-            </a:r>
-          </a:p>
-          <a:p>
-            <a:pPr lvl="1"/>
-            <a:r>
-              <a:rPr lang="en-US" dirty="0" smtClean="0"/>
-              <a:t>Infrastructure </a:t>
-            </a:r>
-            <a:r>
-              <a:rPr lang="en-US" dirty="0"/>
-              <a:t>as code(</a:t>
-            </a:r>
-            <a:r>
-              <a:rPr lang="en-US" dirty="0" err="1"/>
-              <a:t>IaC</a:t>
-            </a:r>
-            <a:r>
-              <a:rPr lang="en-US" dirty="0" smtClean="0"/>
-              <a:t>)</a:t>
-            </a:r>
-          </a:p>
-          <a:p>
-            <a:pPr lvl="2"/>
-            <a:r>
-              <a:rPr lang="en-US" dirty="0" smtClean="0"/>
-              <a:t>It </a:t>
-            </a:r>
-            <a:r>
-              <a:rPr lang="en-US" dirty="0"/>
-              <a:t>enables you to define infrastructure as code (</a:t>
-            </a:r>
-            <a:r>
-              <a:rPr lang="en-US" dirty="0" err="1"/>
-              <a:t>IaC</a:t>
-            </a:r>
-            <a:r>
-              <a:rPr lang="en-US" dirty="0"/>
-              <a:t>) with ease of </a:t>
-            </a:r>
-            <a:r>
-              <a:rPr lang="en-US" dirty="0" smtClean="0"/>
-              <a:t>coding</a:t>
-            </a:r>
-            <a:endParaRPr lang="en-US" dirty="0"/>
-          </a:p>
-          <a:p>
-            <a:pPr lvl="1"/>
-            <a:r>
-              <a:rPr lang="en-US" dirty="0"/>
-              <a:t>Disaster </a:t>
-            </a:r>
-            <a:r>
-              <a:rPr lang="en-US" dirty="0" smtClean="0"/>
-              <a:t>Recovery</a:t>
-            </a:r>
-          </a:p>
-          <a:p>
-            <a:pPr lvl="2"/>
-            <a:r>
-              <a:rPr lang="en-US" dirty="0" smtClean="0"/>
-              <a:t>Downtime </a:t>
-            </a:r>
-            <a:r>
-              <a:rPr lang="en-US" dirty="0"/>
-              <a:t>due to misconfiguration issues can be reduced </a:t>
-            </a:r>
-            <a:r>
-              <a:rPr lang="en-US" dirty="0" smtClean="0"/>
-              <a:t>significantly</a:t>
-            </a:r>
-            <a:endParaRPr lang="en-US" dirty="0"/>
-          </a:p>
-          <a:p>
-            <a:pPr lvl="1"/>
-            <a:r>
-              <a:rPr lang="en-US" dirty="0" smtClean="0"/>
-              <a:t>Speed Development</a:t>
-            </a:r>
-          </a:p>
-          <a:p>
-            <a:pPr lvl="2"/>
-            <a:r>
-              <a:rPr lang="en-US" dirty="0" smtClean="0"/>
-              <a:t>It </a:t>
-            </a:r>
-            <a:r>
-              <a:rPr lang="en-US" dirty="0"/>
-              <a:t>allows a significant time saving </a:t>
-            </a:r>
-          </a:p>
-          <a:p>
-            <a:pPr lvl="1"/>
-            <a:r>
-              <a:rPr lang="en-US" dirty="0" smtClean="0"/>
-              <a:t>Constant Output</a:t>
-            </a:r>
-          </a:p>
-          <a:p>
-            <a:pPr lvl="2"/>
-            <a:r>
-              <a:rPr lang="en-US" dirty="0" smtClean="0"/>
-              <a:t>Works on </a:t>
-            </a:r>
-            <a:r>
-              <a:rPr lang="en-US" dirty="0"/>
-              <a:t>an extensive infrastructure by automating repetitive </a:t>
-            </a:r>
-            <a:r>
-              <a:rPr lang="en-US" dirty="0" smtClean="0"/>
-              <a:t>tasks</a:t>
-            </a:r>
-            <a:endParaRPr lang="en-US" dirty="0"/>
-          </a:p>
-          <a:p>
-            <a:pPr lvl="1"/>
-            <a:r>
-              <a:rPr lang="en-US" dirty="0"/>
-              <a:t>It supports a vast variety of Mac OS, Microsoft Windows, </a:t>
-            </a:r>
-            <a:r>
-              <a:rPr lang="en-US" dirty="0" err="1"/>
-              <a:t>Debian</a:t>
-            </a:r>
-            <a:r>
-              <a:rPr lang="en-US" dirty="0"/>
-              <a:t> &amp; many more. The best part is, it uses easy-to-learn language to define the </a:t>
-            </a:r>
-            <a:r>
-              <a:rPr lang="en-US" dirty="0" smtClean="0"/>
-              <a:t>configurations</a:t>
-            </a:r>
-            <a:endParaRPr lang="en-US" dirty="0"/>
-          </a:p>
-        </p:txBody>
-      </p:sp>
-      <p:sp>
-        <p:nvSpPr>
-          <p:cNvPr id="4" name="Slide Number Placeholder 3"/>
-          <p:cNvSpPr>
-            <a:spLocks noGrp="1"/>
-          </p:cNvSpPr>
-          <p:nvPr>
-            <p:ph type="sldNum" sz="quarter" idx="12"/>
-          </p:nvPr>
-        </p:nvSpPr>
-        <p:spPr/>
-        <p:txBody>
-          <a:bodyPr/>
-          <a:lstStyle/>
-          <a:p>
-            <a:fld id="{B8DACC02-A2BD-4578-8E03-6D891060A695}" type="slidenum">
-              <a:rPr lang="en-US" smtClean="0"/>
-              <a:pPr/>
-              <a:t>20</a:t>
-            </a:fld>
-            <a:endParaRPr lang="en-US" dirty="0"/>
-          </a:p>
-        </p:txBody>
-      </p:sp>
-    </p:spTree>
-    <p:extLst>
-      <p:ext uri="{BB962C8B-B14F-4D97-AF65-F5344CB8AC3E}">
-        <p14:creationId xmlns:p14="http://schemas.microsoft.com/office/powerpoint/2010/main" val="919702735"/>
-      </p:ext>
-    </p:extLst>
-  </p:cSld>
-  <p:clrMapOvr>
-    <a:masterClrMapping/>
-  </p:clrMapOvr>
-</p:sld>
-</file>
-
-<file path=ppt/slides/slide21.xml><?xml version="1.0" encoding="utf-8"?>
-<p:sld xmlns:a="http://schemas.openxmlformats.org/drawingml/2006/main" xmlns:r="http://schemas.openxmlformats.org/officeDocument/2006/relationships" xmlns:p="http://schemas.openxmlformats.org/presentationml/2006/main">
-  <p:cSld>
-    <p:spTree>
-      <p:nvGrpSpPr>
-        <p:cNvPr id="1" name=""/>
-        <p:cNvGrpSpPr/>
-        <p:nvPr/>
-      </p:nvGrpSpPr>
-      <p:grpSpPr>
-        <a:xfrm>
-          <a:off x="0" y="0"/>
-          <a:ext cx="0" cy="0"/>
-          <a:chOff x="0" y="0"/>
-          <a:chExt cx="0" cy="0"/>
-        </a:xfrm>
-      </p:grpSpPr>
-      <p:sp>
-        <p:nvSpPr>
-          <p:cNvPr id="2" name="Title 1"/>
-          <p:cNvSpPr>
-            <a:spLocks noGrp="1"/>
-          </p:cNvSpPr>
-          <p:nvPr>
-            <p:ph type="title"/>
-          </p:nvPr>
-        </p:nvSpPr>
-        <p:spPr/>
-        <p:txBody>
-          <a:bodyPr/>
-          <a:lstStyle/>
-          <a:p>
-            <a:r>
-              <a:rPr lang="en-US" dirty="0"/>
-              <a:t>Puppet Master-Slave Architecture</a:t>
-            </a:r>
-          </a:p>
-        </p:txBody>
-      </p:sp>
-      <p:sp>
-        <p:nvSpPr>
-          <p:cNvPr id="3" name="Content Placeholder 2"/>
-          <p:cNvSpPr>
-            <a:spLocks noGrp="1"/>
-          </p:cNvSpPr>
-          <p:nvPr>
-            <p:ph idx="1"/>
-          </p:nvPr>
-        </p:nvSpPr>
-        <p:spPr/>
-        <p:txBody>
-          <a:bodyPr/>
-          <a:lstStyle/>
-          <a:p>
-            <a:endParaRPr lang="en-US"/>
-          </a:p>
-        </p:txBody>
-      </p:sp>
-      <p:sp>
-        <p:nvSpPr>
-          <p:cNvPr id="4" name="Slide Number Placeholder 3"/>
-          <p:cNvSpPr>
-            <a:spLocks noGrp="1"/>
-          </p:cNvSpPr>
-          <p:nvPr>
-            <p:ph type="sldNum" sz="quarter" idx="12"/>
-          </p:nvPr>
-        </p:nvSpPr>
-        <p:spPr/>
-        <p:txBody>
-          <a:bodyPr/>
-          <a:lstStyle/>
-          <a:p>
-            <a:fld id="{B8DACC02-A2BD-4578-8E03-6D891060A695}" type="slidenum">
-              <a:rPr lang="en-US" smtClean="0"/>
-              <a:pPr/>
-              <a:t>21</a:t>
-            </a:fld>
-            <a:endParaRPr lang="en-US" dirty="0"/>
-          </a:p>
-        </p:txBody>
-      </p:sp>
-      <p:pic>
-        <p:nvPicPr>
-          <p:cNvPr id="9218" name="Picture 2" descr="Puppet Tutorial | Puppet For Configuration Management | Edureka"/>
-          <p:cNvPicPr>
-            <a:picLocks noChangeAspect="1" noChangeArrowheads="1"/>
-          </p:cNvPicPr>
-          <p:nvPr/>
-        </p:nvPicPr>
-        <p:blipFill>
-          <a:blip r:embed="rId2">
-            <a:extLst>
-              <a:ext uri="{28A0092B-C50C-407E-A947-70E740481C1C}">
-                <a14:useLocalDpi xmlns:a14="http://schemas.microsoft.com/office/drawing/2010/main" val="0"/>
-              </a:ext>
-            </a:extLst>
-          </a:blip>
-          <a:srcRect/>
-          <a:stretch>
-            <a:fillRect/>
-          </a:stretch>
-        </p:blipFill>
-        <p:spPr bwMode="auto">
-          <a:xfrm>
-            <a:off x="1801495" y="1832062"/>
-            <a:ext cx="7762875" cy="3895725"/>
-          </a:xfrm>
-          <a:prstGeom prst="rect">
-            <a:avLst/>
-          </a:prstGeom>
-          <a:noFill/>
-          <a:extLst>
-            <a:ext uri="{909E8E84-426E-40DD-AFC4-6F175D3DCCD1}">
-              <a14:hiddenFill xmlns:a14="http://schemas.microsoft.com/office/drawing/2010/main">
-                <a:solidFill>
-                  <a:srgbClr val="FFFFFF"/>
-                </a:solidFill>
-              </a14:hiddenFill>
-            </a:ext>
-          </a:extLst>
-        </p:spPr>
-      </p:pic>
-      <p:sp>
-        <p:nvSpPr>
-          <p:cNvPr id="5" name="Round Diagonal Corner Rectangle 4"/>
-          <p:cNvSpPr/>
-          <p:nvPr/>
-        </p:nvSpPr>
-        <p:spPr>
-          <a:xfrm>
-            <a:off x="8202168" y="1832062"/>
-            <a:ext cx="1901952" cy="572810"/>
-          </a:xfrm>
-          <a:prstGeom prst="round2DiagRect">
-            <a:avLst/>
-          </a:prstGeom>
-          <a:solidFill>
-            <a:schemeClr val="bg1"/>
-          </a:solidFill>
-          <a:ln>
-            <a:noFill/>
-          </a:ln>
-        </p:spPr>
-        <p:style>
-          <a:lnRef idx="2">
-            <a:schemeClr val="accent1">
-              <a:shade val="50000"/>
-            </a:schemeClr>
-          </a:lnRef>
-          <a:fillRef idx="1">
-            <a:schemeClr val="accent1"/>
-          </a:fillRef>
-          <a:effectRef idx="0">
-            <a:schemeClr val="accent1"/>
-          </a:effectRef>
-          <a:fontRef idx="minor">
-            <a:schemeClr val="lt1"/>
-          </a:fontRef>
-        </p:style>
-        <p:txBody>
-          <a:bodyPr rtlCol="0" anchor="ctr"/>
-          <a:lstStyle/>
-          <a:p>
-            <a:pPr algn="ctr"/>
-            <a:endParaRPr lang="en-US"/>
-          </a:p>
-        </p:txBody>
-      </p:sp>
-    </p:spTree>
-    <p:extLst>
-      <p:ext uri="{BB962C8B-B14F-4D97-AF65-F5344CB8AC3E}">
-        <p14:creationId xmlns:p14="http://schemas.microsoft.com/office/powerpoint/2010/main" val="931899304"/>
-      </p:ext>
-    </p:extLst>
-  </p:cSld>
-  <p:clrMapOvr>
-    <a:masterClrMapping/>
-  </p:clrMapOvr>
-  <p:timing>
-    <p:tnLst>
-      <p:par>
-        <p:cTn id="1" dur="indefinite" restart="never" nodeType="tmRoot"/>
-      </p:par>
-    </p:tnLst>
-  </p:timing>
 </p:sld>
 </file>
 
@@ -9538,7 +9534,112 @@
           <a:p>
             <a:r>
               <a:rPr lang="en-US" dirty="0"/>
-              <a:t>Puppet Master Slave Connection</a:t>
+              <a:t>Why should use Puppet?</a:t>
+            </a:r>
+          </a:p>
+        </p:txBody>
+      </p:sp>
+      <p:sp>
+        <p:nvSpPr>
+          <p:cNvPr id="3" name="Content Placeholder 2"/>
+          <p:cNvSpPr>
+            <a:spLocks noGrp="1"/>
+          </p:cNvSpPr>
+          <p:nvPr>
+            <p:ph idx="1"/>
+          </p:nvPr>
+        </p:nvSpPr>
+        <p:spPr/>
+        <p:txBody>
+          <a:bodyPr>
+            <a:normAutofit fontScale="85000" lnSpcReduction="20000"/>
+          </a:bodyPr>
+          <a:lstStyle/>
+          <a:p>
+            <a:r>
+              <a:rPr lang="en-US" dirty="0" smtClean="0"/>
+              <a:t>Consistency</a:t>
+            </a:r>
+          </a:p>
+          <a:p>
+            <a:pPr lvl="1"/>
+            <a:r>
+              <a:rPr lang="en-US" dirty="0" smtClean="0"/>
+              <a:t>Troubleshooting </a:t>
+            </a:r>
+            <a:r>
+              <a:rPr lang="en-US" dirty="0"/>
+              <a:t>problems is a time-consuming and tedious process that is to be done manually. Without configuration-management, it gets more complex to assume the infrastructure, like what version of the software is installed and the software installation process if followed on the node. </a:t>
+            </a:r>
+          </a:p>
+          <a:p>
+            <a:r>
+              <a:rPr lang="en-US" dirty="0" smtClean="0"/>
+              <a:t>Automation</a:t>
+            </a:r>
+          </a:p>
+          <a:p>
+            <a:pPr lvl="1"/>
+            <a:r>
+              <a:rPr lang="en-US" dirty="0" smtClean="0"/>
+              <a:t>When </a:t>
+            </a:r>
+            <a:r>
+              <a:rPr lang="en-US" dirty="0"/>
+              <a:t>it comes to managing 10s, 100s or more servers at a larger scale with mixed environment configuration and scaling of the infrastructure, it gets complex while ensuring the process to be efficient and secure. </a:t>
+            </a:r>
+          </a:p>
+          <a:p>
+            <a:r>
+              <a:rPr lang="en-US" dirty="0" err="1" smtClean="0"/>
+              <a:t>IaC</a:t>
+            </a:r>
+            <a:endParaRPr lang="en-US" dirty="0" smtClean="0"/>
+          </a:p>
+          <a:p>
+            <a:pPr lvl="1"/>
+            <a:r>
+              <a:rPr lang="en-US" dirty="0" smtClean="0"/>
+              <a:t>Puppet </a:t>
+            </a:r>
+            <a:r>
+              <a:rPr lang="en-US" dirty="0"/>
+              <a:t>treats infrastructure as code &amp; implements all practices done by the software developer such as version control system(VCS), automated testing &amp; continuous delivery.</a:t>
+            </a:r>
+          </a:p>
+          <a:p>
+            <a:r>
+              <a:rPr lang="en-US" dirty="0" err="1" smtClean="0"/>
+              <a:t>Idempotency</a:t>
+            </a:r>
+            <a:endParaRPr lang="en-US" dirty="0" smtClean="0"/>
+          </a:p>
+          <a:p>
+            <a:pPr lvl="1"/>
+            <a:r>
+              <a:rPr lang="en-US" dirty="0" smtClean="0"/>
+              <a:t>Its </a:t>
+            </a:r>
+            <a:r>
+              <a:rPr lang="en-US" dirty="0"/>
+              <a:t>ability to apply the code repeatedly and get a guaranteed desired state with the assurance of the same results.</a:t>
+            </a:r>
+          </a:p>
+          <a:p>
+            <a:r>
+              <a:rPr lang="en-US" dirty="0" smtClean="0"/>
+              <a:t>Agile</a:t>
+            </a:r>
+          </a:p>
+          <a:p>
+            <a:pPr lvl="1"/>
+            <a:r>
+              <a:rPr lang="en-US" dirty="0" smtClean="0"/>
+              <a:t>It's </a:t>
+            </a:r>
+            <a:r>
+              <a:rPr lang="en-US" dirty="0"/>
+              <a:t>based on the principle of using the agile process of working incrementally &amp; reusability of code.</a:t>
             </a:r>
           </a:p>
         </p:txBody>
@@ -9567,107 +9668,10 @@
           </a:p>
         </p:txBody>
       </p:sp>
-      <p:pic>
-        <p:nvPicPr>
-          <p:cNvPr id="10244" name="Picture 4" descr="https://intellipaat.com/mediaFiles/2018/12/How-the-Puppet-connections-are-getting-established-between-puppet-master-server-and-Puppet-agent-nodes.png"/>
-          <p:cNvPicPr>
-            <a:picLocks noChangeAspect="1" noChangeArrowheads="1"/>
-          </p:cNvPicPr>
-          <p:nvPr/>
-        </p:nvPicPr>
-        <p:blipFill>
-          <a:blip r:embed="rId2">
-            <a:extLst>
-              <a:ext uri="{28A0092B-C50C-407E-A947-70E740481C1C}">
-                <a14:useLocalDpi xmlns:a14="http://schemas.microsoft.com/office/drawing/2010/main" val="0"/>
-              </a:ext>
-            </a:extLst>
-          </a:blip>
-          <a:srcRect/>
-          <a:stretch>
-            <a:fillRect/>
-          </a:stretch>
-        </p:blipFill>
-        <p:spPr bwMode="auto">
-          <a:xfrm>
-            <a:off x="2457886" y="2444507"/>
-            <a:ext cx="6870843" cy="3873056"/>
-          </a:xfrm>
-          <a:prstGeom prst="rect">
-            <a:avLst/>
-          </a:prstGeom>
-          <a:noFill/>
-          <a:extLst>
-            <a:ext uri="{909E8E84-426E-40DD-AFC4-6F175D3DCCD1}">
-              <a14:hiddenFill xmlns:a14="http://schemas.microsoft.com/office/drawing/2010/main">
-                <a:solidFill>
-                  <a:srgbClr val="FFFFFF"/>
-                </a:solidFill>
-              </a14:hiddenFill>
-            </a:ext>
-          </a:extLst>
-        </p:spPr>
-      </p:pic>
-      <p:sp>
-        <p:nvSpPr>
-          <p:cNvPr id="7" name="Round Single Corner Rectangle 6"/>
-          <p:cNvSpPr/>
-          <p:nvPr/>
-        </p:nvSpPr>
-        <p:spPr>
-          <a:xfrm>
-            <a:off x="1243584" y="1406880"/>
-            <a:ext cx="9299448" cy="623088"/>
-          </a:xfrm>
-          <a:prstGeom prst="round1Rect">
-            <a:avLst/>
-          </a:prstGeom>
-          <a:noFill/>
-          <a:ln w="38100"/>
-        </p:spPr>
-        <p:style>
-          <a:lnRef idx="2">
-            <a:schemeClr val="accent1">
-              <a:shade val="50000"/>
-            </a:schemeClr>
-          </a:lnRef>
-          <a:fillRef idx="1">
-            <a:schemeClr val="accent1"/>
-          </a:fillRef>
-          <a:effectRef idx="0">
-            <a:schemeClr val="accent1"/>
-          </a:effectRef>
-          <a:fontRef idx="minor">
-            <a:schemeClr val="lt1"/>
-          </a:fontRef>
-        </p:style>
-        <p:txBody>
-          <a:bodyPr rtlCol="0" anchor="ctr"/>
-          <a:lstStyle/>
-          <a:p>
-            <a:pPr algn="ctr"/>
-            <a:r>
-              <a:rPr lang="en-US" sz="2500" dirty="0" smtClean="0">
-                <a:solidFill>
-                  <a:schemeClr val="tx1"/>
-                </a:solidFill>
-                <a:latin typeface="Candara" panose="020E0502030303020204" pitchFamily="34" charset="0"/>
-              </a:rPr>
-              <a:t>SSL (Secure Sockets Layer) connection between Master and Slave</a:t>
-            </a:r>
-            <a:endParaRPr lang="en-US" sz="2500" dirty="0">
-              <a:solidFill>
-                <a:schemeClr val="tx1"/>
-              </a:solidFill>
-              <a:latin typeface="Candara" panose="020E0502030303020204" pitchFamily="34" charset="0"/>
-            </a:endParaRPr>
-          </a:p>
-        </p:txBody>
-      </p:sp>
     </p:spTree>
     <p:extLst>
       <p:ext uri="{BB962C8B-B14F-4D97-AF65-F5344CB8AC3E}">
-        <p14:creationId xmlns:p14="http://schemas.microsoft.com/office/powerpoint/2010/main" val="2686047227"/>
+        <p14:creationId xmlns:p14="http://schemas.microsoft.com/office/powerpoint/2010/main" val="3572686217"/>
       </p:ext>
     </p:extLst>
   </p:cSld>
@@ -9711,13 +9715,8 @@
           <a:p>
             <a:r>
               <a:rPr lang="en-US" dirty="0"/>
-              <a:t>Key Puppet </a:t>
-            </a:r>
-            <a:r>
-              <a:rPr lang="en-US" dirty="0" smtClean="0"/>
-              <a:t>Concepts</a:t>
-            </a:r>
-            <a:endParaRPr lang="en-US" dirty="0"/>
+              <a:t>What are the Benefits of Puppet?</a:t>
+            </a:r>
           </a:p>
         </p:txBody>
       </p:sp>
@@ -9734,109 +9733,145 @@
         <p:spPr/>
         <p:txBody>
           <a:bodyPr>
-            <a:normAutofit fontScale="92500" lnSpcReduction="10000"/>
+            <a:normAutofit/>
           </a:bodyPr>
           <a:lstStyle/>
           <a:p>
             <a:r>
               <a:rPr lang="en-US" dirty="0"/>
-              <a:t>Modules</a:t>
+              <a:t>Puppet can benefit you in your infrastructure configuration &amp; management for your glance:</a:t>
             </a:r>
           </a:p>
           <a:p>
             <a:pPr lvl="1"/>
             <a:r>
               <a:rPr lang="en-US" dirty="0" smtClean="0"/>
-              <a:t>To differentiate the </a:t>
+              <a:t>Infrastructure </a:t>
             </a:r>
             <a:r>
               <a:rPr lang="en-US" dirty="0"/>
-              <a:t>differences between various platforms Puppet modules are used. </a:t>
-            </a:r>
-            <a:endParaRPr lang="en-US" dirty="0" smtClean="0"/>
+              <a:t>as code(</a:t>
+            </a:r>
+            <a:r>
+              <a:rPr lang="en-US" dirty="0" err="1"/>
+              <a:t>IaC</a:t>
+            </a:r>
+            <a:r>
+              <a:rPr lang="en-US" dirty="0" smtClean="0"/>
+              <a:t>)</a:t>
+            </a:r>
+          </a:p>
+          <a:p>
+            <a:pPr lvl="2"/>
+            <a:r>
+              <a:rPr lang="en-US" dirty="0" smtClean="0"/>
+              <a:t>It </a:t>
+            </a:r>
+            <a:r>
+              <a:rPr lang="en-US" dirty="0"/>
+              <a:t>enables you to define infrastructure as code (</a:t>
+            </a:r>
+            <a:r>
+              <a:rPr lang="en-US" dirty="0" err="1"/>
+              <a:t>IaC</a:t>
+            </a:r>
+            <a:r>
+              <a:rPr lang="en-US" dirty="0"/>
+              <a:t>) with ease of </a:t>
+            </a:r>
+            <a:r>
+              <a:rPr lang="en-US" dirty="0" smtClean="0"/>
+              <a:t>coding</a:t>
+            </a:r>
+            <a:endParaRPr lang="en-US" dirty="0"/>
           </a:p>
           <a:p>
             <a:pPr lvl="1"/>
             <a:r>
+              <a:rPr lang="en-US" dirty="0"/>
+              <a:t>Disaster </a:t>
+            </a:r>
+            <a:r>
               <a:rPr lang="en-US" dirty="0" smtClean="0"/>
-              <a:t>A </a:t>
+              <a:t>Recovery</a:t>
+            </a:r>
+          </a:p>
+          <a:p>
+            <a:pPr lvl="2"/>
+            <a:r>
+              <a:rPr lang="en-US" dirty="0" smtClean="0"/>
+              <a:t>Downtime </a:t>
             </a:r>
             <a:r>
               <a:rPr lang="en-US" dirty="0"/>
-              <a:t>good module should therefore give an API so that the software can be used on various platforms without having to know the details of the platform. </a:t>
-            </a:r>
-            <a:endParaRPr lang="en-US" dirty="0" smtClean="0"/>
+              <a:t>due to misconfiguration issues can be reduced </a:t>
+            </a:r>
+            <a:r>
+              <a:rPr lang="en-US" dirty="0" smtClean="0"/>
+              <a:t>significantly</a:t>
+            </a:r>
+            <a:endParaRPr lang="en-US" dirty="0"/>
           </a:p>
           <a:p>
             <a:pPr lvl="1"/>
             <a:r>
               <a:rPr lang="en-US" dirty="0" smtClean="0"/>
-              <a:t>One </a:t>
+              <a:t>Speed Development</a:t>
+            </a:r>
+          </a:p>
+          <a:p>
+            <a:pPr lvl="2"/>
+            <a:r>
+              <a:rPr lang="en-US" dirty="0" smtClean="0"/>
+              <a:t>It </a:t>
             </a:r>
             <a:r>
               <a:rPr lang="en-US" dirty="0"/>
-              <a:t>of the main advantages of reusable modules is that other people can easily understand them.</a:t>
-            </a:r>
-          </a:p>
-          <a:p>
+              <a:t>allows a significant time saving </a:t>
+            </a:r>
+          </a:p>
+          <a:p>
+            <a:pPr lvl="1"/>
             <a:r>
               <a:rPr lang="en-US" dirty="0" smtClean="0"/>
-              <a:t>Classes</a:t>
+              <a:t>Constant Output</a:t>
+            </a:r>
+          </a:p>
+          <a:p>
+            <a:pPr lvl="2"/>
+            <a:r>
+              <a:rPr lang="en-US" dirty="0" smtClean="0"/>
+              <a:t>Works on </a:t>
+            </a:r>
+            <a:r>
+              <a:rPr lang="en-US" dirty="0"/>
+              <a:t>an extensive infrastructure by automating repetitive </a:t>
+            </a:r>
+            <a:r>
+              <a:rPr lang="en-US" dirty="0" smtClean="0"/>
+              <a:t>tasks</a:t>
             </a:r>
             <a:endParaRPr lang="en-US" dirty="0"/>
           </a:p>
           <a:p>
             <a:pPr lvl="1"/>
             <a:r>
+              <a:rPr lang="en-US" dirty="0"/>
+              <a:t>It supports a vast variety of Mac OS, Microsoft Windows, </a:t>
+            </a:r>
+            <a:r>
+              <a:rPr lang="en-US" dirty="0" err="1"/>
+              <a:t>Debian</a:t>
+            </a:r>
+            <a:r>
+              <a:rPr lang="en-US" dirty="0"/>
+              <a:t> &amp; many more. The best part is, it uses easy-to-learn language to define the </a:t>
+            </a:r>
+            <a:r>
               <a:rPr lang="en-US" dirty="0" smtClean="0"/>
-              <a:t>A collection </a:t>
-            </a:r>
-            <a:r>
-              <a:rPr lang="en-US" dirty="0"/>
-              <a:t>of resources that are grouped together to get a target machine or machine in the desired state. </a:t>
-            </a:r>
-            <a:endParaRPr lang="en-US" dirty="0" smtClean="0"/>
-          </a:p>
-          <a:p>
-            <a:pPr lvl="1"/>
-            <a:r>
-              <a:rPr lang="en-US" dirty="0" smtClean="0"/>
-              <a:t>They </a:t>
-            </a:r>
-            <a:r>
-              <a:rPr lang="en-US" dirty="0"/>
-              <a:t>have defined inside Puppet manifest files which are found in Puppet modules.</a:t>
-            </a:r>
-          </a:p>
-          <a:p>
-            <a:r>
-              <a:rPr lang="en-US" dirty="0" smtClean="0"/>
-              <a:t>Manifests</a:t>
+              <a:t>configurations</a:t>
             </a:r>
             <a:endParaRPr lang="en-US" dirty="0"/>
-          </a:p>
-          <a:p>
-            <a:pPr lvl="1"/>
-            <a:r>
-              <a:rPr lang="en-US" dirty="0" smtClean="0"/>
-              <a:t>Manifests </a:t>
-            </a:r>
-            <a:r>
-              <a:rPr lang="en-US" dirty="0"/>
-              <a:t>are those programs written in Ruby and saved with the .pp extension. </a:t>
-            </a:r>
-            <a:endParaRPr lang="en-US" dirty="0" smtClean="0"/>
-          </a:p>
-          <a:p>
-            <a:pPr lvl="1"/>
-            <a:r>
-              <a:rPr lang="en-US" dirty="0" smtClean="0"/>
-              <a:t>All Puppet </a:t>
-            </a:r>
-            <a:r>
-              <a:rPr lang="en-US" dirty="0"/>
-              <a:t>programs are manifests that are built with the idea of creating and managing any target host machine.</a:t>
-            </a:r>
           </a:p>
         </p:txBody>
       </p:sp>
@@ -9867,7 +9902,7 @@
     </p:spTree>
     <p:extLst>
       <p:ext uri="{BB962C8B-B14F-4D97-AF65-F5344CB8AC3E}">
-        <p14:creationId xmlns:p14="http://schemas.microsoft.com/office/powerpoint/2010/main" val="1672250573"/>
+        <p14:creationId xmlns:p14="http://schemas.microsoft.com/office/powerpoint/2010/main" val="919702735"/>
       </p:ext>
     </p:extLst>
   </p:cSld>
@@ -9910,10 +9945,9 @@
           <a:lstStyle/>
           <a:p>
             <a:r>
-              <a:rPr lang="en-US" dirty="0" smtClean="0"/>
-              <a:t>Puppet Case Study (MySQL and PHP)</a:t>
-            </a:r>
-            <a:endParaRPr lang="en-US" dirty="0"/>
+              <a:rPr lang="en-US" dirty="0"/>
+              <a:t>Puppet Master-Slave Architecture</a:t>
+            </a:r>
           </a:p>
         </p:txBody>
       </p:sp>
@@ -9932,23 +9966,7 @@
           <a:bodyPr/>
           <a:lstStyle/>
           <a:p>
-            <a:r>
-              <a:rPr lang="en-US" dirty="0" smtClean="0"/>
-              <a:t>Using predefined modules, download modules for PHP and MySQL</a:t>
-            </a:r>
-          </a:p>
-          <a:p>
-            <a:r>
-              <a:rPr lang="en-US" dirty="0" smtClean="0"/>
-              <a:t>Declare these two classes in the Puppet manifests</a:t>
-            </a:r>
-          </a:p>
-          <a:p>
-            <a:r>
-              <a:rPr lang="en-US" dirty="0" smtClean="0"/>
-              <a:t>Puppet agents will pull these configurations and both will be installed in Agents</a:t>
-            </a:r>
-            <a:endParaRPr lang="en-US" dirty="0"/>
+            <a:endParaRPr lang="en-US"/>
           </a:p>
         </p:txBody>
       </p:sp>
@@ -9971,6 +9989,585 @@
               <a:rPr lang="en-US" smtClean="0"/>
               <a:pPr/>
               <a:t>24</a:t>
+            </a:fld>
+            <a:endParaRPr lang="en-US" dirty="0"/>
+          </a:p>
+        </p:txBody>
+      </p:sp>
+      <p:pic>
+        <p:nvPicPr>
+          <p:cNvPr id="9218" name="Picture 2" descr="Puppet Tutorial | Puppet For Configuration Management | Edureka"/>
+          <p:cNvPicPr>
+            <a:picLocks noChangeAspect="1" noChangeArrowheads="1"/>
+          </p:cNvPicPr>
+          <p:nvPr/>
+        </p:nvPicPr>
+        <p:blipFill>
+          <a:blip r:embed="rId2">
+            <a:extLst>
+              <a:ext uri="{28A0092B-C50C-407E-A947-70E740481C1C}">
+                <a14:useLocalDpi xmlns:a14="http://schemas.microsoft.com/office/drawing/2010/main" val="0"/>
+              </a:ext>
+            </a:extLst>
+          </a:blip>
+          <a:srcRect/>
+          <a:stretch>
+            <a:fillRect/>
+          </a:stretch>
+        </p:blipFill>
+        <p:spPr bwMode="auto">
+          <a:xfrm>
+            <a:off x="1801495" y="1832062"/>
+            <a:ext cx="7762875" cy="3895725"/>
+          </a:xfrm>
+          <a:prstGeom prst="rect">
+            <a:avLst/>
+          </a:prstGeom>
+          <a:noFill/>
+          <a:extLst>
+            <a:ext uri="{909E8E84-426E-40DD-AFC4-6F175D3DCCD1}">
+              <a14:hiddenFill xmlns:a14="http://schemas.microsoft.com/office/drawing/2010/main">
+                <a:solidFill>
+                  <a:srgbClr val="FFFFFF"/>
+                </a:solidFill>
+              </a14:hiddenFill>
+            </a:ext>
+          </a:extLst>
+        </p:spPr>
+      </p:pic>
+      <p:sp>
+        <p:nvSpPr>
+          <p:cNvPr id="5" name="Round Diagonal Corner Rectangle 4"/>
+          <p:cNvSpPr/>
+          <p:nvPr/>
+        </p:nvSpPr>
+        <p:spPr>
+          <a:xfrm>
+            <a:off x="8202168" y="1832062"/>
+            <a:ext cx="1901952" cy="572810"/>
+          </a:xfrm>
+          <a:prstGeom prst="round2DiagRect">
+            <a:avLst/>
+          </a:prstGeom>
+          <a:solidFill>
+            <a:schemeClr val="bg1"/>
+          </a:solidFill>
+          <a:ln>
+            <a:noFill/>
+          </a:ln>
+        </p:spPr>
+        <p:style>
+          <a:lnRef idx="2">
+            <a:schemeClr val="accent1">
+              <a:shade val="50000"/>
+            </a:schemeClr>
+          </a:lnRef>
+          <a:fillRef idx="1">
+            <a:schemeClr val="accent1"/>
+          </a:fillRef>
+          <a:effectRef idx="0">
+            <a:schemeClr val="accent1"/>
+          </a:effectRef>
+          <a:fontRef idx="minor">
+            <a:schemeClr val="lt1"/>
+          </a:fontRef>
+        </p:style>
+        <p:txBody>
+          <a:bodyPr rtlCol="0" anchor="ctr"/>
+          <a:lstStyle/>
+          <a:p>
+            <a:pPr algn="ctr"/>
+            <a:endParaRPr lang="en-US"/>
+          </a:p>
+        </p:txBody>
+      </p:sp>
+    </p:spTree>
+    <p:extLst>
+      <p:ext uri="{BB962C8B-B14F-4D97-AF65-F5344CB8AC3E}">
+        <p14:creationId xmlns:p14="http://schemas.microsoft.com/office/powerpoint/2010/main" val="931899304"/>
+      </p:ext>
+    </p:extLst>
+  </p:cSld>
+  <p:clrMapOvr>
+    <a:masterClrMapping/>
+  </p:clrMapOvr>
+  <p:timing>
+    <p:tnLst>
+      <p:par>
+        <p:cTn id="1" dur="indefinite" restart="never" nodeType="tmRoot"/>
+      </p:par>
+    </p:tnLst>
+  </p:timing>
+</p:sld>
+</file>
+
+<file path=ppt/slides/slide25.xml><?xml version="1.0" encoding="utf-8"?>
+<p:sld xmlns:a="http://schemas.openxmlformats.org/drawingml/2006/main" xmlns:r="http://schemas.openxmlformats.org/officeDocument/2006/relationships" xmlns:p="http://schemas.openxmlformats.org/presentationml/2006/main">
+  <p:cSld>
+    <p:spTree>
+      <p:nvGrpSpPr>
+        <p:cNvPr id="1" name=""/>
+        <p:cNvGrpSpPr/>
+        <p:nvPr/>
+      </p:nvGrpSpPr>
+      <p:grpSpPr>
+        <a:xfrm>
+          <a:off x="0" y="0"/>
+          <a:ext cx="0" cy="0"/>
+          <a:chOff x="0" y="0"/>
+          <a:chExt cx="0" cy="0"/>
+        </a:xfrm>
+      </p:grpSpPr>
+      <p:sp>
+        <p:nvSpPr>
+          <p:cNvPr id="2" name="Title 1"/>
+          <p:cNvSpPr>
+            <a:spLocks noGrp="1"/>
+          </p:cNvSpPr>
+          <p:nvPr>
+            <p:ph type="title"/>
+          </p:nvPr>
+        </p:nvSpPr>
+        <p:spPr/>
+        <p:txBody>
+          <a:bodyPr/>
+          <a:lstStyle/>
+          <a:p>
+            <a:r>
+              <a:rPr lang="en-US" dirty="0"/>
+              <a:t>Puppet Master Slave Connection</a:t>
+            </a:r>
+          </a:p>
+        </p:txBody>
+      </p:sp>
+      <p:sp>
+        <p:nvSpPr>
+          <p:cNvPr id="4" name="Slide Number Placeholder 3"/>
+          <p:cNvSpPr>
+            <a:spLocks noGrp="1"/>
+          </p:cNvSpPr>
+          <p:nvPr>
+            <p:ph type="sldNum" sz="quarter" idx="12"/>
+          </p:nvPr>
+        </p:nvSpPr>
+        <p:spPr/>
+        <p:txBody>
+          <a:bodyPr/>
+          <a:lstStyle/>
+          <a:p>
+            <a:fld id="{B8DACC02-A2BD-4578-8E03-6D891060A695}" type="slidenum">
+              <a:rPr lang="en-US" smtClean="0"/>
+              <a:pPr/>
+              <a:t>25</a:t>
+            </a:fld>
+            <a:endParaRPr lang="en-US" dirty="0"/>
+          </a:p>
+        </p:txBody>
+      </p:sp>
+      <p:pic>
+        <p:nvPicPr>
+          <p:cNvPr id="10244" name="Picture 4" descr="https://intellipaat.com/mediaFiles/2018/12/How-the-Puppet-connections-are-getting-established-between-puppet-master-server-and-Puppet-agent-nodes.png"/>
+          <p:cNvPicPr>
+            <a:picLocks noChangeAspect="1" noChangeArrowheads="1"/>
+          </p:cNvPicPr>
+          <p:nvPr/>
+        </p:nvPicPr>
+        <p:blipFill>
+          <a:blip r:embed="rId2">
+            <a:extLst>
+              <a:ext uri="{28A0092B-C50C-407E-A947-70E740481C1C}">
+                <a14:useLocalDpi xmlns:a14="http://schemas.microsoft.com/office/drawing/2010/main" val="0"/>
+              </a:ext>
+            </a:extLst>
+          </a:blip>
+          <a:srcRect/>
+          <a:stretch>
+            <a:fillRect/>
+          </a:stretch>
+        </p:blipFill>
+        <p:spPr bwMode="auto">
+          <a:xfrm>
+            <a:off x="2457886" y="2444507"/>
+            <a:ext cx="6870843" cy="3873056"/>
+          </a:xfrm>
+          <a:prstGeom prst="rect">
+            <a:avLst/>
+          </a:prstGeom>
+          <a:noFill/>
+          <a:extLst>
+            <a:ext uri="{909E8E84-426E-40DD-AFC4-6F175D3DCCD1}">
+              <a14:hiddenFill xmlns:a14="http://schemas.microsoft.com/office/drawing/2010/main">
+                <a:solidFill>
+                  <a:srgbClr val="FFFFFF"/>
+                </a:solidFill>
+              </a14:hiddenFill>
+            </a:ext>
+          </a:extLst>
+        </p:spPr>
+      </p:pic>
+      <p:sp>
+        <p:nvSpPr>
+          <p:cNvPr id="7" name="Round Single Corner Rectangle 6"/>
+          <p:cNvSpPr/>
+          <p:nvPr/>
+        </p:nvSpPr>
+        <p:spPr>
+          <a:xfrm>
+            <a:off x="1243584" y="1406880"/>
+            <a:ext cx="9299448" cy="623088"/>
+          </a:xfrm>
+          <a:prstGeom prst="round1Rect">
+            <a:avLst/>
+          </a:prstGeom>
+          <a:noFill/>
+          <a:ln w="38100"/>
+        </p:spPr>
+        <p:style>
+          <a:lnRef idx="2">
+            <a:schemeClr val="accent1">
+              <a:shade val="50000"/>
+            </a:schemeClr>
+          </a:lnRef>
+          <a:fillRef idx="1">
+            <a:schemeClr val="accent1"/>
+          </a:fillRef>
+          <a:effectRef idx="0">
+            <a:schemeClr val="accent1"/>
+          </a:effectRef>
+          <a:fontRef idx="minor">
+            <a:schemeClr val="lt1"/>
+          </a:fontRef>
+        </p:style>
+        <p:txBody>
+          <a:bodyPr rtlCol="0" anchor="ctr"/>
+          <a:lstStyle/>
+          <a:p>
+            <a:pPr algn="ctr"/>
+            <a:r>
+              <a:rPr lang="en-US" sz="2500" dirty="0" smtClean="0">
+                <a:solidFill>
+                  <a:schemeClr val="tx1"/>
+                </a:solidFill>
+                <a:latin typeface="Candara" panose="020E0502030303020204" pitchFamily="34" charset="0"/>
+              </a:rPr>
+              <a:t>SSL (Secure Sockets Layer) connection between Master and Slave</a:t>
+            </a:r>
+            <a:endParaRPr lang="en-US" sz="2500" dirty="0">
+              <a:solidFill>
+                <a:schemeClr val="tx1"/>
+              </a:solidFill>
+              <a:latin typeface="Candara" panose="020E0502030303020204" pitchFamily="34" charset="0"/>
+            </a:endParaRPr>
+          </a:p>
+        </p:txBody>
+      </p:sp>
+    </p:spTree>
+    <p:extLst>
+      <p:ext uri="{BB962C8B-B14F-4D97-AF65-F5344CB8AC3E}">
+        <p14:creationId xmlns:p14="http://schemas.microsoft.com/office/powerpoint/2010/main" val="2686047227"/>
+      </p:ext>
+    </p:extLst>
+  </p:cSld>
+  <p:clrMapOvr>
+    <a:masterClrMapping/>
+  </p:clrMapOvr>
+</p:sld>
+</file>
+
+<file path=ppt/slides/slide26.xml><?xml version="1.0" encoding="utf-8"?>
+<p:sld xmlns:a="http://schemas.openxmlformats.org/drawingml/2006/main" xmlns:r="http://schemas.openxmlformats.org/officeDocument/2006/relationships" xmlns:p="http://schemas.openxmlformats.org/presentationml/2006/main">
+  <p:cSld>
+    <p:spTree>
+      <p:nvGrpSpPr>
+        <p:cNvPr id="1" name=""/>
+        <p:cNvGrpSpPr/>
+        <p:nvPr/>
+      </p:nvGrpSpPr>
+      <p:grpSpPr>
+        <a:xfrm>
+          <a:off x="0" y="0"/>
+          <a:ext cx="0" cy="0"/>
+          <a:chOff x="0" y="0"/>
+          <a:chExt cx="0" cy="0"/>
+        </a:xfrm>
+      </p:grpSpPr>
+      <p:sp>
+        <p:nvSpPr>
+          <p:cNvPr id="2" name="Title 1"/>
+          <p:cNvSpPr>
+            <a:spLocks noGrp="1"/>
+          </p:cNvSpPr>
+          <p:nvPr>
+            <p:ph type="title"/>
+          </p:nvPr>
+        </p:nvSpPr>
+        <p:spPr/>
+        <p:txBody>
+          <a:bodyPr/>
+          <a:lstStyle/>
+          <a:p>
+            <a:r>
+              <a:rPr lang="en-US" dirty="0"/>
+              <a:t>Key Puppet </a:t>
+            </a:r>
+            <a:r>
+              <a:rPr lang="en-US" dirty="0" smtClean="0"/>
+              <a:t>Concepts</a:t>
+            </a:r>
+            <a:endParaRPr lang="en-US" dirty="0"/>
+          </a:p>
+        </p:txBody>
+      </p:sp>
+      <p:sp>
+        <p:nvSpPr>
+          <p:cNvPr id="3" name="Content Placeholder 2"/>
+          <p:cNvSpPr>
+            <a:spLocks noGrp="1"/>
+          </p:cNvSpPr>
+          <p:nvPr>
+            <p:ph idx="1"/>
+          </p:nvPr>
+        </p:nvSpPr>
+        <p:spPr/>
+        <p:txBody>
+          <a:bodyPr>
+            <a:normAutofit fontScale="92500" lnSpcReduction="10000"/>
+          </a:bodyPr>
+          <a:lstStyle/>
+          <a:p>
+            <a:r>
+              <a:rPr lang="en-US" dirty="0"/>
+              <a:t>Modules</a:t>
+            </a:r>
+          </a:p>
+          <a:p>
+            <a:pPr lvl="1"/>
+            <a:r>
+              <a:rPr lang="en-US" dirty="0" smtClean="0"/>
+              <a:t>To differentiate the </a:t>
+            </a:r>
+            <a:r>
+              <a:rPr lang="en-US" dirty="0"/>
+              <a:t>differences between various platforms Puppet modules are used. </a:t>
+            </a:r>
+            <a:endParaRPr lang="en-US" dirty="0" smtClean="0"/>
+          </a:p>
+          <a:p>
+            <a:pPr lvl="1"/>
+            <a:r>
+              <a:rPr lang="en-US" dirty="0" smtClean="0"/>
+              <a:t>A </a:t>
+            </a:r>
+            <a:r>
+              <a:rPr lang="en-US" dirty="0"/>
+              <a:t>good module should therefore give an API so that the software can be used on various platforms without having to know the details of the platform. </a:t>
+            </a:r>
+            <a:endParaRPr lang="en-US" dirty="0" smtClean="0"/>
+          </a:p>
+          <a:p>
+            <a:pPr lvl="1"/>
+            <a:r>
+              <a:rPr lang="en-US" dirty="0" smtClean="0"/>
+              <a:t>One </a:t>
+            </a:r>
+            <a:r>
+              <a:rPr lang="en-US" dirty="0"/>
+              <a:t>of the main advantages of reusable modules is that other people can easily understand them.</a:t>
+            </a:r>
+          </a:p>
+          <a:p>
+            <a:r>
+              <a:rPr lang="en-US" dirty="0" smtClean="0"/>
+              <a:t>Classes</a:t>
+            </a:r>
+            <a:endParaRPr lang="en-US" dirty="0"/>
+          </a:p>
+          <a:p>
+            <a:pPr lvl="1"/>
+            <a:r>
+              <a:rPr lang="en-US" dirty="0" smtClean="0"/>
+              <a:t>A collection </a:t>
+            </a:r>
+            <a:r>
+              <a:rPr lang="en-US" dirty="0"/>
+              <a:t>of resources that are grouped together to get a target machine or machine in the desired state. </a:t>
+            </a:r>
+            <a:endParaRPr lang="en-US" dirty="0" smtClean="0"/>
+          </a:p>
+          <a:p>
+            <a:pPr lvl="1"/>
+            <a:r>
+              <a:rPr lang="en-US" dirty="0" smtClean="0"/>
+              <a:t>They </a:t>
+            </a:r>
+            <a:r>
+              <a:rPr lang="en-US" dirty="0"/>
+              <a:t>have defined inside Puppet manifest files which are found in Puppet modules.</a:t>
+            </a:r>
+          </a:p>
+          <a:p>
+            <a:r>
+              <a:rPr lang="en-US" dirty="0" smtClean="0"/>
+              <a:t>Manifests</a:t>
+            </a:r>
+            <a:endParaRPr lang="en-US" dirty="0"/>
+          </a:p>
+          <a:p>
+            <a:pPr lvl="1"/>
+            <a:r>
+              <a:rPr lang="en-US" dirty="0" smtClean="0"/>
+              <a:t>Manifests </a:t>
+            </a:r>
+            <a:r>
+              <a:rPr lang="en-US" dirty="0"/>
+              <a:t>are those programs written in Ruby and saved with the .pp extension. </a:t>
+            </a:r>
+            <a:endParaRPr lang="en-US" dirty="0" smtClean="0"/>
+          </a:p>
+          <a:p>
+            <a:pPr lvl="1"/>
+            <a:r>
+              <a:rPr lang="en-US" dirty="0" smtClean="0"/>
+              <a:t>All Puppet </a:t>
+            </a:r>
+            <a:r>
+              <a:rPr lang="en-US" dirty="0"/>
+              <a:t>programs are manifests that are built with the idea of creating and managing any target host machine.</a:t>
+            </a:r>
+          </a:p>
+        </p:txBody>
+      </p:sp>
+      <p:sp>
+        <p:nvSpPr>
+          <p:cNvPr id="4" name="Slide Number Placeholder 3"/>
+          <p:cNvSpPr>
+            <a:spLocks noGrp="1"/>
+          </p:cNvSpPr>
+          <p:nvPr>
+            <p:ph type="sldNum" sz="quarter" idx="12"/>
+          </p:nvPr>
+        </p:nvSpPr>
+        <p:spPr/>
+        <p:txBody>
+          <a:bodyPr/>
+          <a:lstStyle/>
+          <a:p>
+            <a:fld id="{B8DACC02-A2BD-4578-8E03-6D891060A695}" type="slidenum">
+              <a:rPr lang="en-US" smtClean="0"/>
+              <a:pPr/>
+              <a:t>26</a:t>
+            </a:fld>
+            <a:endParaRPr lang="en-US" dirty="0"/>
+          </a:p>
+        </p:txBody>
+      </p:sp>
+    </p:spTree>
+    <p:extLst>
+      <p:ext uri="{BB962C8B-B14F-4D97-AF65-F5344CB8AC3E}">
+        <p14:creationId xmlns:p14="http://schemas.microsoft.com/office/powerpoint/2010/main" val="1672250573"/>
+      </p:ext>
+    </p:extLst>
+  </p:cSld>
+  <p:clrMapOvr>
+    <a:masterClrMapping/>
+  </p:clrMapOvr>
+</p:sld>
+</file>
+
+<file path=ppt/slides/slide27.xml><?xml version="1.0" encoding="utf-8"?>
+<p:sld xmlns:a="http://schemas.openxmlformats.org/drawingml/2006/main" xmlns:r="http://schemas.openxmlformats.org/officeDocument/2006/relationships" xmlns:p="http://schemas.openxmlformats.org/presentationml/2006/main">
+  <p:cSld>
+    <p:spTree>
+      <p:nvGrpSpPr>
+        <p:cNvPr id="1" name=""/>
+        <p:cNvGrpSpPr/>
+        <p:nvPr/>
+      </p:nvGrpSpPr>
+      <p:grpSpPr>
+        <a:xfrm>
+          <a:off x="0" y="0"/>
+          <a:ext cx="0" cy="0"/>
+          <a:chOff x="0" y="0"/>
+          <a:chExt cx="0" cy="0"/>
+        </a:xfrm>
+      </p:grpSpPr>
+      <p:sp>
+        <p:nvSpPr>
+          <p:cNvPr id="2" name="Title 1"/>
+          <p:cNvSpPr>
+            <a:spLocks noGrp="1"/>
+          </p:cNvSpPr>
+          <p:nvPr>
+            <p:ph type="title"/>
+          </p:nvPr>
+        </p:nvSpPr>
+        <p:spPr/>
+        <p:txBody>
+          <a:bodyPr/>
+          <a:lstStyle/>
+          <a:p>
+            <a:r>
+              <a:rPr lang="en-US" dirty="0" smtClean="0"/>
+              <a:t>Puppet Case Study (MySQL and PHP)</a:t>
+            </a:r>
+            <a:endParaRPr lang="en-US" dirty="0"/>
+          </a:p>
+        </p:txBody>
+      </p:sp>
+      <p:sp>
+        <p:nvSpPr>
+          <p:cNvPr id="3" name="Content Placeholder 2"/>
+          <p:cNvSpPr>
+            <a:spLocks noGrp="1"/>
+          </p:cNvSpPr>
+          <p:nvPr>
+            <p:ph idx="1"/>
+          </p:nvPr>
+        </p:nvSpPr>
+        <p:spPr/>
+        <p:txBody>
+          <a:bodyPr/>
+          <a:lstStyle/>
+          <a:p>
+            <a:r>
+              <a:rPr lang="en-US" dirty="0" smtClean="0"/>
+              <a:t>Using predefined modules, download modules for PHP and MySQL</a:t>
+            </a:r>
+          </a:p>
+          <a:p>
+            <a:r>
+              <a:rPr lang="en-US" dirty="0" smtClean="0"/>
+              <a:t>Declare these two classes in the Puppet manifests</a:t>
+            </a:r>
+          </a:p>
+          <a:p>
+            <a:r>
+              <a:rPr lang="en-US" dirty="0" smtClean="0"/>
+              <a:t>Puppet agents will pull these configurations and both will be installed in Agents</a:t>
+            </a:r>
+            <a:endParaRPr lang="en-US" dirty="0"/>
+          </a:p>
+        </p:txBody>
+      </p:sp>
+      <p:sp>
+        <p:nvSpPr>
+          <p:cNvPr id="4" name="Slide Number Placeholder 3"/>
+          <p:cNvSpPr>
+            <a:spLocks noGrp="1"/>
+          </p:cNvSpPr>
+          <p:nvPr>
+            <p:ph type="sldNum" sz="quarter" idx="12"/>
+          </p:nvPr>
+        </p:nvSpPr>
+        <p:spPr/>
+        <p:txBody>
+          <a:bodyPr/>
+          <a:lstStyle/>
+          <a:p>
+            <a:fld id="{B8DACC02-A2BD-4578-8E03-6D891060A695}" type="slidenum">
+              <a:rPr lang="en-US" smtClean="0"/>
+              <a:pPr/>
+              <a:t>27</a:t>
             </a:fld>
             <a:endParaRPr lang="en-US" dirty="0"/>
           </a:p>
@@ -10400,7 +10997,7 @@
 </p:sld>
 </file>
 
-<file path=ppt/slides/slide25.xml><?xml version="1.0" encoding="utf-8"?>
+<file path=ppt/slides/slide28.xml><?xml version="1.0" encoding="utf-8"?>
 <p:sld xmlns:a="http://schemas.openxmlformats.org/drawingml/2006/main" xmlns:r="http://schemas.openxmlformats.org/officeDocument/2006/relationships" xmlns:p="http://schemas.openxmlformats.org/presentationml/2006/main">
   <p:cSld>
     <p:spTree>
@@ -10487,7 +11084,7 @@
             <a:fld id="{B8DACC02-A2BD-4578-8E03-6D891060A695}" type="slidenum">
               <a:rPr lang="en-US" smtClean="0"/>
               <a:pPr/>
-              <a:t>25</a:t>
+              <a:t>28</a:t>
             </a:fld>
             <a:endParaRPr lang="en-US" dirty="0"/>
           </a:p>
@@ -10547,7 +11144,7 @@
 </p:sld>
 </file>
 
-<file path=ppt/slides/slide26.xml><?xml version="1.0" encoding="utf-8"?>
+<file path=ppt/slides/slide29.xml><?xml version="1.0" encoding="utf-8"?>
 <p:sld xmlns:a="http://schemas.openxmlformats.org/drawingml/2006/main" xmlns:r="http://schemas.openxmlformats.org/officeDocument/2006/relationships" xmlns:p="http://schemas.openxmlformats.org/presentationml/2006/main">
   <p:cSld>
     <p:spTree>
@@ -10604,7 +11201,7 @@
             <a:fld id="{B8DACC02-A2BD-4578-8E03-6D891060A695}" type="slidenum">
               <a:rPr lang="en-US" smtClean="0"/>
               <a:pPr/>
-              <a:t>26</a:t>
+              <a:t>29</a:t>
             </a:fld>
             <a:endParaRPr lang="en-US" dirty="0"/>
           </a:p>
@@ -11477,7 +12074,7 @@
 </p:sld>
 </file>
 
-<file path=ppt/slides/slide27.xml><?xml version="1.0" encoding="utf-8"?>
+<file path=ppt/slides/slide3.xml><?xml version="1.0" encoding="utf-8"?>
 <p:sld xmlns:a="http://schemas.openxmlformats.org/drawingml/2006/main" xmlns:r="http://schemas.openxmlformats.org/officeDocument/2006/relationships" xmlns:p="http://schemas.openxmlformats.org/presentationml/2006/main">
   <p:cSld>
     <p:spTree>
@@ -11496,6 +12093,106 @@
       </p:grpSpPr>
       <p:sp>
         <p:nvSpPr>
+          <p:cNvPr id="5" name="Title 4"/>
+          <p:cNvSpPr>
+            <a:spLocks noGrp="1"/>
+          </p:cNvSpPr>
+          <p:nvPr>
+            <p:ph type="title"/>
+          </p:nvPr>
+        </p:nvSpPr>
+        <p:spPr/>
+        <p:txBody>
+          <a:bodyPr/>
+          <a:lstStyle/>
+          <a:p>
+            <a:r>
+              <a:rPr lang="en-US" dirty="0"/>
+              <a:t>Why Configuration </a:t>
+            </a:r>
+            <a:r>
+              <a:rPr lang="en-US" dirty="0" smtClean="0"/>
+              <a:t>Management</a:t>
+            </a:r>
+            <a:endParaRPr lang="en-US" dirty="0"/>
+          </a:p>
+        </p:txBody>
+      </p:sp>
+      <p:sp>
+        <p:nvSpPr>
+          <p:cNvPr id="6" name="Text Placeholder 5"/>
+          <p:cNvSpPr>
+            <a:spLocks noGrp="1"/>
+          </p:cNvSpPr>
+          <p:nvPr>
+            <p:ph type="body" idx="1"/>
+          </p:nvPr>
+        </p:nvSpPr>
+        <p:spPr/>
+        <p:txBody>
+          <a:bodyPr/>
+          <a:lstStyle/>
+          <a:p>
+            <a:endParaRPr lang="en-US"/>
+          </a:p>
+        </p:txBody>
+      </p:sp>
+      <p:sp>
+        <p:nvSpPr>
+          <p:cNvPr id="4" name="Slide Number Placeholder 3"/>
+          <p:cNvSpPr>
+            <a:spLocks noGrp="1"/>
+          </p:cNvSpPr>
+          <p:nvPr>
+            <p:ph type="sldNum" sz="quarter" idx="12"/>
+          </p:nvPr>
+        </p:nvSpPr>
+        <p:spPr/>
+        <p:txBody>
+          <a:bodyPr/>
+          <a:lstStyle/>
+          <a:p>
+            <a:fld id="{B8DACC02-A2BD-4578-8E03-6D891060A695}" type="slidenum">
+              <a:rPr lang="en-US" smtClean="0"/>
+              <a:pPr/>
+              <a:t>3</a:t>
+            </a:fld>
+            <a:endParaRPr lang="en-US" dirty="0"/>
+          </a:p>
+        </p:txBody>
+      </p:sp>
+    </p:spTree>
+    <p:extLst>
+      <p:ext uri="{BB962C8B-B14F-4D97-AF65-F5344CB8AC3E}">
+        <p14:creationId xmlns:p14="http://schemas.microsoft.com/office/powerpoint/2010/main" val="1480187360"/>
+      </p:ext>
+    </p:extLst>
+  </p:cSld>
+  <p:clrMapOvr>
+    <a:masterClrMapping/>
+  </p:clrMapOvr>
+</p:sld>
+</file>
+
+<file path=ppt/slides/slide30.xml><?xml version="1.0" encoding="utf-8"?>
+<p:sld xmlns:a="http://schemas.openxmlformats.org/drawingml/2006/main" xmlns:r="http://schemas.openxmlformats.org/officeDocument/2006/relationships" xmlns:p="http://schemas.openxmlformats.org/presentationml/2006/main">
+  <p:cSld>
+    <p:spTree>
+      <p:nvGrpSpPr>
+        <p:cNvPr id="1" name=""/>
+        <p:cNvGrpSpPr/>
+        <p:nvPr/>
+      </p:nvGrpSpPr>
+      <p:grpSpPr>
+        <a:xfrm>
+          <a:off x="0" y="0"/>
+          <a:ext cx="0" cy="0"/>
+          <a:chOff x="0" y="0"/>
+          <a:chExt cx="0" cy="0"/>
+        </a:xfrm>
+      </p:grpSpPr>
+      <p:sp>
+        <p:nvSpPr>
           <p:cNvPr id="2" name="Title 1"/>
           <p:cNvSpPr>
             <a:spLocks noGrp="1"/>
@@ -11538,7 +12235,7 @@
             <a:fld id="{B8DACC02-A2BD-4578-8E03-6D891060A695}" type="slidenum">
               <a:rPr lang="en-US" smtClean="0"/>
               <a:pPr/>
-              <a:t>27</a:t>
+              <a:t>30</a:t>
             </a:fld>
             <a:endParaRPr lang="en-US" dirty="0"/>
           </a:p>
@@ -11782,7 +12479,7 @@
 </p:sld>
 </file>
 
-<file path=ppt/slides/slide28.xml><?xml version="1.0" encoding="utf-8"?>
+<file path=ppt/slides/slide31.xml><?xml version="1.0" encoding="utf-8"?>
 <p:sld xmlns:a="http://schemas.openxmlformats.org/drawingml/2006/main" xmlns:r="http://schemas.openxmlformats.org/officeDocument/2006/relationships" xmlns:p="http://schemas.openxmlformats.org/presentationml/2006/main">
   <p:cSld>
     <p:spTree>
@@ -11840,7 +12537,7 @@
             <a:fld id="{B8DACC02-A2BD-4578-8E03-6D891060A695}" type="slidenum">
               <a:rPr lang="en-US" smtClean="0"/>
               <a:pPr/>
-              <a:t>28</a:t>
+              <a:t>31</a:t>
             </a:fld>
             <a:endParaRPr lang="en-US" dirty="0"/>
           </a:p>
@@ -12026,7 +12723,7 @@
 </p:sld>
 </file>
 
-<file path=ppt/slides/slide3.xml><?xml version="1.0" encoding="utf-8"?>
+<file path=ppt/slides/slide32.xml><?xml version="1.0" encoding="utf-8"?>
 <p:sld xmlns:a="http://schemas.openxmlformats.org/drawingml/2006/main" xmlns:r="http://schemas.openxmlformats.org/officeDocument/2006/relationships" xmlns:p="http://schemas.openxmlformats.org/presentationml/2006/main">
   <p:cSld>
     <p:spTree>
@@ -12045,7 +12742,7 @@
       </p:grpSpPr>
       <p:sp>
         <p:nvSpPr>
-          <p:cNvPr id="5" name="Title 4"/>
+          <p:cNvPr id="2" name="Title 1"/>
           <p:cNvSpPr>
             <a:spLocks noGrp="1"/>
           </p:cNvSpPr>
@@ -12060,32 +12757,85 @@
           <a:p>
             <a:r>
               <a:rPr lang="en-US" dirty="0"/>
-              <a:t>Why Configuration </a:t>
-            </a:r>
-            <a:r>
-              <a:rPr lang="en-US" dirty="0" smtClean="0"/>
-              <a:t>Management</a:t>
-            </a:r>
-            <a:endParaRPr lang="en-US" dirty="0"/>
-          </a:p>
-        </p:txBody>
-      </p:sp>
-      <p:sp>
-        <p:nvSpPr>
-          <p:cNvPr id="6" name="Text Placeholder 5"/>
+              <a:t>Companies Adopting Puppet</a:t>
+            </a:r>
+          </a:p>
+        </p:txBody>
+      </p:sp>
+      <p:sp>
+        <p:nvSpPr>
+          <p:cNvPr id="3" name="Content Placeholder 2"/>
           <p:cNvSpPr>
             <a:spLocks noGrp="1"/>
           </p:cNvSpPr>
           <p:nvPr>
-            <p:ph type="body" idx="1"/>
+            <p:ph idx="1"/>
           </p:nvPr>
         </p:nvSpPr>
         <p:spPr/>
         <p:txBody>
-          <a:bodyPr/>
-          <a:lstStyle/>
-          <a:p>
-            <a:endParaRPr lang="en-US"/>
+          <a:bodyPr>
+            <a:normAutofit fontScale="92500" lnSpcReduction="10000"/>
+          </a:bodyPr>
+          <a:lstStyle/>
+          <a:p>
+            <a:r>
+              <a:rPr lang="en-US" dirty="0"/>
+              <a:t>Your interest in understanding what is Puppet would grow if you know about the companies that have adopted it to manage their infrastructure. Some of them include</a:t>
+            </a:r>
+            <a:r>
+              <a:rPr lang="en-US" dirty="0" smtClean="0"/>
+              <a:t>:</a:t>
+            </a:r>
+            <a:endParaRPr lang="en-US" dirty="0"/>
+          </a:p>
+          <a:p>
+            <a:pPr lvl="1"/>
+            <a:r>
+              <a:rPr lang="en-US" dirty="0"/>
+              <a:t>Spotify </a:t>
+            </a:r>
+          </a:p>
+          <a:p>
+            <a:pPr lvl="1"/>
+            <a:r>
+              <a:rPr lang="en-US" dirty="0"/>
+              <a:t>Google </a:t>
+            </a:r>
+          </a:p>
+          <a:p>
+            <a:pPr lvl="1"/>
+            <a:r>
+              <a:rPr lang="en-US" dirty="0"/>
+              <a:t>AT&amp;T </a:t>
+            </a:r>
+          </a:p>
+          <a:p>
+            <a:pPr lvl="1"/>
+            <a:r>
+              <a:rPr lang="en-US" dirty="0"/>
+              <a:t>Staples </a:t>
+            </a:r>
+          </a:p>
+          <a:p>
+            <a:pPr lvl="1"/>
+            <a:r>
+              <a:rPr lang="en-US" dirty="0"/>
+              <a:t>AON</a:t>
+            </a:r>
+          </a:p>
+          <a:p>
+            <a:pPr lvl="1"/>
+            <a:r>
+              <a:rPr lang="en-US" dirty="0"/>
+              <a:t>The U.S. Air Force</a:t>
+            </a:r>
+          </a:p>
+          <a:p>
+            <a:r>
+              <a:rPr lang="en-US" dirty="0"/>
+              <a:t>The reasons why these companies adopted Puppet may vary. For example, Staples used Puppet as a configuration management tool to automate its private cloud management and IT operations to provide consistency, allowing their IT teams more time to innovate. </a:t>
+            </a:r>
           </a:p>
         </p:txBody>
       </p:sp>
@@ -12107,7 +12857,7 @@
             <a:fld id="{B8DACC02-A2BD-4578-8E03-6D891060A695}" type="slidenum">
               <a:rPr lang="en-US" smtClean="0"/>
               <a:pPr/>
-              <a:t>3</a:t>
+              <a:t>32</a:t>
             </a:fld>
             <a:endParaRPr lang="en-US" dirty="0"/>
           </a:p>
@@ -12116,7 +12866,735 @@
     </p:spTree>
     <p:extLst>
       <p:ext uri="{BB962C8B-B14F-4D97-AF65-F5344CB8AC3E}">
-        <p14:creationId xmlns:p14="http://schemas.microsoft.com/office/powerpoint/2010/main" val="1480187360"/>
+        <p14:creationId xmlns:p14="http://schemas.microsoft.com/office/powerpoint/2010/main" val="1692963988"/>
+      </p:ext>
+    </p:extLst>
+  </p:cSld>
+  <p:clrMapOvr>
+    <a:masterClrMapping/>
+  </p:clrMapOvr>
+</p:sld>
+</file>
+
+<file path=ppt/slides/slide33.xml><?xml version="1.0" encoding="utf-8"?>
+<p:sld xmlns:a="http://schemas.openxmlformats.org/drawingml/2006/main" xmlns:r="http://schemas.openxmlformats.org/officeDocument/2006/relationships" xmlns:p="http://schemas.openxmlformats.org/presentationml/2006/main">
+  <p:cSld>
+    <p:spTree>
+      <p:nvGrpSpPr>
+        <p:cNvPr id="1" name=""/>
+        <p:cNvGrpSpPr/>
+        <p:nvPr/>
+      </p:nvGrpSpPr>
+      <p:grpSpPr>
+        <a:xfrm>
+          <a:off x="0" y="0"/>
+          <a:ext cx="0" cy="0"/>
+          <a:chOff x="0" y="0"/>
+          <a:chExt cx="0" cy="0"/>
+        </a:xfrm>
+      </p:grpSpPr>
+      <p:sp>
+        <p:nvSpPr>
+          <p:cNvPr id="2" name="Title 1"/>
+          <p:cNvSpPr>
+            <a:spLocks noGrp="1"/>
+          </p:cNvSpPr>
+          <p:nvPr>
+            <p:ph type="title"/>
+          </p:nvPr>
+        </p:nvSpPr>
+        <p:spPr/>
+        <p:txBody>
+          <a:bodyPr/>
+          <a:lstStyle/>
+          <a:p>
+            <a:r>
+              <a:rPr lang="en-US" dirty="0" smtClean="0"/>
+              <a:t>Puppet Case Study</a:t>
+            </a:r>
+            <a:endParaRPr lang="en-US" dirty="0"/>
+          </a:p>
+        </p:txBody>
+      </p:sp>
+      <p:sp>
+        <p:nvSpPr>
+          <p:cNvPr id="3" name="Content Placeholder 2"/>
+          <p:cNvSpPr>
+            <a:spLocks noGrp="1"/>
+          </p:cNvSpPr>
+          <p:nvPr>
+            <p:ph idx="1"/>
+          </p:nvPr>
+        </p:nvSpPr>
+        <p:spPr>
+          <a:xfrm>
+            <a:off x="347526" y="1406880"/>
+            <a:ext cx="8907137" cy="4746091"/>
+          </a:xfrm>
+        </p:spPr>
+        <p:txBody>
+          <a:bodyPr/>
+          <a:lstStyle/>
+          <a:p>
+            <a:r>
+              <a:rPr lang="en-US" dirty="0"/>
+              <a:t>The European Organization for Nuclear Research, known as CERN, is a European research organization that operates the largest particle physics laboratory in the world. </a:t>
+            </a:r>
+            <a:endParaRPr lang="en-US" dirty="0" smtClean="0"/>
+          </a:p>
+          <a:p>
+            <a:r>
+              <a:rPr lang="en-US" dirty="0" smtClean="0"/>
+              <a:t>Established </a:t>
+            </a:r>
+            <a:r>
+              <a:rPr lang="en-US" dirty="0"/>
+              <a:t>in 1954, the organization is based in a northwest suburb of Geneva on the Franco-Swiss border and has 23 member states.</a:t>
+            </a:r>
+          </a:p>
+        </p:txBody>
+      </p:sp>
+      <p:sp>
+        <p:nvSpPr>
+          <p:cNvPr id="4" name="Slide Number Placeholder 3"/>
+          <p:cNvSpPr>
+            <a:spLocks noGrp="1"/>
+          </p:cNvSpPr>
+          <p:nvPr>
+            <p:ph type="sldNum" sz="quarter" idx="12"/>
+          </p:nvPr>
+        </p:nvSpPr>
+        <p:spPr/>
+        <p:txBody>
+          <a:bodyPr/>
+          <a:lstStyle/>
+          <a:p>
+            <a:fld id="{B8DACC02-A2BD-4578-8E03-6D891060A695}" type="slidenum">
+              <a:rPr lang="en-US" smtClean="0"/>
+              <a:pPr/>
+              <a:t>33</a:t>
+            </a:fld>
+            <a:endParaRPr lang="en-US" dirty="0"/>
+          </a:p>
+        </p:txBody>
+      </p:sp>
+      <p:pic>
+        <p:nvPicPr>
+          <p:cNvPr id="5" name="Picture 4" descr="Puppet Enterprise Reviews 2022: Details, Pricing, &amp; Features | G2"/>
+          <p:cNvPicPr>
+            <a:picLocks noChangeAspect="1" noChangeArrowheads="1"/>
+          </p:cNvPicPr>
+          <p:nvPr/>
+        </p:nvPicPr>
+        <p:blipFill>
+          <a:blip r:embed="rId2" cstate="print">
+            <a:extLst>
+              <a:ext uri="{28A0092B-C50C-407E-A947-70E740481C1C}">
+                <a14:useLocalDpi xmlns:a14="http://schemas.microsoft.com/office/drawing/2010/main" val="0"/>
+              </a:ext>
+            </a:extLst>
+          </a:blip>
+          <a:srcRect/>
+          <a:stretch>
+            <a:fillRect/>
+          </a:stretch>
+        </p:blipFill>
+        <p:spPr bwMode="auto">
+          <a:xfrm>
+            <a:off x="9914416" y="5157215"/>
+            <a:ext cx="2083875" cy="1094035"/>
+          </a:xfrm>
+          <a:prstGeom prst="rect">
+            <a:avLst/>
+          </a:prstGeom>
+          <a:noFill/>
+          <a:extLst>
+            <a:ext uri="{909E8E84-426E-40DD-AFC4-6F175D3DCCD1}">
+              <a14:hiddenFill xmlns:a14="http://schemas.microsoft.com/office/drawing/2010/main">
+                <a:solidFill>
+                  <a:srgbClr val="FFFFFF"/>
+                </a:solidFill>
+              </a14:hiddenFill>
+            </a:ext>
+          </a:extLst>
+        </p:spPr>
+      </p:pic>
+      <p:pic>
+        <p:nvPicPr>
+          <p:cNvPr id="3074" name="Picture 2" descr="Logo: CERN (EIROforum member) | ESO"/>
+          <p:cNvPicPr>
+            <a:picLocks noChangeAspect="1" noChangeArrowheads="1"/>
+          </p:cNvPicPr>
+          <p:nvPr/>
+        </p:nvPicPr>
+        <p:blipFill>
+          <a:blip r:embed="rId3" cstate="print">
+            <a:extLst>
+              <a:ext uri="{28A0092B-C50C-407E-A947-70E740481C1C}">
+                <a14:useLocalDpi xmlns:a14="http://schemas.microsoft.com/office/drawing/2010/main" val="0"/>
+              </a:ext>
+            </a:extLst>
+          </a:blip>
+          <a:srcRect/>
+          <a:stretch>
+            <a:fillRect/>
+          </a:stretch>
+        </p:blipFill>
+        <p:spPr bwMode="auto">
+          <a:xfrm>
+            <a:off x="9254663" y="1406880"/>
+            <a:ext cx="2743628" cy="2683611"/>
+          </a:xfrm>
+          <a:prstGeom prst="rect">
+            <a:avLst/>
+          </a:prstGeom>
+          <a:noFill/>
+          <a:extLst>
+            <a:ext uri="{909E8E84-426E-40DD-AFC4-6F175D3DCCD1}">
+              <a14:hiddenFill xmlns:a14="http://schemas.microsoft.com/office/drawing/2010/main">
+                <a:solidFill>
+                  <a:srgbClr val="FFFFFF"/>
+                </a:solidFill>
+              </a14:hiddenFill>
+            </a:ext>
+          </a:extLst>
+        </p:spPr>
+      </p:pic>
+    </p:spTree>
+    <p:extLst>
+      <p:ext uri="{BB962C8B-B14F-4D97-AF65-F5344CB8AC3E}">
+        <p14:creationId xmlns:p14="http://schemas.microsoft.com/office/powerpoint/2010/main" val="2913297209"/>
+      </p:ext>
+    </p:extLst>
+  </p:cSld>
+  <p:clrMapOvr>
+    <a:masterClrMapping/>
+  </p:clrMapOvr>
+</p:sld>
+</file>
+
+<file path=ppt/slides/slide34.xml><?xml version="1.0" encoding="utf-8"?>
+<p:sld xmlns:a="http://schemas.openxmlformats.org/drawingml/2006/main" xmlns:r="http://schemas.openxmlformats.org/officeDocument/2006/relationships" xmlns:p="http://schemas.openxmlformats.org/presentationml/2006/main">
+  <p:cSld>
+    <p:spTree>
+      <p:nvGrpSpPr>
+        <p:cNvPr id="1" name=""/>
+        <p:cNvGrpSpPr/>
+        <p:nvPr/>
+      </p:nvGrpSpPr>
+      <p:grpSpPr>
+        <a:xfrm>
+          <a:off x="0" y="0"/>
+          <a:ext cx="0" cy="0"/>
+          <a:chOff x="0" y="0"/>
+          <a:chExt cx="0" cy="0"/>
+        </a:xfrm>
+      </p:grpSpPr>
+      <p:sp>
+        <p:nvSpPr>
+          <p:cNvPr id="2" name="Title 1"/>
+          <p:cNvSpPr>
+            <a:spLocks noGrp="1"/>
+          </p:cNvSpPr>
+          <p:nvPr>
+            <p:ph type="title"/>
+          </p:nvPr>
+        </p:nvSpPr>
+        <p:spPr/>
+        <p:txBody>
+          <a:bodyPr/>
+          <a:lstStyle/>
+          <a:p>
+            <a:r>
+              <a:rPr lang="en-US" dirty="0" smtClean="0"/>
+              <a:t>Puppet Case Study</a:t>
+            </a:r>
+            <a:endParaRPr lang="en-US" dirty="0"/>
+          </a:p>
+        </p:txBody>
+      </p:sp>
+      <p:sp>
+        <p:nvSpPr>
+          <p:cNvPr id="3" name="Content Placeholder 2"/>
+          <p:cNvSpPr>
+            <a:spLocks noGrp="1"/>
+          </p:cNvSpPr>
+          <p:nvPr>
+            <p:ph idx="1"/>
+          </p:nvPr>
+        </p:nvSpPr>
+        <p:spPr>
+          <a:xfrm>
+            <a:off x="347526" y="1406880"/>
+            <a:ext cx="8907137" cy="4746091"/>
+          </a:xfrm>
+        </p:spPr>
+        <p:txBody>
+          <a:bodyPr>
+            <a:normAutofit/>
+          </a:bodyPr>
+          <a:lstStyle/>
+          <a:p>
+            <a:r>
+              <a:rPr lang="en-US" dirty="0"/>
+              <a:t>Challenges</a:t>
+            </a:r>
+          </a:p>
+          <a:p>
+            <a:pPr lvl="1"/>
+            <a:r>
+              <a:rPr lang="en-US" dirty="0"/>
+              <a:t>CERN needed a way to monitor daily operations and identify problems in real-time. </a:t>
+            </a:r>
+            <a:endParaRPr lang="en-US" dirty="0" smtClean="0"/>
+          </a:p>
+          <a:p>
+            <a:pPr lvl="1"/>
+            <a:r>
+              <a:rPr lang="en-US" dirty="0" smtClean="0"/>
+              <a:t>This </a:t>
+            </a:r>
+            <a:r>
+              <a:rPr lang="en-US" dirty="0"/>
+              <a:t>increased the efficiency of the team and improved their planning for future infrastructure.</a:t>
+            </a:r>
+          </a:p>
+          <a:p>
+            <a:r>
+              <a:rPr lang="en-US" dirty="0"/>
+              <a:t>Solution</a:t>
+            </a:r>
+          </a:p>
+          <a:p>
+            <a:pPr lvl="1"/>
+            <a:r>
+              <a:rPr lang="en-US" dirty="0"/>
+              <a:t>CERN uses a monitoring system for infrastructure that combines Puppet agents, Puppet servers, and </a:t>
+            </a:r>
+            <a:r>
+              <a:rPr lang="en-US" dirty="0" err="1"/>
+              <a:t>PuppetDB</a:t>
+            </a:r>
+            <a:r>
+              <a:rPr lang="en-US" dirty="0"/>
+              <a:t> in workflows collecting data in two source pipelines using data processing pipelines (Kafka, </a:t>
+            </a:r>
+            <a:r>
+              <a:rPr lang="en-US" dirty="0" err="1"/>
+              <a:t>Logstash</a:t>
+            </a:r>
+            <a:r>
+              <a:rPr lang="en-US" dirty="0"/>
+              <a:t>), analytics software (</a:t>
+            </a:r>
+            <a:r>
+              <a:rPr lang="en-US" dirty="0" err="1"/>
+              <a:t>Elasticsearch</a:t>
+            </a:r>
+            <a:r>
+              <a:rPr lang="en-US" dirty="0"/>
+              <a:t>), data storage (</a:t>
+            </a:r>
+            <a:r>
+              <a:rPr lang="en-US" dirty="0" err="1"/>
+              <a:t>InfluxDB</a:t>
+            </a:r>
+            <a:r>
+              <a:rPr lang="en-US" dirty="0"/>
+              <a:t>, HDFS), and frontend components (</a:t>
+            </a:r>
+            <a:r>
+              <a:rPr lang="en-US" dirty="0" err="1"/>
+              <a:t>Grafana</a:t>
+            </a:r>
+            <a:r>
+              <a:rPr lang="en-US" dirty="0"/>
+              <a:t>, </a:t>
+            </a:r>
+            <a:r>
+              <a:rPr lang="en-US" dirty="0" err="1"/>
+              <a:t>Kibana</a:t>
+            </a:r>
+            <a:r>
+              <a:rPr lang="en-US" dirty="0"/>
+              <a:t>, and </a:t>
+            </a:r>
+            <a:r>
+              <a:rPr lang="en-US" dirty="0" err="1"/>
+              <a:t>Jupyter</a:t>
+            </a:r>
+            <a:r>
+              <a:rPr lang="en-US" dirty="0"/>
+              <a:t>).</a:t>
+            </a:r>
+          </a:p>
+        </p:txBody>
+      </p:sp>
+      <p:sp>
+        <p:nvSpPr>
+          <p:cNvPr id="4" name="Slide Number Placeholder 3"/>
+          <p:cNvSpPr>
+            <a:spLocks noGrp="1"/>
+          </p:cNvSpPr>
+          <p:nvPr>
+            <p:ph type="sldNum" sz="quarter" idx="12"/>
+          </p:nvPr>
+        </p:nvSpPr>
+        <p:spPr/>
+        <p:txBody>
+          <a:bodyPr/>
+          <a:lstStyle/>
+          <a:p>
+            <a:fld id="{B8DACC02-A2BD-4578-8E03-6D891060A695}" type="slidenum">
+              <a:rPr lang="en-US" smtClean="0"/>
+              <a:pPr/>
+              <a:t>34</a:t>
+            </a:fld>
+            <a:endParaRPr lang="en-US" dirty="0"/>
+          </a:p>
+        </p:txBody>
+      </p:sp>
+      <p:pic>
+        <p:nvPicPr>
+          <p:cNvPr id="5" name="Picture 4" descr="Puppet Enterprise Reviews 2022: Details, Pricing, &amp; Features | G2"/>
+          <p:cNvPicPr>
+            <a:picLocks noChangeAspect="1" noChangeArrowheads="1"/>
+          </p:cNvPicPr>
+          <p:nvPr/>
+        </p:nvPicPr>
+        <p:blipFill>
+          <a:blip r:embed="rId2" cstate="print">
+            <a:extLst>
+              <a:ext uri="{28A0092B-C50C-407E-A947-70E740481C1C}">
+                <a14:useLocalDpi xmlns:a14="http://schemas.microsoft.com/office/drawing/2010/main" val="0"/>
+              </a:ext>
+            </a:extLst>
+          </a:blip>
+          <a:srcRect/>
+          <a:stretch>
+            <a:fillRect/>
+          </a:stretch>
+        </p:blipFill>
+        <p:spPr bwMode="auto">
+          <a:xfrm>
+            <a:off x="9914416" y="5157215"/>
+            <a:ext cx="2083875" cy="1094035"/>
+          </a:xfrm>
+          <a:prstGeom prst="rect">
+            <a:avLst/>
+          </a:prstGeom>
+          <a:noFill/>
+          <a:extLst>
+            <a:ext uri="{909E8E84-426E-40DD-AFC4-6F175D3DCCD1}">
+              <a14:hiddenFill xmlns:a14="http://schemas.microsoft.com/office/drawing/2010/main">
+                <a:solidFill>
+                  <a:srgbClr val="FFFFFF"/>
+                </a:solidFill>
+              </a14:hiddenFill>
+            </a:ext>
+          </a:extLst>
+        </p:spPr>
+      </p:pic>
+      <p:pic>
+        <p:nvPicPr>
+          <p:cNvPr id="3074" name="Picture 2" descr="Logo: CERN (EIROforum member) | ESO"/>
+          <p:cNvPicPr>
+            <a:picLocks noChangeAspect="1" noChangeArrowheads="1"/>
+          </p:cNvPicPr>
+          <p:nvPr/>
+        </p:nvPicPr>
+        <p:blipFill>
+          <a:blip r:embed="rId3" cstate="print">
+            <a:extLst>
+              <a:ext uri="{28A0092B-C50C-407E-A947-70E740481C1C}">
+                <a14:useLocalDpi xmlns:a14="http://schemas.microsoft.com/office/drawing/2010/main" val="0"/>
+              </a:ext>
+            </a:extLst>
+          </a:blip>
+          <a:srcRect/>
+          <a:stretch>
+            <a:fillRect/>
+          </a:stretch>
+        </p:blipFill>
+        <p:spPr bwMode="auto">
+          <a:xfrm>
+            <a:off x="9254663" y="1406880"/>
+            <a:ext cx="2743628" cy="2683611"/>
+          </a:xfrm>
+          <a:prstGeom prst="rect">
+            <a:avLst/>
+          </a:prstGeom>
+          <a:noFill/>
+          <a:extLst>
+            <a:ext uri="{909E8E84-426E-40DD-AFC4-6F175D3DCCD1}">
+              <a14:hiddenFill xmlns:a14="http://schemas.microsoft.com/office/drawing/2010/main">
+                <a:solidFill>
+                  <a:srgbClr val="FFFFFF"/>
+                </a:solidFill>
+              </a14:hiddenFill>
+            </a:ext>
+          </a:extLst>
+        </p:spPr>
+      </p:pic>
+    </p:spTree>
+    <p:extLst>
+      <p:ext uri="{BB962C8B-B14F-4D97-AF65-F5344CB8AC3E}">
+        <p14:creationId xmlns:p14="http://schemas.microsoft.com/office/powerpoint/2010/main" val="3583598424"/>
+      </p:ext>
+    </p:extLst>
+  </p:cSld>
+  <p:clrMapOvr>
+    <a:masterClrMapping/>
+  </p:clrMapOvr>
+</p:sld>
+</file>
+
+<file path=ppt/slides/slide35.xml><?xml version="1.0" encoding="utf-8"?>
+<p:sld xmlns:a="http://schemas.openxmlformats.org/drawingml/2006/main" xmlns:r="http://schemas.openxmlformats.org/officeDocument/2006/relationships" xmlns:p="http://schemas.openxmlformats.org/presentationml/2006/main">
+  <p:cSld>
+    <p:spTree>
+      <p:nvGrpSpPr>
+        <p:cNvPr id="1" name=""/>
+        <p:cNvGrpSpPr/>
+        <p:nvPr/>
+      </p:nvGrpSpPr>
+      <p:grpSpPr>
+        <a:xfrm>
+          <a:off x="0" y="0"/>
+          <a:ext cx="0" cy="0"/>
+          <a:chOff x="0" y="0"/>
+          <a:chExt cx="0" cy="0"/>
+        </a:xfrm>
+      </p:grpSpPr>
+      <p:sp>
+        <p:nvSpPr>
+          <p:cNvPr id="2" name="Title 1"/>
+          <p:cNvSpPr>
+            <a:spLocks noGrp="1"/>
+          </p:cNvSpPr>
+          <p:nvPr>
+            <p:ph type="title"/>
+          </p:nvPr>
+        </p:nvSpPr>
+        <p:spPr/>
+        <p:txBody>
+          <a:bodyPr/>
+          <a:lstStyle/>
+          <a:p>
+            <a:r>
+              <a:rPr lang="en-US" dirty="0" smtClean="0"/>
+              <a:t>Puppet Case Study</a:t>
+            </a:r>
+            <a:endParaRPr lang="en-US" dirty="0"/>
+          </a:p>
+        </p:txBody>
+      </p:sp>
+      <p:sp>
+        <p:nvSpPr>
+          <p:cNvPr id="3" name="Content Placeholder 2"/>
+          <p:cNvSpPr>
+            <a:spLocks noGrp="1"/>
+          </p:cNvSpPr>
+          <p:nvPr>
+            <p:ph idx="1"/>
+          </p:nvPr>
+        </p:nvSpPr>
+        <p:spPr>
+          <a:xfrm>
+            <a:off x="347526" y="1406880"/>
+            <a:ext cx="8907137" cy="4993920"/>
+          </a:xfrm>
+        </p:spPr>
+        <p:txBody>
+          <a:bodyPr>
+            <a:normAutofit/>
+          </a:bodyPr>
+          <a:lstStyle/>
+          <a:p>
+            <a:r>
+              <a:rPr lang="en-US" dirty="0"/>
+              <a:t>Results</a:t>
+            </a:r>
+          </a:p>
+          <a:p>
+            <a:pPr lvl="1"/>
+            <a:r>
+              <a:rPr lang="en-US" dirty="0"/>
+              <a:t>Readable data for configuration management of 40,000 nodes</a:t>
+            </a:r>
+          </a:p>
+          <a:p>
+            <a:pPr lvl="1"/>
+            <a:r>
+              <a:rPr lang="en-US" dirty="0"/>
+              <a:t>Usable code extracted and documented from 350 catalogs per minute</a:t>
+            </a:r>
+          </a:p>
+          <a:p>
+            <a:pPr lvl="1"/>
+            <a:r>
+              <a:rPr lang="en-US" dirty="0"/>
+              <a:t>Reduced </a:t>
+            </a:r>
+            <a:r>
+              <a:rPr lang="en-US" dirty="0" smtClean="0"/>
+              <a:t>latency</a:t>
+            </a:r>
+          </a:p>
+          <a:p>
+            <a:pPr lvl="1"/>
+            <a:endParaRPr lang="en-US" dirty="0"/>
+          </a:p>
+          <a:p>
+            <a:r>
+              <a:rPr lang="en-US" dirty="0" smtClean="0"/>
+              <a:t>Top </a:t>
+            </a:r>
+            <a:r>
+              <a:rPr lang="en-US" dirty="0"/>
+              <a:t>outcomes of using Puppet Enterprise</a:t>
+            </a:r>
+          </a:p>
+          <a:p>
+            <a:pPr lvl="1"/>
+            <a:r>
+              <a:rPr lang="en-US" dirty="0"/>
+              <a:t>Improved performance</a:t>
+            </a:r>
+          </a:p>
+          <a:p>
+            <a:pPr lvl="1"/>
+            <a:r>
+              <a:rPr lang="en-US" dirty="0"/>
+              <a:t>Optimized system services</a:t>
+            </a:r>
+          </a:p>
+          <a:p>
+            <a:pPr lvl="1"/>
+            <a:r>
+              <a:rPr lang="en-US" dirty="0"/>
+              <a:t>Updated infrastructure health reports</a:t>
+            </a:r>
+          </a:p>
+          <a:p>
+            <a:pPr lvl="1"/>
+            <a:r>
+              <a:rPr lang="en-US" dirty="0"/>
+              <a:t>Engineer time redirected to future growth</a:t>
+            </a:r>
+          </a:p>
+        </p:txBody>
+      </p:sp>
+      <p:sp>
+        <p:nvSpPr>
+          <p:cNvPr id="4" name="Slide Number Placeholder 3"/>
+          <p:cNvSpPr>
+            <a:spLocks noGrp="1"/>
+          </p:cNvSpPr>
+          <p:nvPr>
+            <p:ph type="sldNum" sz="quarter" idx="12"/>
+          </p:nvPr>
+        </p:nvSpPr>
+        <p:spPr/>
+        <p:txBody>
+          <a:bodyPr/>
+          <a:lstStyle/>
+          <a:p>
+            <a:fld id="{B8DACC02-A2BD-4578-8E03-6D891060A695}" type="slidenum">
+              <a:rPr lang="en-US" smtClean="0"/>
+              <a:pPr/>
+              <a:t>35</a:t>
+            </a:fld>
+            <a:endParaRPr lang="en-US" dirty="0"/>
+          </a:p>
+        </p:txBody>
+      </p:sp>
+      <p:pic>
+        <p:nvPicPr>
+          <p:cNvPr id="5" name="Picture 4" descr="Puppet Enterprise Reviews 2022: Details, Pricing, &amp; Features | G2"/>
+          <p:cNvPicPr>
+            <a:picLocks noChangeAspect="1" noChangeArrowheads="1"/>
+          </p:cNvPicPr>
+          <p:nvPr/>
+        </p:nvPicPr>
+        <p:blipFill>
+          <a:blip r:embed="rId2" cstate="print">
+            <a:extLst>
+              <a:ext uri="{28A0092B-C50C-407E-A947-70E740481C1C}">
+                <a14:useLocalDpi xmlns:a14="http://schemas.microsoft.com/office/drawing/2010/main" val="0"/>
+              </a:ext>
+            </a:extLst>
+          </a:blip>
+          <a:srcRect/>
+          <a:stretch>
+            <a:fillRect/>
+          </a:stretch>
+        </p:blipFill>
+        <p:spPr bwMode="auto">
+          <a:xfrm>
+            <a:off x="9914416" y="5157215"/>
+            <a:ext cx="2083875" cy="1094035"/>
+          </a:xfrm>
+          <a:prstGeom prst="rect">
+            <a:avLst/>
+          </a:prstGeom>
+          <a:noFill/>
+          <a:extLst>
+            <a:ext uri="{909E8E84-426E-40DD-AFC4-6F175D3DCCD1}">
+              <a14:hiddenFill xmlns:a14="http://schemas.microsoft.com/office/drawing/2010/main">
+                <a:solidFill>
+                  <a:srgbClr val="FFFFFF"/>
+                </a:solidFill>
+              </a14:hiddenFill>
+            </a:ext>
+          </a:extLst>
+        </p:spPr>
+      </p:pic>
+      <p:pic>
+        <p:nvPicPr>
+          <p:cNvPr id="3074" name="Picture 2" descr="Logo: CERN (EIROforum member) | ESO"/>
+          <p:cNvPicPr>
+            <a:picLocks noChangeAspect="1" noChangeArrowheads="1"/>
+          </p:cNvPicPr>
+          <p:nvPr/>
+        </p:nvPicPr>
+        <p:blipFill>
+          <a:blip r:embed="rId3" cstate="print">
+            <a:extLst>
+              <a:ext uri="{28A0092B-C50C-407E-A947-70E740481C1C}">
+                <a14:useLocalDpi xmlns:a14="http://schemas.microsoft.com/office/drawing/2010/main" val="0"/>
+              </a:ext>
+            </a:extLst>
+          </a:blip>
+          <a:srcRect/>
+          <a:stretch>
+            <a:fillRect/>
+          </a:stretch>
+        </p:blipFill>
+        <p:spPr bwMode="auto">
+          <a:xfrm>
+            <a:off x="9254663" y="1406880"/>
+            <a:ext cx="2743628" cy="2683611"/>
+          </a:xfrm>
+          <a:prstGeom prst="rect">
+            <a:avLst/>
+          </a:prstGeom>
+          <a:noFill/>
+          <a:extLst>
+            <a:ext uri="{909E8E84-426E-40DD-AFC4-6F175D3DCCD1}">
+              <a14:hiddenFill xmlns:a14="http://schemas.microsoft.com/office/drawing/2010/main">
+                <a:solidFill>
+                  <a:srgbClr val="FFFFFF"/>
+                </a:solidFill>
+              </a14:hiddenFill>
+            </a:ext>
+          </a:extLst>
+        </p:spPr>
+      </p:pic>
+    </p:spTree>
+    <p:extLst>
+      <p:ext uri="{BB962C8B-B14F-4D97-AF65-F5344CB8AC3E}">
+        <p14:creationId xmlns:p14="http://schemas.microsoft.com/office/powerpoint/2010/main" val="3541911972"/>
       </p:ext>
     </p:extLst>
   </p:cSld>

--- a/SE489/Lectures/6-Configuration Management/Configuration Management 2.pptx
+++ b/SE489/Lectures/6-Configuration Management/Configuration Management 2.pptx
@@ -5,7 +5,7 @@
     <p:sldMasterId id="2147483648" r:id="rId1"/>
   </p:sldMasterIdLst>
   <p:notesMasterIdLst>
-    <p:notesMasterId r:id="rId37"/>
+    <p:notesMasterId r:id="rId39"/>
   </p:notesMasterIdLst>
   <p:sldIdLst>
     <p:sldId id="256" r:id="rId2"/>
@@ -32,17 +32,19 @@
     <p:sldId id="378" r:id="rId23"/>
     <p:sldId id="379" r:id="rId24"/>
     <p:sldId id="365" r:id="rId25"/>
-    <p:sldId id="366" r:id="rId26"/>
-    <p:sldId id="377" r:id="rId27"/>
-    <p:sldId id="367" r:id="rId28"/>
-    <p:sldId id="368" r:id="rId29"/>
-    <p:sldId id="369" r:id="rId30"/>
-    <p:sldId id="370" r:id="rId31"/>
-    <p:sldId id="371" r:id="rId32"/>
-    <p:sldId id="383" r:id="rId33"/>
-    <p:sldId id="384" r:id="rId34"/>
-    <p:sldId id="385" r:id="rId35"/>
-    <p:sldId id="386" r:id="rId36"/>
+    <p:sldId id="387" r:id="rId26"/>
+    <p:sldId id="388" r:id="rId27"/>
+    <p:sldId id="366" r:id="rId28"/>
+    <p:sldId id="377" r:id="rId29"/>
+    <p:sldId id="367" r:id="rId30"/>
+    <p:sldId id="368" r:id="rId31"/>
+    <p:sldId id="369" r:id="rId32"/>
+    <p:sldId id="370" r:id="rId33"/>
+    <p:sldId id="371" r:id="rId34"/>
+    <p:sldId id="383" r:id="rId35"/>
+    <p:sldId id="384" r:id="rId36"/>
+    <p:sldId id="385" r:id="rId37"/>
+    <p:sldId id="386" r:id="rId38"/>
   </p:sldIdLst>
   <p:sldSz cx="12192000" cy="6858000"/>
   <p:notesSz cx="6858000" cy="9144000"/>
@@ -2703,7 +2705,7 @@
           <a:p>
             <a:fld id="{41DA9887-9249-49FD-809A-BACB264048C3}" type="datetimeFigureOut">
               <a:rPr lang="en-US" smtClean="0"/>
-              <a:t>10/29/2022</a:t>
+              <a:t>11/2/2022</a:t>
             </a:fld>
             <a:endParaRPr lang="en-US"/>
           </a:p>
@@ -3108,7 +3110,7 @@
           <a:p>
             <a:fld id="{08A707AD-71EE-4F71-BFB0-5CFFA7745367}" type="datetime1">
               <a:rPr lang="en-US" smtClean="0"/>
-              <a:t>10/29/2022</a:t>
+              <a:t>11/2/2022</a:t>
             </a:fld>
             <a:endParaRPr lang="en-US"/>
           </a:p>
@@ -3400,7 +3402,7 @@
           <a:p>
             <a:fld id="{CF6F9948-F8FC-4163-B3EE-CE0CD0EF91F9}" type="datetime1">
               <a:rPr lang="en-US" smtClean="0"/>
-              <a:t>10/29/2022</a:t>
+              <a:t>11/2/2022</a:t>
             </a:fld>
             <a:endParaRPr lang="en-US"/>
           </a:p>
@@ -3580,7 +3582,7 @@
           <a:p>
             <a:fld id="{090C3B62-4C74-4EE9-93F0-BE51AE88912F}" type="datetime1">
               <a:rPr lang="en-US" smtClean="0"/>
-              <a:t>10/29/2022</a:t>
+              <a:t>11/2/2022</a:t>
             </a:fld>
             <a:endParaRPr lang="en-US"/>
           </a:p>
@@ -3836,7 +3838,7 @@
           <a:p>
             <a:fld id="{D63A470F-AE83-4D43-9CAA-74593F94EAD0}" type="datetime1">
               <a:rPr lang="en-US" smtClean="0"/>
-              <a:t>10/29/2022</a:t>
+              <a:t>11/2/2022</a:t>
             </a:fld>
             <a:endParaRPr lang="en-US"/>
           </a:p>
@@ -4181,7 +4183,7 @@
           <a:p>
             <a:fld id="{E5B8C5BE-3403-4496-9B81-C40FD99BCC4A}" type="datetime1">
               <a:rPr lang="en-US" smtClean="0"/>
-              <a:t>10/29/2022</a:t>
+              <a:t>11/2/2022</a:t>
             </a:fld>
             <a:endParaRPr lang="en-US"/>
           </a:p>
@@ -4413,7 +4415,7 @@
           <a:p>
             <a:fld id="{B78E11C0-1713-41FC-9E65-ABB713C18815}" type="datetime1">
               <a:rPr lang="en-US" smtClean="0"/>
-              <a:t>10/29/2022</a:t>
+              <a:t>11/2/2022</a:t>
             </a:fld>
             <a:endParaRPr lang="en-US"/>
           </a:p>
@@ -4780,7 +4782,7 @@
           <a:p>
             <a:fld id="{555C483D-0DA7-48F4-B572-48ADE24F3969}" type="datetime1">
               <a:rPr lang="en-US" smtClean="0"/>
-              <a:t>10/29/2022</a:t>
+              <a:t>11/2/2022</a:t>
             </a:fld>
             <a:endParaRPr lang="en-US"/>
           </a:p>
@@ -4875,7 +4877,7 @@
           <a:p>
             <a:fld id="{4C06054D-416E-4D32-B207-3C4728F29C83}" type="datetime1">
               <a:rPr lang="en-US" smtClean="0"/>
-              <a:t>10/29/2022</a:t>
+              <a:t>11/2/2022</a:t>
             </a:fld>
             <a:endParaRPr lang="en-US"/>
           </a:p>
@@ -5098,7 +5100,7 @@
             <a:fld id="{B2F5E2FA-C428-4CE7-95B0-168D3259A5BB}" type="datetimeFigureOut">
               <a:rPr lang="en-US" smtClean="0"/>
               <a:pPr/>
-              <a:t>10/29/2022</a:t>
+              <a:t>11/2/2022</a:t>
             </a:fld>
             <a:endParaRPr lang="en-US"/>
           </a:p>
@@ -5269,7 +5271,7 @@
           <a:p>
             <a:fld id="{B34CF2DF-EBB2-4927-9B4B-28D12CAF900C}" type="datetime1">
               <a:rPr lang="en-US" smtClean="0"/>
-              <a:t>10/29/2022</a:t>
+              <a:t>11/2/2022</a:t>
             </a:fld>
             <a:endParaRPr lang="en-US"/>
           </a:p>
@@ -5546,7 +5548,7 @@
           <a:p>
             <a:fld id="{287D8537-E29A-46E3-9242-0E7B32B09241}" type="datetime1">
               <a:rPr lang="en-US" smtClean="0"/>
-              <a:t>10/29/2022</a:t>
+              <a:t>11/2/2022</a:t>
             </a:fld>
             <a:endParaRPr lang="en-US"/>
           </a:p>
@@ -5799,7 +5801,7 @@
           <a:p>
             <a:fld id="{0B8D9EDF-63DE-4DED-A3C4-232814F0B4D7}" type="datetime1">
               <a:rPr lang="en-US" smtClean="0"/>
-              <a:t>10/29/2022</a:t>
+              <a:t>11/2/2022</a:t>
             </a:fld>
             <a:endParaRPr lang="en-US"/>
           </a:p>
@@ -6012,7 +6014,7 @@
           <a:p>
             <a:fld id="{1DC34F13-F0A8-4E10-9ECC-0BA9AAA5E3EB}" type="datetime1">
               <a:rPr lang="en-US" smtClean="0"/>
-              <a:t>10/29/2022</a:t>
+              <a:t>11/2/2022</a:t>
             </a:fld>
             <a:endParaRPr lang="en-US"/>
           </a:p>
@@ -8694,11 +8696,7 @@
             </a:pPr>
             <a:r>
               <a:rPr lang="en-US" dirty="0" smtClean="0"/>
-              <a:t>Puppet Components and </a:t>
-            </a:r>
-            <a:r>
-              <a:rPr lang="en-US" dirty="0" smtClean="0"/>
-              <a:t>Architecture</a:t>
+              <a:t>Puppet Components and Architecture</a:t>
             </a:r>
           </a:p>
           <a:p>
@@ -8711,7 +8709,6 @@
               <a:rPr lang="en-US" dirty="0" smtClean="0"/>
               <a:t>Puppet Case Study</a:t>
             </a:r>
-            <a:endParaRPr lang="en-US" dirty="0" smtClean="0"/>
           </a:p>
           <a:p>
             <a:pPr>
@@ -10135,7 +10132,7 @@
           <a:p>
             <a:r>
               <a:rPr lang="en-US" dirty="0"/>
-              <a:t>Puppet Master Slave Connection</a:t>
+              <a:t>Puppet Master-Slave Architecture</a:t>
             </a:r>
           </a:p>
         </p:txBody>
@@ -10164,9 +10161,77 @@
           </a:p>
         </p:txBody>
       </p:sp>
+      <p:sp>
+        <p:nvSpPr>
+          <p:cNvPr id="5" name="Rectangle 4"/>
+          <p:cNvSpPr/>
+          <p:nvPr/>
+        </p:nvSpPr>
+        <p:spPr>
+          <a:xfrm>
+            <a:off x="1553770" y="1287253"/>
+            <a:ext cx="1091966" cy="584775"/>
+          </a:xfrm>
+          <a:prstGeom prst="rect">
+            <a:avLst/>
+          </a:prstGeom>
+        </p:spPr>
+        <p:txBody>
+          <a:bodyPr wrap="none">
+            <a:spAutoFit/>
+          </a:bodyPr>
+          <a:lstStyle/>
+          <a:p>
+            <a:r>
+              <a:rPr lang="en-US" sz="3200" dirty="0" smtClean="0">
+                <a:latin typeface="Candara" panose="020E0502030303020204" pitchFamily="34" charset="0"/>
+              </a:rPr>
+              <a:t>Facts</a:t>
+            </a:r>
+            <a:endParaRPr lang="en-US" sz="3200" b="0" i="0" dirty="0">
+              <a:effectLst/>
+              <a:latin typeface="Candara" panose="020E0502030303020204" pitchFamily="34" charset="0"/>
+            </a:endParaRPr>
+          </a:p>
+        </p:txBody>
+      </p:sp>
+      <p:sp>
+        <p:nvSpPr>
+          <p:cNvPr id="6" name="Rectangle 5"/>
+          <p:cNvSpPr/>
+          <p:nvPr/>
+        </p:nvSpPr>
+        <p:spPr>
+          <a:xfrm>
+            <a:off x="347527" y="1878520"/>
+            <a:ext cx="4453073" cy="1200329"/>
+          </a:xfrm>
+          <a:prstGeom prst="rect">
+            <a:avLst/>
+          </a:prstGeom>
+        </p:spPr>
+        <p:txBody>
+          <a:bodyPr wrap="square">
+            <a:spAutoFit/>
+          </a:bodyPr>
+          <a:lstStyle/>
+          <a:p>
+            <a:r>
+              <a:rPr lang="en-US" sz="2400" dirty="0">
+                <a:latin typeface="Candara" panose="020E0502030303020204" pitchFamily="34" charset="0"/>
+              </a:rPr>
+              <a:t>Facts are structured data about the system that we can use anywhere in our manifests. </a:t>
+            </a:r>
+            <a:endParaRPr lang="en-US" sz="2400" b="0" i="0" dirty="0">
+              <a:effectLst/>
+              <a:latin typeface="Candara" panose="020E0502030303020204" pitchFamily="34" charset="0"/>
+            </a:endParaRPr>
+          </a:p>
+        </p:txBody>
+      </p:sp>
       <p:pic>
         <p:nvPicPr>
-          <p:cNvPr id="10244" name="Picture 4" descr="https://intellipaat.com/mediaFiles/2018/12/How-the-Puppet-connections-are-getting-established-between-puppet-master-server-and-Puppet-agent-nodes.png"/>
+          <p:cNvPr id="1026" name="Picture 2" descr="https://static.packt-cdn.com/products/9781785281877/graphics/B04731_CH05_01.jpg"/>
           <p:cNvPicPr>
             <a:picLocks noChangeAspect="1" noChangeArrowheads="1"/>
           </p:cNvPicPr>
@@ -10187,8 +10252,8 @@
         </p:blipFill>
         <p:spPr bwMode="auto">
           <a:xfrm>
-            <a:off x="2457886" y="2444507"/>
-            <a:ext cx="6870843" cy="3873056"/>
+            <a:off x="496959" y="3078849"/>
+            <a:ext cx="4608197" cy="3001911"/>
           </a:xfrm>
           <a:prstGeom prst="rect">
             <a:avLst/>
@@ -10207,55 +10272,127 @@
       </p:pic>
       <p:sp>
         <p:nvSpPr>
-          <p:cNvPr id="7" name="Round Single Corner Rectangle 6"/>
+          <p:cNvPr id="7" name="Rectangle 6"/>
           <p:cNvSpPr/>
           <p:nvPr/>
         </p:nvSpPr>
         <p:spPr>
           <a:xfrm>
-            <a:off x="1243584" y="1406880"/>
-            <a:ext cx="9299448" cy="623088"/>
-          </a:xfrm>
-          <a:prstGeom prst="round1Rect">
+            <a:off x="5634067" y="1719072"/>
+            <a:ext cx="6364224" cy="3785652"/>
+          </a:xfrm>
+          <a:prstGeom prst="rect">
             <a:avLst/>
           </a:prstGeom>
-          <a:noFill/>
-          <a:ln w="38100"/>
-        </p:spPr>
-        <p:style>
-          <a:lnRef idx="2">
-            <a:schemeClr val="accent1">
-              <a:shade val="50000"/>
-            </a:schemeClr>
-          </a:lnRef>
-          <a:fillRef idx="1">
-            <a:schemeClr val="accent1"/>
-          </a:fillRef>
-          <a:effectRef idx="0">
-            <a:schemeClr val="accent1"/>
-          </a:effectRef>
-          <a:fontRef idx="minor">
-            <a:schemeClr val="lt1"/>
-          </a:fontRef>
-        </p:style>
-        <p:txBody>
-          <a:bodyPr rtlCol="0" anchor="ctr"/>
-          <a:lstStyle/>
-          <a:p>
-            <a:pPr algn="ctr"/>
-            <a:r>
-              <a:rPr lang="en-US" sz="2500" dirty="0" smtClean="0">
+        </p:spPr>
+        <p:txBody>
+          <a:bodyPr wrap="square">
+            <a:spAutoFit/>
+          </a:bodyPr>
+          <a:lstStyle/>
+          <a:p>
+            <a:pPr>
+              <a:lnSpc>
+                <a:spcPct val="200000"/>
+              </a:lnSpc>
+              <a:buFont typeface="Arial" panose="020B0604020202020204" pitchFamily="34" charset="0"/>
+              <a:buChar char="•"/>
+            </a:pPr>
+            <a:r>
+              <a:rPr lang="en-US" sz="2000" b="1" dirty="0">
                 <a:solidFill>
-                  <a:schemeClr val="tx1"/>
+                  <a:srgbClr val="252525"/>
                 </a:solidFill>
                 <a:latin typeface="Candara" panose="020E0502030303020204" pitchFamily="34" charset="0"/>
               </a:rPr>
-              <a:t>SSL (Secure Sockets Layer) connection between Master and Slave</a:t>
-            </a:r>
-            <a:endParaRPr lang="en-US" sz="2500" dirty="0">
+              <a:t>Core facts:</a:t>
+            </a:r>
+            <a:r>
+              <a:rPr lang="en-US" sz="2000" dirty="0">
+                <a:solidFill>
+                  <a:srgbClr val="252525"/>
+                </a:solidFill>
+                <a:latin typeface="Candara" panose="020E0502030303020204" pitchFamily="34" charset="0"/>
+              </a:rPr>
+              <a:t> Built-in facts that ship with </a:t>
+            </a:r>
+            <a:r>
+              <a:rPr lang="en-US" sz="2000" dirty="0" err="1">
+                <a:solidFill>
+                  <a:srgbClr val="252525"/>
+                </a:solidFill>
+                <a:latin typeface="Candara" panose="020E0502030303020204" pitchFamily="34" charset="0"/>
+              </a:rPr>
+              <a:t>Facter</a:t>
+            </a:r>
+            <a:r>
+              <a:rPr lang="en-US" sz="2000" dirty="0">
+                <a:solidFill>
+                  <a:srgbClr val="252525"/>
+                </a:solidFill>
+                <a:latin typeface="Candara" panose="020E0502030303020204" pitchFamily="34" charset="0"/>
+              </a:rPr>
+              <a:t>.</a:t>
+            </a:r>
+          </a:p>
+          <a:p>
+            <a:pPr>
+              <a:lnSpc>
+                <a:spcPct val="200000"/>
+              </a:lnSpc>
+              <a:buFont typeface="Arial" panose="020B0604020202020204" pitchFamily="34" charset="0"/>
+              <a:buChar char="•"/>
+            </a:pPr>
+            <a:r>
+              <a:rPr lang="en-US" sz="2000" b="1" dirty="0">
+                <a:solidFill>
+                  <a:srgbClr val="252525"/>
+                </a:solidFill>
+                <a:latin typeface="Candara" panose="020E0502030303020204" pitchFamily="34" charset="0"/>
+              </a:rPr>
+              <a:t>Custom facts:</a:t>
+            </a:r>
+            <a:r>
+              <a:rPr lang="en-US" sz="2000" dirty="0">
+                <a:solidFill>
+                  <a:srgbClr val="252525"/>
+                </a:solidFill>
+                <a:latin typeface="Candara" panose="020E0502030303020204" pitchFamily="34" charset="0"/>
+              </a:rPr>
+              <a:t> Require Ruby code within your Puppet module to produce a value.</a:t>
+            </a:r>
+          </a:p>
+          <a:p>
+            <a:pPr>
+              <a:lnSpc>
+                <a:spcPct val="200000"/>
+              </a:lnSpc>
+              <a:buFont typeface="Arial" panose="020B0604020202020204" pitchFamily="34" charset="0"/>
+              <a:buChar char="•"/>
+            </a:pPr>
+            <a:r>
+              <a:rPr lang="en-US" sz="2000" b="1" dirty="0">
+                <a:solidFill>
+                  <a:srgbClr val="252525"/>
+                </a:solidFill>
+                <a:latin typeface="Candara" panose="020E0502030303020204" pitchFamily="34" charset="0"/>
+              </a:rPr>
+              <a:t>External facts:</a:t>
+            </a:r>
+            <a:r>
+              <a:rPr lang="en-US" sz="2000" dirty="0">
+                <a:solidFill>
+                  <a:srgbClr val="252525"/>
+                </a:solidFill>
+                <a:latin typeface="Candara" panose="020E0502030303020204" pitchFamily="34" charset="0"/>
+              </a:rPr>
+              <a:t> Generated by either pre-defined static data on the node or the result of running an executable script or program.</a:t>
+            </a:r>
+            <a:endParaRPr lang="en-US" sz="2000" b="0" i="0" dirty="0">
               <a:solidFill>
-                <a:schemeClr val="tx1"/>
+                <a:srgbClr val="252525"/>
               </a:solidFill>
+              <a:effectLst/>
               <a:latin typeface="Candara" panose="020E0502030303020204" pitchFamily="34" charset="0"/>
             </a:endParaRPr>
           </a:p>
@@ -10264,7 +10401,7 @@
     </p:spTree>
     <p:extLst>
       <p:ext uri="{BB962C8B-B14F-4D97-AF65-F5344CB8AC3E}">
-        <p14:creationId xmlns:p14="http://schemas.microsoft.com/office/powerpoint/2010/main" val="2686047227"/>
+        <p14:creationId xmlns:p14="http://schemas.microsoft.com/office/powerpoint/2010/main" val="2054317935"/>
       </p:ext>
     </p:extLst>
   </p:cSld>
@@ -10308,131 +10445,7 @@
           <a:p>
             <a:r>
               <a:rPr lang="en-US" dirty="0"/>
-              <a:t>Key Puppet </a:t>
-            </a:r>
-            <a:r>
-              <a:rPr lang="en-US" dirty="0" smtClean="0"/>
-              <a:t>Concepts</a:t>
-            </a:r>
-            <a:endParaRPr lang="en-US" dirty="0"/>
-          </a:p>
-        </p:txBody>
-      </p:sp>
-      <p:sp>
-        <p:nvSpPr>
-          <p:cNvPr id="3" name="Content Placeholder 2"/>
-          <p:cNvSpPr>
-            <a:spLocks noGrp="1"/>
-          </p:cNvSpPr>
-          <p:nvPr>
-            <p:ph idx="1"/>
-          </p:nvPr>
-        </p:nvSpPr>
-        <p:spPr/>
-        <p:txBody>
-          <a:bodyPr>
-            <a:normAutofit fontScale="92500" lnSpcReduction="10000"/>
-          </a:bodyPr>
-          <a:lstStyle/>
-          <a:p>
-            <a:r>
-              <a:rPr lang="en-US" dirty="0"/>
-              <a:t>Modules</a:t>
-            </a:r>
-          </a:p>
-          <a:p>
-            <a:pPr lvl="1"/>
-            <a:r>
-              <a:rPr lang="en-US" dirty="0" smtClean="0"/>
-              <a:t>To differentiate the </a:t>
-            </a:r>
-            <a:r>
-              <a:rPr lang="en-US" dirty="0"/>
-              <a:t>differences between various platforms Puppet modules are used. </a:t>
-            </a:r>
-            <a:endParaRPr lang="en-US" dirty="0" smtClean="0"/>
-          </a:p>
-          <a:p>
-            <a:pPr lvl="1"/>
-            <a:r>
-              <a:rPr lang="en-US" dirty="0" smtClean="0"/>
-              <a:t>A </a:t>
-            </a:r>
-            <a:r>
-              <a:rPr lang="en-US" dirty="0"/>
-              <a:t>good module should therefore give an API so that the software can be used on various platforms without having to know the details of the platform. </a:t>
-            </a:r>
-            <a:endParaRPr lang="en-US" dirty="0" smtClean="0"/>
-          </a:p>
-          <a:p>
-            <a:pPr lvl="1"/>
-            <a:r>
-              <a:rPr lang="en-US" dirty="0" smtClean="0"/>
-              <a:t>One </a:t>
-            </a:r>
-            <a:r>
-              <a:rPr lang="en-US" dirty="0"/>
-              <a:t>of the main advantages of reusable modules is that other people can easily understand them.</a:t>
-            </a:r>
-          </a:p>
-          <a:p>
-            <a:r>
-              <a:rPr lang="en-US" dirty="0" smtClean="0"/>
-              <a:t>Classes</a:t>
-            </a:r>
-            <a:endParaRPr lang="en-US" dirty="0"/>
-          </a:p>
-          <a:p>
-            <a:pPr lvl="1"/>
-            <a:r>
-              <a:rPr lang="en-US" dirty="0" smtClean="0"/>
-              <a:t>A collection </a:t>
-            </a:r>
-            <a:r>
-              <a:rPr lang="en-US" dirty="0"/>
-              <a:t>of resources that are grouped together to get a target machine or machine in the desired state. </a:t>
-            </a:r>
-            <a:endParaRPr lang="en-US" dirty="0" smtClean="0"/>
-          </a:p>
-          <a:p>
-            <a:pPr lvl="1"/>
-            <a:r>
-              <a:rPr lang="en-US" dirty="0" smtClean="0"/>
-              <a:t>They </a:t>
-            </a:r>
-            <a:r>
-              <a:rPr lang="en-US" dirty="0"/>
-              <a:t>have defined inside Puppet manifest files which are found in Puppet modules.</a:t>
-            </a:r>
-          </a:p>
-          <a:p>
-            <a:r>
-              <a:rPr lang="en-US" dirty="0" smtClean="0"/>
-              <a:t>Manifests</a:t>
-            </a:r>
-            <a:endParaRPr lang="en-US" dirty="0"/>
-          </a:p>
-          <a:p>
-            <a:pPr lvl="1"/>
-            <a:r>
-              <a:rPr lang="en-US" dirty="0" smtClean="0"/>
-              <a:t>Manifests </a:t>
-            </a:r>
-            <a:r>
-              <a:rPr lang="en-US" dirty="0"/>
-              <a:t>are those programs written in Ruby and saved with the .pp extension. </a:t>
-            </a:r>
-            <a:endParaRPr lang="en-US" dirty="0" smtClean="0"/>
-          </a:p>
-          <a:p>
-            <a:pPr lvl="1"/>
-            <a:r>
-              <a:rPr lang="en-US" dirty="0" smtClean="0"/>
-              <a:t>All Puppet </a:t>
-            </a:r>
-            <a:r>
-              <a:rPr lang="en-US" dirty="0"/>
-              <a:t>programs are manifests that are built with the idea of creating and managing any target host machine.</a:t>
+              <a:t>Puppet Master-Slave Architecture</a:t>
             </a:r>
           </a:p>
         </p:txBody>
@@ -10461,10 +10474,839 @@
           </a:p>
         </p:txBody>
       </p:sp>
+      <p:sp>
+        <p:nvSpPr>
+          <p:cNvPr id="5" name="Rectangle 4"/>
+          <p:cNvSpPr/>
+          <p:nvPr/>
+        </p:nvSpPr>
+        <p:spPr>
+          <a:xfrm>
+            <a:off x="1553770" y="1287253"/>
+            <a:ext cx="1507144" cy="584775"/>
+          </a:xfrm>
+          <a:prstGeom prst="rect">
+            <a:avLst/>
+          </a:prstGeom>
+        </p:spPr>
+        <p:txBody>
+          <a:bodyPr wrap="none">
+            <a:spAutoFit/>
+          </a:bodyPr>
+          <a:lstStyle/>
+          <a:p>
+            <a:r>
+              <a:rPr lang="en-US" sz="3200" dirty="0">
+                <a:latin typeface="Candara" panose="020E0502030303020204" pitchFamily="34" charset="0"/>
+              </a:rPr>
+              <a:t>Catalog</a:t>
+            </a:r>
+            <a:endParaRPr lang="en-US" sz="3200" b="0" i="0" dirty="0">
+              <a:effectLst/>
+              <a:latin typeface="Candara" panose="020E0502030303020204" pitchFamily="34" charset="0"/>
+            </a:endParaRPr>
+          </a:p>
+        </p:txBody>
+      </p:sp>
+      <p:sp>
+        <p:nvSpPr>
+          <p:cNvPr id="6" name="Rectangle 5"/>
+          <p:cNvSpPr/>
+          <p:nvPr/>
+        </p:nvSpPr>
+        <p:spPr>
+          <a:xfrm>
+            <a:off x="347527" y="1878520"/>
+            <a:ext cx="4553657" cy="1200329"/>
+          </a:xfrm>
+          <a:prstGeom prst="rect">
+            <a:avLst/>
+          </a:prstGeom>
+        </p:spPr>
+        <p:txBody>
+          <a:bodyPr wrap="square">
+            <a:spAutoFit/>
+          </a:bodyPr>
+          <a:lstStyle/>
+          <a:p>
+            <a:r>
+              <a:rPr lang="en-US" sz="2400" dirty="0">
+                <a:latin typeface="Candara" panose="020E0502030303020204" pitchFamily="34" charset="0"/>
+              </a:rPr>
+              <a:t>It is a compiled version of configuration which needs to be pushed onto target machines.</a:t>
+            </a:r>
+            <a:endParaRPr lang="en-US" sz="2400" b="0" i="0" dirty="0">
+              <a:effectLst/>
+              <a:latin typeface="Candara" panose="020E0502030303020204" pitchFamily="34" charset="0"/>
+            </a:endParaRPr>
+          </a:p>
+        </p:txBody>
+      </p:sp>
+      <p:sp>
+        <p:nvSpPr>
+          <p:cNvPr id="7" name="Rectangle 6"/>
+          <p:cNvSpPr/>
+          <p:nvPr/>
+        </p:nvSpPr>
+        <p:spPr>
+          <a:xfrm>
+            <a:off x="2212848" y="3640341"/>
+            <a:ext cx="7315200" cy="2468368"/>
+          </a:xfrm>
+          <a:prstGeom prst="rect">
+            <a:avLst/>
+          </a:prstGeom>
+        </p:spPr>
+        <p:txBody>
+          <a:bodyPr wrap="square">
+            <a:spAutoFit/>
+          </a:bodyPr>
+          <a:lstStyle/>
+          <a:p>
+            <a:pPr marL="342900" indent="-342900">
+              <a:lnSpc>
+                <a:spcPct val="200000"/>
+              </a:lnSpc>
+              <a:buFont typeface="Arial" panose="020B0604020202020204" pitchFamily="34" charset="0"/>
+              <a:buChar char="•"/>
+            </a:pPr>
+            <a:r>
+              <a:rPr lang="en-US" sz="2000" dirty="0">
+                <a:solidFill>
+                  <a:srgbClr val="252525"/>
+                </a:solidFill>
+                <a:latin typeface="Candara" panose="020E0502030303020204" pitchFamily="34" charset="0"/>
+              </a:rPr>
+              <a:t>A catalog is a document that describes the desired state for each resource that Puppet manages on a node. </a:t>
+            </a:r>
+            <a:endParaRPr lang="en-US" sz="2000" dirty="0" smtClean="0">
+              <a:solidFill>
+                <a:srgbClr val="252525"/>
+              </a:solidFill>
+              <a:latin typeface="Candara" panose="020E0502030303020204" pitchFamily="34" charset="0"/>
+            </a:endParaRPr>
+          </a:p>
+          <a:p>
+            <a:pPr marL="342900" indent="-342900">
+              <a:lnSpc>
+                <a:spcPct val="200000"/>
+              </a:lnSpc>
+              <a:buFont typeface="Arial" panose="020B0604020202020204" pitchFamily="34" charset="0"/>
+              <a:buChar char="•"/>
+            </a:pPr>
+            <a:r>
+              <a:rPr lang="en-US" sz="2000" dirty="0" smtClean="0">
+                <a:solidFill>
+                  <a:srgbClr val="252525"/>
+                </a:solidFill>
+                <a:latin typeface="Candara" panose="020E0502030303020204" pitchFamily="34" charset="0"/>
+              </a:rPr>
+              <a:t>A </a:t>
+            </a:r>
+            <a:r>
+              <a:rPr lang="en-US" sz="2000" dirty="0">
+                <a:solidFill>
+                  <a:srgbClr val="252525"/>
+                </a:solidFill>
+                <a:latin typeface="Candara" panose="020E0502030303020204" pitchFamily="34" charset="0"/>
+              </a:rPr>
+              <a:t>primary server typically compiles a catalog from manifests of Puppet code.</a:t>
+            </a:r>
+            <a:endParaRPr lang="en-US" sz="2000" b="0" i="0" dirty="0">
+              <a:solidFill>
+                <a:srgbClr val="252525"/>
+              </a:solidFill>
+              <a:effectLst/>
+              <a:latin typeface="Candara" panose="020E0502030303020204" pitchFamily="34" charset="0"/>
+            </a:endParaRPr>
+          </a:p>
+        </p:txBody>
+      </p:sp>
+      <p:sp>
+        <p:nvSpPr>
+          <p:cNvPr id="3" name="Rectangle 1"/>
+          <p:cNvSpPr>
+            <a:spLocks noChangeArrowheads="1"/>
+          </p:cNvSpPr>
+          <p:nvPr/>
+        </p:nvSpPr>
+        <p:spPr bwMode="auto">
+          <a:xfrm>
+            <a:off x="5039707" y="1452768"/>
+            <a:ext cx="6958584" cy="1826925"/>
+          </a:xfrm>
+          <a:prstGeom prst="rect">
+            <a:avLst/>
+          </a:prstGeom>
+          <a:solidFill>
+            <a:srgbClr val="F5F5F5"/>
+          </a:solidFill>
+          <a:ln>
+            <a:noFill/>
+          </a:ln>
+          <a:effectLst/>
+          <a:extLst>
+            <a:ext uri="{91240B29-F687-4F45-9708-019B960494DF}">
+              <a14:hiddenLine xmlns:a14="http://schemas.microsoft.com/office/drawing/2010/main" w="9525">
+                <a:solidFill>
+                  <a:schemeClr val="tx1"/>
+                </a:solidFill>
+                <a:miter lim="800000"/>
+                <a:headEnd/>
+                <a:tailEnd/>
+              </a14:hiddenLine>
+            </a:ext>
+            <a:ext uri="{AF507438-7753-43E0-B8FC-AC1667EBCBE1}">
+              <a14:hiddenEffects xmlns:a14="http://schemas.microsoft.com/office/drawing/2010/main">
+                <a:effectLst>
+                  <a:outerShdw dist="35921" dir="2700000" algn="ctr" rotWithShape="0">
+                    <a:schemeClr val="bg2"/>
+                  </a:outerShdw>
+                </a:effectLst>
+              </a14:hiddenEffects>
+            </a:ext>
+          </a:extLst>
+        </p:spPr>
+        <p:txBody>
+          <a:bodyPr vert="horz" wrap="square" lIns="0" tIns="79350" rIns="0" bIns="79350" numCol="1" anchor="ctr" anchorCtr="0" compatLnSpc="1">
+            <a:prstTxWarp prst="textNoShape">
+              <a:avLst/>
+            </a:prstTxWarp>
+            <a:spAutoFit/>
+          </a:bodyPr>
+          <a:lstStyle/>
+          <a:p>
+            <a:pPr marL="0" marR="0" lvl="0" indent="0" algn="l" defTabSz="914400" rtl="0" eaLnBrk="0" fontAlgn="base" latinLnBrk="0" hangingPunct="0">
+              <a:lnSpc>
+                <a:spcPct val="150000"/>
+              </a:lnSpc>
+              <a:spcBef>
+                <a:spcPct val="0"/>
+              </a:spcBef>
+              <a:spcAft>
+                <a:spcPct val="0"/>
+              </a:spcAft>
+              <a:buClrTx/>
+              <a:buSzTx/>
+              <a:buFontTx/>
+              <a:buNone/>
+              <a:tabLst/>
+            </a:pPr>
+            <a:r>
+              <a:rPr kumimoji="0" lang="en-US" altLang="en-US" sz="1050" b="0" i="0" u="none" strike="noStrike" cap="none" normalizeH="0" baseline="0" dirty="0" smtClean="0">
+                <a:ln>
+                  <a:noFill/>
+                </a:ln>
+                <a:solidFill>
+                  <a:srgbClr val="151515"/>
+                </a:solidFill>
+                <a:effectLst/>
+                <a:latin typeface="RedHatMono"/>
+              </a:rPr>
+              <a:t># puppet apply </a:t>
+            </a:r>
+            <a:r>
+              <a:rPr kumimoji="0" lang="en-US" altLang="en-US" sz="1050" b="0" i="0" u="none" strike="noStrike" cap="none" normalizeH="0" baseline="0" dirty="0" err="1" smtClean="0">
+                <a:ln>
+                  <a:noFill/>
+                </a:ln>
+                <a:solidFill>
+                  <a:srgbClr val="151515"/>
+                </a:solidFill>
+                <a:effectLst/>
+                <a:latin typeface="RedHatMono"/>
+              </a:rPr>
+              <a:t>mymodule</a:t>
+            </a:r>
+            <a:r>
+              <a:rPr kumimoji="0" lang="en-US" altLang="en-US" sz="1050" b="0" i="0" u="none" strike="noStrike" cap="none" normalizeH="0" baseline="0" dirty="0" smtClean="0">
+                <a:ln>
+                  <a:noFill/>
+                </a:ln>
+                <a:solidFill>
+                  <a:srgbClr val="151515"/>
+                </a:solidFill>
+                <a:effectLst/>
+                <a:latin typeface="RedHatMono"/>
+              </a:rPr>
+              <a:t>/tests/</a:t>
+            </a:r>
+            <a:r>
+              <a:rPr kumimoji="0" lang="en-US" altLang="en-US" sz="1050" b="0" i="0" u="none" strike="noStrike" cap="none" normalizeH="0" baseline="0" dirty="0" err="1" smtClean="0">
+                <a:ln>
+                  <a:noFill/>
+                </a:ln>
+                <a:solidFill>
+                  <a:srgbClr val="151515"/>
+                </a:solidFill>
+                <a:effectLst/>
+                <a:latin typeface="RedHatMono"/>
+              </a:rPr>
+              <a:t>init.pp</a:t>
+            </a:r>
+            <a:r>
+              <a:rPr kumimoji="0" lang="en-US" altLang="en-US" sz="1050" b="0" i="0" u="none" strike="noStrike" cap="none" normalizeH="0" baseline="0" dirty="0" smtClean="0">
+                <a:ln>
+                  <a:noFill/>
+                </a:ln>
+                <a:solidFill>
+                  <a:srgbClr val="151515"/>
+                </a:solidFill>
+                <a:effectLst/>
+                <a:latin typeface="RedHatMono"/>
+              </a:rPr>
+              <a:t> –</a:t>
+            </a:r>
+            <a:r>
+              <a:rPr kumimoji="0" lang="en-US" altLang="en-US" sz="1050" b="0" i="0" u="none" strike="noStrike" cap="none" normalizeH="0" baseline="0" dirty="0" err="1" smtClean="0">
+                <a:ln>
+                  <a:noFill/>
+                </a:ln>
+                <a:solidFill>
+                  <a:srgbClr val="151515"/>
+                </a:solidFill>
+                <a:effectLst/>
+                <a:latin typeface="RedHatMono"/>
+              </a:rPr>
+              <a:t>noop</a:t>
+            </a:r>
+            <a:endParaRPr kumimoji="0" lang="en-US" altLang="en-US" sz="1050" b="0" i="0" u="none" strike="noStrike" cap="none" normalizeH="0" baseline="0" dirty="0" smtClean="0">
+              <a:ln>
+                <a:noFill/>
+              </a:ln>
+              <a:solidFill>
+                <a:srgbClr val="151515"/>
+              </a:solidFill>
+              <a:effectLst/>
+              <a:latin typeface="RedHatMono"/>
+            </a:endParaRPr>
+          </a:p>
+          <a:p>
+            <a:pPr marL="0" marR="0" lvl="0" indent="0" algn="l" defTabSz="914400" rtl="0" eaLnBrk="0" fontAlgn="base" latinLnBrk="0" hangingPunct="0">
+              <a:lnSpc>
+                <a:spcPct val="150000"/>
+              </a:lnSpc>
+              <a:spcBef>
+                <a:spcPct val="0"/>
+              </a:spcBef>
+              <a:spcAft>
+                <a:spcPct val="0"/>
+              </a:spcAft>
+              <a:buClrTx/>
+              <a:buSzTx/>
+              <a:buFontTx/>
+              <a:buNone/>
+              <a:tabLst/>
+            </a:pPr>
+            <a:r>
+              <a:rPr kumimoji="0" lang="en-US" altLang="en-US" sz="1050" b="0" i="0" u="none" strike="noStrike" cap="none" normalizeH="0" baseline="0" dirty="0" smtClean="0">
+                <a:ln>
+                  <a:noFill/>
+                </a:ln>
+                <a:solidFill>
+                  <a:srgbClr val="151515"/>
+                </a:solidFill>
+                <a:effectLst/>
+                <a:latin typeface="RedHatMono"/>
+              </a:rPr>
+              <a:t> Notice: Compiled catalog for puppet.example.com in environment production in 0.56 seconds </a:t>
+            </a:r>
+          </a:p>
+          <a:p>
+            <a:pPr marL="0" marR="0" lvl="0" indent="0" algn="l" defTabSz="914400" rtl="0" eaLnBrk="0" fontAlgn="base" latinLnBrk="0" hangingPunct="0">
+              <a:lnSpc>
+                <a:spcPct val="150000"/>
+              </a:lnSpc>
+              <a:spcBef>
+                <a:spcPct val="0"/>
+              </a:spcBef>
+              <a:spcAft>
+                <a:spcPct val="0"/>
+              </a:spcAft>
+              <a:buClrTx/>
+              <a:buSzTx/>
+              <a:buFontTx/>
+              <a:buNone/>
+              <a:tabLst/>
+            </a:pPr>
+            <a:r>
+              <a:rPr kumimoji="0" lang="en-US" altLang="en-US" sz="1050" b="0" i="0" u="none" strike="noStrike" cap="none" normalizeH="0" baseline="0" dirty="0" smtClean="0">
+                <a:ln>
+                  <a:noFill/>
+                </a:ln>
+                <a:solidFill>
+                  <a:srgbClr val="151515"/>
+                </a:solidFill>
+                <a:effectLst/>
+                <a:latin typeface="RedHatMono"/>
+              </a:rPr>
+              <a:t>Notice: /Stage[main]/</a:t>
+            </a:r>
+            <a:r>
+              <a:rPr kumimoji="0" lang="en-US" altLang="en-US" sz="1050" b="0" i="0" u="none" strike="noStrike" cap="none" normalizeH="0" baseline="0" dirty="0" err="1" smtClean="0">
+                <a:ln>
+                  <a:noFill/>
+                </a:ln>
+                <a:solidFill>
+                  <a:srgbClr val="151515"/>
+                </a:solidFill>
+                <a:effectLst/>
+                <a:latin typeface="RedHatMono"/>
+              </a:rPr>
+              <a:t>Mymodule</a:t>
+            </a:r>
+            <a:r>
+              <a:rPr kumimoji="0" lang="en-US" altLang="en-US" sz="1050" b="0" i="0" u="none" strike="noStrike" cap="none" normalizeH="0" baseline="0" dirty="0" smtClean="0">
+                <a:ln>
+                  <a:noFill/>
+                </a:ln>
+                <a:solidFill>
+                  <a:srgbClr val="151515"/>
+                </a:solidFill>
+                <a:effectLst/>
+                <a:latin typeface="RedHatMono"/>
+              </a:rPr>
+              <a:t>::</a:t>
+            </a:r>
+            <a:r>
+              <a:rPr kumimoji="0" lang="en-US" altLang="en-US" sz="1050" b="0" i="0" u="none" strike="noStrike" cap="none" normalizeH="0" baseline="0" dirty="0" err="1" smtClean="0">
+                <a:ln>
+                  <a:noFill/>
+                </a:ln>
+                <a:solidFill>
+                  <a:srgbClr val="151515"/>
+                </a:solidFill>
+                <a:effectLst/>
+                <a:latin typeface="RedHatMono"/>
+              </a:rPr>
+              <a:t>Httpd</a:t>
+            </a:r>
+            <a:r>
+              <a:rPr kumimoji="0" lang="en-US" altLang="en-US" sz="1050" b="0" i="0" u="none" strike="noStrike" cap="none" normalizeH="0" baseline="0" dirty="0" smtClean="0">
+                <a:ln>
+                  <a:noFill/>
+                </a:ln>
+                <a:solidFill>
+                  <a:srgbClr val="151515"/>
+                </a:solidFill>
+                <a:effectLst/>
+                <a:latin typeface="RedHatMono"/>
+              </a:rPr>
+              <a:t>/Package[</a:t>
+            </a:r>
+            <a:r>
+              <a:rPr kumimoji="0" lang="en-US" altLang="en-US" sz="1050" b="0" i="0" u="none" strike="noStrike" cap="none" normalizeH="0" baseline="0" dirty="0" err="1" smtClean="0">
+                <a:ln>
+                  <a:noFill/>
+                </a:ln>
+                <a:solidFill>
+                  <a:srgbClr val="151515"/>
+                </a:solidFill>
+                <a:effectLst/>
+                <a:latin typeface="RedHatMono"/>
+              </a:rPr>
+              <a:t>httpd</a:t>
+            </a:r>
+            <a:r>
+              <a:rPr kumimoji="0" lang="en-US" altLang="en-US" sz="1050" b="0" i="0" u="none" strike="noStrike" cap="none" normalizeH="0" baseline="0" dirty="0" smtClean="0">
+                <a:ln>
+                  <a:noFill/>
+                </a:ln>
+                <a:solidFill>
+                  <a:srgbClr val="151515"/>
+                </a:solidFill>
+                <a:effectLst/>
+                <a:latin typeface="RedHatMono"/>
+              </a:rPr>
+              <a:t>]/ensure: </a:t>
+            </a:r>
+            <a:r>
+              <a:rPr kumimoji="0" lang="en-US" altLang="en-US" sz="1050" b="0" i="0" u="none" strike="noStrike" cap="none" normalizeH="0" baseline="0" dirty="0" err="1" smtClean="0">
+                <a:ln>
+                  <a:noFill/>
+                </a:ln>
+                <a:solidFill>
+                  <a:srgbClr val="151515"/>
+                </a:solidFill>
+                <a:effectLst/>
+                <a:latin typeface="RedHatMono"/>
+              </a:rPr>
+              <a:t>current_value</a:t>
+            </a:r>
+            <a:r>
+              <a:rPr kumimoji="0" lang="en-US" altLang="en-US" sz="1050" b="0" i="0" u="none" strike="noStrike" cap="none" normalizeH="0" baseline="0" dirty="0" smtClean="0">
+                <a:ln>
+                  <a:noFill/>
+                </a:ln>
+                <a:solidFill>
+                  <a:srgbClr val="151515"/>
+                </a:solidFill>
+                <a:effectLst/>
+                <a:latin typeface="RedHatMono"/>
+              </a:rPr>
+              <a:t> absent, should be present (</a:t>
+            </a:r>
+            <a:r>
+              <a:rPr kumimoji="0" lang="en-US" altLang="en-US" sz="1050" b="0" i="0" u="none" strike="noStrike" cap="none" normalizeH="0" baseline="0" dirty="0" err="1" smtClean="0">
+                <a:ln>
+                  <a:noFill/>
+                </a:ln>
+                <a:solidFill>
+                  <a:srgbClr val="151515"/>
+                </a:solidFill>
+                <a:effectLst/>
+                <a:latin typeface="RedHatMono"/>
+              </a:rPr>
+              <a:t>noop</a:t>
+            </a:r>
+            <a:r>
+              <a:rPr kumimoji="0" lang="en-US" altLang="en-US" sz="1050" b="0" i="0" u="none" strike="noStrike" cap="none" normalizeH="0" baseline="0" dirty="0" smtClean="0">
+                <a:ln>
+                  <a:noFill/>
+                </a:ln>
+                <a:solidFill>
+                  <a:srgbClr val="151515"/>
+                </a:solidFill>
+                <a:effectLst/>
+                <a:latin typeface="RedHatMono"/>
+              </a:rPr>
+              <a:t>) </a:t>
+            </a:r>
+          </a:p>
+          <a:p>
+            <a:pPr marL="0" marR="0" lvl="0" indent="0" algn="l" defTabSz="914400" rtl="0" eaLnBrk="0" fontAlgn="base" latinLnBrk="0" hangingPunct="0">
+              <a:lnSpc>
+                <a:spcPct val="150000"/>
+              </a:lnSpc>
+              <a:spcBef>
+                <a:spcPct val="0"/>
+              </a:spcBef>
+              <a:spcAft>
+                <a:spcPct val="0"/>
+              </a:spcAft>
+              <a:buClrTx/>
+              <a:buSzTx/>
+              <a:buFontTx/>
+              <a:buNone/>
+              <a:tabLst/>
+            </a:pPr>
+            <a:r>
+              <a:rPr kumimoji="0" lang="en-US" altLang="en-US" sz="1050" i="0" u="none" strike="noStrike" cap="none" normalizeH="0" baseline="0" dirty="0" smtClean="0">
+                <a:ln>
+                  <a:noFill/>
+                </a:ln>
+                <a:solidFill>
+                  <a:srgbClr val="151515"/>
+                </a:solidFill>
+                <a:effectLst/>
+                <a:latin typeface="RedHatMono"/>
+              </a:rPr>
+              <a:t>Notice: /Stage[main]/</a:t>
+            </a:r>
+            <a:r>
+              <a:rPr kumimoji="0" lang="en-US" altLang="en-US" sz="1050" i="0" u="none" strike="noStrike" cap="none" normalizeH="0" baseline="0" dirty="0" err="1" smtClean="0">
+                <a:ln>
+                  <a:noFill/>
+                </a:ln>
+                <a:solidFill>
+                  <a:srgbClr val="151515"/>
+                </a:solidFill>
+                <a:effectLst/>
+                <a:latin typeface="RedHatMono"/>
+              </a:rPr>
+              <a:t>Mymodule</a:t>
+            </a:r>
+            <a:r>
+              <a:rPr kumimoji="0" lang="en-US" altLang="en-US" sz="1050" i="0" u="none" strike="noStrike" cap="none" normalizeH="0" baseline="0" dirty="0" smtClean="0">
+                <a:ln>
+                  <a:noFill/>
+                </a:ln>
+                <a:solidFill>
+                  <a:srgbClr val="151515"/>
+                </a:solidFill>
+                <a:effectLst/>
+                <a:latin typeface="RedHatMono"/>
+              </a:rPr>
+              <a:t>::</a:t>
+            </a:r>
+            <a:r>
+              <a:rPr kumimoji="0" lang="en-US" altLang="en-US" sz="1050" i="0" u="none" strike="noStrike" cap="none" normalizeH="0" baseline="0" dirty="0" err="1" smtClean="0">
+                <a:ln>
+                  <a:noFill/>
+                </a:ln>
+                <a:solidFill>
+                  <a:srgbClr val="151515"/>
+                </a:solidFill>
+                <a:effectLst/>
+                <a:latin typeface="RedHatMono"/>
+              </a:rPr>
+              <a:t>Httpd</a:t>
+            </a:r>
+            <a:r>
+              <a:rPr kumimoji="0" lang="en-US" altLang="en-US" sz="1050" i="0" u="none" strike="noStrike" cap="none" normalizeH="0" baseline="0" dirty="0" smtClean="0">
+                <a:ln>
+                  <a:noFill/>
+                </a:ln>
+                <a:solidFill>
+                  <a:srgbClr val="151515"/>
+                </a:solidFill>
+                <a:effectLst/>
+                <a:latin typeface="RedHatMono"/>
+              </a:rPr>
+              <a:t>/Service[</a:t>
+            </a:r>
+            <a:r>
+              <a:rPr kumimoji="0" lang="en-US" altLang="en-US" sz="1050" i="0" u="none" strike="noStrike" cap="none" normalizeH="0" baseline="0" dirty="0" err="1" smtClean="0">
+                <a:ln>
+                  <a:noFill/>
+                </a:ln>
+                <a:solidFill>
+                  <a:srgbClr val="151515"/>
+                </a:solidFill>
+                <a:effectLst/>
+                <a:latin typeface="RedHatMono"/>
+              </a:rPr>
+              <a:t>httpd</a:t>
+            </a:r>
+            <a:r>
+              <a:rPr kumimoji="0" lang="en-US" altLang="en-US" sz="1050" i="0" u="none" strike="noStrike" cap="none" normalizeH="0" baseline="0" dirty="0" smtClean="0">
+                <a:ln>
+                  <a:noFill/>
+                </a:ln>
+                <a:solidFill>
+                  <a:srgbClr val="151515"/>
+                </a:solidFill>
+                <a:effectLst/>
+                <a:latin typeface="RedHatMono"/>
+              </a:rPr>
+              <a:t>]/ensure: </a:t>
+            </a:r>
+            <a:r>
+              <a:rPr kumimoji="0" lang="en-US" altLang="en-US" sz="1050" i="0" u="none" strike="noStrike" cap="none" normalizeH="0" baseline="0" dirty="0" err="1" smtClean="0">
+                <a:ln>
+                  <a:noFill/>
+                </a:ln>
+                <a:solidFill>
+                  <a:srgbClr val="151515"/>
+                </a:solidFill>
+                <a:effectLst/>
+                <a:latin typeface="RedHatMono"/>
+              </a:rPr>
+              <a:t>current_value</a:t>
+            </a:r>
+            <a:r>
+              <a:rPr kumimoji="0" lang="en-US" altLang="en-US" sz="1050" i="0" u="none" strike="noStrike" cap="none" normalizeH="0" baseline="0" dirty="0" smtClean="0">
+                <a:ln>
+                  <a:noFill/>
+                </a:ln>
+                <a:solidFill>
+                  <a:srgbClr val="151515"/>
+                </a:solidFill>
+                <a:effectLst/>
+                <a:latin typeface="RedHatMono"/>
+              </a:rPr>
+              <a:t> stopped, should be running (</a:t>
+            </a:r>
+            <a:r>
+              <a:rPr kumimoji="0" lang="en-US" altLang="en-US" sz="1050" i="0" u="none" strike="noStrike" cap="none" normalizeH="0" baseline="0" dirty="0" err="1" smtClean="0">
+                <a:ln>
+                  <a:noFill/>
+                </a:ln>
+                <a:solidFill>
+                  <a:srgbClr val="151515"/>
+                </a:solidFill>
+                <a:effectLst/>
+                <a:latin typeface="RedHatMono"/>
+              </a:rPr>
+              <a:t>noop</a:t>
+            </a:r>
+            <a:r>
+              <a:rPr kumimoji="0" lang="en-US" altLang="en-US" sz="1050" i="0" u="none" strike="noStrike" cap="none" normalizeH="0" baseline="0" dirty="0" smtClean="0">
+                <a:ln>
+                  <a:noFill/>
+                </a:ln>
+                <a:solidFill>
+                  <a:srgbClr val="151515"/>
+                </a:solidFill>
+                <a:effectLst/>
+                <a:latin typeface="RedHatMono"/>
+              </a:rPr>
+              <a:t>) </a:t>
+            </a:r>
+          </a:p>
+          <a:p>
+            <a:pPr marL="0" marR="0" lvl="0" indent="0" algn="l" defTabSz="914400" rtl="0" eaLnBrk="0" fontAlgn="base" latinLnBrk="0" hangingPunct="0">
+              <a:lnSpc>
+                <a:spcPct val="150000"/>
+              </a:lnSpc>
+              <a:spcBef>
+                <a:spcPct val="0"/>
+              </a:spcBef>
+              <a:spcAft>
+                <a:spcPct val="0"/>
+              </a:spcAft>
+              <a:buClrTx/>
+              <a:buSzTx/>
+              <a:buFontTx/>
+              <a:buNone/>
+              <a:tabLst/>
+            </a:pPr>
+            <a:r>
+              <a:rPr kumimoji="0" lang="en-US" altLang="en-US" sz="1050" b="0" i="0" u="none" strike="noStrike" cap="none" normalizeH="0" baseline="0" dirty="0" smtClean="0">
+                <a:ln>
+                  <a:noFill/>
+                </a:ln>
+                <a:solidFill>
+                  <a:srgbClr val="151515"/>
+                </a:solidFill>
+                <a:effectLst/>
+                <a:latin typeface="RedHatMono"/>
+              </a:rPr>
+              <a:t>Notice: Class[</a:t>
+            </a:r>
+            <a:r>
+              <a:rPr kumimoji="0" lang="en-US" altLang="en-US" sz="1050" b="0" i="0" u="none" strike="noStrike" cap="none" normalizeH="0" baseline="0" dirty="0" err="1" smtClean="0">
+                <a:ln>
+                  <a:noFill/>
+                </a:ln>
+                <a:solidFill>
+                  <a:srgbClr val="151515"/>
+                </a:solidFill>
+                <a:effectLst/>
+                <a:latin typeface="RedHatMono"/>
+              </a:rPr>
+              <a:t>Mymodule</a:t>
+            </a:r>
+            <a:r>
+              <a:rPr kumimoji="0" lang="en-US" altLang="en-US" sz="1050" b="0" i="0" u="none" strike="noStrike" cap="none" normalizeH="0" baseline="0" dirty="0" smtClean="0">
+                <a:ln>
+                  <a:noFill/>
+                </a:ln>
+                <a:solidFill>
+                  <a:srgbClr val="151515"/>
+                </a:solidFill>
+                <a:effectLst/>
+                <a:latin typeface="RedHatMono"/>
+              </a:rPr>
+              <a:t>::</a:t>
+            </a:r>
+            <a:r>
+              <a:rPr kumimoji="0" lang="en-US" altLang="en-US" sz="1050" b="0" i="0" u="none" strike="noStrike" cap="none" normalizeH="0" baseline="0" dirty="0" err="1" smtClean="0">
+                <a:ln>
+                  <a:noFill/>
+                </a:ln>
+                <a:solidFill>
+                  <a:srgbClr val="151515"/>
+                </a:solidFill>
+                <a:effectLst/>
+                <a:latin typeface="RedHatMono"/>
+              </a:rPr>
+              <a:t>Httpd</a:t>
+            </a:r>
+            <a:r>
+              <a:rPr kumimoji="0" lang="en-US" altLang="en-US" sz="1050" b="0" i="0" u="none" strike="noStrike" cap="none" normalizeH="0" baseline="0" dirty="0" smtClean="0">
+                <a:ln>
+                  <a:noFill/>
+                </a:ln>
+                <a:solidFill>
+                  <a:srgbClr val="151515"/>
+                </a:solidFill>
+                <a:effectLst/>
+                <a:latin typeface="RedHatMono"/>
+              </a:rPr>
+              <a:t>]: Would have triggered 'refresh' from 2 events </a:t>
+            </a:r>
+          </a:p>
+          <a:p>
+            <a:pPr marL="0" marR="0" lvl="0" indent="0" algn="l" defTabSz="914400" rtl="0" eaLnBrk="0" fontAlgn="base" latinLnBrk="0" hangingPunct="0">
+              <a:lnSpc>
+                <a:spcPct val="150000"/>
+              </a:lnSpc>
+              <a:spcBef>
+                <a:spcPct val="0"/>
+              </a:spcBef>
+              <a:spcAft>
+                <a:spcPct val="0"/>
+              </a:spcAft>
+              <a:buClrTx/>
+              <a:buSzTx/>
+              <a:buFontTx/>
+              <a:buNone/>
+              <a:tabLst/>
+            </a:pPr>
+            <a:r>
+              <a:rPr kumimoji="0" lang="en-US" altLang="en-US" sz="1050" b="0" i="0" u="none" strike="noStrike" cap="none" normalizeH="0" baseline="0" dirty="0" smtClean="0">
+                <a:ln>
+                  <a:noFill/>
+                </a:ln>
+                <a:solidFill>
+                  <a:srgbClr val="151515"/>
+                </a:solidFill>
+                <a:effectLst/>
+                <a:latin typeface="RedHatMono"/>
+              </a:rPr>
+              <a:t>Notice: Stage[main]: Would have triggered 'refresh' from 1 events </a:t>
+            </a:r>
+          </a:p>
+          <a:p>
+            <a:pPr marL="0" marR="0" lvl="0" indent="0" algn="l" defTabSz="914400" rtl="0" eaLnBrk="0" fontAlgn="base" latinLnBrk="0" hangingPunct="0">
+              <a:lnSpc>
+                <a:spcPct val="150000"/>
+              </a:lnSpc>
+              <a:spcBef>
+                <a:spcPct val="0"/>
+              </a:spcBef>
+              <a:spcAft>
+                <a:spcPct val="0"/>
+              </a:spcAft>
+              <a:buClrTx/>
+              <a:buSzTx/>
+              <a:buFontTx/>
+              <a:buNone/>
+              <a:tabLst/>
+            </a:pPr>
+            <a:r>
+              <a:rPr kumimoji="0" lang="en-US" altLang="en-US" sz="1050" b="0" i="0" u="none" strike="noStrike" cap="none" normalizeH="0" baseline="0" dirty="0" smtClean="0">
+                <a:ln>
+                  <a:noFill/>
+                </a:ln>
+                <a:solidFill>
+                  <a:srgbClr val="151515"/>
+                </a:solidFill>
+                <a:effectLst/>
+                <a:latin typeface="RedHatMono"/>
+              </a:rPr>
+              <a:t>Notice: Finished catalog run in 0.41 seconds</a:t>
+            </a:r>
+            <a:r>
+              <a:rPr kumimoji="0" lang="en-US" altLang="en-US" sz="900" b="0" i="0" u="none" strike="noStrike" cap="none" normalizeH="0" baseline="0" dirty="0" smtClean="0">
+                <a:ln>
+                  <a:noFill/>
+                </a:ln>
+                <a:solidFill>
+                  <a:schemeClr val="tx1"/>
+                </a:solidFill>
+                <a:effectLst/>
+              </a:rPr>
+              <a:t> </a:t>
+            </a:r>
+            <a:endParaRPr kumimoji="0" lang="en-US" altLang="en-US" sz="2000" b="0" i="0" u="none" strike="noStrike" cap="none" normalizeH="0" baseline="0" dirty="0" smtClean="0">
+              <a:ln>
+                <a:noFill/>
+              </a:ln>
+              <a:solidFill>
+                <a:schemeClr val="tx1"/>
+              </a:solidFill>
+              <a:effectLst/>
+              <a:latin typeface="Arial" panose="020B0604020202020204" pitchFamily="34" charset="0"/>
+            </a:endParaRPr>
+          </a:p>
+        </p:txBody>
+      </p:sp>
     </p:spTree>
     <p:extLst>
       <p:ext uri="{BB962C8B-B14F-4D97-AF65-F5344CB8AC3E}">
-        <p14:creationId xmlns:p14="http://schemas.microsoft.com/office/powerpoint/2010/main" val="1672250573"/>
+        <p14:creationId xmlns:p14="http://schemas.microsoft.com/office/powerpoint/2010/main" val="2611232124"/>
       </p:ext>
     </p:extLst>
   </p:cSld>
@@ -10507,8 +11349,185 @@
           <a:lstStyle/>
           <a:p>
             <a:r>
+              <a:rPr lang="en-US" dirty="0"/>
+              <a:t>Puppet Master Slave Connection</a:t>
+            </a:r>
+          </a:p>
+        </p:txBody>
+      </p:sp>
+      <p:sp>
+        <p:nvSpPr>
+          <p:cNvPr id="4" name="Slide Number Placeholder 3"/>
+          <p:cNvSpPr>
+            <a:spLocks noGrp="1"/>
+          </p:cNvSpPr>
+          <p:nvPr>
+            <p:ph type="sldNum" sz="quarter" idx="12"/>
+          </p:nvPr>
+        </p:nvSpPr>
+        <p:spPr/>
+        <p:txBody>
+          <a:bodyPr/>
+          <a:lstStyle/>
+          <a:p>
+            <a:fld id="{B8DACC02-A2BD-4578-8E03-6D891060A695}" type="slidenum">
+              <a:rPr lang="en-US" smtClean="0"/>
+              <a:pPr/>
+              <a:t>27</a:t>
+            </a:fld>
+            <a:endParaRPr lang="en-US" dirty="0"/>
+          </a:p>
+        </p:txBody>
+      </p:sp>
+      <p:pic>
+        <p:nvPicPr>
+          <p:cNvPr id="10244" name="Picture 4" descr="https://intellipaat.com/mediaFiles/2018/12/How-the-Puppet-connections-are-getting-established-between-puppet-master-server-and-Puppet-agent-nodes.png"/>
+          <p:cNvPicPr>
+            <a:picLocks noChangeAspect="1" noChangeArrowheads="1"/>
+          </p:cNvPicPr>
+          <p:nvPr/>
+        </p:nvPicPr>
+        <p:blipFill>
+          <a:blip r:embed="rId2">
+            <a:extLst>
+              <a:ext uri="{28A0092B-C50C-407E-A947-70E740481C1C}">
+                <a14:useLocalDpi xmlns:a14="http://schemas.microsoft.com/office/drawing/2010/main" val="0"/>
+              </a:ext>
+            </a:extLst>
+          </a:blip>
+          <a:srcRect/>
+          <a:stretch>
+            <a:fillRect/>
+          </a:stretch>
+        </p:blipFill>
+        <p:spPr bwMode="auto">
+          <a:xfrm>
+            <a:off x="2457886" y="2444507"/>
+            <a:ext cx="6870843" cy="3873056"/>
+          </a:xfrm>
+          <a:prstGeom prst="rect">
+            <a:avLst/>
+          </a:prstGeom>
+          <a:noFill/>
+          <a:extLst>
+            <a:ext uri="{909E8E84-426E-40DD-AFC4-6F175D3DCCD1}">
+              <a14:hiddenFill xmlns:a14="http://schemas.microsoft.com/office/drawing/2010/main">
+                <a:solidFill>
+                  <a:srgbClr val="FFFFFF"/>
+                </a:solidFill>
+              </a14:hiddenFill>
+            </a:ext>
+          </a:extLst>
+        </p:spPr>
+      </p:pic>
+      <p:sp>
+        <p:nvSpPr>
+          <p:cNvPr id="7" name="Round Single Corner Rectangle 6"/>
+          <p:cNvSpPr/>
+          <p:nvPr/>
+        </p:nvSpPr>
+        <p:spPr>
+          <a:xfrm>
+            <a:off x="1243584" y="1406880"/>
+            <a:ext cx="9299448" cy="623088"/>
+          </a:xfrm>
+          <a:prstGeom prst="round1Rect">
+            <a:avLst/>
+          </a:prstGeom>
+          <a:noFill/>
+          <a:ln w="38100"/>
+        </p:spPr>
+        <p:style>
+          <a:lnRef idx="2">
+            <a:schemeClr val="accent1">
+              <a:shade val="50000"/>
+            </a:schemeClr>
+          </a:lnRef>
+          <a:fillRef idx="1">
+            <a:schemeClr val="accent1"/>
+          </a:fillRef>
+          <a:effectRef idx="0">
+            <a:schemeClr val="accent1"/>
+          </a:effectRef>
+          <a:fontRef idx="minor">
+            <a:schemeClr val="lt1"/>
+          </a:fontRef>
+        </p:style>
+        <p:txBody>
+          <a:bodyPr rtlCol="0" anchor="ctr"/>
+          <a:lstStyle/>
+          <a:p>
+            <a:pPr algn="ctr"/>
+            <a:r>
+              <a:rPr lang="en-US" sz="2500" dirty="0" smtClean="0">
+                <a:solidFill>
+                  <a:schemeClr val="tx1"/>
+                </a:solidFill>
+                <a:latin typeface="Candara" panose="020E0502030303020204" pitchFamily="34" charset="0"/>
+              </a:rPr>
+              <a:t>SSL (Secure Sockets Layer) connection between Master and Slave</a:t>
+            </a:r>
+            <a:endParaRPr lang="en-US" sz="2500" dirty="0">
+              <a:solidFill>
+                <a:schemeClr val="tx1"/>
+              </a:solidFill>
+              <a:latin typeface="Candara" panose="020E0502030303020204" pitchFamily="34" charset="0"/>
+            </a:endParaRPr>
+          </a:p>
+        </p:txBody>
+      </p:sp>
+    </p:spTree>
+    <p:extLst>
+      <p:ext uri="{BB962C8B-B14F-4D97-AF65-F5344CB8AC3E}">
+        <p14:creationId xmlns:p14="http://schemas.microsoft.com/office/powerpoint/2010/main" val="2686047227"/>
+      </p:ext>
+    </p:extLst>
+  </p:cSld>
+  <p:clrMapOvr>
+    <a:masterClrMapping/>
+  </p:clrMapOvr>
+</p:sld>
+</file>
+
+<file path=ppt/slides/slide28.xml><?xml version="1.0" encoding="utf-8"?>
+<p:sld xmlns:a="http://schemas.openxmlformats.org/drawingml/2006/main" xmlns:r="http://schemas.openxmlformats.org/officeDocument/2006/relationships" xmlns:p="http://schemas.openxmlformats.org/presentationml/2006/main">
+  <p:cSld>
+    <p:spTree>
+      <p:nvGrpSpPr>
+        <p:cNvPr id="1" name=""/>
+        <p:cNvGrpSpPr/>
+        <p:nvPr/>
+      </p:nvGrpSpPr>
+      <p:grpSpPr>
+        <a:xfrm>
+          <a:off x="0" y="0"/>
+          <a:ext cx="0" cy="0"/>
+          <a:chOff x="0" y="0"/>
+          <a:chExt cx="0" cy="0"/>
+        </a:xfrm>
+      </p:grpSpPr>
+      <p:sp>
+        <p:nvSpPr>
+          <p:cNvPr id="2" name="Title 1"/>
+          <p:cNvSpPr>
+            <a:spLocks noGrp="1"/>
+          </p:cNvSpPr>
+          <p:nvPr>
+            <p:ph type="title"/>
+          </p:nvPr>
+        </p:nvSpPr>
+        <p:spPr/>
+        <p:txBody>
+          <a:bodyPr/>
+          <a:lstStyle/>
+          <a:p>
+            <a:r>
+              <a:rPr lang="en-US" dirty="0"/>
+              <a:t>Key Puppet </a:t>
+            </a:r>
+            <a:r>
               <a:rPr lang="en-US" dirty="0" smtClean="0"/>
-              <a:t>Puppet Case Study (MySQL and PHP)</a:t>
+              <a:t>Concepts</a:t>
             </a:r>
             <a:endParaRPr lang="en-US" dirty="0"/>
           </a:p>
@@ -10526,26 +11545,110 @@
         </p:nvSpPr>
         <p:spPr/>
         <p:txBody>
-          <a:bodyPr/>
-          <a:lstStyle/>
-          <a:p>
+          <a:bodyPr>
+            <a:normAutofit fontScale="92500" lnSpcReduction="10000"/>
+          </a:bodyPr>
+          <a:lstStyle/>
+          <a:p>
+            <a:r>
+              <a:rPr lang="en-US" dirty="0"/>
+              <a:t>Modules</a:t>
+            </a:r>
+          </a:p>
+          <a:p>
+            <a:pPr lvl="1"/>
             <a:r>
               <a:rPr lang="en-US" dirty="0" smtClean="0"/>
-              <a:t>Using predefined modules, download modules for PHP and MySQL</a:t>
-            </a:r>
-          </a:p>
-          <a:p>
+              <a:t>To differentiate the </a:t>
+            </a:r>
+            <a:r>
+              <a:rPr lang="en-US" dirty="0"/>
+              <a:t>differences between various platforms Puppet modules are used. </a:t>
+            </a:r>
+            <a:endParaRPr lang="en-US" dirty="0" smtClean="0"/>
+          </a:p>
+          <a:p>
+            <a:pPr lvl="1"/>
             <a:r>
               <a:rPr lang="en-US" dirty="0" smtClean="0"/>
-              <a:t>Declare these two classes in the Puppet manifests</a:t>
-            </a:r>
-          </a:p>
-          <a:p>
+              <a:t>A </a:t>
+            </a:r>
+            <a:r>
+              <a:rPr lang="en-US" dirty="0"/>
+              <a:t>good module should therefore give an API so that the software can be used on various platforms without having to know the details of the platform. </a:t>
+            </a:r>
+            <a:endParaRPr lang="en-US" dirty="0" smtClean="0"/>
+          </a:p>
+          <a:p>
+            <a:pPr lvl="1"/>
             <a:r>
               <a:rPr lang="en-US" dirty="0" smtClean="0"/>
-              <a:t>Puppet agents will pull these configurations and both will be installed in Agents</a:t>
+              <a:t>One </a:t>
+            </a:r>
+            <a:r>
+              <a:rPr lang="en-US" dirty="0"/>
+              <a:t>of the main advantages of reusable modules is that other people can easily understand them.</a:t>
+            </a:r>
+          </a:p>
+          <a:p>
+            <a:r>
+              <a:rPr lang="en-US" dirty="0" smtClean="0"/>
+              <a:t>Classes</a:t>
             </a:r>
             <a:endParaRPr lang="en-US" dirty="0"/>
+          </a:p>
+          <a:p>
+            <a:pPr lvl="1"/>
+            <a:r>
+              <a:rPr lang="en-US" dirty="0" smtClean="0"/>
+              <a:t>A collection </a:t>
+            </a:r>
+            <a:r>
+              <a:rPr lang="en-US" dirty="0"/>
+              <a:t>of resources that are grouped together to get a target machine or machine in the desired state. </a:t>
+            </a:r>
+            <a:endParaRPr lang="en-US" dirty="0" smtClean="0"/>
+          </a:p>
+          <a:p>
+            <a:pPr lvl="1"/>
+            <a:r>
+              <a:rPr lang="en-US" dirty="0" smtClean="0"/>
+              <a:t>They </a:t>
+            </a:r>
+            <a:r>
+              <a:rPr lang="en-US" dirty="0"/>
+              <a:t>have defined inside Puppet manifest files which are found in Puppet modules.</a:t>
+            </a:r>
+          </a:p>
+          <a:p>
+            <a:r>
+              <a:rPr lang="en-US" dirty="0" smtClean="0"/>
+              <a:t>Manifests</a:t>
+            </a:r>
+            <a:endParaRPr lang="en-US" dirty="0"/>
+          </a:p>
+          <a:p>
+            <a:pPr lvl="1"/>
+            <a:r>
+              <a:rPr lang="en-US" dirty="0" smtClean="0"/>
+              <a:t>Manifests </a:t>
+            </a:r>
+            <a:r>
+              <a:rPr lang="en-US" dirty="0"/>
+              <a:t>are those programs written in Ruby and saved with the .pp extension. </a:t>
+            </a:r>
+            <a:endParaRPr lang="en-US" dirty="0" smtClean="0"/>
+          </a:p>
+          <a:p>
+            <a:pPr lvl="1"/>
+            <a:r>
+              <a:rPr lang="en-US" dirty="0" smtClean="0"/>
+              <a:t>All Puppet </a:t>
+            </a:r>
+            <a:r>
+              <a:rPr lang="en-US" dirty="0"/>
+              <a:t>programs are manifests that are built with the idea of creating and managing any target host machine.</a:t>
+            </a:r>
           </a:p>
         </p:txBody>
       </p:sp>
@@ -10567,7 +11670,119 @@
             <a:fld id="{B8DACC02-A2BD-4578-8E03-6D891060A695}" type="slidenum">
               <a:rPr lang="en-US" smtClean="0"/>
               <a:pPr/>
-              <a:t>27</a:t>
+              <a:t>28</a:t>
+            </a:fld>
+            <a:endParaRPr lang="en-US" dirty="0"/>
+          </a:p>
+        </p:txBody>
+      </p:sp>
+    </p:spTree>
+    <p:extLst>
+      <p:ext uri="{BB962C8B-B14F-4D97-AF65-F5344CB8AC3E}">
+        <p14:creationId xmlns:p14="http://schemas.microsoft.com/office/powerpoint/2010/main" val="1672250573"/>
+      </p:ext>
+    </p:extLst>
+  </p:cSld>
+  <p:clrMapOvr>
+    <a:masterClrMapping/>
+  </p:clrMapOvr>
+</p:sld>
+</file>
+
+<file path=ppt/slides/slide29.xml><?xml version="1.0" encoding="utf-8"?>
+<p:sld xmlns:a="http://schemas.openxmlformats.org/drawingml/2006/main" xmlns:r="http://schemas.openxmlformats.org/officeDocument/2006/relationships" xmlns:p="http://schemas.openxmlformats.org/presentationml/2006/main">
+  <p:cSld>
+    <p:spTree>
+      <p:nvGrpSpPr>
+        <p:cNvPr id="1" name=""/>
+        <p:cNvGrpSpPr/>
+        <p:nvPr/>
+      </p:nvGrpSpPr>
+      <p:grpSpPr>
+        <a:xfrm>
+          <a:off x="0" y="0"/>
+          <a:ext cx="0" cy="0"/>
+          <a:chOff x="0" y="0"/>
+          <a:chExt cx="0" cy="0"/>
+        </a:xfrm>
+      </p:grpSpPr>
+      <p:sp>
+        <p:nvSpPr>
+          <p:cNvPr id="2" name="Title 1"/>
+          <p:cNvSpPr>
+            <a:spLocks noGrp="1"/>
+          </p:cNvSpPr>
+          <p:nvPr>
+            <p:ph type="title"/>
+          </p:nvPr>
+        </p:nvSpPr>
+        <p:spPr/>
+        <p:txBody>
+          <a:bodyPr/>
+          <a:lstStyle/>
+          <a:p>
+            <a:r>
+              <a:rPr lang="en-US" dirty="0" smtClean="0"/>
+              <a:t>Puppet Case Study (MySQL and PHP)</a:t>
+            </a:r>
+            <a:endParaRPr lang="en-US" dirty="0"/>
+          </a:p>
+        </p:txBody>
+      </p:sp>
+      <p:sp>
+        <p:nvSpPr>
+          <p:cNvPr id="3" name="Content Placeholder 2"/>
+          <p:cNvSpPr>
+            <a:spLocks noGrp="1"/>
+          </p:cNvSpPr>
+          <p:nvPr>
+            <p:ph idx="1"/>
+          </p:nvPr>
+        </p:nvSpPr>
+        <p:spPr/>
+        <p:txBody>
+          <a:bodyPr/>
+          <a:lstStyle/>
+          <a:p>
+            <a:r>
+              <a:rPr lang="en-US" dirty="0" smtClean="0"/>
+              <a:t>Using predefined modules, download modules for PHP and MySQL</a:t>
+            </a:r>
+          </a:p>
+          <a:p>
+            <a:r>
+              <a:rPr lang="en-US" dirty="0" smtClean="0"/>
+              <a:t>Declare these two classes in the Puppet manifests</a:t>
+            </a:r>
+          </a:p>
+          <a:p>
+            <a:r>
+              <a:rPr lang="en-US" dirty="0" smtClean="0"/>
+              <a:t>Puppet agents will pull these configurations and both will be installed in Agents</a:t>
+            </a:r>
+            <a:endParaRPr lang="en-US" dirty="0"/>
+          </a:p>
+        </p:txBody>
+      </p:sp>
+      <p:sp>
+        <p:nvSpPr>
+          <p:cNvPr id="4" name="Slide Number Placeholder 3"/>
+          <p:cNvSpPr>
+            <a:spLocks noGrp="1"/>
+          </p:cNvSpPr>
+          <p:nvPr>
+            <p:ph type="sldNum" sz="quarter" idx="12"/>
+          </p:nvPr>
+        </p:nvSpPr>
+        <p:spPr/>
+        <p:txBody>
+          <a:bodyPr/>
+          <a:lstStyle/>
+          <a:p>
+            <a:fld id="{B8DACC02-A2BD-4578-8E03-6D891060A695}" type="slidenum">
+              <a:rPr lang="en-US" smtClean="0"/>
+              <a:pPr/>
+              <a:t>29</a:t>
             </a:fld>
             <a:endParaRPr lang="en-US" dirty="0"/>
           </a:p>
@@ -10997,7 +12212,107 @@
 </p:sld>
 </file>
 
-<file path=ppt/slides/slide28.xml><?xml version="1.0" encoding="utf-8"?>
+<file path=ppt/slides/slide3.xml><?xml version="1.0" encoding="utf-8"?>
+<p:sld xmlns:a="http://schemas.openxmlformats.org/drawingml/2006/main" xmlns:r="http://schemas.openxmlformats.org/officeDocument/2006/relationships" xmlns:p="http://schemas.openxmlformats.org/presentationml/2006/main">
+  <p:cSld>
+    <p:spTree>
+      <p:nvGrpSpPr>
+        <p:cNvPr id="1" name=""/>
+        <p:cNvGrpSpPr/>
+        <p:nvPr/>
+      </p:nvGrpSpPr>
+      <p:grpSpPr>
+        <a:xfrm>
+          <a:off x="0" y="0"/>
+          <a:ext cx="0" cy="0"/>
+          <a:chOff x="0" y="0"/>
+          <a:chExt cx="0" cy="0"/>
+        </a:xfrm>
+      </p:grpSpPr>
+      <p:sp>
+        <p:nvSpPr>
+          <p:cNvPr id="5" name="Title 4"/>
+          <p:cNvSpPr>
+            <a:spLocks noGrp="1"/>
+          </p:cNvSpPr>
+          <p:nvPr>
+            <p:ph type="title"/>
+          </p:nvPr>
+        </p:nvSpPr>
+        <p:spPr/>
+        <p:txBody>
+          <a:bodyPr/>
+          <a:lstStyle/>
+          <a:p>
+            <a:r>
+              <a:rPr lang="en-US" dirty="0"/>
+              <a:t>Why Configuration </a:t>
+            </a:r>
+            <a:r>
+              <a:rPr lang="en-US" dirty="0" smtClean="0"/>
+              <a:t>Management</a:t>
+            </a:r>
+            <a:endParaRPr lang="en-US" dirty="0"/>
+          </a:p>
+        </p:txBody>
+      </p:sp>
+      <p:sp>
+        <p:nvSpPr>
+          <p:cNvPr id="6" name="Text Placeholder 5"/>
+          <p:cNvSpPr>
+            <a:spLocks noGrp="1"/>
+          </p:cNvSpPr>
+          <p:nvPr>
+            <p:ph type="body" idx="1"/>
+          </p:nvPr>
+        </p:nvSpPr>
+        <p:spPr/>
+        <p:txBody>
+          <a:bodyPr/>
+          <a:lstStyle/>
+          <a:p>
+            <a:endParaRPr lang="en-US"/>
+          </a:p>
+        </p:txBody>
+      </p:sp>
+      <p:sp>
+        <p:nvSpPr>
+          <p:cNvPr id="4" name="Slide Number Placeholder 3"/>
+          <p:cNvSpPr>
+            <a:spLocks noGrp="1"/>
+          </p:cNvSpPr>
+          <p:nvPr>
+            <p:ph type="sldNum" sz="quarter" idx="12"/>
+          </p:nvPr>
+        </p:nvSpPr>
+        <p:spPr/>
+        <p:txBody>
+          <a:bodyPr/>
+          <a:lstStyle/>
+          <a:p>
+            <a:fld id="{B8DACC02-A2BD-4578-8E03-6D891060A695}" type="slidenum">
+              <a:rPr lang="en-US" smtClean="0"/>
+              <a:pPr/>
+              <a:t>3</a:t>
+            </a:fld>
+            <a:endParaRPr lang="en-US" dirty="0"/>
+          </a:p>
+        </p:txBody>
+      </p:sp>
+    </p:spTree>
+    <p:extLst>
+      <p:ext uri="{BB962C8B-B14F-4D97-AF65-F5344CB8AC3E}">
+        <p14:creationId xmlns:p14="http://schemas.microsoft.com/office/powerpoint/2010/main" val="1480187360"/>
+      </p:ext>
+    </p:extLst>
+  </p:cSld>
+  <p:clrMapOvr>
+    <a:masterClrMapping/>
+  </p:clrMapOvr>
+</p:sld>
+</file>
+
+<file path=ppt/slides/slide30.xml><?xml version="1.0" encoding="utf-8"?>
 <p:sld xmlns:a="http://schemas.openxmlformats.org/drawingml/2006/main" xmlns:r="http://schemas.openxmlformats.org/officeDocument/2006/relationships" xmlns:p="http://schemas.openxmlformats.org/presentationml/2006/main">
   <p:cSld>
     <p:spTree>
@@ -11084,7 +12399,7 @@
             <a:fld id="{B8DACC02-A2BD-4578-8E03-6D891060A695}" type="slidenum">
               <a:rPr lang="en-US" smtClean="0"/>
               <a:pPr/>
-              <a:t>28</a:t>
+              <a:t>30</a:t>
             </a:fld>
             <a:endParaRPr lang="en-US" dirty="0"/>
           </a:p>
@@ -11144,7 +12459,7 @@
 </p:sld>
 </file>
 
-<file path=ppt/slides/slide29.xml><?xml version="1.0" encoding="utf-8"?>
+<file path=ppt/slides/slide31.xml><?xml version="1.0" encoding="utf-8"?>
 <p:sld xmlns:a="http://schemas.openxmlformats.org/drawingml/2006/main" xmlns:r="http://schemas.openxmlformats.org/officeDocument/2006/relationships" xmlns:p="http://schemas.openxmlformats.org/presentationml/2006/main">
   <p:cSld>
     <p:spTree>
@@ -11201,7 +12516,7 @@
             <a:fld id="{B8DACC02-A2BD-4578-8E03-6D891060A695}" type="slidenum">
               <a:rPr lang="en-US" smtClean="0"/>
               <a:pPr/>
-              <a:t>29</a:t>
+              <a:t>31</a:t>
             </a:fld>
             <a:endParaRPr lang="en-US" dirty="0"/>
           </a:p>
@@ -12074,7 +13389,7 @@
 </p:sld>
 </file>
 
-<file path=ppt/slides/slide3.xml><?xml version="1.0" encoding="utf-8"?>
+<file path=ppt/slides/slide32.xml><?xml version="1.0" encoding="utf-8"?>
 <p:sld xmlns:a="http://schemas.openxmlformats.org/drawingml/2006/main" xmlns:r="http://schemas.openxmlformats.org/officeDocument/2006/relationships" xmlns:p="http://schemas.openxmlformats.org/presentationml/2006/main">
   <p:cSld>
     <p:spTree>
@@ -12093,7 +13408,7 @@
       </p:grpSpPr>
       <p:sp>
         <p:nvSpPr>
-          <p:cNvPr id="5" name="Title 4"/>
+          <p:cNvPr id="2" name="Title 1"/>
           <p:cNvSpPr>
             <a:spLocks noGrp="1"/>
           </p:cNvSpPr>
@@ -12107,33 +13422,13 @@
           <a:lstStyle/>
           <a:p>
             <a:r>
+              <a:rPr lang="en-US" dirty="0" smtClean="0"/>
+              <a:t>Puppet Resources and </a:t>
+            </a:r>
+            <a:r>
               <a:rPr lang="en-US" dirty="0"/>
-              <a:t>Why Configuration </a:t>
-            </a:r>
-            <a:r>
-              <a:rPr lang="en-US" dirty="0" smtClean="0"/>
-              <a:t>Management</a:t>
-            </a:r>
-            <a:endParaRPr lang="en-US" dirty="0"/>
-          </a:p>
-        </p:txBody>
-      </p:sp>
-      <p:sp>
-        <p:nvSpPr>
-          <p:cNvPr id="6" name="Text Placeholder 5"/>
-          <p:cNvSpPr>
-            <a:spLocks noGrp="1"/>
-          </p:cNvSpPr>
-          <p:nvPr>
-            <p:ph type="body" idx="1"/>
-          </p:nvPr>
-        </p:nvSpPr>
-        <p:spPr/>
-        <p:txBody>
-          <a:bodyPr/>
-          <a:lstStyle/>
-          <a:p>
-            <a:endParaRPr lang="en-US"/>
+              <a:t>Classes</a:t>
+            </a:r>
           </a:p>
         </p:txBody>
       </p:sp>
@@ -12155,87 +13450,7 @@
             <a:fld id="{B8DACC02-A2BD-4578-8E03-6D891060A695}" type="slidenum">
               <a:rPr lang="en-US" smtClean="0"/>
               <a:pPr/>
-              <a:t>3</a:t>
-            </a:fld>
-            <a:endParaRPr lang="en-US" dirty="0"/>
-          </a:p>
-        </p:txBody>
-      </p:sp>
-    </p:spTree>
-    <p:extLst>
-      <p:ext uri="{BB962C8B-B14F-4D97-AF65-F5344CB8AC3E}">
-        <p14:creationId xmlns:p14="http://schemas.microsoft.com/office/powerpoint/2010/main" val="1480187360"/>
-      </p:ext>
-    </p:extLst>
-  </p:cSld>
-  <p:clrMapOvr>
-    <a:masterClrMapping/>
-  </p:clrMapOvr>
-</p:sld>
-</file>
-
-<file path=ppt/slides/slide30.xml><?xml version="1.0" encoding="utf-8"?>
-<p:sld xmlns:a="http://schemas.openxmlformats.org/drawingml/2006/main" xmlns:r="http://schemas.openxmlformats.org/officeDocument/2006/relationships" xmlns:p="http://schemas.openxmlformats.org/presentationml/2006/main">
-  <p:cSld>
-    <p:spTree>
-      <p:nvGrpSpPr>
-        <p:cNvPr id="1" name=""/>
-        <p:cNvGrpSpPr/>
-        <p:nvPr/>
-      </p:nvGrpSpPr>
-      <p:grpSpPr>
-        <a:xfrm>
-          <a:off x="0" y="0"/>
-          <a:ext cx="0" cy="0"/>
-          <a:chOff x="0" y="0"/>
-          <a:chExt cx="0" cy="0"/>
-        </a:xfrm>
-      </p:grpSpPr>
-      <p:sp>
-        <p:nvSpPr>
-          <p:cNvPr id="2" name="Title 1"/>
-          <p:cNvSpPr>
-            <a:spLocks noGrp="1"/>
-          </p:cNvSpPr>
-          <p:nvPr>
-            <p:ph type="title"/>
-          </p:nvPr>
-        </p:nvSpPr>
-        <p:spPr/>
-        <p:txBody>
-          <a:bodyPr/>
-          <a:lstStyle/>
-          <a:p>
-            <a:r>
-              <a:rPr lang="en-US" dirty="0" smtClean="0"/>
-              <a:t>Puppet Resources and </a:t>
-            </a:r>
-            <a:r>
-              <a:rPr lang="en-US" dirty="0"/>
-              <a:t>Classes</a:t>
-            </a:r>
-          </a:p>
-        </p:txBody>
-      </p:sp>
-      <p:sp>
-        <p:nvSpPr>
-          <p:cNvPr id="4" name="Slide Number Placeholder 3"/>
-          <p:cNvSpPr>
-            <a:spLocks noGrp="1"/>
-          </p:cNvSpPr>
-          <p:nvPr>
-            <p:ph type="sldNum" sz="quarter" idx="12"/>
-          </p:nvPr>
-        </p:nvSpPr>
-        <p:spPr/>
-        <p:txBody>
-          <a:bodyPr/>
-          <a:lstStyle/>
-          <a:p>
-            <a:fld id="{B8DACC02-A2BD-4578-8E03-6D891060A695}" type="slidenum">
-              <a:rPr lang="en-US" smtClean="0"/>
-              <a:pPr/>
-              <a:t>30</a:t>
+              <a:t>32</a:t>
             </a:fld>
             <a:endParaRPr lang="en-US" dirty="0"/>
           </a:p>
@@ -12479,7 +13694,7 @@
 </p:sld>
 </file>
 
-<file path=ppt/slides/slide31.xml><?xml version="1.0" encoding="utf-8"?>
+<file path=ppt/slides/slide33.xml><?xml version="1.0" encoding="utf-8"?>
 <p:sld xmlns:a="http://schemas.openxmlformats.org/drawingml/2006/main" xmlns:r="http://schemas.openxmlformats.org/officeDocument/2006/relationships" xmlns:p="http://schemas.openxmlformats.org/presentationml/2006/main">
   <p:cSld>
     <p:spTree>
@@ -12537,7 +13752,7 @@
             <a:fld id="{B8DACC02-A2BD-4578-8E03-6D891060A695}" type="slidenum">
               <a:rPr lang="en-US" smtClean="0"/>
               <a:pPr/>
-              <a:t>31</a:t>
+              <a:t>33</a:t>
             </a:fld>
             <a:endParaRPr lang="en-US" dirty="0"/>
           </a:p>
@@ -12723,7 +13938,7 @@
 </p:sld>
 </file>
 
-<file path=ppt/slides/slide32.xml><?xml version="1.0" encoding="utf-8"?>
+<file path=ppt/slides/slide34.xml><?xml version="1.0" encoding="utf-8"?>
 <p:sld xmlns:a="http://schemas.openxmlformats.org/drawingml/2006/main" xmlns:r="http://schemas.openxmlformats.org/officeDocument/2006/relationships" xmlns:p="http://schemas.openxmlformats.org/presentationml/2006/main">
   <p:cSld>
     <p:spTree>
@@ -12857,7 +14072,7 @@
             <a:fld id="{B8DACC02-A2BD-4578-8E03-6D891060A695}" type="slidenum">
               <a:rPr lang="en-US" smtClean="0"/>
               <a:pPr/>
-              <a:t>32</a:t>
+              <a:t>34</a:t>
             </a:fld>
             <a:endParaRPr lang="en-US" dirty="0"/>
           </a:p>
@@ -12876,7 +14091,7 @@
 </p:sld>
 </file>
 
-<file path=ppt/slides/slide33.xml><?xml version="1.0" encoding="utf-8"?>
+<file path=ppt/slides/slide35.xml><?xml version="1.0" encoding="utf-8"?>
 <p:sld xmlns:a="http://schemas.openxmlformats.org/drawingml/2006/main" xmlns:r="http://schemas.openxmlformats.org/officeDocument/2006/relationships" xmlns:p="http://schemas.openxmlformats.org/presentationml/2006/main">
   <p:cSld>
     <p:spTree>
@@ -12972,7 +14187,7 @@
             <a:fld id="{B8DACC02-A2BD-4578-8E03-6D891060A695}" type="slidenum">
               <a:rPr lang="en-US" smtClean="0"/>
               <a:pPr/>
-              <a:t>33</a:t>
+              <a:t>35</a:t>
             </a:fld>
             <a:endParaRPr lang="en-US" dirty="0"/>
           </a:p>
@@ -13073,7 +14288,7 @@
 </p:sld>
 </file>
 
-<file path=ppt/slides/slide34.xml><?xml version="1.0" encoding="utf-8"?>
+<file path=ppt/slides/slide36.xml><?xml version="1.0" encoding="utf-8"?>
 <p:sld xmlns:a="http://schemas.openxmlformats.org/drawingml/2006/main" xmlns:r="http://schemas.openxmlformats.org/officeDocument/2006/relationships" xmlns:p="http://schemas.openxmlformats.org/presentationml/2006/main">
   <p:cSld>
     <p:spTree>
@@ -13248,7 +14463,7 @@
             <a:fld id="{B8DACC02-A2BD-4578-8E03-6D891060A695}" type="slidenum">
               <a:rPr lang="en-US" smtClean="0"/>
               <a:pPr/>
-              <a:t>34</a:t>
+              <a:t>36</a:t>
             </a:fld>
             <a:endParaRPr lang="en-US" dirty="0"/>
           </a:p>
@@ -13349,7 +14564,7 @@
 </p:sld>
 </file>
 
-<file path=ppt/slides/slide35.xml><?xml version="1.0" encoding="utf-8"?>
+<file path=ppt/slides/slide37.xml><?xml version="1.0" encoding="utf-8"?>
 <p:sld xmlns:a="http://schemas.openxmlformats.org/drawingml/2006/main" xmlns:r="http://schemas.openxmlformats.org/officeDocument/2006/relationships" xmlns:p="http://schemas.openxmlformats.org/presentationml/2006/main">
   <p:cSld>
     <p:spTree>
@@ -13503,7 +14718,7 @@
             <a:fld id="{B8DACC02-A2BD-4578-8E03-6D891060A695}" type="slidenum">
               <a:rPr lang="en-US" smtClean="0"/>
               <a:pPr/>
-              <a:t>35</a:t>
+              <a:t>37</a:t>
             </a:fld>
             <a:endParaRPr lang="en-US" dirty="0"/>
           </a:p>

--- a/SE489/Lectures/6-Configuration Management/Configuration Management 2.pptx
+++ b/SE489/Lectures/6-Configuration Management/Configuration Management 2.pptx
@@ -2705,7 +2705,7 @@
           <a:p>
             <a:fld id="{41DA9887-9249-49FD-809A-BACB264048C3}" type="datetimeFigureOut">
               <a:rPr lang="en-US" smtClean="0"/>
-              <a:t>11/2/2022</a:t>
+              <a:t>3/19/2023</a:t>
             </a:fld>
             <a:endParaRPr lang="en-US"/>
           </a:p>
@@ -3110,7 +3110,7 @@
           <a:p>
             <a:fld id="{08A707AD-71EE-4F71-BFB0-5CFFA7745367}" type="datetime1">
               <a:rPr lang="en-US" smtClean="0"/>
-              <a:t>11/2/2022</a:t>
+              <a:t>3/19/2023</a:t>
             </a:fld>
             <a:endParaRPr lang="en-US"/>
           </a:p>
@@ -3402,7 +3402,7 @@
           <a:p>
             <a:fld id="{CF6F9948-F8FC-4163-B3EE-CE0CD0EF91F9}" type="datetime1">
               <a:rPr lang="en-US" smtClean="0"/>
-              <a:t>11/2/2022</a:t>
+              <a:t>3/19/2023</a:t>
             </a:fld>
             <a:endParaRPr lang="en-US"/>
           </a:p>
@@ -3582,7 +3582,7 @@
           <a:p>
             <a:fld id="{090C3B62-4C74-4EE9-93F0-BE51AE88912F}" type="datetime1">
               <a:rPr lang="en-US" smtClean="0"/>
-              <a:t>11/2/2022</a:t>
+              <a:t>3/19/2023</a:t>
             </a:fld>
             <a:endParaRPr lang="en-US"/>
           </a:p>
@@ -3838,7 +3838,7 @@
           <a:p>
             <a:fld id="{D63A470F-AE83-4D43-9CAA-74593F94EAD0}" type="datetime1">
               <a:rPr lang="en-US" smtClean="0"/>
-              <a:t>11/2/2022</a:t>
+              <a:t>3/19/2023</a:t>
             </a:fld>
             <a:endParaRPr lang="en-US"/>
           </a:p>
@@ -4183,7 +4183,7 @@
           <a:p>
             <a:fld id="{E5B8C5BE-3403-4496-9B81-C40FD99BCC4A}" type="datetime1">
               <a:rPr lang="en-US" smtClean="0"/>
-              <a:t>11/2/2022</a:t>
+              <a:t>3/19/2023</a:t>
             </a:fld>
             <a:endParaRPr lang="en-US"/>
           </a:p>
@@ -4415,7 +4415,7 @@
           <a:p>
             <a:fld id="{B78E11C0-1713-41FC-9E65-ABB713C18815}" type="datetime1">
               <a:rPr lang="en-US" smtClean="0"/>
-              <a:t>11/2/2022</a:t>
+              <a:t>3/19/2023</a:t>
             </a:fld>
             <a:endParaRPr lang="en-US"/>
           </a:p>
@@ -4782,7 +4782,7 @@
           <a:p>
             <a:fld id="{555C483D-0DA7-48F4-B572-48ADE24F3969}" type="datetime1">
               <a:rPr lang="en-US" smtClean="0"/>
-              <a:t>11/2/2022</a:t>
+              <a:t>3/19/2023</a:t>
             </a:fld>
             <a:endParaRPr lang="en-US"/>
           </a:p>
@@ -4877,7 +4877,7 @@
           <a:p>
             <a:fld id="{4C06054D-416E-4D32-B207-3C4728F29C83}" type="datetime1">
               <a:rPr lang="en-US" smtClean="0"/>
-              <a:t>11/2/2022</a:t>
+              <a:t>3/19/2023</a:t>
             </a:fld>
             <a:endParaRPr lang="en-US"/>
           </a:p>
@@ -5100,7 +5100,7 @@
             <a:fld id="{B2F5E2FA-C428-4CE7-95B0-168D3259A5BB}" type="datetimeFigureOut">
               <a:rPr lang="en-US" smtClean="0"/>
               <a:pPr/>
-              <a:t>11/2/2022</a:t>
+              <a:t>3/19/2023</a:t>
             </a:fld>
             <a:endParaRPr lang="en-US"/>
           </a:p>
@@ -5271,7 +5271,7 @@
           <a:p>
             <a:fld id="{B34CF2DF-EBB2-4927-9B4B-28D12CAF900C}" type="datetime1">
               <a:rPr lang="en-US" smtClean="0"/>
-              <a:t>11/2/2022</a:t>
+              <a:t>3/19/2023</a:t>
             </a:fld>
             <a:endParaRPr lang="en-US"/>
           </a:p>
@@ -5548,7 +5548,7 @@
           <a:p>
             <a:fld id="{287D8537-E29A-46E3-9242-0E7B32B09241}" type="datetime1">
               <a:rPr lang="en-US" smtClean="0"/>
-              <a:t>11/2/2022</a:t>
+              <a:t>3/19/2023</a:t>
             </a:fld>
             <a:endParaRPr lang="en-US"/>
           </a:p>
@@ -5801,7 +5801,7 @@
           <a:p>
             <a:fld id="{0B8D9EDF-63DE-4DED-A3C4-232814F0B4D7}" type="datetime1">
               <a:rPr lang="en-US" smtClean="0"/>
-              <a:t>11/2/2022</a:t>
+              <a:t>3/19/2023</a:t>
             </a:fld>
             <a:endParaRPr lang="en-US"/>
           </a:p>
@@ -6014,7 +6014,7 @@
           <a:p>
             <a:fld id="{1DC34F13-F0A8-4E10-9ECC-0BA9AAA5E3EB}" type="datetime1">
               <a:rPr lang="en-US" smtClean="0"/>
-              <a:t>11/2/2022</a:t>
+              <a:t>3/19/2023</a:t>
             </a:fld>
             <a:endParaRPr lang="en-US"/>
           </a:p>
@@ -9011,37 +9011,37 @@
             <p:ph idx="1"/>
             <p:extLst>
               <p:ext uri="{D42A27DB-BD31-4B8C-83A1-F6EECF244321}">
-                <p14:modId xmlns:p14="http://schemas.microsoft.com/office/powerpoint/2010/main" val="2525981409"/>
+                <p14:modId xmlns:p14="http://schemas.microsoft.com/office/powerpoint/2010/main" val="1453732887"/>
               </p:ext>
             </p:extLst>
           </p:nvPr>
         </p:nvGraphicFramePr>
         <p:xfrm>
           <a:off x="722377" y="1408174"/>
-          <a:ext cx="10296143" cy="4718307"/>
+          <a:ext cx="10579608" cy="4718307"/>
         </p:xfrm>
         <a:graphic>
           <a:graphicData uri="http://schemas.openxmlformats.org/drawingml/2006/table">
             <a:tbl>
               <a:tblPr>
-                <a:tableStyleId>{616DA210-FB5B-4158-B5E0-FEB733F419BA}</a:tableStyleId>
+                <a:tableStyleId>{1FECB4D8-DB02-4DC6-A0A2-4F2EBAE1DC90}</a:tableStyleId>
               </a:tblPr>
               <a:tblGrid>
-                <a:gridCol w="2615183">
+                <a:gridCol w="2687182">
                   <a:extLst>
                     <a:ext uri="{9D8B030D-6E8A-4147-A177-3AD203B41FA5}">
                       <a16:colId xmlns:a16="http://schemas.microsoft.com/office/drawing/2014/main" val="948397741"/>
                     </a:ext>
                   </a:extLst>
                 </a:gridCol>
-                <a:gridCol w="3840480">
+                <a:gridCol w="3946213">
                   <a:extLst>
                     <a:ext uri="{9D8B030D-6E8A-4147-A177-3AD203B41FA5}">
                       <a16:colId xmlns:a16="http://schemas.microsoft.com/office/drawing/2014/main" val="3373588"/>
                     </a:ext>
                   </a:extLst>
                 </a:gridCol>
-                <a:gridCol w="3840480">
+                <a:gridCol w="3946213">
                   <a:extLst>
                     <a:ext uri="{9D8B030D-6E8A-4147-A177-3AD203B41FA5}">
                       <a16:colId xmlns:a16="http://schemas.microsoft.com/office/drawing/2014/main" val="3396674907"/>
@@ -9055,7 +9055,9 @@
                     <a:bodyPr/>
                     <a:lstStyle/>
                     <a:p>
-                      <a:endParaRPr lang="en-US"/>
+                      <a:endParaRPr lang="en-US">
+                        <a:latin typeface="Candara" panose="020E0502030303020204" pitchFamily="34" charset="0"/>
+                      </a:endParaRPr>
                     </a:p>
                   </a:txBody>
                   <a:tcPr marL="41637" marR="41637" marT="20819" marB="20819"/>
@@ -9067,7 +9069,7 @@
                     <a:p>
                       <a:pPr algn="ctr" fontAlgn="t"/>
                       <a:r>
-                        <a:rPr lang="en-US" sz="1800" b="1" dirty="0" smtClean="0">
+                        <a:rPr lang="en-US" sz="1800" dirty="0" smtClean="0">
                           <a:effectLst/>
                           <a:latin typeface="Candara" panose="020E0502030303020204" pitchFamily="34" charset="0"/>
                         </a:rPr>
@@ -9088,12 +9090,16 @@
                     <a:p>
                       <a:pPr algn="ctr" fontAlgn="t"/>
                       <a:r>
-                        <a:rPr lang="en-US" sz="1800" b="1" dirty="0">
+                        <a:rPr lang="en-US" sz="1800" dirty="0">
                           <a:effectLst/>
                           <a:latin typeface="Candara" panose="020E0502030303020204" pitchFamily="34" charset="0"/>
                         </a:rPr>
                         <a:t>Chef</a:t>
                       </a:r>
+                      <a:endParaRPr lang="en-US" sz="1800" b="1" dirty="0">
+                        <a:effectLst/>
+                        <a:latin typeface="Candara" panose="020E0502030303020204" pitchFamily="34" charset="0"/>
+                      </a:endParaRPr>
                     </a:p>
                   </a:txBody>
                   <a:tcPr marL="41637" marR="41637" marT="20819" marB="20819"/>
@@ -9112,7 +9118,7 @@
                     <a:p>
                       <a:pPr fontAlgn="t"/>
                       <a:r>
-                        <a:rPr lang="en-US" sz="1200" dirty="0">
+                        <a:rPr lang="en-US" sz="1600" b="1" dirty="0">
                           <a:effectLst/>
                           <a:latin typeface="Candara" panose="020E0502030303020204" pitchFamily="34" charset="0"/>
                         </a:rPr>
@@ -9174,7 +9180,7 @@
                     <a:p>
                       <a:pPr fontAlgn="t"/>
                       <a:r>
-                        <a:rPr lang="en-US" sz="1200" dirty="0">
+                        <a:rPr lang="en-US" sz="1600" b="1" dirty="0">
                           <a:effectLst/>
                           <a:latin typeface="Candara" panose="020E0502030303020204" pitchFamily="34" charset="0"/>
                         </a:rPr>
@@ -9232,7 +9238,7 @@
                     <a:p>
                       <a:pPr fontAlgn="t"/>
                       <a:r>
-                        <a:rPr lang="en-US" sz="1200">
+                        <a:rPr lang="en-US" sz="1600" b="1" dirty="0">
                           <a:effectLst/>
                           <a:latin typeface="Candara" panose="020E0502030303020204" pitchFamily="34" charset="0"/>
                         </a:rPr>
@@ -9290,7 +9296,7 @@
                     <a:p>
                       <a:pPr fontAlgn="t"/>
                       <a:r>
-                        <a:rPr lang="en-US" sz="1200" dirty="0">
+                        <a:rPr lang="en-US" sz="1600" b="1" dirty="0">
                           <a:effectLst/>
                           <a:latin typeface="Candara" panose="020E0502030303020204" pitchFamily="34" charset="0"/>
                         </a:rPr>
@@ -9348,7 +9354,7 @@
                     <a:p>
                       <a:pPr fontAlgn="t"/>
                       <a:r>
-                        <a:rPr lang="en-US" sz="1200">
+                        <a:rPr lang="en-US" sz="1600" b="1" dirty="0">
                           <a:effectLst/>
                           <a:latin typeface="Candara" panose="020E0502030303020204" pitchFamily="34" charset="0"/>
                         </a:rPr>
@@ -9406,7 +9412,7 @@
                     <a:p>
                       <a:pPr fontAlgn="t"/>
                       <a:r>
-                        <a:rPr lang="en-US" sz="1200" dirty="0">
+                        <a:rPr lang="en-US" sz="1600" b="1" dirty="0">
                           <a:effectLst/>
                           <a:latin typeface="Candara" panose="020E0502030303020204" pitchFamily="34" charset="0"/>
                         </a:rPr>
@@ -14971,8 +14977,8 @@
         </p:nvSpPr>
         <p:spPr>
           <a:xfrm>
-            <a:off x="1773936" y="1406880"/>
-            <a:ext cx="7690104" cy="623088"/>
+            <a:off x="1152144" y="1406880"/>
+            <a:ext cx="8769096" cy="623088"/>
           </a:xfrm>
           <a:prstGeom prst="round1Rect">
             <a:avLst/>
@@ -15002,7 +15008,7 @@
           <a:p>
             <a:pPr algn="ctr"/>
             <a:r>
-              <a:rPr lang="en-US" sz="2500" dirty="0" smtClean="0">
+              <a:rPr lang="en-US" sz="2800" dirty="0" smtClean="0">
                 <a:solidFill>
                   <a:schemeClr val="tx1"/>
                 </a:solidFill>
@@ -15010,7 +15016,7 @@
               </a:rPr>
               <a:t>Configuring Large Infrastructure was a very hectic job</a:t>
             </a:r>
-            <a:endParaRPr lang="en-US" sz="2500" dirty="0">
+            <a:endParaRPr lang="en-US" sz="2800" dirty="0">
               <a:solidFill>
                 <a:schemeClr val="tx1"/>
               </a:solidFill>
@@ -15144,8 +15150,8 @@
         </p:nvSpPr>
         <p:spPr>
           <a:xfrm>
-            <a:off x="1773936" y="1406880"/>
-            <a:ext cx="7690104" cy="623088"/>
+            <a:off x="1115569" y="1406880"/>
+            <a:ext cx="9596550" cy="623088"/>
           </a:xfrm>
           <a:prstGeom prst="round1Rect">
             <a:avLst/>
@@ -15175,7 +15181,7 @@
           <a:p>
             <a:pPr algn="ctr"/>
             <a:r>
-              <a:rPr lang="en-US" sz="2000" dirty="0" smtClean="0">
+              <a:rPr lang="en-US" sz="2400" dirty="0" smtClean="0">
                 <a:solidFill>
                   <a:schemeClr val="tx1"/>
                 </a:solidFill>
@@ -15183,7 +15189,7 @@
               </a:rPr>
               <a:t>Rollback to the previous stable version of the software was very difficult</a:t>
             </a:r>
-            <a:endParaRPr lang="en-US" sz="2000" dirty="0">
+            <a:endParaRPr lang="en-US" sz="2400" dirty="0">
               <a:solidFill>
                 <a:schemeClr val="tx1"/>
               </a:solidFill>
@@ -15885,8 +15891,8 @@
         </p:nvSpPr>
         <p:spPr>
           <a:xfrm>
-            <a:off x="1078992" y="1406880"/>
-            <a:ext cx="9784080" cy="723672"/>
+            <a:off x="950976" y="1406880"/>
+            <a:ext cx="10149840" cy="723672"/>
           </a:xfrm>
           <a:prstGeom prst="round1Rect">
             <a:avLst/>
@@ -16353,7 +16359,7 @@
         </p:blipFill>
         <p:spPr>
           <a:xfrm>
-            <a:off x="5172299" y="2152412"/>
+            <a:off x="5172299" y="1603772"/>
             <a:ext cx="5549937" cy="2381305"/>
           </a:xfrm>
           <a:prstGeom prst="rect">
@@ -16369,7 +16375,7 @@
         </p:nvSpPr>
         <p:spPr>
           <a:xfrm>
-            <a:off x="5001768" y="2112727"/>
+            <a:off x="5001768" y="1564087"/>
             <a:ext cx="694944" cy="585216"/>
           </a:xfrm>
           <a:prstGeom prst="rect">
@@ -16415,7 +16421,7 @@
         </p:nvSpPr>
         <p:spPr>
           <a:xfrm>
-            <a:off x="557089" y="2405335"/>
+            <a:off x="557089" y="1856695"/>
             <a:ext cx="4078919" cy="1631216"/>
           </a:xfrm>
           <a:prstGeom prst="rect">
@@ -16455,8 +16461,8 @@
         </p:nvSpPr>
         <p:spPr>
           <a:xfrm>
-            <a:off x="777240" y="5485104"/>
-            <a:ext cx="10186416" cy="851688"/>
+            <a:off x="777240" y="5056632"/>
+            <a:ext cx="10186416" cy="1280160"/>
           </a:xfrm>
           <a:prstGeom prst="round1Rect">
             <a:avLst/>
@@ -16485,21 +16491,47 @@
           <a:lstStyle/>
           <a:p>
             <a:r>
-              <a:rPr lang="en-US" sz="2400" dirty="0" smtClean="0">
+              <a:rPr lang="en-US" sz="2800" dirty="0" smtClean="0">
                 <a:solidFill>
                   <a:schemeClr val="tx1"/>
                 </a:solidFill>
                 <a:latin typeface="Candara" panose="020E0502030303020204" pitchFamily="34" charset="0"/>
               </a:rPr>
-              <a:t>As a result of proper Configuration Management process, NYSE recovered from the situation in 90 minutes (very fast).  What about more time!!</a:t>
-            </a:r>
-            <a:endParaRPr lang="en-US" sz="2400" dirty="0">
+              <a:t>As a result of proper Configuration Management process, NYSE recovered from the situation in 90 minutes (very fast).  </a:t>
+            </a:r>
+            <a:endParaRPr lang="en-US" sz="2800" dirty="0" smtClean="0">
               <a:solidFill>
                 <a:schemeClr val="tx1"/>
               </a:solidFill>
               <a:latin typeface="Candara" panose="020E0502030303020204" pitchFamily="34" charset="0"/>
             </a:endParaRPr>
           </a:p>
+          <a:p>
+            <a:r>
+              <a:rPr lang="en-US" sz="2800" dirty="0" smtClean="0">
+                <a:solidFill>
+                  <a:schemeClr val="tx1"/>
+                </a:solidFill>
+                <a:latin typeface="Candara" panose="020E0502030303020204" pitchFamily="34" charset="0"/>
+              </a:rPr>
+              <a:t>What </a:t>
+            </a:r>
+            <a:r>
+              <a:rPr lang="en-US" sz="2800" dirty="0" smtClean="0">
+                <a:solidFill>
+                  <a:schemeClr val="tx1"/>
+                </a:solidFill>
+                <a:latin typeface="Candara" panose="020E0502030303020204" pitchFamily="34" charset="0"/>
+              </a:rPr>
+              <a:t>about more time!!</a:t>
+            </a:r>
+            <a:endParaRPr lang="en-US" sz="2800" dirty="0">
+              <a:solidFill>
+                <a:schemeClr val="tx1"/>
+              </a:solidFill>
+              <a:latin typeface="Candara" panose="020E0502030303020204" pitchFamily="34" charset="0"/>
+            </a:endParaRPr>
+          </a:p>
         </p:txBody>
       </p:sp>
       <p:sp>
@@ -16510,7 +16542,7 @@
         </p:nvSpPr>
         <p:spPr>
           <a:xfrm>
-            <a:off x="5149674" y="4706329"/>
+            <a:off x="5149674" y="4157689"/>
             <a:ext cx="399131" cy="374904"/>
           </a:xfrm>
           <a:prstGeom prst="rect">
@@ -16556,7 +16588,7 @@
         </p:nvSpPr>
         <p:spPr>
           <a:xfrm>
-            <a:off x="5439077" y="4583645"/>
+            <a:off x="5439077" y="4035005"/>
             <a:ext cx="5725747" cy="707886"/>
           </a:xfrm>
           <a:prstGeom prst="rect">
